--- a/2019/1月.pptx
+++ b/2019/1月.pptx
@@ -1,41 +1,136 @@
 
 <file path=ppt/presentation.xml><?xml version="1.0" encoding="utf-8"?>
-<p:presentation xmlns:a="http://schemas.openxmlformats.org/drawingml/2006/main" xmlns:p="http://schemas.openxmlformats.org/presentationml/2006/main" xmlns:r="http://schemas.openxmlformats.org/officeDocument/2006/relationships" xmlns:p14="http://schemas.microsoft.com/office/powerpoint/2010/main" xmlns:p15="http://schemas.microsoft.com/office/powerpoint/2012/main" xmlns:mc="http://schemas.openxmlformats.org/markup-compatibility/2006">
+<p:presentation xmlns:a="http://schemas.openxmlformats.org/drawingml/2006/main" xmlns:r="http://schemas.openxmlformats.org/officeDocument/2006/relationships" xmlns:p="http://schemas.openxmlformats.org/presentationml/2006/main">
   <p:sldMasterIdLst>
-    <p:sldMasterId id="2147483648" r:id="rId2"/>
+    <p:sldMasterId id="2147483648" r:id="rId1"/>
   </p:sldMasterIdLst>
   <p:sldIdLst>
-    <p:sldId id="256" r:id="rId3"/>
-    <p:sldId id="257" r:id="rId4"/>
-    <p:sldId id="258" r:id="rId5"/>
-    <p:sldId id="259" r:id="rId6"/>
-    <p:sldId id="260" r:id="rId7"/>
-    <p:sldId id="261" r:id="rId8"/>
-    <p:sldId id="262" r:id="rId9"/>
-    <p:sldId id="263" r:id="rId10"/>
-    <p:sldId id="264" r:id="rId11"/>
-    <p:sldId id="265" r:id="rId12"/>
-    <p:sldId id="266" r:id="rId13"/>
-    <p:sldId id="267" r:id="rId14"/>
-    <p:sldId id="268" r:id="rId15"/>
-    <p:sldId id="269" r:id="rId16"/>
-    <p:sldId id="270" r:id="rId17"/>
-    <p:sldId id="271" r:id="rId18"/>
-    <p:sldId id="272" r:id="rId19"/>
-    <p:sldId id="273" r:id="rId20"/>
-    <p:sldId id="274" r:id="rId21"/>
-    <p:sldId id="275" r:id="rId22"/>
-    <p:sldId id="276" r:id="rId23"/>
-    <p:sldId id="277" r:id="rId24"/>
-    <p:sldId id="278" r:id="rId25"/>
+    <p:sldId id="256" r:id="rId2"/>
+    <p:sldId id="257" r:id="rId3"/>
+    <p:sldId id="258" r:id="rId4"/>
+    <p:sldId id="259" r:id="rId5"/>
+    <p:sldId id="260" r:id="rId6"/>
+    <p:sldId id="261" r:id="rId7"/>
+    <p:sldId id="262" r:id="rId8"/>
+    <p:sldId id="263" r:id="rId9"/>
+    <p:sldId id="264" r:id="rId10"/>
+    <p:sldId id="265" r:id="rId11"/>
+    <p:sldId id="266" r:id="rId12"/>
+    <p:sldId id="267" r:id="rId13"/>
+    <p:sldId id="268" r:id="rId14"/>
+    <p:sldId id="269" r:id="rId15"/>
+    <p:sldId id="270" r:id="rId16"/>
+    <p:sldId id="271" r:id="rId17"/>
+    <p:sldId id="272" r:id="rId18"/>
+    <p:sldId id="273" r:id="rId19"/>
+    <p:sldId id="274" r:id="rId20"/>
+    <p:sldId id="275" r:id="rId21"/>
+    <p:sldId id="276" r:id="rId22"/>
+    <p:sldId id="277" r:id="rId23"/>
+    <p:sldId id="278" r:id="rId24"/>
   </p:sldIdLst>
-  <p:sldSz cx="9144000" cy="6858000"/>
-  <p:notesSz cx="7559675" cy="10691812"/>
+  <p:sldSz cx="9144000" cy="6858000" type="screen4x3"/>
+  <p:notesSz cx="7559675" cy="10691813"/>
+  <p:defaultTextStyle>
+    <a:defPPr>
+      <a:defRPr lang="zh-TW"/>
+    </a:defPPr>
+    <a:lvl1pPr marL="0" algn="l" defTabSz="914400" rtl="0" eaLnBrk="1" latinLnBrk="0" hangingPunct="1">
+      <a:defRPr sz="1800" kern="1200">
+        <a:solidFill>
+          <a:schemeClr val="tx1"/>
+        </a:solidFill>
+        <a:latin typeface="+mn-lt"/>
+        <a:ea typeface="+mn-ea"/>
+        <a:cs typeface="+mn-cs"/>
+      </a:defRPr>
+    </a:lvl1pPr>
+    <a:lvl2pPr marL="457200" algn="l" defTabSz="914400" rtl="0" eaLnBrk="1" latinLnBrk="0" hangingPunct="1">
+      <a:defRPr sz="1800" kern="1200">
+        <a:solidFill>
+          <a:schemeClr val="tx1"/>
+        </a:solidFill>
+        <a:latin typeface="+mn-lt"/>
+        <a:ea typeface="+mn-ea"/>
+        <a:cs typeface="+mn-cs"/>
+      </a:defRPr>
+    </a:lvl2pPr>
+    <a:lvl3pPr marL="914400" algn="l" defTabSz="914400" rtl="0" eaLnBrk="1" latinLnBrk="0" hangingPunct="1">
+      <a:defRPr sz="1800" kern="1200">
+        <a:solidFill>
+          <a:schemeClr val="tx1"/>
+        </a:solidFill>
+        <a:latin typeface="+mn-lt"/>
+        <a:ea typeface="+mn-ea"/>
+        <a:cs typeface="+mn-cs"/>
+      </a:defRPr>
+    </a:lvl3pPr>
+    <a:lvl4pPr marL="1371600" algn="l" defTabSz="914400" rtl="0" eaLnBrk="1" latinLnBrk="0" hangingPunct="1">
+      <a:defRPr sz="1800" kern="1200">
+        <a:solidFill>
+          <a:schemeClr val="tx1"/>
+        </a:solidFill>
+        <a:latin typeface="+mn-lt"/>
+        <a:ea typeface="+mn-ea"/>
+        <a:cs typeface="+mn-cs"/>
+      </a:defRPr>
+    </a:lvl4pPr>
+    <a:lvl5pPr marL="1828800" algn="l" defTabSz="914400" rtl="0" eaLnBrk="1" latinLnBrk="0" hangingPunct="1">
+      <a:defRPr sz="1800" kern="1200">
+        <a:solidFill>
+          <a:schemeClr val="tx1"/>
+        </a:solidFill>
+        <a:latin typeface="+mn-lt"/>
+        <a:ea typeface="+mn-ea"/>
+        <a:cs typeface="+mn-cs"/>
+      </a:defRPr>
+    </a:lvl5pPr>
+    <a:lvl6pPr marL="2286000" algn="l" defTabSz="914400" rtl="0" eaLnBrk="1" latinLnBrk="0" hangingPunct="1">
+      <a:defRPr sz="1800" kern="1200">
+        <a:solidFill>
+          <a:schemeClr val="tx1"/>
+        </a:solidFill>
+        <a:latin typeface="+mn-lt"/>
+        <a:ea typeface="+mn-ea"/>
+        <a:cs typeface="+mn-cs"/>
+      </a:defRPr>
+    </a:lvl6pPr>
+    <a:lvl7pPr marL="2743200" algn="l" defTabSz="914400" rtl="0" eaLnBrk="1" latinLnBrk="0" hangingPunct="1">
+      <a:defRPr sz="1800" kern="1200">
+        <a:solidFill>
+          <a:schemeClr val="tx1"/>
+        </a:solidFill>
+        <a:latin typeface="+mn-lt"/>
+        <a:ea typeface="+mn-ea"/>
+        <a:cs typeface="+mn-cs"/>
+      </a:defRPr>
+    </a:lvl7pPr>
+    <a:lvl8pPr marL="3200400" algn="l" defTabSz="914400" rtl="0" eaLnBrk="1" latinLnBrk="0" hangingPunct="1">
+      <a:defRPr sz="1800" kern="1200">
+        <a:solidFill>
+          <a:schemeClr val="tx1"/>
+        </a:solidFill>
+        <a:latin typeface="+mn-lt"/>
+        <a:ea typeface="+mn-ea"/>
+        <a:cs typeface="+mn-cs"/>
+      </a:defRPr>
+    </a:lvl8pPr>
+    <a:lvl9pPr marL="3657600" algn="l" defTabSz="914400" rtl="0" eaLnBrk="1" latinLnBrk="0" hangingPunct="1">
+      <a:defRPr sz="1800" kern="1200">
+        <a:solidFill>
+          <a:schemeClr val="tx1"/>
+        </a:solidFill>
+        <a:latin typeface="+mn-lt"/>
+        <a:ea typeface="+mn-ea"/>
+        <a:cs typeface="+mn-cs"/>
+      </a:defRPr>
+    </a:lvl9pPr>
+  </p:defaultTextStyle>
 </p:presentation>
 </file>
 
 <file path=ppt/slideLayouts/slideLayout1.xml><?xml version="1.0" encoding="utf-8"?>
-<p:sldLayout xmlns:a="http://schemas.openxmlformats.org/drawingml/2006/main" xmlns:p="http://schemas.openxmlformats.org/presentationml/2006/main" xmlns:r="http://schemas.openxmlformats.org/officeDocument/2006/relationships" xmlns:p14="http://schemas.microsoft.com/office/powerpoint/2010/main" xmlns:p15="http://schemas.microsoft.com/office/powerpoint/2012/main" xmlns:mc="http://schemas.openxmlformats.org/markup-compatibility/2006" type="blank" preserve="1">
+<p:sldLayout xmlns:a="http://schemas.openxmlformats.org/drawingml/2006/main" xmlns:r="http://schemas.openxmlformats.org/officeDocument/2006/relationships" xmlns:p="http://schemas.openxmlformats.org/presentationml/2006/main" type="blank" preserve="1">
   <p:cSld name="Blank Slide">
     <p:spTree>
       <p:nvGrpSpPr>
@@ -53,11 +148,14 @@
       </p:grpSpPr>
     </p:spTree>
   </p:cSld>
+  <p:clrMapOvr>
+    <a:masterClrMapping/>
+  </p:clrMapOvr>
 </p:sldLayout>
 </file>
 
 <file path=ppt/slideLayouts/slideLayout10.xml><?xml version="1.0" encoding="utf-8"?>
-<p:sldLayout xmlns:a="http://schemas.openxmlformats.org/drawingml/2006/main" xmlns:p="http://schemas.openxmlformats.org/presentationml/2006/main" xmlns:r="http://schemas.openxmlformats.org/officeDocument/2006/relationships" xmlns:p14="http://schemas.microsoft.com/office/powerpoint/2010/main" xmlns:p15="http://schemas.microsoft.com/office/powerpoint/2012/main" xmlns:mc="http://schemas.openxmlformats.org/markup-compatibility/2006" type="objOverTx" preserve="1">
+<p:sldLayout xmlns:a="http://schemas.openxmlformats.org/drawingml/2006/main" xmlns:r="http://schemas.openxmlformats.org/officeDocument/2006/relationships" xmlns:p="http://schemas.openxmlformats.org/presentationml/2006/main" type="objOverTx" preserve="1">
   <p:cSld name="Title, Content over Content">
     <p:spTree>
       <p:nvGrpSpPr>
@@ -93,9 +191,10 @@
           </a:prstGeom>
         </p:spPr>
         <p:txBody>
-          <a:bodyPr lIns="0" rIns="0" tIns="0" bIns="0" anchor="ctr"/>
-          <a:p>
-            <a:endParaRPr b="0" lang="zh-TW" sz="1800" spc="-1" strike="noStrike">
+          <a:bodyPr lIns="0" tIns="0" rIns="0" bIns="0" anchor="ctr"/>
+          <a:lstStyle/>
+          <a:p>
+            <a:endParaRPr lang="zh-TW" sz="1800" b="0" strike="noStrike" spc="-1">
               <a:solidFill>
                 <a:srgbClr val="000000"/>
               </a:solidFill>
@@ -124,11 +223,12 @@
           </a:prstGeom>
         </p:spPr>
         <p:txBody>
-          <a:bodyPr lIns="0" rIns="0" tIns="0" bIns="0">
+          <a:bodyPr lIns="0" tIns="0" rIns="0" bIns="0">
             <a:normAutofit/>
           </a:bodyPr>
-          <a:p>
-            <a:endParaRPr b="0" lang="zh-TW" sz="3200" spc="-1" strike="noStrike">
+          <a:lstStyle/>
+          <a:p>
+            <a:endParaRPr lang="zh-TW" sz="3200" b="0" strike="noStrike" spc="-1">
               <a:solidFill>
                 <a:srgbClr val="000000"/>
               </a:solidFill>
@@ -157,11 +257,12 @@
           </a:prstGeom>
         </p:spPr>
         <p:txBody>
-          <a:bodyPr lIns="0" rIns="0" tIns="0" bIns="0">
+          <a:bodyPr lIns="0" tIns="0" rIns="0" bIns="0">
             <a:normAutofit/>
           </a:bodyPr>
-          <a:p>
-            <a:endParaRPr b="0" lang="zh-TW" sz="3200" spc="-1" strike="noStrike">
+          <a:lstStyle/>
+          <a:p>
+            <a:endParaRPr lang="zh-TW" sz="3200" b="0" strike="noStrike" spc="-1">
               <a:solidFill>
                 <a:srgbClr val="000000"/>
               </a:solidFill>
@@ -172,11 +273,14 @@
       </p:sp>
     </p:spTree>
   </p:cSld>
+  <p:clrMapOvr>
+    <a:masterClrMapping/>
+  </p:clrMapOvr>
 </p:sldLayout>
 </file>
 
 <file path=ppt/slideLayouts/slideLayout11.xml><?xml version="1.0" encoding="utf-8"?>
-<p:sldLayout xmlns:a="http://schemas.openxmlformats.org/drawingml/2006/main" xmlns:p="http://schemas.openxmlformats.org/presentationml/2006/main" xmlns:r="http://schemas.openxmlformats.org/officeDocument/2006/relationships" xmlns:p14="http://schemas.microsoft.com/office/powerpoint/2010/main" xmlns:p15="http://schemas.microsoft.com/office/powerpoint/2012/main" xmlns:mc="http://schemas.openxmlformats.org/markup-compatibility/2006" type="fourObj" preserve="1">
+<p:sldLayout xmlns:a="http://schemas.openxmlformats.org/drawingml/2006/main" xmlns:r="http://schemas.openxmlformats.org/officeDocument/2006/relationships" xmlns:p="http://schemas.openxmlformats.org/presentationml/2006/main" type="fourObj" preserve="1">
   <p:cSld name="Title, 4 Content">
     <p:spTree>
       <p:nvGrpSpPr>
@@ -212,9 +316,10 @@
           </a:prstGeom>
         </p:spPr>
         <p:txBody>
-          <a:bodyPr lIns="0" rIns="0" tIns="0" bIns="0" anchor="ctr"/>
-          <a:p>
-            <a:endParaRPr b="0" lang="zh-TW" sz="1800" spc="-1" strike="noStrike">
+          <a:bodyPr lIns="0" tIns="0" rIns="0" bIns="0" anchor="ctr"/>
+          <a:lstStyle/>
+          <a:p>
+            <a:endParaRPr lang="zh-TW" sz="1800" b="0" strike="noStrike" spc="-1">
               <a:solidFill>
                 <a:srgbClr val="000000"/>
               </a:solidFill>
@@ -243,11 +348,12 @@
           </a:prstGeom>
         </p:spPr>
         <p:txBody>
-          <a:bodyPr lIns="0" rIns="0" tIns="0" bIns="0">
+          <a:bodyPr lIns="0" tIns="0" rIns="0" bIns="0">
             <a:normAutofit/>
           </a:bodyPr>
-          <a:p>
-            <a:endParaRPr b="0" lang="zh-TW" sz="3200" spc="-1" strike="noStrike">
+          <a:lstStyle/>
+          <a:p>
+            <a:endParaRPr lang="zh-TW" sz="3200" b="0" strike="noStrike" spc="-1">
               <a:solidFill>
                 <a:srgbClr val="000000"/>
               </a:solidFill>
@@ -276,11 +382,12 @@
           </a:prstGeom>
         </p:spPr>
         <p:txBody>
-          <a:bodyPr lIns="0" rIns="0" tIns="0" bIns="0">
+          <a:bodyPr lIns="0" tIns="0" rIns="0" bIns="0">
             <a:normAutofit/>
           </a:bodyPr>
-          <a:p>
-            <a:endParaRPr b="0" lang="zh-TW" sz="3200" spc="-1" strike="noStrike">
+          <a:lstStyle/>
+          <a:p>
+            <a:endParaRPr lang="zh-TW" sz="3200" b="0" strike="noStrike" spc="-1">
               <a:solidFill>
                 <a:srgbClr val="000000"/>
               </a:solidFill>
@@ -309,11 +416,12 @@
           </a:prstGeom>
         </p:spPr>
         <p:txBody>
-          <a:bodyPr lIns="0" rIns="0" tIns="0" bIns="0">
+          <a:bodyPr lIns="0" tIns="0" rIns="0" bIns="0">
             <a:normAutofit/>
           </a:bodyPr>
-          <a:p>
-            <a:endParaRPr b="0" lang="zh-TW" sz="3200" spc="-1" strike="noStrike">
+          <a:lstStyle/>
+          <a:p>
+            <a:endParaRPr lang="zh-TW" sz="3200" b="0" strike="noStrike" spc="-1">
               <a:solidFill>
                 <a:srgbClr val="000000"/>
               </a:solidFill>
@@ -342,11 +450,12 @@
           </a:prstGeom>
         </p:spPr>
         <p:txBody>
-          <a:bodyPr lIns="0" rIns="0" tIns="0" bIns="0">
+          <a:bodyPr lIns="0" tIns="0" rIns="0" bIns="0">
             <a:normAutofit/>
           </a:bodyPr>
-          <a:p>
-            <a:endParaRPr b="0" lang="zh-TW" sz="3200" spc="-1" strike="noStrike">
+          <a:lstStyle/>
+          <a:p>
+            <a:endParaRPr lang="zh-TW" sz="3200" b="0" strike="noStrike" spc="-1">
               <a:solidFill>
                 <a:srgbClr val="000000"/>
               </a:solidFill>
@@ -357,11 +466,14 @@
       </p:sp>
     </p:spTree>
   </p:cSld>
+  <p:clrMapOvr>
+    <a:masterClrMapping/>
+  </p:clrMapOvr>
 </p:sldLayout>
 </file>
 
 <file path=ppt/slideLayouts/slideLayout12.xml><?xml version="1.0" encoding="utf-8"?>
-<p:sldLayout xmlns:a="http://schemas.openxmlformats.org/drawingml/2006/main" xmlns:p="http://schemas.openxmlformats.org/presentationml/2006/main" xmlns:r="http://schemas.openxmlformats.org/officeDocument/2006/relationships" xmlns:p14="http://schemas.microsoft.com/office/powerpoint/2010/main" xmlns:p15="http://schemas.microsoft.com/office/powerpoint/2012/main" xmlns:mc="http://schemas.openxmlformats.org/markup-compatibility/2006" type="blank" preserve="1">
+<p:sldLayout xmlns:a="http://schemas.openxmlformats.org/drawingml/2006/main" xmlns:r="http://schemas.openxmlformats.org/officeDocument/2006/relationships" xmlns:p="http://schemas.openxmlformats.org/presentationml/2006/main" type="blank" preserve="1">
   <p:cSld name="Title, 6 Content">
     <p:spTree>
       <p:nvGrpSpPr>
@@ -397,9 +509,10 @@
           </a:prstGeom>
         </p:spPr>
         <p:txBody>
-          <a:bodyPr lIns="0" rIns="0" tIns="0" bIns="0" anchor="ctr"/>
-          <a:p>
-            <a:endParaRPr b="0" lang="zh-TW" sz="1800" spc="-1" strike="noStrike">
+          <a:bodyPr lIns="0" tIns="0" rIns="0" bIns="0" anchor="ctr"/>
+          <a:lstStyle/>
+          <a:p>
+            <a:endParaRPr lang="zh-TW" sz="1800" b="0" strike="noStrike" spc="-1">
               <a:solidFill>
                 <a:srgbClr val="000000"/>
               </a:solidFill>
@@ -428,11 +541,12 @@
           </a:prstGeom>
         </p:spPr>
         <p:txBody>
-          <a:bodyPr lIns="0" rIns="0" tIns="0" bIns="0">
+          <a:bodyPr lIns="0" tIns="0" rIns="0" bIns="0">
             <a:normAutofit/>
           </a:bodyPr>
-          <a:p>
-            <a:endParaRPr b="0" lang="zh-TW" sz="3200" spc="-1" strike="noStrike">
+          <a:lstStyle/>
+          <a:p>
+            <a:endParaRPr lang="zh-TW" sz="3200" b="0" strike="noStrike" spc="-1">
               <a:solidFill>
                 <a:srgbClr val="000000"/>
               </a:solidFill>
@@ -461,11 +575,12 @@
           </a:prstGeom>
         </p:spPr>
         <p:txBody>
-          <a:bodyPr lIns="0" rIns="0" tIns="0" bIns="0">
+          <a:bodyPr lIns="0" tIns="0" rIns="0" bIns="0">
             <a:normAutofit/>
           </a:bodyPr>
-          <a:p>
-            <a:endParaRPr b="0" lang="zh-TW" sz="3200" spc="-1" strike="noStrike">
+          <a:lstStyle/>
+          <a:p>
+            <a:endParaRPr lang="zh-TW" sz="3200" b="0" strike="noStrike" spc="-1">
               <a:solidFill>
                 <a:srgbClr val="000000"/>
               </a:solidFill>
@@ -494,11 +609,12 @@
           </a:prstGeom>
         </p:spPr>
         <p:txBody>
-          <a:bodyPr lIns="0" rIns="0" tIns="0" bIns="0">
+          <a:bodyPr lIns="0" tIns="0" rIns="0" bIns="0">
             <a:normAutofit/>
           </a:bodyPr>
-          <a:p>
-            <a:endParaRPr b="0" lang="zh-TW" sz="3200" spc="-1" strike="noStrike">
+          <a:lstStyle/>
+          <a:p>
+            <a:endParaRPr lang="zh-TW" sz="3200" b="0" strike="noStrike" spc="-1">
               <a:solidFill>
                 <a:srgbClr val="000000"/>
               </a:solidFill>
@@ -527,11 +643,12 @@
           </a:prstGeom>
         </p:spPr>
         <p:txBody>
-          <a:bodyPr lIns="0" rIns="0" tIns="0" bIns="0">
+          <a:bodyPr lIns="0" tIns="0" rIns="0" bIns="0">
             <a:normAutofit/>
           </a:bodyPr>
-          <a:p>
-            <a:endParaRPr b="0" lang="zh-TW" sz="3200" spc="-1" strike="noStrike">
+          <a:lstStyle/>
+          <a:p>
+            <a:endParaRPr lang="zh-TW" sz="3200" b="0" strike="noStrike" spc="-1">
               <a:solidFill>
                 <a:srgbClr val="000000"/>
               </a:solidFill>
@@ -560,11 +677,12 @@
           </a:prstGeom>
         </p:spPr>
         <p:txBody>
-          <a:bodyPr lIns="0" rIns="0" tIns="0" bIns="0">
+          <a:bodyPr lIns="0" tIns="0" rIns="0" bIns="0">
             <a:normAutofit/>
           </a:bodyPr>
-          <a:p>
-            <a:endParaRPr b="0" lang="zh-TW" sz="3200" spc="-1" strike="noStrike">
+          <a:lstStyle/>
+          <a:p>
+            <a:endParaRPr lang="zh-TW" sz="3200" b="0" strike="noStrike" spc="-1">
               <a:solidFill>
                 <a:srgbClr val="000000"/>
               </a:solidFill>
@@ -593,11 +711,12 @@
           </a:prstGeom>
         </p:spPr>
         <p:txBody>
-          <a:bodyPr lIns="0" rIns="0" tIns="0" bIns="0">
+          <a:bodyPr lIns="0" tIns="0" rIns="0" bIns="0">
             <a:normAutofit/>
           </a:bodyPr>
-          <a:p>
-            <a:endParaRPr b="0" lang="zh-TW" sz="3200" spc="-1" strike="noStrike">
+          <a:lstStyle/>
+          <a:p>
+            <a:endParaRPr lang="zh-TW" sz="3200" b="0" strike="noStrike" spc="-1">
               <a:solidFill>
                 <a:srgbClr val="000000"/>
               </a:solidFill>
@@ -608,11 +727,14 @@
       </p:sp>
     </p:spTree>
   </p:cSld>
+  <p:clrMapOvr>
+    <a:masterClrMapping/>
+  </p:clrMapOvr>
 </p:sldLayout>
 </file>
 
 <file path=ppt/slideLayouts/slideLayout2.xml><?xml version="1.0" encoding="utf-8"?>
-<p:sldLayout xmlns:a="http://schemas.openxmlformats.org/drawingml/2006/main" xmlns:p="http://schemas.openxmlformats.org/presentationml/2006/main" xmlns:r="http://schemas.openxmlformats.org/officeDocument/2006/relationships" xmlns:p14="http://schemas.microsoft.com/office/powerpoint/2010/main" xmlns:p15="http://schemas.microsoft.com/office/powerpoint/2012/main" xmlns:mc="http://schemas.openxmlformats.org/markup-compatibility/2006" type="tx" preserve="1">
+<p:sldLayout xmlns:a="http://schemas.openxmlformats.org/drawingml/2006/main" xmlns:r="http://schemas.openxmlformats.org/officeDocument/2006/relationships" xmlns:p="http://schemas.openxmlformats.org/presentationml/2006/main" type="tx" preserve="1">
   <p:cSld name="Title Slide">
     <p:spTree>
       <p:nvGrpSpPr>
@@ -648,9 +770,10 @@
           </a:prstGeom>
         </p:spPr>
         <p:txBody>
-          <a:bodyPr lIns="0" rIns="0" tIns="0" bIns="0" anchor="ctr"/>
-          <a:p>
-            <a:endParaRPr b="0" lang="zh-TW" sz="1800" spc="-1" strike="noStrike">
+          <a:bodyPr lIns="0" tIns="0" rIns="0" bIns="0" anchor="ctr"/>
+          <a:lstStyle/>
+          <a:p>
+            <a:endParaRPr lang="zh-TW" sz="1800" b="0" strike="noStrike" spc="-1">
               <a:solidFill>
                 <a:srgbClr val="000000"/>
               </a:solidFill>
@@ -679,10 +802,11 @@
           </a:prstGeom>
         </p:spPr>
         <p:txBody>
-          <a:bodyPr lIns="0" rIns="0" tIns="0" bIns="0" anchor="ctr"/>
+          <a:bodyPr lIns="0" tIns="0" rIns="0" bIns="0" anchor="ctr"/>
+          <a:lstStyle/>
           <a:p>
             <a:pPr algn="ctr"/>
-            <a:endParaRPr b="0" lang="en-US" sz="3200" spc="-1" strike="noStrike">
+            <a:endParaRPr lang="en-US" sz="3200" b="0" strike="noStrike" spc="-1">
               <a:latin typeface="Arial"/>
             </a:endParaRPr>
           </a:p>
@@ -690,11 +814,14 @@
       </p:sp>
     </p:spTree>
   </p:cSld>
+  <p:clrMapOvr>
+    <a:masterClrMapping/>
+  </p:clrMapOvr>
 </p:sldLayout>
 </file>
 
 <file path=ppt/slideLayouts/slideLayout3.xml><?xml version="1.0" encoding="utf-8"?>
-<p:sldLayout xmlns:a="http://schemas.openxmlformats.org/drawingml/2006/main" xmlns:p="http://schemas.openxmlformats.org/presentationml/2006/main" xmlns:r="http://schemas.openxmlformats.org/officeDocument/2006/relationships" xmlns:p14="http://schemas.microsoft.com/office/powerpoint/2010/main" xmlns:p15="http://schemas.microsoft.com/office/powerpoint/2012/main" xmlns:mc="http://schemas.openxmlformats.org/markup-compatibility/2006" type="obj" preserve="1">
+<p:sldLayout xmlns:a="http://schemas.openxmlformats.org/drawingml/2006/main" xmlns:r="http://schemas.openxmlformats.org/officeDocument/2006/relationships" xmlns:p="http://schemas.openxmlformats.org/presentationml/2006/main" type="obj" preserve="1">
   <p:cSld name="Title, Content">
     <p:spTree>
       <p:nvGrpSpPr>
@@ -730,9 +857,10 @@
           </a:prstGeom>
         </p:spPr>
         <p:txBody>
-          <a:bodyPr lIns="0" rIns="0" tIns="0" bIns="0" anchor="ctr"/>
-          <a:p>
-            <a:endParaRPr b="0" lang="zh-TW" sz="1800" spc="-1" strike="noStrike">
+          <a:bodyPr lIns="0" tIns="0" rIns="0" bIns="0" anchor="ctr"/>
+          <a:lstStyle/>
+          <a:p>
+            <a:endParaRPr lang="zh-TW" sz="1800" b="0" strike="noStrike" spc="-1">
               <a:solidFill>
                 <a:srgbClr val="000000"/>
               </a:solidFill>
@@ -761,11 +889,12 @@
           </a:prstGeom>
         </p:spPr>
         <p:txBody>
-          <a:bodyPr lIns="0" rIns="0" tIns="0" bIns="0">
+          <a:bodyPr lIns="0" tIns="0" rIns="0" bIns="0">
             <a:normAutofit/>
           </a:bodyPr>
-          <a:p>
-            <a:endParaRPr b="0" lang="zh-TW" sz="3200" spc="-1" strike="noStrike">
+          <a:lstStyle/>
+          <a:p>
+            <a:endParaRPr lang="zh-TW" sz="3200" b="0" strike="noStrike" spc="-1">
               <a:solidFill>
                 <a:srgbClr val="000000"/>
               </a:solidFill>
@@ -776,11 +905,14 @@
       </p:sp>
     </p:spTree>
   </p:cSld>
+  <p:clrMapOvr>
+    <a:masterClrMapping/>
+  </p:clrMapOvr>
 </p:sldLayout>
 </file>
 
 <file path=ppt/slideLayouts/slideLayout4.xml><?xml version="1.0" encoding="utf-8"?>
-<p:sldLayout xmlns:a="http://schemas.openxmlformats.org/drawingml/2006/main" xmlns:p="http://schemas.openxmlformats.org/presentationml/2006/main" xmlns:r="http://schemas.openxmlformats.org/officeDocument/2006/relationships" xmlns:p14="http://schemas.microsoft.com/office/powerpoint/2010/main" xmlns:p15="http://schemas.microsoft.com/office/powerpoint/2012/main" xmlns:mc="http://schemas.openxmlformats.org/markup-compatibility/2006" type="twoObj" preserve="1">
+<p:sldLayout xmlns:a="http://schemas.openxmlformats.org/drawingml/2006/main" xmlns:r="http://schemas.openxmlformats.org/officeDocument/2006/relationships" xmlns:p="http://schemas.openxmlformats.org/presentationml/2006/main" type="twoObj" preserve="1">
   <p:cSld name="Title, 2 Content">
     <p:spTree>
       <p:nvGrpSpPr>
@@ -816,9 +948,10 @@
           </a:prstGeom>
         </p:spPr>
         <p:txBody>
-          <a:bodyPr lIns="0" rIns="0" tIns="0" bIns="0" anchor="ctr"/>
-          <a:p>
-            <a:endParaRPr b="0" lang="zh-TW" sz="1800" spc="-1" strike="noStrike">
+          <a:bodyPr lIns="0" tIns="0" rIns="0" bIns="0" anchor="ctr"/>
+          <a:lstStyle/>
+          <a:p>
+            <a:endParaRPr lang="zh-TW" sz="1800" b="0" strike="noStrike" spc="-1">
               <a:solidFill>
                 <a:srgbClr val="000000"/>
               </a:solidFill>
@@ -847,11 +980,12 @@
           </a:prstGeom>
         </p:spPr>
         <p:txBody>
-          <a:bodyPr lIns="0" rIns="0" tIns="0" bIns="0">
+          <a:bodyPr lIns="0" tIns="0" rIns="0" bIns="0">
             <a:normAutofit/>
           </a:bodyPr>
-          <a:p>
-            <a:endParaRPr b="0" lang="zh-TW" sz="3200" spc="-1" strike="noStrike">
+          <a:lstStyle/>
+          <a:p>
+            <a:endParaRPr lang="zh-TW" sz="3200" b="0" strike="noStrike" spc="-1">
               <a:solidFill>
                 <a:srgbClr val="000000"/>
               </a:solidFill>
@@ -880,11 +1014,12 @@
           </a:prstGeom>
         </p:spPr>
         <p:txBody>
-          <a:bodyPr lIns="0" rIns="0" tIns="0" bIns="0">
+          <a:bodyPr lIns="0" tIns="0" rIns="0" bIns="0">
             <a:normAutofit/>
           </a:bodyPr>
-          <a:p>
-            <a:endParaRPr b="0" lang="zh-TW" sz="3200" spc="-1" strike="noStrike">
+          <a:lstStyle/>
+          <a:p>
+            <a:endParaRPr lang="zh-TW" sz="3200" b="0" strike="noStrike" spc="-1">
               <a:solidFill>
                 <a:srgbClr val="000000"/>
               </a:solidFill>
@@ -895,11 +1030,14 @@
       </p:sp>
     </p:spTree>
   </p:cSld>
+  <p:clrMapOvr>
+    <a:masterClrMapping/>
+  </p:clrMapOvr>
 </p:sldLayout>
 </file>
 
 <file path=ppt/slideLayouts/slideLayout5.xml><?xml version="1.0" encoding="utf-8"?>
-<p:sldLayout xmlns:a="http://schemas.openxmlformats.org/drawingml/2006/main" xmlns:p="http://schemas.openxmlformats.org/presentationml/2006/main" xmlns:r="http://schemas.openxmlformats.org/officeDocument/2006/relationships" xmlns:p14="http://schemas.microsoft.com/office/powerpoint/2010/main" xmlns:p15="http://schemas.microsoft.com/office/powerpoint/2012/main" xmlns:mc="http://schemas.openxmlformats.org/markup-compatibility/2006" type="titleOnly" preserve="1">
+<p:sldLayout xmlns:a="http://schemas.openxmlformats.org/drawingml/2006/main" xmlns:r="http://schemas.openxmlformats.org/officeDocument/2006/relationships" xmlns:p="http://schemas.openxmlformats.org/presentationml/2006/main" type="titleOnly" preserve="1">
   <p:cSld name="Title Only">
     <p:spTree>
       <p:nvGrpSpPr>
@@ -935,9 +1073,10 @@
           </a:prstGeom>
         </p:spPr>
         <p:txBody>
-          <a:bodyPr lIns="0" rIns="0" tIns="0" bIns="0" anchor="ctr"/>
-          <a:p>
-            <a:endParaRPr b="0" lang="zh-TW" sz="1800" spc="-1" strike="noStrike">
+          <a:bodyPr lIns="0" tIns="0" rIns="0" bIns="0" anchor="ctr"/>
+          <a:lstStyle/>
+          <a:p>
+            <a:endParaRPr lang="zh-TW" sz="1800" b="0" strike="noStrike" spc="-1">
               <a:solidFill>
                 <a:srgbClr val="000000"/>
               </a:solidFill>
@@ -948,11 +1087,14 @@
       </p:sp>
     </p:spTree>
   </p:cSld>
+  <p:clrMapOvr>
+    <a:masterClrMapping/>
+  </p:clrMapOvr>
 </p:sldLayout>
 </file>
 
 <file path=ppt/slideLayouts/slideLayout6.xml><?xml version="1.0" encoding="utf-8"?>
-<p:sldLayout xmlns:a="http://schemas.openxmlformats.org/drawingml/2006/main" xmlns:p="http://schemas.openxmlformats.org/presentationml/2006/main" xmlns:r="http://schemas.openxmlformats.org/officeDocument/2006/relationships" xmlns:p14="http://schemas.microsoft.com/office/powerpoint/2010/main" xmlns:p15="http://schemas.microsoft.com/office/powerpoint/2012/main" xmlns:mc="http://schemas.openxmlformats.org/markup-compatibility/2006" type="objOnly" preserve="1">
+<p:sldLayout xmlns:a="http://schemas.openxmlformats.org/drawingml/2006/main" xmlns:r="http://schemas.openxmlformats.org/officeDocument/2006/relationships" xmlns:p="http://schemas.openxmlformats.org/presentationml/2006/main" type="objOnly" preserve="1">
   <p:cSld name="Centered Text">
     <p:spTree>
       <p:nvGrpSpPr>
@@ -988,10 +1130,11 @@
           </a:prstGeom>
         </p:spPr>
         <p:txBody>
-          <a:bodyPr lIns="0" rIns="0" tIns="0" bIns="0" anchor="ctr"/>
+          <a:bodyPr lIns="0" tIns="0" rIns="0" bIns="0" anchor="ctr"/>
+          <a:lstStyle/>
           <a:p>
             <a:pPr algn="ctr"/>
-            <a:endParaRPr b="0" lang="en-US" sz="3200" spc="-1" strike="noStrike">
+            <a:endParaRPr lang="en-US" sz="3200" b="0" strike="noStrike" spc="-1">
               <a:latin typeface="Arial"/>
             </a:endParaRPr>
           </a:p>
@@ -999,11 +1142,14 @@
       </p:sp>
     </p:spTree>
   </p:cSld>
+  <p:clrMapOvr>
+    <a:masterClrMapping/>
+  </p:clrMapOvr>
 </p:sldLayout>
 </file>
 
 <file path=ppt/slideLayouts/slideLayout7.xml><?xml version="1.0" encoding="utf-8"?>
-<p:sldLayout xmlns:a="http://schemas.openxmlformats.org/drawingml/2006/main" xmlns:p="http://schemas.openxmlformats.org/presentationml/2006/main" xmlns:r="http://schemas.openxmlformats.org/officeDocument/2006/relationships" xmlns:p14="http://schemas.microsoft.com/office/powerpoint/2010/main" xmlns:p15="http://schemas.microsoft.com/office/powerpoint/2012/main" xmlns:mc="http://schemas.openxmlformats.org/markup-compatibility/2006" type="twoObjAndObj" preserve="1">
+<p:sldLayout xmlns:a="http://schemas.openxmlformats.org/drawingml/2006/main" xmlns:r="http://schemas.openxmlformats.org/officeDocument/2006/relationships" xmlns:p="http://schemas.openxmlformats.org/presentationml/2006/main" type="twoObjAndObj" preserve="1">
   <p:cSld name="Title, 2 Content and Content">
     <p:spTree>
       <p:nvGrpSpPr>
@@ -1039,9 +1185,10 @@
           </a:prstGeom>
         </p:spPr>
         <p:txBody>
-          <a:bodyPr lIns="0" rIns="0" tIns="0" bIns="0" anchor="ctr"/>
-          <a:p>
-            <a:endParaRPr b="0" lang="zh-TW" sz="1800" spc="-1" strike="noStrike">
+          <a:bodyPr lIns="0" tIns="0" rIns="0" bIns="0" anchor="ctr"/>
+          <a:lstStyle/>
+          <a:p>
+            <a:endParaRPr lang="zh-TW" sz="1800" b="0" strike="noStrike" spc="-1">
               <a:solidFill>
                 <a:srgbClr val="000000"/>
               </a:solidFill>
@@ -1070,11 +1217,12 @@
           </a:prstGeom>
         </p:spPr>
         <p:txBody>
-          <a:bodyPr lIns="0" rIns="0" tIns="0" bIns="0">
+          <a:bodyPr lIns="0" tIns="0" rIns="0" bIns="0">
             <a:normAutofit/>
           </a:bodyPr>
-          <a:p>
-            <a:endParaRPr b="0" lang="zh-TW" sz="3200" spc="-1" strike="noStrike">
+          <a:lstStyle/>
+          <a:p>
+            <a:endParaRPr lang="zh-TW" sz="3200" b="0" strike="noStrike" spc="-1">
               <a:solidFill>
                 <a:srgbClr val="000000"/>
               </a:solidFill>
@@ -1103,11 +1251,12 @@
           </a:prstGeom>
         </p:spPr>
         <p:txBody>
-          <a:bodyPr lIns="0" rIns="0" tIns="0" bIns="0">
+          <a:bodyPr lIns="0" tIns="0" rIns="0" bIns="0">
             <a:normAutofit/>
           </a:bodyPr>
-          <a:p>
-            <a:endParaRPr b="0" lang="zh-TW" sz="3200" spc="-1" strike="noStrike">
+          <a:lstStyle/>
+          <a:p>
+            <a:endParaRPr lang="zh-TW" sz="3200" b="0" strike="noStrike" spc="-1">
               <a:solidFill>
                 <a:srgbClr val="000000"/>
               </a:solidFill>
@@ -1136,11 +1285,12 @@
           </a:prstGeom>
         </p:spPr>
         <p:txBody>
-          <a:bodyPr lIns="0" rIns="0" tIns="0" bIns="0">
+          <a:bodyPr lIns="0" tIns="0" rIns="0" bIns="0">
             <a:normAutofit/>
           </a:bodyPr>
-          <a:p>
-            <a:endParaRPr b="0" lang="zh-TW" sz="3200" spc="-1" strike="noStrike">
+          <a:lstStyle/>
+          <a:p>
+            <a:endParaRPr lang="zh-TW" sz="3200" b="0" strike="noStrike" spc="-1">
               <a:solidFill>
                 <a:srgbClr val="000000"/>
               </a:solidFill>
@@ -1151,11 +1301,14 @@
       </p:sp>
     </p:spTree>
   </p:cSld>
+  <p:clrMapOvr>
+    <a:masterClrMapping/>
+  </p:clrMapOvr>
 </p:sldLayout>
 </file>
 
 <file path=ppt/slideLayouts/slideLayout8.xml><?xml version="1.0" encoding="utf-8"?>
-<p:sldLayout xmlns:a="http://schemas.openxmlformats.org/drawingml/2006/main" xmlns:p="http://schemas.openxmlformats.org/presentationml/2006/main" xmlns:r="http://schemas.openxmlformats.org/officeDocument/2006/relationships" xmlns:p14="http://schemas.microsoft.com/office/powerpoint/2010/main" xmlns:p15="http://schemas.microsoft.com/office/powerpoint/2012/main" xmlns:mc="http://schemas.openxmlformats.org/markup-compatibility/2006" type="objAndTwoObj" preserve="1">
+<p:sldLayout xmlns:a="http://schemas.openxmlformats.org/drawingml/2006/main" xmlns:r="http://schemas.openxmlformats.org/officeDocument/2006/relationships" xmlns:p="http://schemas.openxmlformats.org/presentationml/2006/main" type="objAndTwoObj" preserve="1">
   <p:cSld name="Title Content and 2 Content">
     <p:spTree>
       <p:nvGrpSpPr>
@@ -1191,9 +1344,10 @@
           </a:prstGeom>
         </p:spPr>
         <p:txBody>
-          <a:bodyPr lIns="0" rIns="0" tIns="0" bIns="0" anchor="ctr"/>
-          <a:p>
-            <a:endParaRPr b="0" lang="zh-TW" sz="1800" spc="-1" strike="noStrike">
+          <a:bodyPr lIns="0" tIns="0" rIns="0" bIns="0" anchor="ctr"/>
+          <a:lstStyle/>
+          <a:p>
+            <a:endParaRPr lang="zh-TW" sz="1800" b="0" strike="noStrike" spc="-1">
               <a:solidFill>
                 <a:srgbClr val="000000"/>
               </a:solidFill>
@@ -1222,11 +1376,12 @@
           </a:prstGeom>
         </p:spPr>
         <p:txBody>
-          <a:bodyPr lIns="0" rIns="0" tIns="0" bIns="0">
+          <a:bodyPr lIns="0" tIns="0" rIns="0" bIns="0">
             <a:normAutofit/>
           </a:bodyPr>
-          <a:p>
-            <a:endParaRPr b="0" lang="zh-TW" sz="3200" spc="-1" strike="noStrike">
+          <a:lstStyle/>
+          <a:p>
+            <a:endParaRPr lang="zh-TW" sz="3200" b="0" strike="noStrike" spc="-1">
               <a:solidFill>
                 <a:srgbClr val="000000"/>
               </a:solidFill>
@@ -1255,11 +1410,12 @@
           </a:prstGeom>
         </p:spPr>
         <p:txBody>
-          <a:bodyPr lIns="0" rIns="0" tIns="0" bIns="0">
+          <a:bodyPr lIns="0" tIns="0" rIns="0" bIns="0">
             <a:normAutofit/>
           </a:bodyPr>
-          <a:p>
-            <a:endParaRPr b="0" lang="zh-TW" sz="3200" spc="-1" strike="noStrike">
+          <a:lstStyle/>
+          <a:p>
+            <a:endParaRPr lang="zh-TW" sz="3200" b="0" strike="noStrike" spc="-1">
               <a:solidFill>
                 <a:srgbClr val="000000"/>
               </a:solidFill>
@@ -1288,11 +1444,12 @@
           </a:prstGeom>
         </p:spPr>
         <p:txBody>
-          <a:bodyPr lIns="0" rIns="0" tIns="0" bIns="0">
+          <a:bodyPr lIns="0" tIns="0" rIns="0" bIns="0">
             <a:normAutofit/>
           </a:bodyPr>
-          <a:p>
-            <a:endParaRPr b="0" lang="zh-TW" sz="3200" spc="-1" strike="noStrike">
+          <a:lstStyle/>
+          <a:p>
+            <a:endParaRPr lang="zh-TW" sz="3200" b="0" strike="noStrike" spc="-1">
               <a:solidFill>
                 <a:srgbClr val="000000"/>
               </a:solidFill>
@@ -1303,11 +1460,14 @@
       </p:sp>
     </p:spTree>
   </p:cSld>
+  <p:clrMapOvr>
+    <a:masterClrMapping/>
+  </p:clrMapOvr>
 </p:sldLayout>
 </file>
 
 <file path=ppt/slideLayouts/slideLayout9.xml><?xml version="1.0" encoding="utf-8"?>
-<p:sldLayout xmlns:a="http://schemas.openxmlformats.org/drawingml/2006/main" xmlns:p="http://schemas.openxmlformats.org/presentationml/2006/main" xmlns:r="http://schemas.openxmlformats.org/officeDocument/2006/relationships" xmlns:p14="http://schemas.microsoft.com/office/powerpoint/2010/main" xmlns:p15="http://schemas.microsoft.com/office/powerpoint/2012/main" xmlns:mc="http://schemas.openxmlformats.org/markup-compatibility/2006" type="twoObjOverTx" preserve="1">
+<p:sldLayout xmlns:a="http://schemas.openxmlformats.org/drawingml/2006/main" xmlns:r="http://schemas.openxmlformats.org/officeDocument/2006/relationships" xmlns:p="http://schemas.openxmlformats.org/presentationml/2006/main" type="twoObjOverTx" preserve="1">
   <p:cSld name="Title, 2 Content over Content">
     <p:spTree>
       <p:nvGrpSpPr>
@@ -1343,9 +1503,10 @@
           </a:prstGeom>
         </p:spPr>
         <p:txBody>
-          <a:bodyPr lIns="0" rIns="0" tIns="0" bIns="0" anchor="ctr"/>
-          <a:p>
-            <a:endParaRPr b="0" lang="zh-TW" sz="1800" spc="-1" strike="noStrike">
+          <a:bodyPr lIns="0" tIns="0" rIns="0" bIns="0" anchor="ctr"/>
+          <a:lstStyle/>
+          <a:p>
+            <a:endParaRPr lang="zh-TW" sz="1800" b="0" strike="noStrike" spc="-1">
               <a:solidFill>
                 <a:srgbClr val="000000"/>
               </a:solidFill>
@@ -1374,11 +1535,12 @@
           </a:prstGeom>
         </p:spPr>
         <p:txBody>
-          <a:bodyPr lIns="0" rIns="0" tIns="0" bIns="0">
+          <a:bodyPr lIns="0" tIns="0" rIns="0" bIns="0">
             <a:normAutofit/>
           </a:bodyPr>
-          <a:p>
-            <a:endParaRPr b="0" lang="zh-TW" sz="3200" spc="-1" strike="noStrike">
+          <a:lstStyle/>
+          <a:p>
+            <a:endParaRPr lang="zh-TW" sz="3200" b="0" strike="noStrike" spc="-1">
               <a:solidFill>
                 <a:srgbClr val="000000"/>
               </a:solidFill>
@@ -1407,11 +1569,12 @@
           </a:prstGeom>
         </p:spPr>
         <p:txBody>
-          <a:bodyPr lIns="0" rIns="0" tIns="0" bIns="0">
+          <a:bodyPr lIns="0" tIns="0" rIns="0" bIns="0">
             <a:normAutofit/>
           </a:bodyPr>
-          <a:p>
-            <a:endParaRPr b="0" lang="zh-TW" sz="3200" spc="-1" strike="noStrike">
+          <a:lstStyle/>
+          <a:p>
+            <a:endParaRPr lang="zh-TW" sz="3200" b="0" strike="noStrike" spc="-1">
               <a:solidFill>
                 <a:srgbClr val="000000"/>
               </a:solidFill>
@@ -1440,11 +1603,12 @@
           </a:prstGeom>
         </p:spPr>
         <p:txBody>
-          <a:bodyPr lIns="0" rIns="0" tIns="0" bIns="0">
+          <a:bodyPr lIns="0" tIns="0" rIns="0" bIns="0">
             <a:normAutofit/>
           </a:bodyPr>
-          <a:p>
-            <a:endParaRPr b="0" lang="zh-TW" sz="3200" spc="-1" strike="noStrike">
+          <a:lstStyle/>
+          <a:p>
+            <a:endParaRPr lang="zh-TW" sz="3200" b="0" strike="noStrike" spc="-1">
               <a:solidFill>
                 <a:srgbClr val="000000"/>
               </a:solidFill>
@@ -1455,18 +1619,22 @@
       </p:sp>
     </p:spTree>
   </p:cSld>
+  <p:clrMapOvr>
+    <a:masterClrMapping/>
+  </p:clrMapOvr>
 </p:sldLayout>
 </file>
 
 <file path=ppt/slideMasters/slideMaster1.xml><?xml version="1.0" encoding="utf-8"?>
-<p:sldMaster xmlns:a="http://schemas.openxmlformats.org/drawingml/2006/main" xmlns:p="http://schemas.openxmlformats.org/presentationml/2006/main" xmlns:r="http://schemas.openxmlformats.org/officeDocument/2006/relationships" xmlns:p14="http://schemas.microsoft.com/office/powerpoint/2010/main" xmlns:p15="http://schemas.microsoft.com/office/powerpoint/2012/main" xmlns:mc="http://schemas.openxmlformats.org/markup-compatibility/2006">
+<p:sldMaster xmlns:a="http://schemas.openxmlformats.org/drawingml/2006/main" xmlns:r="http://schemas.openxmlformats.org/officeDocument/2006/relationships" xmlns:p="http://schemas.openxmlformats.org/presentationml/2006/main">
   <p:cSld>
     <p:bg>
       <p:bgPr>
         <a:blipFill rotWithShape="0">
-          <a:blip r:embed="rId2"/>
+          <a:blip r:embed="rId14"/>
           <a:tile/>
         </a:blipFill>
+        <a:effectLst/>
       </p:bgPr>
     </p:bg>
     <p:spTree>
@@ -1485,7 +1653,7 @@
       </p:grpSpPr>
       <p:sp>
         <p:nvSpPr>
-          <p:cNvPr id="0" name="PlaceHolder 1"/>
+          <p:cNvPr id="5" name="PlaceHolder 1"/>
           <p:cNvSpPr>
             <a:spLocks noGrp="1"/>
           </p:cNvSpPr>
@@ -1504,14 +1672,15 @@
         </p:spPr>
         <p:txBody>
           <a:bodyPr anchor="ctr"/>
-          <a:p>
-            <a:pPr algn="ctr">
-              <a:lnSpc>
-                <a:spcPct val="100000"/>
-              </a:lnSpc>
-            </a:pPr>
-            <a:r>
-              <a:rPr b="0" lang="zh-TW" sz="4400" spc="-1" strike="noStrike">
+          <a:lstStyle/>
+          <a:p>
+            <a:pPr algn="ctr">
+              <a:lnSpc>
+                <a:spcPct val="100000"/>
+              </a:lnSpc>
+            </a:pPr>
+            <a:r>
+              <a:rPr lang="zh-TW" sz="4400" b="0" strike="noStrike" spc="-1">
                 <a:solidFill>
                   <a:srgbClr val="000000"/>
                 </a:solidFill>
@@ -1519,18 +1688,12 @@
               </a:rPr>
               <a:t>按一下以編輯母片標題樣式</a:t>
             </a:r>
-            <a:endParaRPr b="0" lang="zh-TW" sz="4400" spc="-1" strike="noStrike">
-              <a:solidFill>
-                <a:srgbClr val="000000"/>
-              </a:solidFill>
-              <a:latin typeface="Calibri"/>
-            </a:endParaRPr>
-          </a:p>
-        </p:txBody>
-      </p:sp>
-      <p:sp>
-        <p:nvSpPr>
-          <p:cNvPr id="1" name="PlaceHolder 2"/>
+          </a:p>
+        </p:txBody>
+      </p:sp>
+      <p:sp>
+        <p:nvSpPr>
+          <p:cNvPr id="6" name="PlaceHolder 2"/>
           <p:cNvSpPr>
             <a:spLocks noGrp="1"/>
           </p:cNvSpPr>
@@ -1549,6 +1712,7 @@
         </p:spPr>
         <p:txBody>
           <a:bodyPr/>
+          <a:lstStyle/>
           <a:p>
             <a:pPr marL="343080" indent="-342720">
               <a:lnSpc>
@@ -1564,7 +1728,7 @@
               <a:buChar char="•"/>
             </a:pPr>
             <a:r>
-              <a:rPr b="0" lang="zh-TW" sz="3200" spc="-1" strike="noStrike">
+              <a:rPr lang="zh-TW" sz="3200" b="0" strike="noStrike" spc="-1">
                 <a:solidFill>
                   <a:srgbClr val="000000"/>
                 </a:solidFill>
@@ -1572,15 +1736,9 @@
               </a:rPr>
               <a:t>按一下以編輯母片文字樣式</a:t>
             </a:r>
-            <a:endParaRPr b="0" lang="zh-TW" sz="3200" spc="-1" strike="noStrike">
-              <a:solidFill>
-                <a:srgbClr val="000000"/>
-              </a:solidFill>
-              <a:latin typeface="Calibri"/>
-            </a:endParaRPr>
-          </a:p>
-          <a:p>
-            <a:pPr lvl="1" marL="743040" indent="-285480">
+          </a:p>
+          <a:p>
+            <a:pPr marL="743040" lvl="1" indent="-285480">
               <a:lnSpc>
                 <a:spcPct val="100000"/>
               </a:lnSpc>
@@ -1594,7 +1752,7 @@
               <a:buChar char="–"/>
             </a:pPr>
             <a:r>
-              <a:rPr b="0" lang="zh-TW" sz="2800" spc="-1" strike="noStrike">
+              <a:rPr lang="zh-TW" sz="2800" b="0" strike="noStrike" spc="-1">
                 <a:solidFill>
                   <a:srgbClr val="000000"/>
                 </a:solidFill>
@@ -1602,15 +1760,9 @@
               </a:rPr>
               <a:t>第二層</a:t>
             </a:r>
-            <a:endParaRPr b="0" lang="zh-TW" sz="2800" spc="-1" strike="noStrike">
-              <a:solidFill>
-                <a:srgbClr val="000000"/>
-              </a:solidFill>
-              <a:latin typeface="Calibri"/>
-            </a:endParaRPr>
-          </a:p>
-          <a:p>
-            <a:pPr lvl="2" marL="1143000" indent="-228240">
+          </a:p>
+          <a:p>
+            <a:pPr marL="1143000" lvl="2" indent="-228240">
               <a:lnSpc>
                 <a:spcPct val="100000"/>
               </a:lnSpc>
@@ -1624,7 +1776,7 @@
               <a:buChar char="•"/>
             </a:pPr>
             <a:r>
-              <a:rPr b="0" lang="zh-TW" sz="2400" spc="-1" strike="noStrike">
+              <a:rPr lang="zh-TW" sz="2400" b="0" strike="noStrike" spc="-1">
                 <a:solidFill>
                   <a:srgbClr val="000000"/>
                 </a:solidFill>
@@ -1632,15 +1784,9 @@
               </a:rPr>
               <a:t>第三層</a:t>
             </a:r>
-            <a:endParaRPr b="0" lang="zh-TW" sz="2400" spc="-1" strike="noStrike">
-              <a:solidFill>
-                <a:srgbClr val="000000"/>
-              </a:solidFill>
-              <a:latin typeface="Calibri"/>
-            </a:endParaRPr>
-          </a:p>
-          <a:p>
-            <a:pPr lvl="3" marL="1600200" indent="-228240">
+          </a:p>
+          <a:p>
+            <a:pPr marL="1600200" lvl="3" indent="-228240">
               <a:lnSpc>
                 <a:spcPct val="100000"/>
               </a:lnSpc>
@@ -1654,7 +1800,7 @@
               <a:buChar char="–"/>
             </a:pPr>
             <a:r>
-              <a:rPr b="0" lang="zh-TW" sz="2000" spc="-1" strike="noStrike">
+              <a:rPr lang="zh-TW" sz="2000" b="0" strike="noStrike" spc="-1">
                 <a:solidFill>
                   <a:srgbClr val="000000"/>
                 </a:solidFill>
@@ -1662,15 +1808,9 @@
               </a:rPr>
               <a:t>第四層</a:t>
             </a:r>
-            <a:endParaRPr b="0" lang="zh-TW" sz="2000" spc="-1" strike="noStrike">
-              <a:solidFill>
-                <a:srgbClr val="000000"/>
-              </a:solidFill>
-              <a:latin typeface="Calibri"/>
-            </a:endParaRPr>
-          </a:p>
-          <a:p>
-            <a:pPr lvl="4" marL="2057400" indent="-228240">
+          </a:p>
+          <a:p>
+            <a:pPr marL="2057400" lvl="4" indent="-228240">
               <a:lnSpc>
                 <a:spcPct val="100000"/>
               </a:lnSpc>
@@ -1684,7 +1824,7 @@
               <a:buChar char="»"/>
             </a:pPr>
             <a:r>
-              <a:rPr b="0" lang="zh-TW" sz="2000" spc="-1" strike="noStrike">
+              <a:rPr lang="zh-TW" sz="2000" b="0" strike="noStrike" spc="-1">
                 <a:solidFill>
                   <a:srgbClr val="000000"/>
                 </a:solidFill>
@@ -1692,12 +1832,6 @@
               </a:rPr>
               <a:t>第五層</a:t>
             </a:r>
-            <a:endParaRPr b="0" lang="zh-TW" sz="2000" spc="-1" strike="noStrike">
-              <a:solidFill>
-                <a:srgbClr val="000000"/>
-              </a:solidFill>
-              <a:latin typeface="Calibri"/>
-            </a:endParaRPr>
           </a:p>
         </p:txBody>
       </p:sp>
@@ -1722,6 +1856,7 @@
         </p:spPr>
         <p:txBody>
           <a:bodyPr anchor="ctr"/>
+          <a:lstStyle/>
           <a:p>
             <a:pPr>
               <a:lnSpc>
@@ -1729,15 +1864,20 @@
               </a:lnSpc>
             </a:pPr>
             <a:fld id="{E9C06E7C-0C0B-4290-9871-02759152AC99}" type="datetime">
-              <a:rPr b="0" lang="en-US" sz="1200" spc="-1" strike="noStrike">
-                <a:solidFill>
-                  <a:srgbClr val="8b8b8b"/>
+              <a:rPr lang="en-US" sz="1200" b="0" strike="noStrike" spc="-1">
+                <a:solidFill>
+                  <a:srgbClr val="8B8B8B"/>
                 </a:solidFill>
                 <a:latin typeface="Calibri"/>
               </a:rPr>
-              <a:t>1/11/19</a:t>
+              <a:pPr>
+                <a:lnSpc>
+                  <a:spcPct val="100000"/>
+                </a:lnSpc>
+              </a:pPr>
+              <a:t>1/13/2019</a:t>
             </a:fld>
-            <a:endParaRPr b="0" lang="en-US" sz="1200" spc="-1" strike="noStrike">
+            <a:endParaRPr lang="en-US" sz="1200" b="0" strike="noStrike" spc="-1">
               <a:latin typeface="Times New Roman"/>
             </a:endParaRPr>
           </a:p>
@@ -1764,8 +1904,9 @@
         </p:spPr>
         <p:txBody>
           <a:bodyPr anchor="ctr"/>
-          <a:p>
-            <a:endParaRPr b="0" lang="en-US" sz="2400" spc="-1" strike="noStrike">
+          <a:lstStyle/>
+          <a:p>
+            <a:endParaRPr lang="en-US" sz="2400" b="0" strike="noStrike" spc="-1">
               <a:latin typeface="Times New Roman"/>
             </a:endParaRPr>
           </a:p>
@@ -1792,6 +1933,7 @@
         </p:spPr>
         <p:txBody>
           <a:bodyPr anchor="ctr"/>
+          <a:lstStyle/>
           <a:p>
             <a:pPr algn="r">
               <a:lnSpc>
@@ -1799,15 +1941,20 @@
               </a:lnSpc>
             </a:pPr>
             <a:fld id="{DFD6B7B1-33BC-4836-A157-9CE0BF958B21}" type="slidenum">
-              <a:rPr b="0" lang="en-US" sz="1200" spc="-1" strike="noStrike">
-                <a:solidFill>
-                  <a:srgbClr val="8b8b8b"/>
+              <a:rPr lang="en-US" sz="1200" b="0" strike="noStrike" spc="-1">
+                <a:solidFill>
+                  <a:srgbClr val="8B8B8B"/>
                 </a:solidFill>
                 <a:latin typeface="Calibri"/>
               </a:rPr>
-              <a:t>&lt;number&gt;</a:t>
+              <a:pPr algn="r">
+                <a:lnSpc>
+                  <a:spcPct val="100000"/>
+                </a:lnSpc>
+              </a:pPr>
+              <a:t>‹#›</a:t>
             </a:fld>
-            <a:endParaRPr b="0" lang="en-US" sz="1200" spc="-1" strike="noStrike">
+            <a:endParaRPr lang="en-US" sz="1200" b="0" strike="noStrike" spc="-1">
               <a:latin typeface="Times New Roman"/>
             </a:endParaRPr>
           </a:p>
@@ -1815,26 +1962,31 @@
       </p:sp>
     </p:spTree>
   </p:cSld>
-  <p:clrMap bg1="lt1" bg2="lt2" tx1="dk1" tx2="dk2" accent1="accent1" accent2="accent2" accent3="accent3" accent4="accent4" accent5="accent5" accent6="accent6" hlink="hlink" folHlink="folHlink"/>
+  <p:clrMap bg1="lt1" tx1="dk1" bg2="lt2" tx2="dk2" accent1="accent1" accent2="accent2" accent3="accent3" accent4="accent4" accent5="accent5" accent6="accent6" hlink="hlink" folHlink="folHlink"/>
   <p:sldLayoutIdLst>
-    <p:sldLayoutId id="2147483649" r:id="rId3"/>
-    <p:sldLayoutId id="2147483650" r:id="rId4"/>
-    <p:sldLayoutId id="2147483651" r:id="rId5"/>
-    <p:sldLayoutId id="2147483652" r:id="rId6"/>
-    <p:sldLayoutId id="2147483653" r:id="rId7"/>
-    <p:sldLayoutId id="2147483654" r:id="rId8"/>
-    <p:sldLayoutId id="2147483655" r:id="rId9"/>
-    <p:sldLayoutId id="2147483656" r:id="rId10"/>
-    <p:sldLayoutId id="2147483657" r:id="rId11"/>
-    <p:sldLayoutId id="2147483658" r:id="rId12"/>
-    <p:sldLayoutId id="2147483659" r:id="rId13"/>
-    <p:sldLayoutId id="2147483660" r:id="rId14"/>
+    <p:sldLayoutId id="2147483649" r:id="rId1"/>
+    <p:sldLayoutId id="2147483650" r:id="rId2"/>
+    <p:sldLayoutId id="2147483651" r:id="rId3"/>
+    <p:sldLayoutId id="2147483652" r:id="rId4"/>
+    <p:sldLayoutId id="2147483653" r:id="rId5"/>
+    <p:sldLayoutId id="2147483654" r:id="rId6"/>
+    <p:sldLayoutId id="2147483655" r:id="rId7"/>
+    <p:sldLayoutId id="2147483656" r:id="rId8"/>
+    <p:sldLayoutId id="2147483657" r:id="rId9"/>
+    <p:sldLayoutId id="2147483658" r:id="rId10"/>
+    <p:sldLayoutId id="2147483659" r:id="rId11"/>
+    <p:sldLayoutId id="2147483660" r:id="rId12"/>
   </p:sldLayoutIdLst>
+  <p:txStyles>
+    <p:titleStyle/>
+    <p:bodyStyle/>
+    <p:otherStyle/>
+  </p:txStyles>
 </p:sldMaster>
 </file>
 
 <file path=ppt/slides/slide1.xml><?xml version="1.0" encoding="utf-8"?>
-<p:sld xmlns:a="http://schemas.openxmlformats.org/drawingml/2006/main" xmlns:p="http://schemas.openxmlformats.org/presentationml/2006/main" xmlns:r="http://schemas.openxmlformats.org/officeDocument/2006/relationships" xmlns:p14="http://schemas.microsoft.com/office/powerpoint/2010/main" xmlns:p15="http://schemas.microsoft.com/office/powerpoint/2012/main" xmlns:mc="http://schemas.openxmlformats.org/markup-compatibility/2006">
+<p:sld xmlns:a="http://schemas.openxmlformats.org/drawingml/2006/main" xmlns:r="http://schemas.openxmlformats.org/officeDocument/2006/relationships" xmlns:p="http://schemas.openxmlformats.org/presentationml/2006/main">
   <p:cSld>
     <p:spTree>
       <p:nvGrpSpPr>
@@ -1873,14 +2025,15 @@
           <a:bodyPr anchor="ctr">
             <a:normAutofit/>
           </a:bodyPr>
-          <a:p>
-            <a:pPr algn="ctr">
-              <a:lnSpc>
-                <a:spcPct val="100000"/>
-              </a:lnSpc>
-            </a:pPr>
-            <a:r>
-              <a:rPr b="1" lang="zh-TW" sz="4400" spc="-1" strike="noStrike">
+          <a:lstStyle/>
+          <a:p>
+            <a:pPr algn="ctr">
+              <a:lnSpc>
+                <a:spcPct val="100000"/>
+              </a:lnSpc>
+            </a:pPr>
+            <a:r>
+              <a:rPr lang="zh-TW" sz="4400" b="1" strike="noStrike" spc="-1">
                 <a:solidFill>
                   <a:srgbClr val="660033"/>
                 </a:solidFill>
@@ -1889,7 +2042,7 @@
               </a:rPr>
               <a:t>你們要讚美耶和華</a:t>
             </a:r>
-            <a:endParaRPr b="0" lang="zh-TW" sz="4400" spc="-1" strike="noStrike">
+            <a:endParaRPr lang="zh-TW" sz="4400" b="0" strike="noStrike" spc="-1">
               <a:solidFill>
                 <a:srgbClr val="000000"/>
               </a:solidFill>
@@ -1921,6 +2074,7 @@
           <a:bodyPr>
             <a:normAutofit/>
           </a:bodyPr>
+          <a:lstStyle/>
           <a:p>
             <a:pPr marL="343080" indent="-342720" algn="ctr">
               <a:lnSpc>
@@ -1931,7 +2085,7 @@
               </a:spcBef>
             </a:pPr>
             <a:r>
-              <a:rPr b="1" lang="zh-TW" sz="5400" spc="-1" strike="noStrike">
+              <a:rPr lang="zh-TW" sz="5400" b="1" strike="noStrike" spc="-1">
                 <a:solidFill>
                   <a:srgbClr val="660033"/>
                 </a:solidFill>
@@ -1940,7 +2094,7 @@
               </a:rPr>
               <a:t>你們要讚美耶和華</a:t>
             </a:r>
-            <a:endParaRPr b="0" lang="zh-TW" sz="5400" spc="-1" strike="noStrike">
+            <a:endParaRPr lang="zh-TW" sz="5400" b="0" strike="noStrike" spc="-1">
               <a:solidFill>
                 <a:srgbClr val="000000"/>
               </a:solidFill>
@@ -1957,7 +2111,7 @@
               </a:spcBef>
             </a:pPr>
             <a:r>
-              <a:rPr b="1" lang="zh-TW" sz="5400" spc="-1" strike="noStrike">
+              <a:rPr lang="zh-TW" sz="5400" b="1" strike="noStrike" spc="-1">
                 <a:solidFill>
                   <a:srgbClr val="660033"/>
                 </a:solidFill>
@@ -1966,7 +2120,7 @@
               </a:rPr>
               <a:t>在祂的聖所讚美祂</a:t>
             </a:r>
-            <a:endParaRPr b="0" lang="zh-TW" sz="5400" spc="-1" strike="noStrike">
+            <a:endParaRPr lang="zh-TW" sz="5400" b="0" strike="noStrike" spc="-1">
               <a:solidFill>
                 <a:srgbClr val="000000"/>
               </a:solidFill>
@@ -1983,7 +2137,7 @@
               </a:spcBef>
             </a:pPr>
             <a:r>
-              <a:rPr b="1" lang="zh-TW" sz="5400" spc="-1" strike="noStrike">
+              <a:rPr lang="zh-TW" sz="5400" b="1" strike="noStrike" spc="-1">
                 <a:solidFill>
                   <a:srgbClr val="660033"/>
                 </a:solidFill>
@@ -1992,7 +2146,7 @@
               </a:rPr>
               <a:t>你們要讚美耶和華</a:t>
             </a:r>
-            <a:endParaRPr b="0" lang="zh-TW" sz="5400" spc="-1" strike="noStrike">
+            <a:endParaRPr lang="zh-TW" sz="5400" b="0" strike="noStrike" spc="-1">
               <a:solidFill>
                 <a:srgbClr val="000000"/>
               </a:solidFill>
@@ -2009,7 +2163,7 @@
               </a:spcBef>
             </a:pPr>
             <a:r>
-              <a:rPr b="1" lang="zh-TW" sz="5400" spc="-1" strike="noStrike">
+              <a:rPr lang="zh-TW" sz="5400" b="1" strike="noStrike" spc="-1">
                 <a:solidFill>
                   <a:srgbClr val="660033"/>
                 </a:solidFill>
@@ -2018,7 +2172,7 @@
               </a:rPr>
               <a:t>在祂的穹蒼讚美祂</a:t>
             </a:r>
-            <a:endParaRPr b="0" lang="zh-TW" sz="5400" spc="-1" strike="noStrike">
+            <a:endParaRPr lang="zh-TW" sz="5400" b="0" strike="noStrike" spc="-1">
               <a:solidFill>
                 <a:srgbClr val="000000"/>
               </a:solidFill>
@@ -2029,6 +2183,9 @@
       </p:sp>
     </p:spTree>
   </p:cSld>
+  <p:clrMapOvr>
+    <a:masterClrMapping/>
+  </p:clrMapOvr>
   <p:timing>
     <p:tnLst>
       <p:par>
@@ -2037,14 +2194,14 @@
             <p:seq>
               <p:cTn id="2" dur="indefinite" nodeType="mainSeq"/>
               <p:prevCondLst>
-                <p:cond delay="0" evt="onPrev">
+                <p:cond evt="onPrev" delay="0">
                   <p:tgtEl>
                     <p:sldTgt/>
                   </p:tgtEl>
                 </p:cond>
               </p:prevCondLst>
               <p:nextCondLst>
-                <p:cond delay="0" evt="onNext">
+                <p:cond evt="onNext" delay="0">
                   <p:tgtEl>
                     <p:sldTgt/>
                   </p:tgtEl>
@@ -2060,7 +2217,7 @@
 </file>
 
 <file path=ppt/slides/slide10.xml><?xml version="1.0" encoding="utf-8"?>
-<p:sld xmlns:a="http://schemas.openxmlformats.org/drawingml/2006/main" xmlns:p="http://schemas.openxmlformats.org/presentationml/2006/main" xmlns:r="http://schemas.openxmlformats.org/officeDocument/2006/relationships" xmlns:p14="http://schemas.microsoft.com/office/powerpoint/2010/main" xmlns:p15="http://schemas.microsoft.com/office/powerpoint/2012/main" xmlns:mc="http://schemas.openxmlformats.org/markup-compatibility/2006">
+<p:sld xmlns:a="http://schemas.openxmlformats.org/drawingml/2006/main" xmlns:r="http://schemas.openxmlformats.org/officeDocument/2006/relationships" xmlns:p="http://schemas.openxmlformats.org/presentationml/2006/main">
   <p:cSld>
     <p:spTree>
       <p:nvGrpSpPr>
@@ -2097,14 +2254,15 @@
         </p:spPr>
         <p:txBody>
           <a:bodyPr anchor="ctr"/>
-          <a:p>
-            <a:pPr algn="ctr">
-              <a:lnSpc>
-                <a:spcPct val="100000"/>
-              </a:lnSpc>
-            </a:pPr>
-            <a:r>
-              <a:rPr b="1" lang="zh-TW" sz="4400" spc="-1" strike="noStrike">
+          <a:lstStyle/>
+          <a:p>
+            <a:pPr algn="ctr">
+              <a:lnSpc>
+                <a:spcPct val="100000"/>
+              </a:lnSpc>
+            </a:pPr>
+            <a:r>
+              <a:rPr lang="zh-TW" sz="4400" b="1" strike="noStrike" spc="-1">
                 <a:solidFill>
                   <a:srgbClr val="000000"/>
                 </a:solidFill>
@@ -2113,7 +2271,7 @@
               </a:rPr>
               <a:t>神是愛</a:t>
             </a:r>
-            <a:endParaRPr b="0" lang="zh-TW" sz="4400" spc="-1" strike="noStrike">
+            <a:endParaRPr lang="zh-TW" sz="4400" b="0" strike="noStrike" spc="-1">
               <a:solidFill>
                 <a:srgbClr val="000000"/>
               </a:solidFill>
@@ -2143,17 +2301,18 @@
         </p:spPr>
         <p:txBody>
           <a:bodyPr/>
-          <a:p>
-            <a:pPr algn="ctr">
-              <a:lnSpc>
-                <a:spcPct val="100000"/>
-              </a:lnSpc>
-              <a:spcBef>
-                <a:spcPts val="1080"/>
-              </a:spcBef>
-            </a:pPr>
-            <a:r>
-              <a:rPr b="1" lang="zh-TW" sz="5400" spc="-1" strike="noStrike">
+          <a:lstStyle/>
+          <a:p>
+            <a:pPr algn="ctr">
+              <a:lnSpc>
+                <a:spcPct val="100000"/>
+              </a:lnSpc>
+              <a:spcBef>
+                <a:spcPts val="1080"/>
+              </a:spcBef>
+            </a:pPr>
+            <a:r>
+              <a:rPr lang="zh-TW" sz="5400" b="1" strike="noStrike" spc="-1">
                 <a:solidFill>
                   <a:srgbClr val="000000"/>
                 </a:solidFill>
@@ -2162,24 +2321,24 @@
               </a:rPr>
               <a:t>從最深的海洋  </a:t>
             </a:r>
-            <a:endParaRPr b="0" lang="zh-TW" sz="5400" spc="-1" strike="noStrike">
-              <a:solidFill>
-                <a:srgbClr val="000000"/>
-              </a:solidFill>
-              <a:latin typeface="Calibri"/>
-            </a:endParaRPr>
-          </a:p>
-          <a:p>
-            <a:pPr algn="ctr">
-              <a:lnSpc>
-                <a:spcPct val="100000"/>
-              </a:lnSpc>
-              <a:spcBef>
-                <a:spcPts val="1080"/>
-              </a:spcBef>
-            </a:pPr>
-            <a:r>
-              <a:rPr b="1" lang="zh-TW" sz="5400" spc="-1" strike="noStrike">
+            <a:endParaRPr lang="zh-TW" sz="5400" b="0" strike="noStrike" spc="-1">
+              <a:solidFill>
+                <a:srgbClr val="000000"/>
+              </a:solidFill>
+              <a:latin typeface="Calibri"/>
+            </a:endParaRPr>
+          </a:p>
+          <a:p>
+            <a:pPr algn="ctr">
+              <a:lnSpc>
+                <a:spcPct val="100000"/>
+              </a:lnSpc>
+              <a:spcBef>
+                <a:spcPts val="1080"/>
+              </a:spcBef>
+            </a:pPr>
+            <a:r>
+              <a:rPr lang="zh-TW" sz="5400" b="1" strike="noStrike" spc="-1">
                 <a:solidFill>
                   <a:srgbClr val="000000"/>
                 </a:solidFill>
@@ -2188,24 +2347,24 @@
               </a:rPr>
               <a:t>到那最高高的山</a:t>
             </a:r>
-            <a:endParaRPr b="0" lang="zh-TW" sz="5400" spc="-1" strike="noStrike">
-              <a:solidFill>
-                <a:srgbClr val="000000"/>
-              </a:solidFill>
-              <a:latin typeface="Calibri"/>
-            </a:endParaRPr>
-          </a:p>
-          <a:p>
-            <a:pPr algn="ctr">
-              <a:lnSpc>
-                <a:spcPct val="100000"/>
-              </a:lnSpc>
-              <a:spcBef>
-                <a:spcPts val="1080"/>
-              </a:spcBef>
-            </a:pPr>
-            <a:r>
-              <a:rPr b="1" lang="zh-TW" sz="5400" spc="-1" strike="noStrike">
+            <a:endParaRPr lang="zh-TW" sz="5400" b="0" strike="noStrike" spc="-1">
+              <a:solidFill>
+                <a:srgbClr val="000000"/>
+              </a:solidFill>
+              <a:latin typeface="Calibri"/>
+            </a:endParaRPr>
+          </a:p>
+          <a:p>
+            <a:pPr algn="ctr">
+              <a:lnSpc>
+                <a:spcPct val="100000"/>
+              </a:lnSpc>
+              <a:spcBef>
+                <a:spcPts val="1080"/>
+              </a:spcBef>
+            </a:pPr>
+            <a:r>
+              <a:rPr lang="zh-TW" sz="5400" b="1" strike="noStrike" spc="-1">
                 <a:solidFill>
                   <a:srgbClr val="000000"/>
                 </a:solidFill>
@@ -2214,7 +2373,7 @@
               </a:rPr>
               <a:t>萬物都告訴我神是愛</a:t>
             </a:r>
-            <a:endParaRPr b="0" lang="zh-TW" sz="5400" spc="-1" strike="noStrike">
+            <a:endParaRPr lang="zh-TW" sz="5400" b="0" strike="noStrike" spc="-1">
               <a:solidFill>
                 <a:srgbClr val="000000"/>
               </a:solidFill>
@@ -2225,22 +2384,25 @@
       </p:sp>
     </p:spTree>
   </p:cSld>
+  <p:clrMapOvr>
+    <a:masterClrMapping/>
+  </p:clrMapOvr>
   <p:timing>
     <p:tnLst>
       <p:par>
-        <p:cTn id="19" dur="indefinite" restart="never" nodeType="tmRoot">
+        <p:cTn id="1" dur="indefinite" restart="never" nodeType="tmRoot">
           <p:childTnLst>
             <p:seq>
-              <p:cTn id="20" dur="indefinite" nodeType="mainSeq"/>
+              <p:cTn id="2" dur="indefinite" nodeType="mainSeq"/>
               <p:prevCondLst>
-                <p:cond delay="0" evt="onPrev">
+                <p:cond evt="onPrev" delay="0">
                   <p:tgtEl>
                     <p:sldTgt/>
                   </p:tgtEl>
                 </p:cond>
               </p:prevCondLst>
               <p:nextCondLst>
-                <p:cond delay="0" evt="onNext">
+                <p:cond evt="onNext" delay="0">
                   <p:tgtEl>
                     <p:sldTgt/>
                   </p:tgtEl>
@@ -2256,7 +2418,7 @@
 </file>
 
 <file path=ppt/slides/slide11.xml><?xml version="1.0" encoding="utf-8"?>
-<p:sld xmlns:a="http://schemas.openxmlformats.org/drawingml/2006/main" xmlns:p="http://schemas.openxmlformats.org/presentationml/2006/main" xmlns:r="http://schemas.openxmlformats.org/officeDocument/2006/relationships" xmlns:p14="http://schemas.microsoft.com/office/powerpoint/2010/main" xmlns:p15="http://schemas.microsoft.com/office/powerpoint/2012/main" xmlns:mc="http://schemas.openxmlformats.org/markup-compatibility/2006">
+<p:sld xmlns:a="http://schemas.openxmlformats.org/drawingml/2006/main" xmlns:r="http://schemas.openxmlformats.org/officeDocument/2006/relationships" xmlns:p="http://schemas.openxmlformats.org/presentationml/2006/main">
   <p:cSld>
     <p:spTree>
       <p:nvGrpSpPr>
@@ -2293,14 +2455,15 @@
         </p:spPr>
         <p:txBody>
           <a:bodyPr anchor="ctr"/>
-          <a:p>
-            <a:pPr algn="ctr">
-              <a:lnSpc>
-                <a:spcPct val="100000"/>
-              </a:lnSpc>
-            </a:pPr>
-            <a:r>
-              <a:rPr b="1" lang="zh-TW" sz="4400" spc="-1" strike="noStrike">
+          <a:lstStyle/>
+          <a:p>
+            <a:pPr algn="ctr">
+              <a:lnSpc>
+                <a:spcPct val="100000"/>
+              </a:lnSpc>
+            </a:pPr>
+            <a:r>
+              <a:rPr lang="zh-TW" sz="4400" b="1" strike="noStrike" spc="-1">
                 <a:solidFill>
                   <a:srgbClr val="000000"/>
                 </a:solidFill>
@@ -2309,7 +2472,7 @@
               </a:rPr>
               <a:t>神是愛</a:t>
             </a:r>
-            <a:endParaRPr b="0" lang="zh-TW" sz="4400" spc="-1" strike="noStrike">
+            <a:endParaRPr lang="zh-TW" sz="4400" b="0" strike="noStrike" spc="-1">
               <a:solidFill>
                 <a:srgbClr val="000000"/>
               </a:solidFill>
@@ -2339,114 +2502,105 @@
         </p:spPr>
         <p:txBody>
           <a:bodyPr/>
-          <a:p>
-            <a:pPr algn="ctr">
-              <a:lnSpc>
-                <a:spcPct val="100000"/>
-              </a:lnSpc>
-              <a:spcBef>
-                <a:spcPts val="1080"/>
-              </a:spcBef>
-            </a:pPr>
-            <a:r>
-              <a:rPr b="1" lang="zh-TW" sz="5400" spc="-1" strike="noStrike">
+          <a:lstStyle/>
+          <a:p>
+            <a:pPr algn="ctr">
+              <a:lnSpc>
+                <a:spcPct val="100000"/>
+              </a:lnSpc>
+              <a:spcBef>
+                <a:spcPts val="1080"/>
+              </a:spcBef>
+            </a:pPr>
+            <a:r>
+              <a:rPr lang="zh-TW" sz="5400" b="1" strike="noStrike" spc="-1">
                 <a:solidFill>
                   <a:srgbClr val="000000"/>
                 </a:solidFill>
                 <a:latin typeface="Microsoft JhengHei"/>
                 <a:ea typeface="Microsoft JhengHei"/>
               </a:rPr>
-              <a:t>2. </a:t>
-            </a:r>
-            <a:r>
-              <a:rPr b="1" lang="zh-TW" sz="5400" spc="-1" strike="noStrike">
+              <a:t>2. 神是愛</a:t>
+            </a:r>
+            <a:endParaRPr lang="zh-TW" sz="5400" b="0" strike="noStrike" spc="-1">
+              <a:solidFill>
+                <a:srgbClr val="000000"/>
+              </a:solidFill>
+              <a:latin typeface="Calibri"/>
+            </a:endParaRPr>
+          </a:p>
+          <a:p>
+            <a:pPr algn="ctr">
+              <a:lnSpc>
+                <a:spcPct val="100000"/>
+              </a:lnSpc>
+              <a:spcBef>
+                <a:spcPts val="1080"/>
+              </a:spcBef>
+            </a:pPr>
+            <a:r>
+              <a:rPr lang="zh-TW" sz="5400" b="1" strike="noStrike" spc="-1">
                 <a:solidFill>
                   <a:srgbClr val="000000"/>
                 </a:solidFill>
                 <a:latin typeface="Microsoft JhengHei"/>
                 <a:ea typeface="Microsoft JhengHei"/>
               </a:rPr>
+              <a:t>打開你的心盡聲揚</a:t>
+            </a:r>
+            <a:endParaRPr lang="zh-TW" sz="5400" b="0" strike="noStrike" spc="-1">
+              <a:solidFill>
+                <a:srgbClr val="000000"/>
+              </a:solidFill>
+              <a:latin typeface="Calibri"/>
+            </a:endParaRPr>
+          </a:p>
+          <a:p>
+            <a:pPr algn="ctr">
+              <a:lnSpc>
+                <a:spcPct val="100000"/>
+              </a:lnSpc>
+              <a:spcBef>
+                <a:spcPts val="1080"/>
+              </a:spcBef>
+            </a:pPr>
+            <a:r>
+              <a:rPr lang="zh-TW" sz="5400" b="1" strike="noStrike" spc="-1">
+                <a:solidFill>
+                  <a:srgbClr val="000000"/>
+                </a:solidFill>
+                <a:latin typeface="Microsoft JhengHei"/>
+                <a:ea typeface="Microsoft JhengHei"/>
+              </a:rPr>
               <a:t>神是愛</a:t>
             </a:r>
-            <a:endParaRPr b="0" lang="zh-TW" sz="5400" spc="-1" strike="noStrike">
-              <a:solidFill>
-                <a:srgbClr val="000000"/>
-              </a:solidFill>
-              <a:latin typeface="Calibri"/>
-            </a:endParaRPr>
-          </a:p>
-          <a:p>
-            <a:pPr algn="ctr">
-              <a:lnSpc>
-                <a:spcPct val="100000"/>
-              </a:lnSpc>
-              <a:spcBef>
-                <a:spcPts val="1080"/>
-              </a:spcBef>
-            </a:pPr>
-            <a:r>
-              <a:rPr b="1" lang="zh-TW" sz="5400" spc="-1" strike="noStrike">
+            <a:endParaRPr lang="zh-TW" sz="5400" b="0" strike="noStrike" spc="-1">
+              <a:solidFill>
+                <a:srgbClr val="000000"/>
+              </a:solidFill>
+              <a:latin typeface="Calibri"/>
+            </a:endParaRPr>
+          </a:p>
+          <a:p>
+            <a:pPr algn="ctr">
+              <a:lnSpc>
+                <a:spcPct val="100000"/>
+              </a:lnSpc>
+              <a:spcBef>
+                <a:spcPts val="1080"/>
+              </a:spcBef>
+            </a:pPr>
+            <a:r>
+              <a:rPr lang="zh-TW" sz="5400" b="1" strike="noStrike" spc="-1">
                 <a:solidFill>
                   <a:srgbClr val="000000"/>
                 </a:solidFill>
                 <a:latin typeface="Microsoft JhengHei"/>
                 <a:ea typeface="Microsoft JhengHei"/>
               </a:rPr>
-              <a:t>打開你的心盡聲揚</a:t>
-            </a:r>
-            <a:endParaRPr b="0" lang="zh-TW" sz="5400" spc="-1" strike="noStrike">
-              <a:solidFill>
-                <a:srgbClr val="000000"/>
-              </a:solidFill>
-              <a:latin typeface="Calibri"/>
-            </a:endParaRPr>
-          </a:p>
-          <a:p>
-            <a:pPr algn="ctr">
-              <a:lnSpc>
-                <a:spcPct val="100000"/>
-              </a:lnSpc>
-              <a:spcBef>
-                <a:spcPts val="1080"/>
-              </a:spcBef>
-            </a:pPr>
-            <a:r>
-              <a:rPr b="1" lang="zh-TW" sz="5400" spc="-1" strike="noStrike">
-                <a:solidFill>
-                  <a:srgbClr val="000000"/>
-                </a:solidFill>
-                <a:latin typeface="Microsoft JhengHei"/>
-                <a:ea typeface="Microsoft JhengHei"/>
-              </a:rPr>
-              <a:t>神是愛</a:t>
-            </a:r>
-            <a:endParaRPr b="0" lang="zh-TW" sz="5400" spc="-1" strike="noStrike">
-              <a:solidFill>
-                <a:srgbClr val="000000"/>
-              </a:solidFill>
-              <a:latin typeface="Calibri"/>
-            </a:endParaRPr>
-          </a:p>
-          <a:p>
-            <a:pPr algn="ctr">
-              <a:lnSpc>
-                <a:spcPct val="100000"/>
-              </a:lnSpc>
-              <a:spcBef>
-                <a:spcPts val="1080"/>
-              </a:spcBef>
-            </a:pPr>
-            <a:r>
-              <a:rPr b="1" lang="zh-TW" sz="5400" spc="-1" strike="noStrike">
-                <a:solidFill>
-                  <a:srgbClr val="000000"/>
-                </a:solidFill>
-                <a:latin typeface="Microsoft JhengHei"/>
-                <a:ea typeface="Microsoft JhengHei"/>
-              </a:rPr>
               <a:t>祂願世人知道它</a:t>
             </a:r>
-            <a:endParaRPr b="0" lang="zh-TW" sz="5400" spc="-1" strike="noStrike">
+            <a:endParaRPr lang="zh-TW" sz="5400" b="0" strike="noStrike" spc="-1">
               <a:solidFill>
                 <a:srgbClr val="000000"/>
               </a:solidFill>
@@ -2457,22 +2611,25 @@
       </p:sp>
     </p:spTree>
   </p:cSld>
+  <p:clrMapOvr>
+    <a:masterClrMapping/>
+  </p:clrMapOvr>
   <p:timing>
     <p:tnLst>
       <p:par>
-        <p:cTn id="21" dur="indefinite" restart="never" nodeType="tmRoot">
+        <p:cTn id="1" dur="indefinite" restart="never" nodeType="tmRoot">
           <p:childTnLst>
             <p:seq>
-              <p:cTn id="22" dur="indefinite" nodeType="mainSeq"/>
+              <p:cTn id="2" dur="indefinite" nodeType="mainSeq"/>
               <p:prevCondLst>
-                <p:cond delay="0" evt="onPrev">
+                <p:cond evt="onPrev" delay="0">
                   <p:tgtEl>
                     <p:sldTgt/>
                   </p:tgtEl>
                 </p:cond>
               </p:prevCondLst>
               <p:nextCondLst>
-                <p:cond delay="0" evt="onNext">
+                <p:cond evt="onNext" delay="0">
                   <p:tgtEl>
                     <p:sldTgt/>
                   </p:tgtEl>
@@ -2488,7 +2645,7 @@
 </file>
 
 <file path=ppt/slides/slide12.xml><?xml version="1.0" encoding="utf-8"?>
-<p:sld xmlns:a="http://schemas.openxmlformats.org/drawingml/2006/main" xmlns:p="http://schemas.openxmlformats.org/presentationml/2006/main" xmlns:r="http://schemas.openxmlformats.org/officeDocument/2006/relationships" xmlns:p14="http://schemas.microsoft.com/office/powerpoint/2010/main" xmlns:p15="http://schemas.microsoft.com/office/powerpoint/2012/main" xmlns:mc="http://schemas.openxmlformats.org/markup-compatibility/2006">
+<p:sld xmlns:a="http://schemas.openxmlformats.org/drawingml/2006/main" xmlns:r="http://schemas.openxmlformats.org/officeDocument/2006/relationships" xmlns:p="http://schemas.openxmlformats.org/presentationml/2006/main">
   <p:cSld>
     <p:spTree>
       <p:nvGrpSpPr>
@@ -2525,14 +2682,15 @@
         </p:spPr>
         <p:txBody>
           <a:bodyPr anchor="ctr"/>
-          <a:p>
-            <a:pPr algn="ctr">
-              <a:lnSpc>
-                <a:spcPct val="100000"/>
-              </a:lnSpc>
-            </a:pPr>
-            <a:r>
-              <a:rPr b="1" lang="zh-TW" sz="4400" spc="-1" strike="noStrike">
+          <a:lstStyle/>
+          <a:p>
+            <a:pPr algn="ctr">
+              <a:lnSpc>
+                <a:spcPct val="100000"/>
+              </a:lnSpc>
+            </a:pPr>
+            <a:r>
+              <a:rPr lang="zh-TW" sz="4400" b="1" strike="noStrike" spc="-1">
                 <a:solidFill>
                   <a:srgbClr val="000000"/>
                 </a:solidFill>
@@ -2541,7 +2699,7 @@
               </a:rPr>
               <a:t>神是愛</a:t>
             </a:r>
-            <a:endParaRPr b="0" lang="zh-TW" sz="4400" spc="-1" strike="noStrike">
+            <a:endParaRPr lang="zh-TW" sz="4400" b="0" strike="noStrike" spc="-1">
               <a:solidFill>
                 <a:srgbClr val="000000"/>
               </a:solidFill>
@@ -2571,17 +2729,18 @@
         </p:spPr>
         <p:txBody>
           <a:bodyPr/>
-          <a:p>
-            <a:pPr algn="ctr">
-              <a:lnSpc>
-                <a:spcPct val="100000"/>
-              </a:lnSpc>
-              <a:spcBef>
-                <a:spcPts val="1080"/>
-              </a:spcBef>
-            </a:pPr>
-            <a:r>
-              <a:rPr b="1" lang="zh-TW" sz="5400" spc="-1" strike="noStrike">
+          <a:lstStyle/>
+          <a:p>
+            <a:pPr algn="ctr">
+              <a:lnSpc>
+                <a:spcPct val="100000"/>
+              </a:lnSpc>
+              <a:spcBef>
+                <a:spcPts val="1080"/>
+              </a:spcBef>
+            </a:pPr>
+            <a:r>
+              <a:rPr lang="zh-TW" sz="5400" b="1" strike="noStrike" spc="-1">
                 <a:solidFill>
                   <a:srgbClr val="000000"/>
                 </a:solidFill>
@@ -2590,24 +2749,24 @@
               </a:rPr>
               <a:t>祂創造玫瑰和那蔓藤長</a:t>
             </a:r>
-            <a:endParaRPr b="0" lang="zh-TW" sz="5400" spc="-1" strike="noStrike">
-              <a:solidFill>
-                <a:srgbClr val="000000"/>
-              </a:solidFill>
-              <a:latin typeface="Calibri"/>
-            </a:endParaRPr>
-          </a:p>
-          <a:p>
-            <a:pPr algn="ctr">
-              <a:lnSpc>
-                <a:spcPct val="100000"/>
-              </a:lnSpc>
-              <a:spcBef>
-                <a:spcPts val="1080"/>
-              </a:spcBef>
-            </a:pPr>
-            <a:r>
-              <a:rPr b="1" lang="zh-TW" sz="5400" spc="-1" strike="noStrike">
+            <a:endParaRPr lang="zh-TW" sz="5400" b="0" strike="noStrike" spc="-1">
+              <a:solidFill>
+                <a:srgbClr val="000000"/>
+              </a:solidFill>
+              <a:latin typeface="Calibri"/>
+            </a:endParaRPr>
+          </a:p>
+          <a:p>
+            <a:pPr algn="ctr">
+              <a:lnSpc>
+                <a:spcPct val="100000"/>
+              </a:lnSpc>
+              <a:spcBef>
+                <a:spcPts val="1080"/>
+              </a:spcBef>
+            </a:pPr>
+            <a:r>
+              <a:rPr lang="zh-TW" sz="5400" b="1" strike="noStrike" spc="-1">
                 <a:solidFill>
                   <a:srgbClr val="000000"/>
                 </a:solidFill>
@@ -2616,24 +2775,24 @@
               </a:rPr>
               <a:t>祂創造樹木和那星閃亮</a:t>
             </a:r>
-            <a:endParaRPr b="0" lang="zh-TW" sz="5400" spc="-1" strike="noStrike">
-              <a:solidFill>
-                <a:srgbClr val="000000"/>
-              </a:solidFill>
-              <a:latin typeface="Calibri"/>
-            </a:endParaRPr>
-          </a:p>
-          <a:p>
-            <a:pPr algn="ctr">
-              <a:lnSpc>
-                <a:spcPct val="100000"/>
-              </a:lnSpc>
-              <a:spcBef>
-                <a:spcPts val="1080"/>
-              </a:spcBef>
-            </a:pPr>
-            <a:r>
-              <a:rPr b="1" lang="zh-TW" sz="5400" spc="-1" strike="noStrike">
+            <a:endParaRPr lang="zh-TW" sz="5400" b="0" strike="noStrike" spc="-1">
+              <a:solidFill>
+                <a:srgbClr val="000000"/>
+              </a:solidFill>
+              <a:latin typeface="Calibri"/>
+            </a:endParaRPr>
+          </a:p>
+          <a:p>
+            <a:pPr algn="ctr">
+              <a:lnSpc>
+                <a:spcPct val="100000"/>
+              </a:lnSpc>
+              <a:spcBef>
+                <a:spcPts val="1080"/>
+              </a:spcBef>
+            </a:pPr>
+            <a:r>
+              <a:rPr lang="zh-TW" sz="5400" b="1" strike="noStrike" spc="-1">
                 <a:solidFill>
                   <a:srgbClr val="000000"/>
                 </a:solidFill>
@@ -2642,24 +2801,24 @@
               </a:rPr>
               <a:t>祂造一切為你和我</a:t>
             </a:r>
-            <a:endParaRPr b="0" lang="zh-TW" sz="5400" spc="-1" strike="noStrike">
-              <a:solidFill>
-                <a:srgbClr val="000000"/>
-              </a:solidFill>
-              <a:latin typeface="Calibri"/>
-            </a:endParaRPr>
-          </a:p>
-          <a:p>
-            <a:pPr algn="ctr">
-              <a:lnSpc>
-                <a:spcPct val="100000"/>
-              </a:lnSpc>
-              <a:spcBef>
-                <a:spcPts val="1080"/>
-              </a:spcBef>
-            </a:pPr>
-            <a:r>
-              <a:rPr b="1" lang="zh-TW" sz="5400" spc="-1" strike="noStrike">
+            <a:endParaRPr lang="zh-TW" sz="5400" b="0" strike="noStrike" spc="-1">
+              <a:solidFill>
+                <a:srgbClr val="000000"/>
+              </a:solidFill>
+              <a:latin typeface="Calibri"/>
+            </a:endParaRPr>
+          </a:p>
+          <a:p>
+            <a:pPr algn="ctr">
+              <a:lnSpc>
+                <a:spcPct val="100000"/>
+              </a:lnSpc>
+              <a:spcBef>
+                <a:spcPts val="1080"/>
+              </a:spcBef>
+            </a:pPr>
+            <a:r>
+              <a:rPr lang="zh-TW" sz="5400" b="1" strike="noStrike" spc="-1">
                 <a:solidFill>
                   <a:srgbClr val="000000"/>
                 </a:solidFill>
@@ -2668,8 +2827,11 @@
               </a:rPr>
               <a:t>因神是愛</a:t>
             </a:r>
+            <a:r>
+              <a:t/>
+            </a:r>
             <a:br/>
-            <a:endParaRPr b="0" lang="zh-TW" sz="5400" spc="-1" strike="noStrike">
+            <a:endParaRPr lang="zh-TW" sz="5400" b="0" strike="noStrike" spc="-1">
               <a:solidFill>
                 <a:srgbClr val="000000"/>
               </a:solidFill>
@@ -2680,22 +2842,25 @@
       </p:sp>
     </p:spTree>
   </p:cSld>
+  <p:clrMapOvr>
+    <a:masterClrMapping/>
+  </p:clrMapOvr>
   <p:timing>
     <p:tnLst>
       <p:par>
-        <p:cTn id="23" dur="indefinite" restart="never" nodeType="tmRoot">
+        <p:cTn id="1" dur="indefinite" restart="never" nodeType="tmRoot">
           <p:childTnLst>
             <p:seq>
-              <p:cTn id="24" dur="indefinite" nodeType="mainSeq"/>
+              <p:cTn id="2" dur="indefinite" nodeType="mainSeq"/>
               <p:prevCondLst>
-                <p:cond delay="0" evt="onPrev">
+                <p:cond evt="onPrev" delay="0">
                   <p:tgtEl>
                     <p:sldTgt/>
                   </p:tgtEl>
                 </p:cond>
               </p:prevCondLst>
               <p:nextCondLst>
-                <p:cond delay="0" evt="onNext">
+                <p:cond evt="onNext" delay="0">
                   <p:tgtEl>
                     <p:sldTgt/>
                   </p:tgtEl>
@@ -2711,7 +2876,7 @@
 </file>
 
 <file path=ppt/slides/slide13.xml><?xml version="1.0" encoding="utf-8"?>
-<p:sld xmlns:a="http://schemas.openxmlformats.org/drawingml/2006/main" xmlns:p="http://schemas.openxmlformats.org/presentationml/2006/main" xmlns:r="http://schemas.openxmlformats.org/officeDocument/2006/relationships" xmlns:p14="http://schemas.microsoft.com/office/powerpoint/2010/main" xmlns:p15="http://schemas.microsoft.com/office/powerpoint/2012/main" xmlns:mc="http://schemas.openxmlformats.org/markup-compatibility/2006">
+<p:sld xmlns:a="http://schemas.openxmlformats.org/drawingml/2006/main" xmlns:r="http://schemas.openxmlformats.org/officeDocument/2006/relationships" xmlns:p="http://schemas.openxmlformats.org/presentationml/2006/main">
   <p:cSld>
     <p:spTree>
       <p:nvGrpSpPr>
@@ -2748,14 +2913,15 @@
         </p:spPr>
         <p:txBody>
           <a:bodyPr anchor="ctr"/>
-          <a:p>
-            <a:pPr algn="ctr">
-              <a:lnSpc>
-                <a:spcPct val="100000"/>
-              </a:lnSpc>
-            </a:pPr>
-            <a:r>
-              <a:rPr b="1" lang="zh-TW" sz="4400" spc="-1" strike="noStrike">
+          <a:lstStyle/>
+          <a:p>
+            <a:pPr algn="ctr">
+              <a:lnSpc>
+                <a:spcPct val="100000"/>
+              </a:lnSpc>
+            </a:pPr>
+            <a:r>
+              <a:rPr lang="zh-TW" sz="4400" b="1" strike="noStrike" spc="-1">
                 <a:solidFill>
                   <a:srgbClr val="000000"/>
                 </a:solidFill>
@@ -2764,7 +2930,7 @@
               </a:rPr>
               <a:t>神是愛</a:t>
             </a:r>
-            <a:endParaRPr b="0" lang="zh-TW" sz="4400" spc="-1" strike="noStrike">
+            <a:endParaRPr lang="zh-TW" sz="4400" b="0" strike="noStrike" spc="-1">
               <a:solidFill>
                 <a:srgbClr val="000000"/>
               </a:solidFill>
@@ -2794,17 +2960,18 @@
         </p:spPr>
         <p:txBody>
           <a:bodyPr/>
-          <a:p>
-            <a:pPr algn="ctr">
-              <a:lnSpc>
-                <a:spcPct val="100000"/>
-              </a:lnSpc>
-              <a:spcBef>
-                <a:spcPts val="1080"/>
-              </a:spcBef>
-            </a:pPr>
-            <a:r>
-              <a:rPr b="1" lang="zh-TW" sz="5400" spc="-1" strike="noStrike">
+          <a:lstStyle/>
+          <a:p>
+            <a:pPr algn="ctr">
+              <a:lnSpc>
+                <a:spcPct val="100000"/>
+              </a:lnSpc>
+              <a:spcBef>
+                <a:spcPts val="1080"/>
+              </a:spcBef>
+            </a:pPr>
+            <a:r>
+              <a:rPr lang="zh-TW" sz="5400" b="1" strike="noStrike" spc="-1">
                 <a:solidFill>
                   <a:srgbClr val="000000"/>
                 </a:solidFill>
@@ -2813,24 +2980,24 @@
               </a:rPr>
               <a:t>神是愛  空氣中我能體會</a:t>
             </a:r>
-            <a:endParaRPr b="0" lang="zh-TW" sz="5400" spc="-1" strike="noStrike">
-              <a:solidFill>
-                <a:srgbClr val="000000"/>
-              </a:solidFill>
-              <a:latin typeface="Calibri"/>
-            </a:endParaRPr>
-          </a:p>
-          <a:p>
-            <a:pPr algn="ctr">
-              <a:lnSpc>
-                <a:spcPct val="100000"/>
-              </a:lnSpc>
-              <a:spcBef>
-                <a:spcPts val="1080"/>
-              </a:spcBef>
-            </a:pPr>
-            <a:r>
-              <a:rPr b="1" lang="zh-TW" sz="5400" spc="-1" strike="noStrike">
+            <a:endParaRPr lang="zh-TW" sz="5400" b="0" strike="noStrike" spc="-1">
+              <a:solidFill>
+                <a:srgbClr val="000000"/>
+              </a:solidFill>
+              <a:latin typeface="Calibri"/>
+            </a:endParaRPr>
+          </a:p>
+          <a:p>
+            <a:pPr algn="ctr">
+              <a:lnSpc>
+                <a:spcPct val="100000"/>
+              </a:lnSpc>
+              <a:spcBef>
+                <a:spcPts val="1080"/>
+              </a:spcBef>
+            </a:pPr>
+            <a:r>
+              <a:rPr lang="zh-TW" sz="5400" b="1" strike="noStrike" spc="-1">
                 <a:solidFill>
                   <a:srgbClr val="000000"/>
                 </a:solidFill>
@@ -2839,24 +3006,24 @@
               </a:rPr>
               <a:t>恩典中我能體會</a:t>
             </a:r>
-            <a:endParaRPr b="0" lang="zh-TW" sz="5400" spc="-1" strike="noStrike">
-              <a:solidFill>
-                <a:srgbClr val="000000"/>
-              </a:solidFill>
-              <a:latin typeface="Calibri"/>
-            </a:endParaRPr>
-          </a:p>
-          <a:p>
-            <a:pPr algn="ctr">
-              <a:lnSpc>
-                <a:spcPct val="100000"/>
-              </a:lnSpc>
-              <a:spcBef>
-                <a:spcPts val="1080"/>
-              </a:spcBef>
-            </a:pPr>
-            <a:r>
-              <a:rPr b="1" lang="zh-TW" sz="5400" spc="-1" strike="noStrike">
+            <a:endParaRPr lang="zh-TW" sz="5400" b="0" strike="noStrike" spc="-1">
+              <a:solidFill>
+                <a:srgbClr val="000000"/>
+              </a:solidFill>
+              <a:latin typeface="Calibri"/>
+            </a:endParaRPr>
+          </a:p>
+          <a:p>
+            <a:pPr algn="ctr">
+              <a:lnSpc>
+                <a:spcPct val="100000"/>
+              </a:lnSpc>
+              <a:spcBef>
+                <a:spcPts val="1080"/>
+              </a:spcBef>
+            </a:pPr>
+            <a:r>
+              <a:rPr lang="zh-TW" sz="5400" b="1" strike="noStrike" spc="-1">
                 <a:solidFill>
                   <a:srgbClr val="000000"/>
                 </a:solidFill>
@@ -2865,7 +3032,7 @@
               </a:rPr>
               <a:t>隨時我都能體會</a:t>
             </a:r>
-            <a:endParaRPr b="0" lang="zh-TW" sz="5400" spc="-1" strike="noStrike">
+            <a:endParaRPr lang="zh-TW" sz="5400" b="0" strike="noStrike" spc="-1">
               <a:solidFill>
                 <a:srgbClr val="000000"/>
               </a:solidFill>
@@ -2876,22 +3043,25 @@
       </p:sp>
     </p:spTree>
   </p:cSld>
+  <p:clrMapOvr>
+    <a:masterClrMapping/>
+  </p:clrMapOvr>
   <p:timing>
     <p:tnLst>
       <p:par>
-        <p:cTn id="25" dur="indefinite" restart="never" nodeType="tmRoot">
+        <p:cTn id="1" dur="indefinite" restart="never" nodeType="tmRoot">
           <p:childTnLst>
             <p:seq>
-              <p:cTn id="26" dur="indefinite" nodeType="mainSeq"/>
+              <p:cTn id="2" dur="indefinite" nodeType="mainSeq"/>
               <p:prevCondLst>
-                <p:cond delay="0" evt="onPrev">
+                <p:cond evt="onPrev" delay="0">
                   <p:tgtEl>
                     <p:sldTgt/>
                   </p:tgtEl>
                 </p:cond>
               </p:prevCondLst>
               <p:nextCondLst>
-                <p:cond delay="0" evt="onNext">
+                <p:cond evt="onNext" delay="0">
                   <p:tgtEl>
                     <p:sldTgt/>
                   </p:tgtEl>
@@ -2907,7 +3077,7 @@
 </file>
 
 <file path=ppt/slides/slide14.xml><?xml version="1.0" encoding="utf-8"?>
-<p:sld xmlns:a="http://schemas.openxmlformats.org/drawingml/2006/main" xmlns:p="http://schemas.openxmlformats.org/presentationml/2006/main" xmlns:r="http://schemas.openxmlformats.org/officeDocument/2006/relationships" xmlns:p14="http://schemas.microsoft.com/office/powerpoint/2010/main" xmlns:p15="http://schemas.microsoft.com/office/powerpoint/2012/main" xmlns:mc="http://schemas.openxmlformats.org/markup-compatibility/2006">
+<p:sld xmlns:a="http://schemas.openxmlformats.org/drawingml/2006/main" xmlns:r="http://schemas.openxmlformats.org/officeDocument/2006/relationships" xmlns:p="http://schemas.openxmlformats.org/presentationml/2006/main">
   <p:cSld>
     <p:spTree>
       <p:nvGrpSpPr>
@@ -2944,14 +3114,15 @@
         </p:spPr>
         <p:txBody>
           <a:bodyPr anchor="ctr"/>
-          <a:p>
-            <a:pPr algn="ctr">
-              <a:lnSpc>
-                <a:spcPct val="100000"/>
-              </a:lnSpc>
-            </a:pPr>
-            <a:r>
-              <a:rPr b="1" lang="zh-TW" sz="4400" spc="-1" strike="noStrike">
+          <a:lstStyle/>
+          <a:p>
+            <a:pPr algn="ctr">
+              <a:lnSpc>
+                <a:spcPct val="100000"/>
+              </a:lnSpc>
+            </a:pPr>
+            <a:r>
+              <a:rPr lang="zh-TW" sz="4400" b="1" strike="noStrike" spc="-1">
                 <a:solidFill>
                   <a:srgbClr val="000000"/>
                 </a:solidFill>
@@ -2960,7 +3131,7 @@
               </a:rPr>
               <a:t>神是愛</a:t>
             </a:r>
-            <a:endParaRPr b="0" lang="zh-TW" sz="4400" spc="-1" strike="noStrike">
+            <a:endParaRPr lang="zh-TW" sz="4400" b="0" strike="noStrike" spc="-1">
               <a:solidFill>
                 <a:srgbClr val="000000"/>
               </a:solidFill>
@@ -2990,17 +3161,18 @@
         </p:spPr>
         <p:txBody>
           <a:bodyPr/>
-          <a:p>
-            <a:pPr algn="ctr">
-              <a:lnSpc>
-                <a:spcPct val="100000"/>
-              </a:lnSpc>
-              <a:spcBef>
-                <a:spcPts val="1080"/>
-              </a:spcBef>
-            </a:pPr>
-            <a:r>
-              <a:rPr b="1" lang="zh-TW" sz="5400" spc="-1" strike="noStrike">
+          <a:lstStyle/>
+          <a:p>
+            <a:pPr algn="ctr">
+              <a:lnSpc>
+                <a:spcPct val="100000"/>
+              </a:lnSpc>
+              <a:spcBef>
+                <a:spcPts val="1080"/>
+              </a:spcBef>
+            </a:pPr>
+            <a:r>
+              <a:rPr lang="zh-TW" sz="5400" b="1" strike="noStrike" spc="-1">
                 <a:solidFill>
                   <a:srgbClr val="000000"/>
                 </a:solidFill>
@@ -3009,24 +3181,24 @@
               </a:rPr>
               <a:t>從最深的海洋  </a:t>
             </a:r>
-            <a:endParaRPr b="0" lang="zh-TW" sz="5400" spc="-1" strike="noStrike">
-              <a:solidFill>
-                <a:srgbClr val="000000"/>
-              </a:solidFill>
-              <a:latin typeface="Calibri"/>
-            </a:endParaRPr>
-          </a:p>
-          <a:p>
-            <a:pPr algn="ctr">
-              <a:lnSpc>
-                <a:spcPct val="100000"/>
-              </a:lnSpc>
-              <a:spcBef>
-                <a:spcPts val="1080"/>
-              </a:spcBef>
-            </a:pPr>
-            <a:r>
-              <a:rPr b="1" lang="zh-TW" sz="5400" spc="-1" strike="noStrike">
+            <a:endParaRPr lang="zh-TW" sz="5400" b="0" strike="noStrike" spc="-1">
+              <a:solidFill>
+                <a:srgbClr val="000000"/>
+              </a:solidFill>
+              <a:latin typeface="Calibri"/>
+            </a:endParaRPr>
+          </a:p>
+          <a:p>
+            <a:pPr algn="ctr">
+              <a:lnSpc>
+                <a:spcPct val="100000"/>
+              </a:lnSpc>
+              <a:spcBef>
+                <a:spcPts val="1080"/>
+              </a:spcBef>
+            </a:pPr>
+            <a:r>
+              <a:rPr lang="zh-TW" sz="5400" b="1" strike="noStrike" spc="-1">
                 <a:solidFill>
                   <a:srgbClr val="000000"/>
                 </a:solidFill>
@@ -3035,24 +3207,24 @@
               </a:rPr>
               <a:t>到那最高高的山</a:t>
             </a:r>
-            <a:endParaRPr b="0" lang="zh-TW" sz="5400" spc="-1" strike="noStrike">
-              <a:solidFill>
-                <a:srgbClr val="000000"/>
-              </a:solidFill>
-              <a:latin typeface="Calibri"/>
-            </a:endParaRPr>
-          </a:p>
-          <a:p>
-            <a:pPr algn="ctr">
-              <a:lnSpc>
-                <a:spcPct val="100000"/>
-              </a:lnSpc>
-              <a:spcBef>
-                <a:spcPts val="1080"/>
-              </a:spcBef>
-            </a:pPr>
-            <a:r>
-              <a:rPr b="1" lang="zh-TW" sz="5400" spc="-1" strike="noStrike">
+            <a:endParaRPr lang="zh-TW" sz="5400" b="0" strike="noStrike" spc="-1">
+              <a:solidFill>
+                <a:srgbClr val="000000"/>
+              </a:solidFill>
+              <a:latin typeface="Calibri"/>
+            </a:endParaRPr>
+          </a:p>
+          <a:p>
+            <a:pPr algn="ctr">
+              <a:lnSpc>
+                <a:spcPct val="100000"/>
+              </a:lnSpc>
+              <a:spcBef>
+                <a:spcPts val="1080"/>
+              </a:spcBef>
+            </a:pPr>
+            <a:r>
+              <a:rPr lang="zh-TW" sz="5400" b="1" strike="noStrike" spc="-1">
                 <a:solidFill>
                   <a:srgbClr val="000000"/>
                 </a:solidFill>
@@ -3061,7 +3233,7 @@
               </a:rPr>
               <a:t>萬物都告訴我神是愛</a:t>
             </a:r>
-            <a:endParaRPr b="0" lang="zh-TW" sz="5400" spc="-1" strike="noStrike">
+            <a:endParaRPr lang="zh-TW" sz="5400" b="0" strike="noStrike" spc="-1">
               <a:solidFill>
                 <a:srgbClr val="000000"/>
               </a:solidFill>
@@ -3072,22 +3244,25 @@
       </p:sp>
     </p:spTree>
   </p:cSld>
+  <p:clrMapOvr>
+    <a:masterClrMapping/>
+  </p:clrMapOvr>
   <p:timing>
     <p:tnLst>
       <p:par>
-        <p:cTn id="27" dur="indefinite" restart="never" nodeType="tmRoot">
+        <p:cTn id="1" dur="indefinite" restart="never" nodeType="tmRoot">
           <p:childTnLst>
             <p:seq>
-              <p:cTn id="28" dur="indefinite" nodeType="mainSeq"/>
+              <p:cTn id="2" dur="indefinite" nodeType="mainSeq"/>
               <p:prevCondLst>
-                <p:cond delay="0" evt="onPrev">
+                <p:cond evt="onPrev" delay="0">
                   <p:tgtEl>
                     <p:sldTgt/>
                   </p:tgtEl>
                 </p:cond>
               </p:prevCondLst>
               <p:nextCondLst>
-                <p:cond delay="0" evt="onNext">
+                <p:cond evt="onNext" delay="0">
                   <p:tgtEl>
                     <p:sldTgt/>
                   </p:tgtEl>
@@ -3103,7 +3278,7 @@
 </file>
 
 <file path=ppt/slides/slide15.xml><?xml version="1.0" encoding="utf-8"?>
-<p:sld xmlns:a="http://schemas.openxmlformats.org/drawingml/2006/main" xmlns:p="http://schemas.openxmlformats.org/presentationml/2006/main" xmlns:r="http://schemas.openxmlformats.org/officeDocument/2006/relationships" xmlns:p14="http://schemas.microsoft.com/office/powerpoint/2010/main" xmlns:p15="http://schemas.microsoft.com/office/powerpoint/2012/main" xmlns:mc="http://schemas.openxmlformats.org/markup-compatibility/2006">
+<p:sld xmlns:a="http://schemas.openxmlformats.org/drawingml/2006/main" xmlns:r="http://schemas.openxmlformats.org/officeDocument/2006/relationships" xmlns:p="http://schemas.openxmlformats.org/presentationml/2006/main">
   <p:cSld>
     <p:spTree>
       <p:nvGrpSpPr>
@@ -3140,14 +3315,15 @@
         </p:spPr>
         <p:txBody>
           <a:bodyPr anchor="ctr"/>
-          <a:p>
-            <a:pPr algn="ctr">
-              <a:lnSpc>
-                <a:spcPct val="100000"/>
-              </a:lnSpc>
-            </a:pPr>
-            <a:r>
-              <a:rPr b="1" lang="zh-TW" sz="4400" spc="-1" strike="noStrike">
+          <a:lstStyle/>
+          <a:p>
+            <a:pPr algn="ctr">
+              <a:lnSpc>
+                <a:spcPct val="100000"/>
+              </a:lnSpc>
+            </a:pPr>
+            <a:r>
+              <a:rPr lang="zh-TW" sz="4400" b="1" strike="noStrike" spc="-1">
                 <a:solidFill>
                   <a:srgbClr val="000000"/>
                 </a:solidFill>
@@ -3156,7 +3332,7 @@
               </a:rPr>
               <a:t>神是愛</a:t>
             </a:r>
-            <a:endParaRPr b="0" lang="zh-TW" sz="4400" spc="-1" strike="noStrike">
+            <a:endParaRPr lang="zh-TW" sz="4400" b="0" strike="noStrike" spc="-1">
               <a:solidFill>
                 <a:srgbClr val="000000"/>
               </a:solidFill>
@@ -3186,114 +3362,105 @@
         </p:spPr>
         <p:txBody>
           <a:bodyPr/>
-          <a:p>
-            <a:pPr algn="ctr">
-              <a:lnSpc>
-                <a:spcPct val="100000"/>
-              </a:lnSpc>
-              <a:spcBef>
-                <a:spcPts val="1080"/>
-              </a:spcBef>
-            </a:pPr>
-            <a:r>
-              <a:rPr b="1" lang="zh-TW" sz="5400" spc="-1" strike="noStrike">
+          <a:lstStyle/>
+          <a:p>
+            <a:pPr algn="ctr">
+              <a:lnSpc>
+                <a:spcPct val="100000"/>
+              </a:lnSpc>
+              <a:spcBef>
+                <a:spcPts val="1080"/>
+              </a:spcBef>
+            </a:pPr>
+            <a:r>
+              <a:rPr lang="zh-TW" sz="5400" b="1" strike="noStrike" spc="-1">
                 <a:solidFill>
                   <a:srgbClr val="000000"/>
                 </a:solidFill>
                 <a:latin typeface="Microsoft JhengHei"/>
                 <a:ea typeface="Microsoft JhengHei"/>
               </a:rPr>
-              <a:t>3. </a:t>
-            </a:r>
-            <a:r>
-              <a:rPr b="1" lang="zh-TW" sz="5400" spc="-1" strike="noStrike">
+              <a:t>3. 神是愛</a:t>
+            </a:r>
+            <a:endParaRPr lang="zh-TW" sz="5400" b="0" strike="noStrike" spc="-1">
+              <a:solidFill>
+                <a:srgbClr val="000000"/>
+              </a:solidFill>
+              <a:latin typeface="Calibri"/>
+            </a:endParaRPr>
+          </a:p>
+          <a:p>
+            <a:pPr algn="ctr">
+              <a:lnSpc>
+                <a:spcPct val="100000"/>
+              </a:lnSpc>
+              <a:spcBef>
+                <a:spcPts val="1080"/>
+              </a:spcBef>
+            </a:pPr>
+            <a:r>
+              <a:rPr lang="zh-TW" sz="5400" b="1" strike="noStrike" spc="-1">
                 <a:solidFill>
                   <a:srgbClr val="000000"/>
                 </a:solidFill>
                 <a:latin typeface="Microsoft JhengHei"/>
                 <a:ea typeface="Microsoft JhengHei"/>
               </a:rPr>
+              <a:t>天地和萬物都宣揚</a:t>
+            </a:r>
+            <a:endParaRPr lang="zh-TW" sz="5400" b="0" strike="noStrike" spc="-1">
+              <a:solidFill>
+                <a:srgbClr val="000000"/>
+              </a:solidFill>
+              <a:latin typeface="Calibri"/>
+            </a:endParaRPr>
+          </a:p>
+          <a:p>
+            <a:pPr algn="ctr">
+              <a:lnSpc>
+                <a:spcPct val="100000"/>
+              </a:lnSpc>
+              <a:spcBef>
+                <a:spcPts val="1080"/>
+              </a:spcBef>
+            </a:pPr>
+            <a:r>
+              <a:rPr lang="zh-TW" sz="5400" b="1" strike="noStrike" spc="-1">
+                <a:solidFill>
+                  <a:srgbClr val="000000"/>
+                </a:solidFill>
+                <a:latin typeface="Microsoft JhengHei"/>
+                <a:ea typeface="Microsoft JhengHei"/>
+              </a:rPr>
               <a:t>神是愛</a:t>
             </a:r>
-            <a:endParaRPr b="0" lang="zh-TW" sz="5400" spc="-1" strike="noStrike">
-              <a:solidFill>
-                <a:srgbClr val="000000"/>
-              </a:solidFill>
-              <a:latin typeface="Calibri"/>
-            </a:endParaRPr>
-          </a:p>
-          <a:p>
-            <a:pPr algn="ctr">
-              <a:lnSpc>
-                <a:spcPct val="100000"/>
-              </a:lnSpc>
-              <a:spcBef>
-                <a:spcPts val="1080"/>
-              </a:spcBef>
-            </a:pPr>
-            <a:r>
-              <a:rPr b="1" lang="zh-TW" sz="5400" spc="-1" strike="noStrike">
+            <a:endParaRPr lang="zh-TW" sz="5400" b="0" strike="noStrike" spc="-1">
+              <a:solidFill>
+                <a:srgbClr val="000000"/>
+              </a:solidFill>
+              <a:latin typeface="Calibri"/>
+            </a:endParaRPr>
+          </a:p>
+          <a:p>
+            <a:pPr algn="ctr">
+              <a:lnSpc>
+                <a:spcPct val="100000"/>
+              </a:lnSpc>
+              <a:spcBef>
+                <a:spcPts val="1080"/>
+              </a:spcBef>
+            </a:pPr>
+            <a:r>
+              <a:rPr lang="zh-TW" sz="5400" b="1" strike="noStrike" spc="-1">
                 <a:solidFill>
                   <a:srgbClr val="000000"/>
                 </a:solidFill>
                 <a:latin typeface="Microsoft JhengHei"/>
                 <a:ea typeface="Microsoft JhengHei"/>
               </a:rPr>
-              <a:t>天地和萬物都宣揚</a:t>
-            </a:r>
-            <a:endParaRPr b="0" lang="zh-TW" sz="5400" spc="-1" strike="noStrike">
-              <a:solidFill>
-                <a:srgbClr val="000000"/>
-              </a:solidFill>
-              <a:latin typeface="Calibri"/>
-            </a:endParaRPr>
-          </a:p>
-          <a:p>
-            <a:pPr algn="ctr">
-              <a:lnSpc>
-                <a:spcPct val="100000"/>
-              </a:lnSpc>
-              <a:spcBef>
-                <a:spcPts val="1080"/>
-              </a:spcBef>
-            </a:pPr>
-            <a:r>
-              <a:rPr b="1" lang="zh-TW" sz="5400" spc="-1" strike="noStrike">
-                <a:solidFill>
-                  <a:srgbClr val="000000"/>
-                </a:solidFill>
-                <a:latin typeface="Microsoft JhengHei"/>
-                <a:ea typeface="Microsoft JhengHei"/>
-              </a:rPr>
-              <a:t>神是愛</a:t>
-            </a:r>
-            <a:endParaRPr b="0" lang="zh-TW" sz="5400" spc="-1" strike="noStrike">
-              <a:solidFill>
-                <a:srgbClr val="000000"/>
-              </a:solidFill>
-              <a:latin typeface="Calibri"/>
-            </a:endParaRPr>
-          </a:p>
-          <a:p>
-            <a:pPr algn="ctr">
-              <a:lnSpc>
-                <a:spcPct val="100000"/>
-              </a:lnSpc>
-              <a:spcBef>
-                <a:spcPts val="1080"/>
-              </a:spcBef>
-            </a:pPr>
-            <a:r>
-              <a:rPr b="1" lang="zh-TW" sz="5400" spc="-1" strike="noStrike">
-                <a:solidFill>
-                  <a:srgbClr val="000000"/>
-                </a:solidFill>
-                <a:latin typeface="Microsoft JhengHei"/>
-                <a:ea typeface="Microsoft JhengHei"/>
-              </a:rPr>
               <a:t>祂願世人分享它</a:t>
             </a:r>
-            <a:endParaRPr b="0" lang="zh-TW" sz="5400" spc="-1" strike="noStrike">
+            <a:endParaRPr lang="zh-TW" sz="5400" b="0" strike="noStrike" spc="-1">
               <a:solidFill>
                 <a:srgbClr val="000000"/>
               </a:solidFill>
@@ -3304,22 +3471,25 @@
       </p:sp>
     </p:spTree>
   </p:cSld>
+  <p:clrMapOvr>
+    <a:masterClrMapping/>
+  </p:clrMapOvr>
   <p:timing>
     <p:tnLst>
       <p:par>
-        <p:cTn id="29" dur="indefinite" restart="never" nodeType="tmRoot">
+        <p:cTn id="1" dur="indefinite" restart="never" nodeType="tmRoot">
           <p:childTnLst>
             <p:seq>
-              <p:cTn id="30" dur="indefinite" nodeType="mainSeq"/>
+              <p:cTn id="2" dur="indefinite" nodeType="mainSeq"/>
               <p:prevCondLst>
-                <p:cond delay="0" evt="onPrev">
+                <p:cond evt="onPrev" delay="0">
                   <p:tgtEl>
                     <p:sldTgt/>
                   </p:tgtEl>
                 </p:cond>
               </p:prevCondLst>
               <p:nextCondLst>
-                <p:cond delay="0" evt="onNext">
+                <p:cond evt="onNext" delay="0">
                   <p:tgtEl>
                     <p:sldTgt/>
                   </p:tgtEl>
@@ -3335,7 +3505,7 @@
 </file>
 
 <file path=ppt/slides/slide16.xml><?xml version="1.0" encoding="utf-8"?>
-<p:sld xmlns:a="http://schemas.openxmlformats.org/drawingml/2006/main" xmlns:p="http://schemas.openxmlformats.org/presentationml/2006/main" xmlns:r="http://schemas.openxmlformats.org/officeDocument/2006/relationships" xmlns:p14="http://schemas.microsoft.com/office/powerpoint/2010/main" xmlns:p15="http://schemas.microsoft.com/office/powerpoint/2012/main" xmlns:mc="http://schemas.openxmlformats.org/markup-compatibility/2006">
+<p:sld xmlns:a="http://schemas.openxmlformats.org/drawingml/2006/main" xmlns:r="http://schemas.openxmlformats.org/officeDocument/2006/relationships" xmlns:p="http://schemas.openxmlformats.org/presentationml/2006/main">
   <p:cSld>
     <p:spTree>
       <p:nvGrpSpPr>
@@ -3372,14 +3542,15 @@
         </p:spPr>
         <p:txBody>
           <a:bodyPr anchor="ctr"/>
-          <a:p>
-            <a:pPr algn="ctr">
-              <a:lnSpc>
-                <a:spcPct val="100000"/>
-              </a:lnSpc>
-            </a:pPr>
-            <a:r>
-              <a:rPr b="1" lang="zh-TW" sz="4400" spc="-1" strike="noStrike">
+          <a:lstStyle/>
+          <a:p>
+            <a:pPr algn="ctr">
+              <a:lnSpc>
+                <a:spcPct val="100000"/>
+              </a:lnSpc>
+            </a:pPr>
+            <a:r>
+              <a:rPr lang="zh-TW" sz="4400" b="1" strike="noStrike" spc="-1">
                 <a:solidFill>
                   <a:srgbClr val="000000"/>
                 </a:solidFill>
@@ -3388,7 +3559,7 @@
               </a:rPr>
               <a:t>神是愛</a:t>
             </a:r>
-            <a:endParaRPr b="0" lang="zh-TW" sz="4400" spc="-1" strike="noStrike">
+            <a:endParaRPr lang="zh-TW" sz="4400" b="0" strike="noStrike" spc="-1">
               <a:solidFill>
                 <a:srgbClr val="000000"/>
               </a:solidFill>
@@ -3418,17 +3589,18 @@
         </p:spPr>
         <p:txBody>
           <a:bodyPr/>
-          <a:p>
-            <a:pPr algn="ctr">
-              <a:lnSpc>
-                <a:spcPct val="100000"/>
-              </a:lnSpc>
-              <a:spcBef>
-                <a:spcPts val="1080"/>
-              </a:spcBef>
-            </a:pPr>
-            <a:r>
-              <a:rPr b="1" lang="zh-TW" sz="5400" spc="-1" strike="noStrike">
+          <a:lstStyle/>
+          <a:p>
+            <a:pPr algn="ctr">
+              <a:lnSpc>
+                <a:spcPct val="100000"/>
+              </a:lnSpc>
+              <a:spcBef>
+                <a:spcPts val="1080"/>
+              </a:spcBef>
+            </a:pPr>
+            <a:r>
+              <a:rPr lang="zh-TW" sz="5400" b="1" strike="noStrike" spc="-1">
                 <a:solidFill>
                   <a:srgbClr val="000000"/>
                 </a:solidFill>
@@ -3437,24 +3609,24 @@
               </a:rPr>
               <a:t>祂為失喪人預備生命路</a:t>
             </a:r>
-            <a:endParaRPr b="0" lang="zh-TW" sz="5400" spc="-1" strike="noStrike">
-              <a:solidFill>
-                <a:srgbClr val="000000"/>
-              </a:solidFill>
-              <a:latin typeface="Calibri"/>
-            </a:endParaRPr>
-          </a:p>
-          <a:p>
-            <a:pPr algn="ctr">
-              <a:lnSpc>
-                <a:spcPct val="100000"/>
-              </a:lnSpc>
-              <a:spcBef>
-                <a:spcPts val="1080"/>
-              </a:spcBef>
-            </a:pPr>
-            <a:r>
-              <a:rPr b="1" lang="zh-TW" sz="5400" spc="-1" strike="noStrike">
+            <a:endParaRPr lang="zh-TW" sz="5400" b="0" strike="noStrike" spc="-1">
+              <a:solidFill>
+                <a:srgbClr val="000000"/>
+              </a:solidFill>
+              <a:latin typeface="Calibri"/>
+            </a:endParaRPr>
+          </a:p>
+          <a:p>
+            <a:pPr algn="ctr">
+              <a:lnSpc>
+                <a:spcPct val="100000"/>
+              </a:lnSpc>
+              <a:spcBef>
+                <a:spcPts val="1080"/>
+              </a:spcBef>
+            </a:pPr>
+            <a:r>
+              <a:rPr lang="zh-TW" sz="5400" b="1" strike="noStrike" spc="-1">
                 <a:solidFill>
                   <a:srgbClr val="000000"/>
                 </a:solidFill>
@@ -3463,24 +3635,24 @@
               </a:rPr>
               <a:t>用祂大能的手來拯救他</a:t>
             </a:r>
-            <a:endParaRPr b="0" lang="zh-TW" sz="5400" spc="-1" strike="noStrike">
-              <a:solidFill>
-                <a:srgbClr val="000000"/>
-              </a:solidFill>
-              <a:latin typeface="Calibri"/>
-            </a:endParaRPr>
-          </a:p>
-          <a:p>
-            <a:pPr algn="ctr">
-              <a:lnSpc>
-                <a:spcPct val="100000"/>
-              </a:lnSpc>
-              <a:spcBef>
-                <a:spcPts val="1080"/>
-              </a:spcBef>
-            </a:pPr>
-            <a:r>
-              <a:rPr b="1" lang="zh-TW" sz="5400" spc="-1" strike="noStrike">
+            <a:endParaRPr lang="zh-TW" sz="5400" b="0" strike="noStrike" spc="-1">
+              <a:solidFill>
+                <a:srgbClr val="000000"/>
+              </a:solidFill>
+              <a:latin typeface="Calibri"/>
+            </a:endParaRPr>
+          </a:p>
+          <a:p>
+            <a:pPr algn="ctr">
+              <a:lnSpc>
+                <a:spcPct val="100000"/>
+              </a:lnSpc>
+              <a:spcBef>
+                <a:spcPts val="1080"/>
+              </a:spcBef>
+            </a:pPr>
+            <a:r>
+              <a:rPr lang="zh-TW" sz="5400" b="1" strike="noStrike" spc="-1">
                 <a:solidFill>
                   <a:srgbClr val="000000"/>
                 </a:solidFill>
@@ -3489,24 +3661,24 @@
               </a:rPr>
               <a:t>祂造一切為你和我</a:t>
             </a:r>
-            <a:endParaRPr b="0" lang="zh-TW" sz="5400" spc="-1" strike="noStrike">
-              <a:solidFill>
-                <a:srgbClr val="000000"/>
-              </a:solidFill>
-              <a:latin typeface="Calibri"/>
-            </a:endParaRPr>
-          </a:p>
-          <a:p>
-            <a:pPr algn="ctr">
-              <a:lnSpc>
-                <a:spcPct val="100000"/>
-              </a:lnSpc>
-              <a:spcBef>
-                <a:spcPts val="1080"/>
-              </a:spcBef>
-            </a:pPr>
-            <a:r>
-              <a:rPr b="1" lang="zh-TW" sz="5400" spc="-1" strike="noStrike">
+            <a:endParaRPr lang="zh-TW" sz="5400" b="0" strike="noStrike" spc="-1">
+              <a:solidFill>
+                <a:srgbClr val="000000"/>
+              </a:solidFill>
+              <a:latin typeface="Calibri"/>
+            </a:endParaRPr>
+          </a:p>
+          <a:p>
+            <a:pPr algn="ctr">
+              <a:lnSpc>
+                <a:spcPct val="100000"/>
+              </a:lnSpc>
+              <a:spcBef>
+                <a:spcPts val="1080"/>
+              </a:spcBef>
+            </a:pPr>
+            <a:r>
+              <a:rPr lang="zh-TW" sz="5400" b="1" strike="noStrike" spc="-1">
                 <a:solidFill>
                   <a:srgbClr val="000000"/>
                 </a:solidFill>
@@ -3515,7 +3687,7 @@
               </a:rPr>
               <a:t>因神是愛</a:t>
             </a:r>
-            <a:endParaRPr b="0" lang="zh-TW" sz="5400" spc="-1" strike="noStrike">
+            <a:endParaRPr lang="zh-TW" sz="5400" b="0" strike="noStrike" spc="-1">
               <a:solidFill>
                 <a:srgbClr val="000000"/>
               </a:solidFill>
@@ -3526,22 +3698,25 @@
       </p:sp>
     </p:spTree>
   </p:cSld>
+  <p:clrMapOvr>
+    <a:masterClrMapping/>
+  </p:clrMapOvr>
   <p:timing>
     <p:tnLst>
       <p:par>
-        <p:cTn id="31" dur="indefinite" restart="never" nodeType="tmRoot">
+        <p:cTn id="1" dur="indefinite" restart="never" nodeType="tmRoot">
           <p:childTnLst>
             <p:seq>
-              <p:cTn id="32" dur="indefinite" nodeType="mainSeq"/>
+              <p:cTn id="2" dur="indefinite" nodeType="mainSeq"/>
               <p:prevCondLst>
-                <p:cond delay="0" evt="onPrev">
+                <p:cond evt="onPrev" delay="0">
                   <p:tgtEl>
                     <p:sldTgt/>
                   </p:tgtEl>
                 </p:cond>
               </p:prevCondLst>
               <p:nextCondLst>
-                <p:cond delay="0" evt="onNext">
+                <p:cond evt="onNext" delay="0">
                   <p:tgtEl>
                     <p:sldTgt/>
                   </p:tgtEl>
@@ -3557,7 +3732,7 @@
 </file>
 
 <file path=ppt/slides/slide17.xml><?xml version="1.0" encoding="utf-8"?>
-<p:sld xmlns:a="http://schemas.openxmlformats.org/drawingml/2006/main" xmlns:p="http://schemas.openxmlformats.org/presentationml/2006/main" xmlns:r="http://schemas.openxmlformats.org/officeDocument/2006/relationships" xmlns:p14="http://schemas.microsoft.com/office/powerpoint/2010/main" xmlns:p15="http://schemas.microsoft.com/office/powerpoint/2012/main" xmlns:mc="http://schemas.openxmlformats.org/markup-compatibility/2006">
+<p:sld xmlns:a="http://schemas.openxmlformats.org/drawingml/2006/main" xmlns:r="http://schemas.openxmlformats.org/officeDocument/2006/relationships" xmlns:p="http://schemas.openxmlformats.org/presentationml/2006/main">
   <p:cSld>
     <p:spTree>
       <p:nvGrpSpPr>
@@ -3594,14 +3769,15 @@
         </p:spPr>
         <p:txBody>
           <a:bodyPr anchor="ctr"/>
-          <a:p>
-            <a:pPr algn="ctr">
-              <a:lnSpc>
-                <a:spcPct val="100000"/>
-              </a:lnSpc>
-            </a:pPr>
-            <a:r>
-              <a:rPr b="1" lang="zh-TW" sz="4400" spc="-1" strike="noStrike">
+          <a:lstStyle/>
+          <a:p>
+            <a:pPr algn="ctr">
+              <a:lnSpc>
+                <a:spcPct val="100000"/>
+              </a:lnSpc>
+            </a:pPr>
+            <a:r>
+              <a:rPr lang="zh-TW" sz="4400" b="1" strike="noStrike" spc="-1">
                 <a:solidFill>
                   <a:srgbClr val="000000"/>
                 </a:solidFill>
@@ -3610,7 +3786,7 @@
               </a:rPr>
               <a:t>神是愛</a:t>
             </a:r>
-            <a:endParaRPr b="0" lang="zh-TW" sz="4400" spc="-1" strike="noStrike">
+            <a:endParaRPr lang="zh-TW" sz="4400" b="0" strike="noStrike" spc="-1">
               <a:solidFill>
                 <a:srgbClr val="000000"/>
               </a:solidFill>
@@ -3640,17 +3816,18 @@
         </p:spPr>
         <p:txBody>
           <a:bodyPr/>
-          <a:p>
-            <a:pPr algn="ctr">
-              <a:lnSpc>
-                <a:spcPct val="100000"/>
-              </a:lnSpc>
-              <a:spcBef>
-                <a:spcPts val="1080"/>
-              </a:spcBef>
-            </a:pPr>
-            <a:r>
-              <a:rPr b="1" lang="zh-TW" sz="5400" spc="-1" strike="noStrike">
+          <a:lstStyle/>
+          <a:p>
+            <a:pPr algn="ctr">
+              <a:lnSpc>
+                <a:spcPct val="100000"/>
+              </a:lnSpc>
+              <a:spcBef>
+                <a:spcPts val="1080"/>
+              </a:spcBef>
+            </a:pPr>
+            <a:r>
+              <a:rPr lang="zh-TW" sz="5400" b="1" strike="noStrike" spc="-1">
                 <a:solidFill>
                   <a:srgbClr val="000000"/>
                 </a:solidFill>
@@ -3659,24 +3836,24 @@
               </a:rPr>
               <a:t>神是愛  空氣中我能體會</a:t>
             </a:r>
-            <a:endParaRPr b="0" lang="zh-TW" sz="5400" spc="-1" strike="noStrike">
-              <a:solidFill>
-                <a:srgbClr val="000000"/>
-              </a:solidFill>
-              <a:latin typeface="Calibri"/>
-            </a:endParaRPr>
-          </a:p>
-          <a:p>
-            <a:pPr algn="ctr">
-              <a:lnSpc>
-                <a:spcPct val="100000"/>
-              </a:lnSpc>
-              <a:spcBef>
-                <a:spcPts val="1080"/>
-              </a:spcBef>
-            </a:pPr>
-            <a:r>
-              <a:rPr b="1" lang="zh-TW" sz="5400" spc="-1" strike="noStrike">
+            <a:endParaRPr lang="zh-TW" sz="5400" b="0" strike="noStrike" spc="-1">
+              <a:solidFill>
+                <a:srgbClr val="000000"/>
+              </a:solidFill>
+              <a:latin typeface="Calibri"/>
+            </a:endParaRPr>
+          </a:p>
+          <a:p>
+            <a:pPr algn="ctr">
+              <a:lnSpc>
+                <a:spcPct val="100000"/>
+              </a:lnSpc>
+              <a:spcBef>
+                <a:spcPts val="1080"/>
+              </a:spcBef>
+            </a:pPr>
+            <a:r>
+              <a:rPr lang="zh-TW" sz="5400" b="1" strike="noStrike" spc="-1">
                 <a:solidFill>
                   <a:srgbClr val="000000"/>
                 </a:solidFill>
@@ -3685,24 +3862,24 @@
               </a:rPr>
               <a:t>恩典中我能體會</a:t>
             </a:r>
-            <a:endParaRPr b="0" lang="zh-TW" sz="5400" spc="-1" strike="noStrike">
-              <a:solidFill>
-                <a:srgbClr val="000000"/>
-              </a:solidFill>
-              <a:latin typeface="Calibri"/>
-            </a:endParaRPr>
-          </a:p>
-          <a:p>
-            <a:pPr algn="ctr">
-              <a:lnSpc>
-                <a:spcPct val="100000"/>
-              </a:lnSpc>
-              <a:spcBef>
-                <a:spcPts val="1080"/>
-              </a:spcBef>
-            </a:pPr>
-            <a:r>
-              <a:rPr b="1" lang="zh-TW" sz="5400" spc="-1" strike="noStrike">
+            <a:endParaRPr lang="zh-TW" sz="5400" b="0" strike="noStrike" spc="-1">
+              <a:solidFill>
+                <a:srgbClr val="000000"/>
+              </a:solidFill>
+              <a:latin typeface="Calibri"/>
+            </a:endParaRPr>
+          </a:p>
+          <a:p>
+            <a:pPr algn="ctr">
+              <a:lnSpc>
+                <a:spcPct val="100000"/>
+              </a:lnSpc>
+              <a:spcBef>
+                <a:spcPts val="1080"/>
+              </a:spcBef>
+            </a:pPr>
+            <a:r>
+              <a:rPr lang="zh-TW" sz="5400" b="1" strike="noStrike" spc="-1">
                 <a:solidFill>
                   <a:srgbClr val="000000"/>
                 </a:solidFill>
@@ -3711,7 +3888,7 @@
               </a:rPr>
               <a:t>隨時我都能體會</a:t>
             </a:r>
-            <a:endParaRPr b="0" lang="zh-TW" sz="5400" spc="-1" strike="noStrike">
+            <a:endParaRPr lang="zh-TW" sz="5400" b="0" strike="noStrike" spc="-1">
               <a:solidFill>
                 <a:srgbClr val="000000"/>
               </a:solidFill>
@@ -3722,22 +3899,25 @@
       </p:sp>
     </p:spTree>
   </p:cSld>
+  <p:clrMapOvr>
+    <a:masterClrMapping/>
+  </p:clrMapOvr>
   <p:timing>
     <p:tnLst>
       <p:par>
-        <p:cTn id="33" dur="indefinite" restart="never" nodeType="tmRoot">
+        <p:cTn id="1" dur="indefinite" restart="never" nodeType="tmRoot">
           <p:childTnLst>
             <p:seq>
-              <p:cTn id="34" dur="indefinite" nodeType="mainSeq"/>
+              <p:cTn id="2" dur="indefinite" nodeType="mainSeq"/>
               <p:prevCondLst>
-                <p:cond delay="0" evt="onPrev">
+                <p:cond evt="onPrev" delay="0">
                   <p:tgtEl>
                     <p:sldTgt/>
                   </p:tgtEl>
                 </p:cond>
               </p:prevCondLst>
               <p:nextCondLst>
-                <p:cond delay="0" evt="onNext">
+                <p:cond evt="onNext" delay="0">
                   <p:tgtEl>
                     <p:sldTgt/>
                   </p:tgtEl>
@@ -3753,7 +3933,7 @@
 </file>
 
 <file path=ppt/slides/slide18.xml><?xml version="1.0" encoding="utf-8"?>
-<p:sld xmlns:a="http://schemas.openxmlformats.org/drawingml/2006/main" xmlns:p="http://schemas.openxmlformats.org/presentationml/2006/main" xmlns:r="http://schemas.openxmlformats.org/officeDocument/2006/relationships" xmlns:p14="http://schemas.microsoft.com/office/powerpoint/2010/main" xmlns:p15="http://schemas.microsoft.com/office/powerpoint/2012/main" xmlns:mc="http://schemas.openxmlformats.org/markup-compatibility/2006">
+<p:sld xmlns:a="http://schemas.openxmlformats.org/drawingml/2006/main" xmlns:r="http://schemas.openxmlformats.org/officeDocument/2006/relationships" xmlns:p="http://schemas.openxmlformats.org/presentationml/2006/main">
   <p:cSld>
     <p:spTree>
       <p:nvGrpSpPr>
@@ -3790,14 +3970,15 @@
         </p:spPr>
         <p:txBody>
           <a:bodyPr anchor="ctr"/>
-          <a:p>
-            <a:pPr algn="ctr">
-              <a:lnSpc>
-                <a:spcPct val="100000"/>
-              </a:lnSpc>
-            </a:pPr>
-            <a:r>
-              <a:rPr b="1" lang="zh-TW" sz="4400" spc="-1" strike="noStrike">
+          <a:lstStyle/>
+          <a:p>
+            <a:pPr algn="ctr">
+              <a:lnSpc>
+                <a:spcPct val="100000"/>
+              </a:lnSpc>
+            </a:pPr>
+            <a:r>
+              <a:rPr lang="zh-TW" sz="4400" b="1" strike="noStrike" spc="-1">
                 <a:solidFill>
                   <a:srgbClr val="000000"/>
                 </a:solidFill>
@@ -3806,7 +3987,7 @@
               </a:rPr>
               <a:t>神是愛</a:t>
             </a:r>
-            <a:endParaRPr b="0" lang="zh-TW" sz="4400" spc="-1" strike="noStrike">
+            <a:endParaRPr lang="zh-TW" sz="4400" b="0" strike="noStrike" spc="-1">
               <a:solidFill>
                 <a:srgbClr val="000000"/>
               </a:solidFill>
@@ -3836,17 +4017,18 @@
         </p:spPr>
         <p:txBody>
           <a:bodyPr/>
-          <a:p>
-            <a:pPr algn="ctr">
-              <a:lnSpc>
-                <a:spcPct val="100000"/>
-              </a:lnSpc>
-              <a:spcBef>
-                <a:spcPts val="1080"/>
-              </a:spcBef>
-            </a:pPr>
-            <a:r>
-              <a:rPr b="1" lang="zh-TW" sz="5400" spc="-1" strike="noStrike">
+          <a:lstStyle/>
+          <a:p>
+            <a:pPr algn="ctr">
+              <a:lnSpc>
+                <a:spcPct val="100000"/>
+              </a:lnSpc>
+              <a:spcBef>
+                <a:spcPts val="1080"/>
+              </a:spcBef>
+            </a:pPr>
+            <a:r>
+              <a:rPr lang="zh-TW" sz="5400" b="1" strike="noStrike" spc="-1">
                 <a:solidFill>
                   <a:srgbClr val="000000"/>
                 </a:solidFill>
@@ -3855,24 +4037,24 @@
               </a:rPr>
               <a:t>從最深的海洋  </a:t>
             </a:r>
-            <a:endParaRPr b="0" lang="zh-TW" sz="5400" spc="-1" strike="noStrike">
-              <a:solidFill>
-                <a:srgbClr val="000000"/>
-              </a:solidFill>
-              <a:latin typeface="Calibri"/>
-            </a:endParaRPr>
-          </a:p>
-          <a:p>
-            <a:pPr algn="ctr">
-              <a:lnSpc>
-                <a:spcPct val="100000"/>
-              </a:lnSpc>
-              <a:spcBef>
-                <a:spcPts val="1080"/>
-              </a:spcBef>
-            </a:pPr>
-            <a:r>
-              <a:rPr b="1" lang="zh-TW" sz="5400" spc="-1" strike="noStrike">
+            <a:endParaRPr lang="zh-TW" sz="5400" b="0" strike="noStrike" spc="-1">
+              <a:solidFill>
+                <a:srgbClr val="000000"/>
+              </a:solidFill>
+              <a:latin typeface="Calibri"/>
+            </a:endParaRPr>
+          </a:p>
+          <a:p>
+            <a:pPr algn="ctr">
+              <a:lnSpc>
+                <a:spcPct val="100000"/>
+              </a:lnSpc>
+              <a:spcBef>
+                <a:spcPts val="1080"/>
+              </a:spcBef>
+            </a:pPr>
+            <a:r>
+              <a:rPr lang="zh-TW" sz="5400" b="1" strike="noStrike" spc="-1">
                 <a:solidFill>
                   <a:srgbClr val="000000"/>
                 </a:solidFill>
@@ -3881,24 +4063,24 @@
               </a:rPr>
               <a:t>到那最高高的山</a:t>
             </a:r>
-            <a:endParaRPr b="0" lang="zh-TW" sz="5400" spc="-1" strike="noStrike">
-              <a:solidFill>
-                <a:srgbClr val="000000"/>
-              </a:solidFill>
-              <a:latin typeface="Calibri"/>
-            </a:endParaRPr>
-          </a:p>
-          <a:p>
-            <a:pPr algn="ctr">
-              <a:lnSpc>
-                <a:spcPct val="100000"/>
-              </a:lnSpc>
-              <a:spcBef>
-                <a:spcPts val="1080"/>
-              </a:spcBef>
-            </a:pPr>
-            <a:r>
-              <a:rPr b="1" lang="zh-TW" sz="5400" spc="-1" strike="noStrike">
+            <a:endParaRPr lang="zh-TW" sz="5400" b="0" strike="noStrike" spc="-1">
+              <a:solidFill>
+                <a:srgbClr val="000000"/>
+              </a:solidFill>
+              <a:latin typeface="Calibri"/>
+            </a:endParaRPr>
+          </a:p>
+          <a:p>
+            <a:pPr algn="ctr">
+              <a:lnSpc>
+                <a:spcPct val="100000"/>
+              </a:lnSpc>
+              <a:spcBef>
+                <a:spcPts val="1080"/>
+              </a:spcBef>
+            </a:pPr>
+            <a:r>
+              <a:rPr lang="zh-TW" sz="5400" b="1" strike="noStrike" spc="-1">
                 <a:solidFill>
                   <a:srgbClr val="000000"/>
                 </a:solidFill>
@@ -3907,7 +4089,7 @@
               </a:rPr>
               <a:t>萬物都告訴我神是愛</a:t>
             </a:r>
-            <a:endParaRPr b="0" lang="zh-TW" sz="5400" spc="-1" strike="noStrike">
+            <a:endParaRPr lang="zh-TW" sz="5400" b="0" strike="noStrike" spc="-1">
               <a:solidFill>
                 <a:srgbClr val="000000"/>
               </a:solidFill>
@@ -3918,22 +4100,25 @@
       </p:sp>
     </p:spTree>
   </p:cSld>
+  <p:clrMapOvr>
+    <a:masterClrMapping/>
+  </p:clrMapOvr>
   <p:timing>
     <p:tnLst>
       <p:par>
-        <p:cTn id="35" dur="indefinite" restart="never" nodeType="tmRoot">
+        <p:cTn id="1" dur="indefinite" restart="never" nodeType="tmRoot">
           <p:childTnLst>
             <p:seq>
-              <p:cTn id="36" dur="indefinite" nodeType="mainSeq"/>
+              <p:cTn id="2" dur="indefinite" nodeType="mainSeq"/>
               <p:prevCondLst>
-                <p:cond delay="0" evt="onPrev">
+                <p:cond evt="onPrev" delay="0">
                   <p:tgtEl>
                     <p:sldTgt/>
                   </p:tgtEl>
                 </p:cond>
               </p:prevCondLst>
               <p:nextCondLst>
-                <p:cond delay="0" evt="onNext">
+                <p:cond evt="onNext" delay="0">
                   <p:tgtEl>
                     <p:sldTgt/>
                   </p:tgtEl>
@@ -3949,7 +4134,7 @@
 </file>
 
 <file path=ppt/slides/slide19.xml><?xml version="1.0" encoding="utf-8"?>
-<p:sld xmlns:a="http://schemas.openxmlformats.org/drawingml/2006/main" xmlns:p="http://schemas.openxmlformats.org/presentationml/2006/main" xmlns:r="http://schemas.openxmlformats.org/officeDocument/2006/relationships" xmlns:p14="http://schemas.microsoft.com/office/powerpoint/2010/main" xmlns:p15="http://schemas.microsoft.com/office/powerpoint/2012/main" xmlns:mc="http://schemas.openxmlformats.org/markup-compatibility/2006">
+<p:sld xmlns:a="http://schemas.openxmlformats.org/drawingml/2006/main" xmlns:r="http://schemas.openxmlformats.org/officeDocument/2006/relationships" xmlns:p="http://schemas.openxmlformats.org/presentationml/2006/main">
   <p:cSld>
     <p:spTree>
       <p:nvGrpSpPr>
@@ -3986,25 +4171,26 @@
         </p:spPr>
         <p:txBody>
           <a:bodyPr anchor="ctr"/>
-          <a:p>
-            <a:pPr algn="ctr">
-              <a:lnSpc>
-                <a:spcPct val="100000"/>
-              </a:lnSpc>
-            </a:pPr>
-            <a:r>
-              <a:rPr b="1" lang="zh-TW" sz="4400" spc="-1" strike="noStrike">
-                <a:solidFill>
-                  <a:srgbClr val="000000"/>
+          <a:lstStyle/>
+          <a:p>
+            <a:pPr algn="ctr">
+              <a:lnSpc>
+                <a:spcPct val="100000"/>
+              </a:lnSpc>
+            </a:pPr>
+            <a:r>
+              <a:rPr lang="zh-TW" sz="4400" b="1" strike="noStrike" spc="-1" dirty="0">
+                <a:solidFill>
+                  <a:srgbClr val="C00000"/>
                 </a:solidFill>
                 <a:latin typeface="Microsoft JhengHei"/>
                 <a:ea typeface="Microsoft JhengHei"/>
               </a:rPr>
               <a:t>我已經決定</a:t>
             </a:r>
-            <a:endParaRPr b="0" lang="zh-TW" sz="4400" spc="-1" strike="noStrike">
-              <a:solidFill>
-                <a:srgbClr val="000000"/>
+            <a:endParaRPr lang="zh-TW" sz="4400" b="0" strike="noStrike" spc="-1" dirty="0">
+              <a:solidFill>
+                <a:srgbClr val="C00000"/>
               </a:solidFill>
               <a:latin typeface="Calibri"/>
             </a:endParaRPr>
@@ -4034,106 +4220,107 @@
           <a:bodyPr>
             <a:normAutofit/>
           </a:bodyPr>
-          <a:p>
-            <a:pPr algn="ctr">
-              <a:lnSpc>
-                <a:spcPct val="100000"/>
-              </a:lnSpc>
-              <a:spcBef>
-                <a:spcPts val="1080"/>
-              </a:spcBef>
-            </a:pPr>
-            <a:r>
-              <a:rPr b="1" lang="zh-TW" sz="5400" spc="-1" strike="noStrike">
-                <a:solidFill>
-                  <a:srgbClr val="000000"/>
+          <a:lstStyle/>
+          <a:p>
+            <a:pPr algn="ctr">
+              <a:lnSpc>
+                <a:spcPct val="100000"/>
+              </a:lnSpc>
+              <a:spcBef>
+                <a:spcPts val="1080"/>
+              </a:spcBef>
+            </a:pPr>
+            <a:r>
+              <a:rPr lang="zh-TW" sz="5400" b="1" strike="noStrike" spc="-1">
+                <a:solidFill>
+                  <a:srgbClr val="C00000"/>
                 </a:solidFill>
                 <a:latin typeface="Microsoft JhengHei"/>
                 <a:ea typeface="Microsoft JhengHei"/>
               </a:rPr>
               <a:t>我已經決定   要跟從耶穌</a:t>
             </a:r>
-            <a:endParaRPr b="0" lang="zh-TW" sz="5400" spc="-1" strike="noStrike">
-              <a:solidFill>
-                <a:srgbClr val="000000"/>
-              </a:solidFill>
-              <a:latin typeface="Calibri"/>
-            </a:endParaRPr>
-          </a:p>
-          <a:p>
-            <a:pPr algn="ctr">
-              <a:lnSpc>
-                <a:spcPct val="100000"/>
-              </a:lnSpc>
-              <a:spcBef>
-                <a:spcPts val="1080"/>
-              </a:spcBef>
-            </a:pPr>
-            <a:r>
-              <a:rPr b="1" lang="zh-TW" sz="5400" spc="-1" strike="noStrike">
-                <a:solidFill>
-                  <a:srgbClr val="000000"/>
+            <a:endParaRPr lang="zh-TW" sz="5400" b="0" strike="noStrike" spc="-1">
+              <a:solidFill>
+                <a:srgbClr val="C00000"/>
+              </a:solidFill>
+              <a:latin typeface="Calibri"/>
+            </a:endParaRPr>
+          </a:p>
+          <a:p>
+            <a:pPr algn="ctr">
+              <a:lnSpc>
+                <a:spcPct val="100000"/>
+              </a:lnSpc>
+              <a:spcBef>
+                <a:spcPts val="1080"/>
+              </a:spcBef>
+            </a:pPr>
+            <a:r>
+              <a:rPr lang="zh-TW" sz="5400" b="1" strike="noStrike" spc="-1">
+                <a:solidFill>
+                  <a:srgbClr val="C00000"/>
                 </a:solidFill>
                 <a:latin typeface="Microsoft JhengHei"/>
                 <a:ea typeface="Microsoft JhengHei"/>
               </a:rPr>
               <a:t>我已經決定   要跟從耶穌</a:t>
             </a:r>
-            <a:endParaRPr b="0" lang="zh-TW" sz="5400" spc="-1" strike="noStrike">
-              <a:solidFill>
-                <a:srgbClr val="000000"/>
-              </a:solidFill>
-              <a:latin typeface="Calibri"/>
-            </a:endParaRPr>
-          </a:p>
-          <a:p>
-            <a:pPr algn="ctr">
-              <a:lnSpc>
-                <a:spcPct val="100000"/>
-              </a:lnSpc>
-              <a:spcBef>
-                <a:spcPts val="1080"/>
-              </a:spcBef>
-            </a:pPr>
-            <a:r>
-              <a:rPr b="1" lang="zh-TW" sz="5400" spc="-1" strike="noStrike">
-                <a:solidFill>
-                  <a:srgbClr val="000000"/>
+            <a:endParaRPr lang="zh-TW" sz="5400" b="0" strike="noStrike" spc="-1">
+              <a:solidFill>
+                <a:srgbClr val="C00000"/>
+              </a:solidFill>
+              <a:latin typeface="Calibri"/>
+            </a:endParaRPr>
+          </a:p>
+          <a:p>
+            <a:pPr algn="ctr">
+              <a:lnSpc>
+                <a:spcPct val="100000"/>
+              </a:lnSpc>
+              <a:spcBef>
+                <a:spcPts val="1080"/>
+              </a:spcBef>
+            </a:pPr>
+            <a:r>
+              <a:rPr lang="zh-TW" sz="5400" b="1" strike="noStrike" spc="-1">
+                <a:solidFill>
+                  <a:srgbClr val="C00000"/>
                 </a:solidFill>
                 <a:latin typeface="Microsoft JhengHei"/>
                 <a:ea typeface="Microsoft JhengHei"/>
               </a:rPr>
               <a:t>我已經決定   要跟從耶穌</a:t>
             </a:r>
-            <a:endParaRPr b="0" lang="zh-TW" sz="5400" spc="-1" strike="noStrike">
-              <a:solidFill>
-                <a:srgbClr val="000000"/>
-              </a:solidFill>
-              <a:latin typeface="Calibri"/>
-            </a:endParaRPr>
-          </a:p>
-          <a:p>
-            <a:pPr algn="ctr">
-              <a:lnSpc>
-                <a:spcPct val="100000"/>
-              </a:lnSpc>
-              <a:spcBef>
-                <a:spcPts val="1080"/>
-              </a:spcBef>
-            </a:pPr>
-            <a:r>
-              <a:rPr b="1" lang="zh-TW" sz="5400" spc="-1" strike="noStrike">
-                <a:solidFill>
-                  <a:srgbClr val="000000"/>
+            <a:endParaRPr lang="zh-TW" sz="5400" b="0" strike="noStrike" spc="-1">
+              <a:solidFill>
+                <a:srgbClr val="C00000"/>
+              </a:solidFill>
+              <a:latin typeface="Calibri"/>
+            </a:endParaRPr>
+          </a:p>
+          <a:p>
+            <a:pPr algn="ctr">
+              <a:lnSpc>
+                <a:spcPct val="100000"/>
+              </a:lnSpc>
+              <a:spcBef>
+                <a:spcPts val="1080"/>
+              </a:spcBef>
+            </a:pPr>
+            <a:r>
+              <a:rPr lang="zh-TW" sz="5400" b="1" strike="noStrike" spc="-1">
+                <a:solidFill>
+                  <a:srgbClr val="C00000"/>
                 </a:solidFill>
                 <a:latin typeface="Microsoft JhengHei"/>
                 <a:ea typeface="Microsoft JhengHei"/>
               </a:rPr>
               <a:t>永不轉回   永不轉回</a:t>
             </a:r>
-            <a:endParaRPr b="0" lang="zh-TW" sz="5400" spc="-1" strike="noStrike">
-              <a:solidFill>
-                <a:srgbClr val="000000"/>
+            <a:endParaRPr lang="zh-TW" sz="5400" b="0" strike="noStrike" spc="-1">
+              <a:solidFill>
+                <a:srgbClr val="C00000"/>
               </a:solidFill>
               <a:latin typeface="Calibri"/>
             </a:endParaRPr>
@@ -4142,22 +4329,25 @@
       </p:sp>
     </p:spTree>
   </p:cSld>
+  <p:clrMapOvr>
+    <a:masterClrMapping/>
+  </p:clrMapOvr>
   <p:timing>
     <p:tnLst>
       <p:par>
-        <p:cTn id="37" dur="indefinite" restart="never" nodeType="tmRoot">
+        <p:cTn id="1" dur="indefinite" restart="never" nodeType="tmRoot">
           <p:childTnLst>
             <p:seq>
-              <p:cTn id="38" dur="indefinite" nodeType="mainSeq"/>
+              <p:cTn id="2" dur="indefinite" nodeType="mainSeq"/>
               <p:prevCondLst>
-                <p:cond delay="0" evt="onPrev">
+                <p:cond evt="onPrev" delay="0">
                   <p:tgtEl>
                     <p:sldTgt/>
                   </p:tgtEl>
                 </p:cond>
               </p:prevCondLst>
               <p:nextCondLst>
-                <p:cond delay="0" evt="onNext">
+                <p:cond evt="onNext" delay="0">
                   <p:tgtEl>
                     <p:sldTgt/>
                   </p:tgtEl>
@@ -4173,7 +4363,7 @@
 </file>
 
 <file path=ppt/slides/slide2.xml><?xml version="1.0" encoding="utf-8"?>
-<p:sld xmlns:a="http://schemas.openxmlformats.org/drawingml/2006/main" xmlns:p="http://schemas.openxmlformats.org/presentationml/2006/main" xmlns:r="http://schemas.openxmlformats.org/officeDocument/2006/relationships" xmlns:p14="http://schemas.microsoft.com/office/powerpoint/2010/main" xmlns:p15="http://schemas.microsoft.com/office/powerpoint/2012/main" xmlns:mc="http://schemas.openxmlformats.org/markup-compatibility/2006">
+<p:sld xmlns:a="http://schemas.openxmlformats.org/drawingml/2006/main" xmlns:r="http://schemas.openxmlformats.org/officeDocument/2006/relationships" xmlns:p="http://schemas.openxmlformats.org/presentationml/2006/main">
   <p:cSld>
     <p:spTree>
       <p:nvGrpSpPr>
@@ -4212,14 +4402,15 @@
           <a:bodyPr anchor="ctr">
             <a:normAutofit/>
           </a:bodyPr>
-          <a:p>
-            <a:pPr algn="ctr">
-              <a:lnSpc>
-                <a:spcPct val="100000"/>
-              </a:lnSpc>
-            </a:pPr>
-            <a:r>
-              <a:rPr b="1" lang="zh-TW" sz="4400" spc="-1" strike="noStrike">
+          <a:lstStyle/>
+          <a:p>
+            <a:pPr algn="ctr">
+              <a:lnSpc>
+                <a:spcPct val="100000"/>
+              </a:lnSpc>
+            </a:pPr>
+            <a:r>
+              <a:rPr lang="zh-TW" sz="4400" b="1" strike="noStrike" spc="-1">
                 <a:solidFill>
                   <a:srgbClr val="660033"/>
                 </a:solidFill>
@@ -4228,7 +4419,7 @@
               </a:rPr>
               <a:t>你們要讚美耶和華</a:t>
             </a:r>
-            <a:endParaRPr b="0" lang="zh-TW" sz="4400" spc="-1" strike="noStrike">
+            <a:endParaRPr lang="zh-TW" sz="4400" b="0" strike="noStrike" spc="-1">
               <a:solidFill>
                 <a:srgbClr val="000000"/>
               </a:solidFill>
@@ -4260,6 +4451,7 @@
           <a:bodyPr>
             <a:normAutofit/>
           </a:bodyPr>
+          <a:lstStyle/>
           <a:p>
             <a:pPr marL="343080" indent="-342720" algn="ctr">
               <a:lnSpc>
@@ -4270,7 +4462,7 @@
               </a:spcBef>
             </a:pPr>
             <a:r>
-              <a:rPr b="1" lang="zh-TW" sz="5400" spc="-1" strike="noStrike">
+              <a:rPr lang="zh-TW" sz="5400" b="1" strike="noStrike" spc="-1">
                 <a:solidFill>
                   <a:srgbClr val="660033"/>
                 </a:solidFill>
@@ -4279,7 +4471,7 @@
               </a:rPr>
               <a:t>要因著祂的大能讚美祂</a:t>
             </a:r>
-            <a:endParaRPr b="0" lang="zh-TW" sz="5400" spc="-1" strike="noStrike">
+            <a:endParaRPr lang="zh-TW" sz="5400" b="0" strike="noStrike" spc="-1">
               <a:solidFill>
                 <a:srgbClr val="000000"/>
               </a:solidFill>
@@ -4296,7 +4488,7 @@
               </a:spcBef>
             </a:pPr>
             <a:r>
-              <a:rPr b="1" lang="zh-TW" sz="5400" spc="-1" strike="noStrike">
+              <a:rPr lang="zh-TW" sz="5400" b="1" strike="noStrike" spc="-1">
                 <a:solidFill>
                   <a:srgbClr val="660033"/>
                 </a:solidFill>
@@ -4305,7 +4497,7 @@
               </a:rPr>
               <a:t>要因著祂的榮耀讚美祂</a:t>
             </a:r>
-            <a:endParaRPr b="0" lang="zh-TW" sz="5400" spc="-1" strike="noStrike">
+            <a:endParaRPr lang="zh-TW" sz="5400" b="0" strike="noStrike" spc="-1">
               <a:solidFill>
                 <a:srgbClr val="000000"/>
               </a:solidFill>
@@ -4322,7 +4514,7 @@
               </a:spcBef>
             </a:pPr>
             <a:r>
-              <a:rPr b="1" lang="zh-TW" sz="5400" spc="-1" strike="noStrike">
+              <a:rPr lang="zh-TW" sz="5400" b="1" strike="noStrike" spc="-1">
                 <a:solidFill>
                   <a:srgbClr val="660033"/>
                 </a:solidFill>
@@ -4331,7 +4523,7 @@
               </a:rPr>
               <a:t>要因著祂的慈愛讚美祂</a:t>
             </a:r>
-            <a:endParaRPr b="0" lang="zh-TW" sz="5400" spc="-1" strike="noStrike">
+            <a:endParaRPr lang="zh-TW" sz="5400" b="0" strike="noStrike" spc="-1">
               <a:solidFill>
                 <a:srgbClr val="000000"/>
               </a:solidFill>
@@ -4348,7 +4540,7 @@
               </a:spcBef>
             </a:pPr>
             <a:r>
-              <a:rPr b="1" lang="zh-TW" sz="5400" spc="-1" strike="noStrike">
+              <a:rPr lang="zh-TW" sz="5400" b="1" strike="noStrike" spc="-1">
                 <a:solidFill>
                   <a:srgbClr val="660033"/>
                 </a:solidFill>
@@ -4357,7 +4549,7 @@
               </a:rPr>
               <a:t>凡有氣息的都要讚美祂</a:t>
             </a:r>
-            <a:endParaRPr b="0" lang="zh-TW" sz="5400" spc="-1" strike="noStrike">
+            <a:endParaRPr lang="zh-TW" sz="5400" b="0" strike="noStrike" spc="-1">
               <a:solidFill>
                 <a:srgbClr val="000000"/>
               </a:solidFill>
@@ -4368,22 +4560,25 @@
       </p:sp>
     </p:spTree>
   </p:cSld>
+  <p:clrMapOvr>
+    <a:masterClrMapping/>
+  </p:clrMapOvr>
   <p:timing>
     <p:tnLst>
       <p:par>
-        <p:cTn id="3" dur="indefinite" restart="never" nodeType="tmRoot">
+        <p:cTn id="1" dur="indefinite" restart="never" nodeType="tmRoot">
           <p:childTnLst>
             <p:seq>
-              <p:cTn id="4" dur="indefinite" nodeType="mainSeq"/>
+              <p:cTn id="2" dur="indefinite" nodeType="mainSeq"/>
               <p:prevCondLst>
-                <p:cond delay="0" evt="onPrev">
+                <p:cond evt="onPrev" delay="0">
                   <p:tgtEl>
                     <p:sldTgt/>
                   </p:tgtEl>
                 </p:cond>
               </p:prevCondLst>
               <p:nextCondLst>
-                <p:cond delay="0" evt="onNext">
+                <p:cond evt="onNext" delay="0">
                   <p:tgtEl>
                     <p:sldTgt/>
                   </p:tgtEl>
@@ -4399,7 +4594,7 @@
 </file>
 
 <file path=ppt/slides/slide20.xml><?xml version="1.0" encoding="utf-8"?>
-<p:sld xmlns:a="http://schemas.openxmlformats.org/drawingml/2006/main" xmlns:p="http://schemas.openxmlformats.org/presentationml/2006/main" xmlns:r="http://schemas.openxmlformats.org/officeDocument/2006/relationships" xmlns:p14="http://schemas.microsoft.com/office/powerpoint/2010/main" xmlns:p15="http://schemas.microsoft.com/office/powerpoint/2012/main" xmlns:mc="http://schemas.openxmlformats.org/markup-compatibility/2006">
+<p:sld xmlns:a="http://schemas.openxmlformats.org/drawingml/2006/main" xmlns:r="http://schemas.openxmlformats.org/officeDocument/2006/relationships" xmlns:p="http://schemas.openxmlformats.org/presentationml/2006/main">
   <p:cSld>
     <p:spTree>
       <p:nvGrpSpPr>
@@ -4436,25 +4631,26 @@
         </p:spPr>
         <p:txBody>
           <a:bodyPr anchor="ctr"/>
-          <a:p>
-            <a:pPr algn="ctr">
-              <a:lnSpc>
-                <a:spcPct val="100000"/>
-              </a:lnSpc>
-            </a:pPr>
-            <a:r>
-              <a:rPr b="1" lang="zh-TW" sz="4400" spc="-1" strike="noStrike">
-                <a:solidFill>
-                  <a:srgbClr val="000000"/>
+          <a:lstStyle/>
+          <a:p>
+            <a:pPr algn="ctr">
+              <a:lnSpc>
+                <a:spcPct val="100000"/>
+              </a:lnSpc>
+            </a:pPr>
+            <a:r>
+              <a:rPr lang="zh-TW" sz="4400" b="1" strike="noStrike" spc="-1" dirty="0">
+                <a:solidFill>
+                  <a:srgbClr val="C00000"/>
                 </a:solidFill>
                 <a:latin typeface="Microsoft JhengHei"/>
                 <a:ea typeface="Microsoft JhengHei"/>
               </a:rPr>
               <a:t>我已經決定</a:t>
             </a:r>
-            <a:endParaRPr b="0" lang="zh-TW" sz="4400" spc="-1" strike="noStrike">
-              <a:solidFill>
-                <a:srgbClr val="000000"/>
+            <a:endParaRPr lang="zh-TW" sz="4400" b="0" strike="noStrike" spc="-1" dirty="0">
+              <a:solidFill>
+                <a:srgbClr val="C00000"/>
               </a:solidFill>
               <a:latin typeface="Calibri"/>
             </a:endParaRPr>
@@ -4484,106 +4680,107 @@
           <a:bodyPr>
             <a:normAutofit/>
           </a:bodyPr>
-          <a:p>
-            <a:pPr algn="ctr">
-              <a:lnSpc>
-                <a:spcPct val="100000"/>
-              </a:lnSpc>
-              <a:spcBef>
-                <a:spcPts val="1080"/>
-              </a:spcBef>
-            </a:pPr>
-            <a:r>
-              <a:rPr b="1" lang="zh-TW" sz="5400" spc="-1" strike="noStrike">
-                <a:solidFill>
-                  <a:srgbClr val="000000"/>
+          <a:lstStyle/>
+          <a:p>
+            <a:pPr algn="ctr">
+              <a:lnSpc>
+                <a:spcPct val="100000"/>
+              </a:lnSpc>
+              <a:spcBef>
+                <a:spcPts val="1080"/>
+              </a:spcBef>
+            </a:pPr>
+            <a:r>
+              <a:rPr lang="zh-TW" sz="5400" b="1" strike="noStrike" spc="-1">
+                <a:solidFill>
+                  <a:srgbClr val="C00000"/>
                 </a:solidFill>
                 <a:latin typeface="Microsoft JhengHei"/>
                 <a:ea typeface="Microsoft JhengHei"/>
               </a:rPr>
               <a:t>雖無人願意   我仍要跟從</a:t>
             </a:r>
-            <a:endParaRPr b="0" lang="zh-TW" sz="5400" spc="-1" strike="noStrike">
-              <a:solidFill>
-                <a:srgbClr val="000000"/>
-              </a:solidFill>
-              <a:latin typeface="Calibri"/>
-            </a:endParaRPr>
-          </a:p>
-          <a:p>
-            <a:pPr algn="ctr">
-              <a:lnSpc>
-                <a:spcPct val="100000"/>
-              </a:lnSpc>
-              <a:spcBef>
-                <a:spcPts val="1080"/>
-              </a:spcBef>
-            </a:pPr>
-            <a:r>
-              <a:rPr b="1" lang="zh-TW" sz="5400" spc="-1" strike="noStrike">
-                <a:solidFill>
-                  <a:srgbClr val="000000"/>
+            <a:endParaRPr lang="zh-TW" sz="5400" b="0" strike="noStrike" spc="-1">
+              <a:solidFill>
+                <a:srgbClr val="C00000"/>
+              </a:solidFill>
+              <a:latin typeface="Calibri"/>
+            </a:endParaRPr>
+          </a:p>
+          <a:p>
+            <a:pPr algn="ctr">
+              <a:lnSpc>
+                <a:spcPct val="100000"/>
+              </a:lnSpc>
+              <a:spcBef>
+                <a:spcPts val="1080"/>
+              </a:spcBef>
+            </a:pPr>
+            <a:r>
+              <a:rPr lang="zh-TW" sz="5400" b="1" strike="noStrike" spc="-1">
+                <a:solidFill>
+                  <a:srgbClr val="C00000"/>
                 </a:solidFill>
                 <a:latin typeface="Microsoft JhengHei"/>
                 <a:ea typeface="Microsoft JhengHei"/>
               </a:rPr>
               <a:t>雖無人願意   我仍要跟從</a:t>
             </a:r>
-            <a:endParaRPr b="0" lang="zh-TW" sz="5400" spc="-1" strike="noStrike">
-              <a:solidFill>
-                <a:srgbClr val="000000"/>
-              </a:solidFill>
-              <a:latin typeface="Calibri"/>
-            </a:endParaRPr>
-          </a:p>
-          <a:p>
-            <a:pPr algn="ctr">
-              <a:lnSpc>
-                <a:spcPct val="100000"/>
-              </a:lnSpc>
-              <a:spcBef>
-                <a:spcPts val="1080"/>
-              </a:spcBef>
-            </a:pPr>
-            <a:r>
-              <a:rPr b="1" lang="zh-TW" sz="5400" spc="-1" strike="noStrike">
-                <a:solidFill>
-                  <a:srgbClr val="000000"/>
+            <a:endParaRPr lang="zh-TW" sz="5400" b="0" strike="noStrike" spc="-1">
+              <a:solidFill>
+                <a:srgbClr val="C00000"/>
+              </a:solidFill>
+              <a:latin typeface="Calibri"/>
+            </a:endParaRPr>
+          </a:p>
+          <a:p>
+            <a:pPr algn="ctr">
+              <a:lnSpc>
+                <a:spcPct val="100000"/>
+              </a:lnSpc>
+              <a:spcBef>
+                <a:spcPts val="1080"/>
+              </a:spcBef>
+            </a:pPr>
+            <a:r>
+              <a:rPr lang="zh-TW" sz="5400" b="1" strike="noStrike" spc="-1">
+                <a:solidFill>
+                  <a:srgbClr val="C00000"/>
                 </a:solidFill>
                 <a:latin typeface="Microsoft JhengHei"/>
                 <a:ea typeface="Microsoft JhengHei"/>
               </a:rPr>
               <a:t>雖無人願意   我仍要跟從</a:t>
             </a:r>
-            <a:endParaRPr b="0" lang="zh-TW" sz="5400" spc="-1" strike="noStrike">
-              <a:solidFill>
-                <a:srgbClr val="000000"/>
-              </a:solidFill>
-              <a:latin typeface="Calibri"/>
-            </a:endParaRPr>
-          </a:p>
-          <a:p>
-            <a:pPr algn="ctr">
-              <a:lnSpc>
-                <a:spcPct val="100000"/>
-              </a:lnSpc>
-              <a:spcBef>
-                <a:spcPts val="1080"/>
-              </a:spcBef>
-            </a:pPr>
-            <a:r>
-              <a:rPr b="1" lang="zh-TW" sz="5400" spc="-1" strike="noStrike">
-                <a:solidFill>
-                  <a:srgbClr val="000000"/>
+            <a:endParaRPr lang="zh-TW" sz="5400" b="0" strike="noStrike" spc="-1">
+              <a:solidFill>
+                <a:srgbClr val="C00000"/>
+              </a:solidFill>
+              <a:latin typeface="Calibri"/>
+            </a:endParaRPr>
+          </a:p>
+          <a:p>
+            <a:pPr algn="ctr">
+              <a:lnSpc>
+                <a:spcPct val="100000"/>
+              </a:lnSpc>
+              <a:spcBef>
+                <a:spcPts val="1080"/>
+              </a:spcBef>
+            </a:pPr>
+            <a:r>
+              <a:rPr lang="zh-TW" sz="5400" b="1" strike="noStrike" spc="-1">
+                <a:solidFill>
+                  <a:srgbClr val="C00000"/>
                 </a:solidFill>
                 <a:latin typeface="Microsoft JhengHei"/>
                 <a:ea typeface="Microsoft JhengHei"/>
               </a:rPr>
               <a:t>永不轉回   永不轉回</a:t>
             </a:r>
-            <a:endParaRPr b="0" lang="zh-TW" sz="5400" spc="-1" strike="noStrike">
-              <a:solidFill>
-                <a:srgbClr val="000000"/>
+            <a:endParaRPr lang="zh-TW" sz="5400" b="0" strike="noStrike" spc="-1">
+              <a:solidFill>
+                <a:srgbClr val="C00000"/>
               </a:solidFill>
               <a:latin typeface="Calibri"/>
             </a:endParaRPr>
@@ -4592,22 +4789,25 @@
       </p:sp>
     </p:spTree>
   </p:cSld>
+  <p:clrMapOvr>
+    <a:masterClrMapping/>
+  </p:clrMapOvr>
   <p:timing>
     <p:tnLst>
       <p:par>
-        <p:cTn id="39" dur="indefinite" restart="never" nodeType="tmRoot">
+        <p:cTn id="1" dur="indefinite" restart="never" nodeType="tmRoot">
           <p:childTnLst>
             <p:seq>
-              <p:cTn id="40" dur="indefinite" nodeType="mainSeq"/>
+              <p:cTn id="2" dur="indefinite" nodeType="mainSeq"/>
               <p:prevCondLst>
-                <p:cond delay="0" evt="onPrev">
+                <p:cond evt="onPrev" delay="0">
                   <p:tgtEl>
                     <p:sldTgt/>
                   </p:tgtEl>
                 </p:cond>
               </p:prevCondLst>
               <p:nextCondLst>
-                <p:cond delay="0" evt="onNext">
+                <p:cond evt="onNext" delay="0">
                   <p:tgtEl>
                     <p:sldTgt/>
                   </p:tgtEl>
@@ -4623,7 +4823,7 @@
 </file>
 
 <file path=ppt/slides/slide21.xml><?xml version="1.0" encoding="utf-8"?>
-<p:sld xmlns:a="http://schemas.openxmlformats.org/drawingml/2006/main" xmlns:p="http://schemas.openxmlformats.org/presentationml/2006/main" xmlns:r="http://schemas.openxmlformats.org/officeDocument/2006/relationships" xmlns:p14="http://schemas.microsoft.com/office/powerpoint/2010/main" xmlns:p15="http://schemas.microsoft.com/office/powerpoint/2012/main" xmlns:mc="http://schemas.openxmlformats.org/markup-compatibility/2006">
+<p:sld xmlns:a="http://schemas.openxmlformats.org/drawingml/2006/main" xmlns:r="http://schemas.openxmlformats.org/officeDocument/2006/relationships" xmlns:p="http://schemas.openxmlformats.org/presentationml/2006/main">
   <p:cSld>
     <p:spTree>
       <p:nvGrpSpPr>
@@ -4660,25 +4860,26 @@
         </p:spPr>
         <p:txBody>
           <a:bodyPr anchor="ctr"/>
-          <a:p>
-            <a:pPr algn="ctr">
-              <a:lnSpc>
-                <a:spcPct val="100000"/>
-              </a:lnSpc>
-            </a:pPr>
-            <a:r>
-              <a:rPr b="1" lang="zh-TW" sz="4400" spc="-1" strike="noStrike">
-                <a:solidFill>
-                  <a:srgbClr val="000000"/>
+          <a:lstStyle/>
+          <a:p>
+            <a:pPr algn="ctr">
+              <a:lnSpc>
+                <a:spcPct val="100000"/>
+              </a:lnSpc>
+            </a:pPr>
+            <a:r>
+              <a:rPr lang="zh-TW" sz="4400" b="1" strike="noStrike" spc="-1" dirty="0">
+                <a:solidFill>
+                  <a:srgbClr val="C00000"/>
                 </a:solidFill>
                 <a:latin typeface="Microsoft JhengHei"/>
                 <a:ea typeface="Microsoft JhengHei"/>
               </a:rPr>
               <a:t>我已經決定</a:t>
             </a:r>
-            <a:endParaRPr b="0" lang="zh-TW" sz="4400" spc="-1" strike="noStrike">
-              <a:solidFill>
-                <a:srgbClr val="000000"/>
+            <a:endParaRPr lang="zh-TW" sz="4400" b="0" strike="noStrike" spc="-1" dirty="0">
+              <a:solidFill>
+                <a:srgbClr val="C00000"/>
               </a:solidFill>
               <a:latin typeface="Calibri"/>
             </a:endParaRPr>
@@ -4708,106 +4909,107 @@
           <a:bodyPr>
             <a:normAutofit/>
           </a:bodyPr>
-          <a:p>
-            <a:pPr algn="ctr">
-              <a:lnSpc>
-                <a:spcPct val="100000"/>
-              </a:lnSpc>
-              <a:spcBef>
-                <a:spcPts val="1080"/>
-              </a:spcBef>
-            </a:pPr>
-            <a:r>
-              <a:rPr b="1" lang="zh-TW" sz="5400" spc="-1" strike="noStrike">
-                <a:solidFill>
-                  <a:srgbClr val="000000"/>
+          <a:lstStyle/>
+          <a:p>
+            <a:pPr algn="ctr">
+              <a:lnSpc>
+                <a:spcPct val="100000"/>
+              </a:lnSpc>
+              <a:spcBef>
+                <a:spcPts val="1080"/>
+              </a:spcBef>
+            </a:pPr>
+            <a:r>
+              <a:rPr lang="zh-TW" sz="5400" b="1" strike="noStrike" spc="-1">
+                <a:solidFill>
+                  <a:srgbClr val="C00000"/>
                 </a:solidFill>
                 <a:latin typeface="Microsoft JhengHei"/>
                 <a:ea typeface="Microsoft JhengHei"/>
               </a:rPr>
               <a:t>世界在背後   十架在前頭</a:t>
             </a:r>
-            <a:endParaRPr b="0" lang="zh-TW" sz="5400" spc="-1" strike="noStrike">
-              <a:solidFill>
-                <a:srgbClr val="000000"/>
-              </a:solidFill>
-              <a:latin typeface="Calibri"/>
-            </a:endParaRPr>
-          </a:p>
-          <a:p>
-            <a:pPr algn="ctr">
-              <a:lnSpc>
-                <a:spcPct val="100000"/>
-              </a:lnSpc>
-              <a:spcBef>
-                <a:spcPts val="1080"/>
-              </a:spcBef>
-            </a:pPr>
-            <a:r>
-              <a:rPr b="1" lang="zh-TW" sz="5400" spc="-1" strike="noStrike">
-                <a:solidFill>
-                  <a:srgbClr val="000000"/>
+            <a:endParaRPr lang="zh-TW" sz="5400" b="0" strike="noStrike" spc="-1">
+              <a:solidFill>
+                <a:srgbClr val="C00000"/>
+              </a:solidFill>
+              <a:latin typeface="Calibri"/>
+            </a:endParaRPr>
+          </a:p>
+          <a:p>
+            <a:pPr algn="ctr">
+              <a:lnSpc>
+                <a:spcPct val="100000"/>
+              </a:lnSpc>
+              <a:spcBef>
+                <a:spcPts val="1080"/>
+              </a:spcBef>
+            </a:pPr>
+            <a:r>
+              <a:rPr lang="zh-TW" sz="5400" b="1" strike="noStrike" spc="-1">
+                <a:solidFill>
+                  <a:srgbClr val="C00000"/>
                 </a:solidFill>
                 <a:latin typeface="Microsoft JhengHei"/>
                 <a:ea typeface="Microsoft JhengHei"/>
               </a:rPr>
               <a:t>世界在背後   十架在前頭</a:t>
             </a:r>
-            <a:endParaRPr b="0" lang="zh-TW" sz="5400" spc="-1" strike="noStrike">
-              <a:solidFill>
-                <a:srgbClr val="000000"/>
-              </a:solidFill>
-              <a:latin typeface="Calibri"/>
-            </a:endParaRPr>
-          </a:p>
-          <a:p>
-            <a:pPr algn="ctr">
-              <a:lnSpc>
-                <a:spcPct val="100000"/>
-              </a:lnSpc>
-              <a:spcBef>
-                <a:spcPts val="1080"/>
-              </a:spcBef>
-            </a:pPr>
-            <a:r>
-              <a:rPr b="1" lang="zh-TW" sz="5400" spc="-1" strike="noStrike">
-                <a:solidFill>
-                  <a:srgbClr val="000000"/>
+            <a:endParaRPr lang="zh-TW" sz="5400" b="0" strike="noStrike" spc="-1">
+              <a:solidFill>
+                <a:srgbClr val="C00000"/>
+              </a:solidFill>
+              <a:latin typeface="Calibri"/>
+            </a:endParaRPr>
+          </a:p>
+          <a:p>
+            <a:pPr algn="ctr">
+              <a:lnSpc>
+                <a:spcPct val="100000"/>
+              </a:lnSpc>
+              <a:spcBef>
+                <a:spcPts val="1080"/>
+              </a:spcBef>
+            </a:pPr>
+            <a:r>
+              <a:rPr lang="zh-TW" sz="5400" b="1" strike="noStrike" spc="-1">
+                <a:solidFill>
+                  <a:srgbClr val="C00000"/>
                 </a:solidFill>
                 <a:latin typeface="Microsoft JhengHei"/>
                 <a:ea typeface="Microsoft JhengHei"/>
               </a:rPr>
               <a:t>世界在背後   十架在前頭</a:t>
             </a:r>
-            <a:endParaRPr b="0" lang="zh-TW" sz="5400" spc="-1" strike="noStrike">
-              <a:solidFill>
-                <a:srgbClr val="000000"/>
-              </a:solidFill>
-              <a:latin typeface="Calibri"/>
-            </a:endParaRPr>
-          </a:p>
-          <a:p>
-            <a:pPr algn="ctr">
-              <a:lnSpc>
-                <a:spcPct val="100000"/>
-              </a:lnSpc>
-              <a:spcBef>
-                <a:spcPts val="1080"/>
-              </a:spcBef>
-            </a:pPr>
-            <a:r>
-              <a:rPr b="1" lang="zh-TW" sz="5400" spc="-1" strike="noStrike">
-                <a:solidFill>
-                  <a:srgbClr val="000000"/>
+            <a:endParaRPr lang="zh-TW" sz="5400" b="0" strike="noStrike" spc="-1">
+              <a:solidFill>
+                <a:srgbClr val="C00000"/>
+              </a:solidFill>
+              <a:latin typeface="Calibri"/>
+            </a:endParaRPr>
+          </a:p>
+          <a:p>
+            <a:pPr algn="ctr">
+              <a:lnSpc>
+                <a:spcPct val="100000"/>
+              </a:lnSpc>
+              <a:spcBef>
+                <a:spcPts val="1080"/>
+              </a:spcBef>
+            </a:pPr>
+            <a:r>
+              <a:rPr lang="zh-TW" sz="5400" b="1" strike="noStrike" spc="-1">
+                <a:solidFill>
+                  <a:srgbClr val="C00000"/>
                 </a:solidFill>
                 <a:latin typeface="Microsoft JhengHei"/>
                 <a:ea typeface="Microsoft JhengHei"/>
               </a:rPr>
               <a:t>永不轉回   永不轉回</a:t>
             </a:r>
-            <a:endParaRPr b="0" lang="zh-TW" sz="5400" spc="-1" strike="noStrike">
-              <a:solidFill>
-                <a:srgbClr val="000000"/>
+            <a:endParaRPr lang="zh-TW" sz="5400" b="0" strike="noStrike" spc="-1">
+              <a:solidFill>
+                <a:srgbClr val="C00000"/>
               </a:solidFill>
               <a:latin typeface="Calibri"/>
             </a:endParaRPr>
@@ -4816,22 +5018,25 @@
       </p:sp>
     </p:spTree>
   </p:cSld>
+  <p:clrMapOvr>
+    <a:masterClrMapping/>
+  </p:clrMapOvr>
   <p:timing>
     <p:tnLst>
       <p:par>
-        <p:cTn id="41" dur="indefinite" restart="never" nodeType="tmRoot">
+        <p:cTn id="1" dur="indefinite" restart="never" nodeType="tmRoot">
           <p:childTnLst>
             <p:seq>
-              <p:cTn id="42" dur="indefinite" nodeType="mainSeq"/>
+              <p:cTn id="2" dur="indefinite" nodeType="mainSeq"/>
               <p:prevCondLst>
-                <p:cond delay="0" evt="onPrev">
+                <p:cond evt="onPrev" delay="0">
                   <p:tgtEl>
                     <p:sldTgt/>
                   </p:tgtEl>
                 </p:cond>
               </p:prevCondLst>
               <p:nextCondLst>
-                <p:cond delay="0" evt="onNext">
+                <p:cond evt="onNext" delay="0">
                   <p:tgtEl>
                     <p:sldTgt/>
                   </p:tgtEl>
@@ -4847,7 +5052,7 @@
 </file>
 
 <file path=ppt/slides/slide22.xml><?xml version="1.0" encoding="utf-8"?>
-<p:sld xmlns:a="http://schemas.openxmlformats.org/drawingml/2006/main" xmlns:p="http://schemas.openxmlformats.org/presentationml/2006/main" xmlns:r="http://schemas.openxmlformats.org/officeDocument/2006/relationships" xmlns:p14="http://schemas.microsoft.com/office/powerpoint/2010/main" xmlns:p15="http://schemas.microsoft.com/office/powerpoint/2012/main" xmlns:mc="http://schemas.openxmlformats.org/markup-compatibility/2006">
+<p:sld xmlns:a="http://schemas.openxmlformats.org/drawingml/2006/main" xmlns:r="http://schemas.openxmlformats.org/officeDocument/2006/relationships" xmlns:p="http://schemas.openxmlformats.org/presentationml/2006/main">
   <p:cSld>
     <p:spTree>
       <p:nvGrpSpPr>
@@ -4884,14 +5089,15 @@
         </p:spPr>
         <p:txBody>
           <a:bodyPr anchor="ctr"/>
-          <a:p>
-            <a:pPr algn="ctr">
-              <a:lnSpc>
-                <a:spcPct val="100000"/>
-              </a:lnSpc>
-            </a:pPr>
-            <a:r>
-              <a:rPr b="1" lang="zh-TW" sz="4400" spc="-1" strike="noStrike">
+          <a:lstStyle/>
+          <a:p>
+            <a:pPr algn="ctr">
+              <a:lnSpc>
+                <a:spcPct val="100000"/>
+              </a:lnSpc>
+            </a:pPr>
+            <a:r>
+              <a:rPr lang="zh-TW" sz="4400" b="1" strike="noStrike" spc="-1">
                 <a:solidFill>
                   <a:srgbClr val="002060"/>
                 </a:solidFill>
@@ -4900,7 +5106,7 @@
               </a:rPr>
               <a:t>靠著耶穌聖名</a:t>
             </a:r>
-            <a:endParaRPr b="0" lang="zh-TW" sz="4400" spc="-1" strike="noStrike">
+            <a:endParaRPr lang="zh-TW" sz="4400" b="0" strike="noStrike" spc="-1">
               <a:solidFill>
                 <a:srgbClr val="000000"/>
               </a:solidFill>
@@ -4932,17 +5138,18 @@
           <a:bodyPr>
             <a:normAutofit/>
           </a:bodyPr>
-          <a:p>
-            <a:pPr algn="ctr">
-              <a:lnSpc>
-                <a:spcPct val="100000"/>
-              </a:lnSpc>
-              <a:spcBef>
-                <a:spcPts val="1080"/>
-              </a:spcBef>
-            </a:pPr>
-            <a:r>
-              <a:rPr b="1" lang="zh-TW" sz="5400" spc="-1" strike="noStrike">
+          <a:lstStyle/>
+          <a:p>
+            <a:pPr algn="ctr">
+              <a:lnSpc>
+                <a:spcPct val="100000"/>
+              </a:lnSpc>
+              <a:spcBef>
+                <a:spcPts val="1080"/>
+              </a:spcBef>
+            </a:pPr>
+            <a:r>
+              <a:rPr lang="zh-TW" sz="5400" b="1" strike="noStrike" spc="-1">
                 <a:solidFill>
                   <a:srgbClr val="002060"/>
                 </a:solidFill>
@@ -4951,24 +5158,24 @@
               </a:rPr>
               <a:t>靠著耶穌聖名   </a:t>
             </a:r>
-            <a:endParaRPr b="0" lang="zh-TW" sz="5400" spc="-1" strike="noStrike">
-              <a:solidFill>
-                <a:srgbClr val="000000"/>
-              </a:solidFill>
-              <a:latin typeface="Calibri"/>
-            </a:endParaRPr>
-          </a:p>
-          <a:p>
-            <a:pPr algn="ctr">
-              <a:lnSpc>
-                <a:spcPct val="100000"/>
-              </a:lnSpc>
-              <a:spcBef>
-                <a:spcPts val="1080"/>
-              </a:spcBef>
-            </a:pPr>
-            <a:r>
-              <a:rPr b="1" lang="zh-TW" sz="5400" spc="-1" strike="noStrike">
+            <a:endParaRPr lang="zh-TW" sz="5400" b="0" strike="noStrike" spc="-1">
+              <a:solidFill>
+                <a:srgbClr val="000000"/>
+              </a:solidFill>
+              <a:latin typeface="Calibri"/>
+            </a:endParaRPr>
+          </a:p>
+          <a:p>
+            <a:pPr algn="ctr">
+              <a:lnSpc>
+                <a:spcPct val="100000"/>
+              </a:lnSpc>
+              <a:spcBef>
+                <a:spcPts val="1080"/>
+              </a:spcBef>
+            </a:pPr>
+            <a:r>
+              <a:rPr lang="zh-TW" sz="5400" b="1" strike="noStrike" spc="-1">
                 <a:solidFill>
                   <a:srgbClr val="002060"/>
                 </a:solidFill>
@@ -4977,24 +5184,24 @@
               </a:rPr>
               <a:t>靠著耶穌聖名</a:t>
             </a:r>
-            <a:endParaRPr b="0" lang="zh-TW" sz="5400" spc="-1" strike="noStrike">
-              <a:solidFill>
-                <a:srgbClr val="000000"/>
-              </a:solidFill>
-              <a:latin typeface="Calibri"/>
-            </a:endParaRPr>
-          </a:p>
-          <a:p>
-            <a:pPr algn="ctr">
-              <a:lnSpc>
-                <a:spcPct val="100000"/>
-              </a:lnSpc>
-              <a:spcBef>
-                <a:spcPts val="1080"/>
-              </a:spcBef>
-            </a:pPr>
-            <a:r>
-              <a:rPr b="1" lang="zh-TW" sz="5400" spc="-1" strike="noStrike">
+            <a:endParaRPr lang="zh-TW" sz="5400" b="0" strike="noStrike" spc="-1">
+              <a:solidFill>
+                <a:srgbClr val="000000"/>
+              </a:solidFill>
+              <a:latin typeface="Calibri"/>
+            </a:endParaRPr>
+          </a:p>
+          <a:p>
+            <a:pPr algn="ctr">
+              <a:lnSpc>
+                <a:spcPct val="100000"/>
+              </a:lnSpc>
+              <a:spcBef>
+                <a:spcPts val="1080"/>
+              </a:spcBef>
+            </a:pPr>
+            <a:r>
+              <a:rPr lang="zh-TW" sz="5400" b="1" strike="noStrike" spc="-1">
                 <a:solidFill>
                   <a:srgbClr val="002060"/>
                 </a:solidFill>
@@ -5003,24 +5210,24 @@
               </a:rPr>
               <a:t>我們必能得勝</a:t>
             </a:r>
-            <a:endParaRPr b="0" lang="zh-TW" sz="5400" spc="-1" strike="noStrike">
-              <a:solidFill>
-                <a:srgbClr val="000000"/>
-              </a:solidFill>
-              <a:latin typeface="Calibri"/>
-            </a:endParaRPr>
-          </a:p>
-          <a:p>
-            <a:pPr algn="ctr">
-              <a:lnSpc>
-                <a:spcPct val="100000"/>
-              </a:lnSpc>
-              <a:spcBef>
-                <a:spcPts val="1080"/>
-              </a:spcBef>
-            </a:pPr>
-            <a:r>
-              <a:rPr b="1" lang="zh-TW" sz="5400" spc="-1" strike="noStrike">
+            <a:endParaRPr lang="zh-TW" sz="5400" b="0" strike="noStrike" spc="-1">
+              <a:solidFill>
+                <a:srgbClr val="000000"/>
+              </a:solidFill>
+              <a:latin typeface="Calibri"/>
+            </a:endParaRPr>
+          </a:p>
+          <a:p>
+            <a:pPr algn="ctr">
+              <a:lnSpc>
+                <a:spcPct val="100000"/>
+              </a:lnSpc>
+              <a:spcBef>
+                <a:spcPts val="1080"/>
+              </a:spcBef>
+            </a:pPr>
+            <a:r>
+              <a:rPr lang="zh-TW" sz="5400" b="1" strike="noStrike" spc="-1">
                 <a:solidFill>
                   <a:srgbClr val="002060"/>
                 </a:solidFill>
@@ -5029,7 +5236,7 @@
               </a:rPr>
               <a:t>(x2)</a:t>
             </a:r>
-            <a:endParaRPr b="0" lang="zh-TW" sz="5400" spc="-1" strike="noStrike">
+            <a:endParaRPr lang="zh-TW" sz="5400" b="0" strike="noStrike" spc="-1">
               <a:solidFill>
                 <a:srgbClr val="000000"/>
               </a:solidFill>
@@ -5040,22 +5247,25 @@
       </p:sp>
     </p:spTree>
   </p:cSld>
+  <p:clrMapOvr>
+    <a:masterClrMapping/>
+  </p:clrMapOvr>
   <p:timing>
     <p:tnLst>
       <p:par>
-        <p:cTn id="43" dur="indefinite" restart="never" nodeType="tmRoot">
+        <p:cTn id="1" dur="indefinite" restart="never" nodeType="tmRoot">
           <p:childTnLst>
             <p:seq>
-              <p:cTn id="44" dur="indefinite" nodeType="mainSeq"/>
+              <p:cTn id="2" dur="indefinite" nodeType="mainSeq"/>
               <p:prevCondLst>
-                <p:cond delay="0" evt="onPrev">
+                <p:cond evt="onPrev" delay="0">
                   <p:tgtEl>
                     <p:sldTgt/>
                   </p:tgtEl>
                 </p:cond>
               </p:prevCondLst>
               <p:nextCondLst>
-                <p:cond delay="0" evt="onNext">
+                <p:cond evt="onNext" delay="0">
                   <p:tgtEl>
                     <p:sldTgt/>
                   </p:tgtEl>
@@ -5071,7 +5281,7 @@
 </file>
 
 <file path=ppt/slides/slide23.xml><?xml version="1.0" encoding="utf-8"?>
-<p:sld xmlns:a="http://schemas.openxmlformats.org/drawingml/2006/main" xmlns:p="http://schemas.openxmlformats.org/presentationml/2006/main" xmlns:r="http://schemas.openxmlformats.org/officeDocument/2006/relationships" xmlns:p14="http://schemas.microsoft.com/office/powerpoint/2010/main" xmlns:p15="http://schemas.microsoft.com/office/powerpoint/2012/main" xmlns:mc="http://schemas.openxmlformats.org/markup-compatibility/2006">
+<p:sld xmlns:a="http://schemas.openxmlformats.org/drawingml/2006/main" xmlns:r="http://schemas.openxmlformats.org/officeDocument/2006/relationships" xmlns:p="http://schemas.openxmlformats.org/presentationml/2006/main">
   <p:cSld>
     <p:spTree>
       <p:nvGrpSpPr>
@@ -5108,14 +5318,15 @@
         </p:spPr>
         <p:txBody>
           <a:bodyPr anchor="ctr"/>
-          <a:p>
-            <a:pPr algn="ctr">
-              <a:lnSpc>
-                <a:spcPct val="100000"/>
-              </a:lnSpc>
-            </a:pPr>
-            <a:r>
-              <a:rPr b="1" lang="zh-TW" sz="4400" spc="-1" strike="noStrike">
+          <a:lstStyle/>
+          <a:p>
+            <a:pPr algn="ctr">
+              <a:lnSpc>
+                <a:spcPct val="100000"/>
+              </a:lnSpc>
+            </a:pPr>
+            <a:r>
+              <a:rPr lang="zh-TW" sz="4400" b="1" strike="noStrike" spc="-1">
                 <a:solidFill>
                   <a:srgbClr val="002060"/>
                 </a:solidFill>
@@ -5124,7 +5335,7 @@
               </a:rPr>
               <a:t>靠著耶穌聖名</a:t>
             </a:r>
-            <a:endParaRPr b="0" lang="zh-TW" sz="4400" spc="-1" strike="noStrike">
+            <a:endParaRPr lang="zh-TW" sz="4400" b="0" strike="noStrike" spc="-1">
               <a:solidFill>
                 <a:srgbClr val="000000"/>
               </a:solidFill>
@@ -5156,17 +5367,18 @@
           <a:bodyPr>
             <a:normAutofit/>
           </a:bodyPr>
-          <a:p>
-            <a:pPr algn="ctr">
-              <a:lnSpc>
-                <a:spcPct val="100000"/>
-              </a:lnSpc>
-              <a:spcBef>
-                <a:spcPts val="1080"/>
-              </a:spcBef>
-            </a:pPr>
-            <a:r>
-              <a:rPr b="1" lang="zh-TW" sz="5400" spc="-1" strike="noStrike">
+          <a:lstStyle/>
+          <a:p>
+            <a:pPr algn="ctr">
+              <a:lnSpc>
+                <a:spcPct val="100000"/>
+              </a:lnSpc>
+              <a:spcBef>
+                <a:spcPts val="1080"/>
+              </a:spcBef>
+            </a:pPr>
+            <a:r>
+              <a:rPr lang="zh-TW" sz="5400" b="1" strike="noStrike" spc="-1">
                 <a:solidFill>
                   <a:srgbClr val="002060"/>
                 </a:solidFill>
@@ -5175,24 +5387,24 @@
               </a:rPr>
               <a:t>誰能訴盡祂的作為</a:t>
             </a:r>
-            <a:endParaRPr b="0" lang="zh-TW" sz="5400" spc="-1" strike="noStrike">
-              <a:solidFill>
-                <a:srgbClr val="000000"/>
-              </a:solidFill>
-              <a:latin typeface="Calibri"/>
-            </a:endParaRPr>
-          </a:p>
-          <a:p>
-            <a:pPr algn="ctr">
-              <a:lnSpc>
-                <a:spcPct val="100000"/>
-              </a:lnSpc>
-              <a:spcBef>
-                <a:spcPts val="1080"/>
-              </a:spcBef>
-            </a:pPr>
-            <a:r>
-              <a:rPr b="1" lang="zh-TW" sz="5400" spc="-1" strike="noStrike">
+            <a:endParaRPr lang="zh-TW" sz="5400" b="0" strike="noStrike" spc="-1">
+              <a:solidFill>
+                <a:srgbClr val="000000"/>
+              </a:solidFill>
+              <a:latin typeface="Calibri"/>
+            </a:endParaRPr>
+          </a:p>
+          <a:p>
+            <a:pPr algn="ctr">
+              <a:lnSpc>
+                <a:spcPct val="100000"/>
+              </a:lnSpc>
+              <a:spcBef>
+                <a:spcPts val="1080"/>
+              </a:spcBef>
+            </a:pPr>
+            <a:r>
+              <a:rPr lang="zh-TW" sz="5400" b="1" strike="noStrike" spc="-1">
                 <a:solidFill>
                   <a:srgbClr val="002060"/>
                 </a:solidFill>
@@ -5201,24 +5413,24 @@
               </a:rPr>
               <a:t>誰能訴盡祂的愛</a:t>
             </a:r>
-            <a:endParaRPr b="0" lang="zh-TW" sz="5400" spc="-1" strike="noStrike">
-              <a:solidFill>
-                <a:srgbClr val="000000"/>
-              </a:solidFill>
-              <a:latin typeface="Calibri"/>
-            </a:endParaRPr>
-          </a:p>
-          <a:p>
-            <a:pPr algn="ctr">
-              <a:lnSpc>
-                <a:spcPct val="100000"/>
-              </a:lnSpc>
-              <a:spcBef>
-                <a:spcPts val="1080"/>
-              </a:spcBef>
-            </a:pPr>
-            <a:r>
-              <a:rPr b="1" lang="zh-TW" sz="5400" spc="-1" strike="noStrike">
+            <a:endParaRPr lang="zh-TW" sz="5400" b="0" strike="noStrike" spc="-1">
+              <a:solidFill>
+                <a:srgbClr val="000000"/>
+              </a:solidFill>
+              <a:latin typeface="Calibri"/>
+            </a:endParaRPr>
+          </a:p>
+          <a:p>
+            <a:pPr algn="ctr">
+              <a:lnSpc>
+                <a:spcPct val="100000"/>
+              </a:lnSpc>
+              <a:spcBef>
+                <a:spcPts val="1080"/>
+              </a:spcBef>
+            </a:pPr>
+            <a:r>
+              <a:rPr lang="zh-TW" sz="5400" b="1" strike="noStrike" spc="-1">
                 <a:solidFill>
                   <a:srgbClr val="002060"/>
                 </a:solidFill>
@@ -5227,24 +5439,24 @@
               </a:rPr>
               <a:t>靠著耶穌寶貝聖名</a:t>
             </a:r>
-            <a:endParaRPr b="0" lang="zh-TW" sz="5400" spc="-1" strike="noStrike">
-              <a:solidFill>
-                <a:srgbClr val="000000"/>
-              </a:solidFill>
-              <a:latin typeface="Calibri"/>
-            </a:endParaRPr>
-          </a:p>
-          <a:p>
-            <a:pPr algn="ctr">
-              <a:lnSpc>
-                <a:spcPct val="100000"/>
-              </a:lnSpc>
-              <a:spcBef>
-                <a:spcPts val="1080"/>
-              </a:spcBef>
-            </a:pPr>
-            <a:r>
-              <a:rPr b="1" lang="zh-TW" sz="5400" spc="-1" strike="noStrike">
+            <a:endParaRPr lang="zh-TW" sz="5400" b="0" strike="noStrike" spc="-1">
+              <a:solidFill>
+                <a:srgbClr val="000000"/>
+              </a:solidFill>
+              <a:latin typeface="Calibri"/>
+            </a:endParaRPr>
+          </a:p>
+          <a:p>
+            <a:pPr algn="ctr">
+              <a:lnSpc>
+                <a:spcPct val="100000"/>
+              </a:lnSpc>
+              <a:spcBef>
+                <a:spcPts val="1080"/>
+              </a:spcBef>
+            </a:pPr>
+            <a:r>
+              <a:rPr lang="zh-TW" sz="5400" b="1" strike="noStrike" spc="-1">
                 <a:solidFill>
                   <a:srgbClr val="002060"/>
                 </a:solidFill>
@@ -5253,7 +5465,7 @@
               </a:rPr>
               <a:t>我們必能得勝</a:t>
             </a:r>
-            <a:endParaRPr b="0" lang="zh-TW" sz="5400" spc="-1" strike="noStrike">
+            <a:endParaRPr lang="zh-TW" sz="5400" b="0" strike="noStrike" spc="-1">
               <a:solidFill>
                 <a:srgbClr val="000000"/>
               </a:solidFill>
@@ -5264,22 +5476,25 @@
       </p:sp>
     </p:spTree>
   </p:cSld>
+  <p:clrMapOvr>
+    <a:masterClrMapping/>
+  </p:clrMapOvr>
   <p:timing>
     <p:tnLst>
       <p:par>
-        <p:cTn id="45" dur="indefinite" restart="never" nodeType="tmRoot">
+        <p:cTn id="1" dur="indefinite" restart="never" nodeType="tmRoot">
           <p:childTnLst>
             <p:seq>
-              <p:cTn id="46" dur="indefinite" nodeType="mainSeq"/>
+              <p:cTn id="2" dur="indefinite" nodeType="mainSeq"/>
               <p:prevCondLst>
-                <p:cond delay="0" evt="onPrev">
+                <p:cond evt="onPrev" delay="0">
                   <p:tgtEl>
                     <p:sldTgt/>
                   </p:tgtEl>
                 </p:cond>
               </p:prevCondLst>
               <p:nextCondLst>
-                <p:cond delay="0" evt="onNext">
+                <p:cond evt="onNext" delay="0">
                   <p:tgtEl>
                     <p:sldTgt/>
                   </p:tgtEl>
@@ -5295,7 +5510,7 @@
 </file>
 
 <file path=ppt/slides/slide3.xml><?xml version="1.0" encoding="utf-8"?>
-<p:sld xmlns:a="http://schemas.openxmlformats.org/drawingml/2006/main" xmlns:p="http://schemas.openxmlformats.org/presentationml/2006/main" xmlns:r="http://schemas.openxmlformats.org/officeDocument/2006/relationships" xmlns:p14="http://schemas.microsoft.com/office/powerpoint/2010/main" xmlns:p15="http://schemas.microsoft.com/office/powerpoint/2012/main" xmlns:mc="http://schemas.openxmlformats.org/markup-compatibility/2006">
+<p:sld xmlns:a="http://schemas.openxmlformats.org/drawingml/2006/main" xmlns:r="http://schemas.openxmlformats.org/officeDocument/2006/relationships" xmlns:p="http://schemas.openxmlformats.org/presentationml/2006/main">
   <p:cSld>
     <p:spTree>
       <p:nvGrpSpPr>
@@ -5334,14 +5549,15 @@
           <a:bodyPr anchor="ctr">
             <a:normAutofit/>
           </a:bodyPr>
-          <a:p>
-            <a:pPr algn="ctr">
-              <a:lnSpc>
-                <a:spcPct val="100000"/>
-              </a:lnSpc>
-            </a:pPr>
-            <a:r>
-              <a:rPr b="1" lang="zh-TW" sz="4400" spc="-1" strike="noStrike">
+          <a:lstStyle/>
+          <a:p>
+            <a:pPr algn="ctr">
+              <a:lnSpc>
+                <a:spcPct val="100000"/>
+              </a:lnSpc>
+            </a:pPr>
+            <a:r>
+              <a:rPr lang="zh-TW" sz="4400" b="1" strike="noStrike" spc="-1">
                 <a:solidFill>
                   <a:srgbClr val="660033"/>
                 </a:solidFill>
@@ -5350,7 +5566,7 @@
               </a:rPr>
               <a:t>你們要讚美耶和華</a:t>
             </a:r>
-            <a:endParaRPr b="0" lang="zh-TW" sz="4400" spc="-1" strike="noStrike">
+            <a:endParaRPr lang="zh-TW" sz="4400" b="0" strike="noStrike" spc="-1">
               <a:solidFill>
                 <a:srgbClr val="000000"/>
               </a:solidFill>
@@ -5382,6 +5598,7 @@
           <a:bodyPr>
             <a:normAutofit/>
           </a:bodyPr>
+          <a:lstStyle/>
           <a:p>
             <a:pPr marL="343080" indent="-342720" algn="ctr">
               <a:lnSpc>
@@ -5392,7 +5609,7 @@
               </a:spcBef>
             </a:pPr>
             <a:r>
-              <a:rPr b="1" lang="zh-TW" sz="5400" spc="-1" strike="noStrike">
+              <a:rPr lang="zh-TW" sz="5400" b="1" strike="noStrike" spc="-1">
                 <a:solidFill>
                   <a:srgbClr val="660033"/>
                 </a:solidFill>
@@ -5401,7 +5618,7 @@
               </a:rPr>
               <a:t>我們要讚美耶和華</a:t>
             </a:r>
-            <a:endParaRPr b="0" lang="zh-TW" sz="5400" spc="-1" strike="noStrike">
+            <a:endParaRPr lang="zh-TW" sz="5400" b="0" strike="noStrike" spc="-1">
               <a:solidFill>
                 <a:srgbClr val="000000"/>
               </a:solidFill>
@@ -5418,7 +5635,7 @@
               </a:spcBef>
             </a:pPr>
             <a:r>
-              <a:rPr b="1" lang="zh-TW" sz="5400" spc="-1" strike="noStrike">
+              <a:rPr lang="zh-TW" sz="5400" b="1" strike="noStrike" spc="-1">
                 <a:solidFill>
                   <a:srgbClr val="660033"/>
                 </a:solidFill>
@@ -5427,7 +5644,7 @@
               </a:rPr>
               <a:t>來敞開胸懷讚美祂</a:t>
             </a:r>
-            <a:endParaRPr b="0" lang="zh-TW" sz="5400" spc="-1" strike="noStrike">
+            <a:endParaRPr lang="zh-TW" sz="5400" b="0" strike="noStrike" spc="-1">
               <a:solidFill>
                 <a:srgbClr val="000000"/>
               </a:solidFill>
@@ -5444,7 +5661,7 @@
               </a:spcBef>
             </a:pPr>
             <a:r>
-              <a:rPr b="1" lang="zh-TW" sz="5400" spc="-1" strike="noStrike">
+              <a:rPr lang="zh-TW" sz="5400" b="1" strike="noStrike" spc="-1">
                 <a:solidFill>
                   <a:srgbClr val="660033"/>
                 </a:solidFill>
@@ -5453,7 +5670,7 @@
               </a:rPr>
               <a:t>我們要讚美耶和華</a:t>
             </a:r>
-            <a:endParaRPr b="0" lang="zh-TW" sz="5400" spc="-1" strike="noStrike">
+            <a:endParaRPr lang="zh-TW" sz="5400" b="0" strike="noStrike" spc="-1">
               <a:solidFill>
                 <a:srgbClr val="000000"/>
               </a:solidFill>
@@ -5470,7 +5687,7 @@
               </a:spcBef>
             </a:pPr>
             <a:r>
-              <a:rPr b="1" lang="zh-TW" sz="5400" spc="-1" strike="noStrike">
+              <a:rPr lang="zh-TW" sz="5400" b="1" strike="noStrike" spc="-1">
                 <a:solidFill>
                   <a:srgbClr val="660033"/>
                 </a:solidFill>
@@ -5479,7 +5696,7 @@
               </a:rPr>
               <a:t>來高聲歡呼讚美祂</a:t>
             </a:r>
-            <a:endParaRPr b="0" lang="zh-TW" sz="5400" spc="-1" strike="noStrike">
+            <a:endParaRPr lang="zh-TW" sz="5400" b="0" strike="noStrike" spc="-1">
               <a:solidFill>
                 <a:srgbClr val="000000"/>
               </a:solidFill>
@@ -5490,22 +5707,25 @@
       </p:sp>
     </p:spTree>
   </p:cSld>
+  <p:clrMapOvr>
+    <a:masterClrMapping/>
+  </p:clrMapOvr>
   <p:timing>
     <p:tnLst>
       <p:par>
-        <p:cTn id="5" dur="indefinite" restart="never" nodeType="tmRoot">
+        <p:cTn id="1" dur="indefinite" restart="never" nodeType="tmRoot">
           <p:childTnLst>
             <p:seq>
-              <p:cTn id="6" dur="indefinite" nodeType="mainSeq"/>
+              <p:cTn id="2" dur="indefinite" nodeType="mainSeq"/>
               <p:prevCondLst>
-                <p:cond delay="0" evt="onPrev">
+                <p:cond evt="onPrev" delay="0">
                   <p:tgtEl>
                     <p:sldTgt/>
                   </p:tgtEl>
                 </p:cond>
               </p:prevCondLst>
               <p:nextCondLst>
-                <p:cond delay="0" evt="onNext">
+                <p:cond evt="onNext" delay="0">
                   <p:tgtEl>
                     <p:sldTgt/>
                   </p:tgtEl>
@@ -5521,7 +5741,7 @@
 </file>
 
 <file path=ppt/slides/slide4.xml><?xml version="1.0" encoding="utf-8"?>
-<p:sld xmlns:a="http://schemas.openxmlformats.org/drawingml/2006/main" xmlns:p="http://schemas.openxmlformats.org/presentationml/2006/main" xmlns:r="http://schemas.openxmlformats.org/officeDocument/2006/relationships" xmlns:p14="http://schemas.microsoft.com/office/powerpoint/2010/main" xmlns:p15="http://schemas.microsoft.com/office/powerpoint/2012/main" xmlns:mc="http://schemas.openxmlformats.org/markup-compatibility/2006">
+<p:sld xmlns:a="http://schemas.openxmlformats.org/drawingml/2006/main" xmlns:r="http://schemas.openxmlformats.org/officeDocument/2006/relationships" xmlns:p="http://schemas.openxmlformats.org/presentationml/2006/main">
   <p:cSld>
     <p:spTree>
       <p:nvGrpSpPr>
@@ -5560,14 +5780,15 @@
           <a:bodyPr anchor="ctr">
             <a:normAutofit/>
           </a:bodyPr>
-          <a:p>
-            <a:pPr algn="ctr">
-              <a:lnSpc>
-                <a:spcPct val="100000"/>
-              </a:lnSpc>
-            </a:pPr>
-            <a:r>
-              <a:rPr b="1" lang="zh-TW" sz="4400" spc="-1" strike="noStrike">
+          <a:lstStyle/>
+          <a:p>
+            <a:pPr algn="ctr">
+              <a:lnSpc>
+                <a:spcPct val="100000"/>
+              </a:lnSpc>
+            </a:pPr>
+            <a:r>
+              <a:rPr lang="zh-TW" sz="4400" b="1" strike="noStrike" spc="-1">
                 <a:solidFill>
                   <a:srgbClr val="660033"/>
                 </a:solidFill>
@@ -5576,7 +5797,7 @@
               </a:rPr>
               <a:t>你們要讚美耶和華</a:t>
             </a:r>
-            <a:endParaRPr b="0" lang="zh-TW" sz="4400" spc="-1" strike="noStrike">
+            <a:endParaRPr lang="zh-TW" sz="4400" b="0" strike="noStrike" spc="-1">
               <a:solidFill>
                 <a:srgbClr val="000000"/>
               </a:solidFill>
@@ -5608,6 +5829,7 @@
           <a:bodyPr>
             <a:normAutofit/>
           </a:bodyPr>
+          <a:lstStyle/>
           <a:p>
             <a:pPr marL="343080" indent="-342720" algn="ctr">
               <a:lnSpc>
@@ -5618,7 +5840,7 @@
               </a:spcBef>
             </a:pPr>
             <a:r>
-              <a:rPr b="1" lang="zh-TW" sz="5400" spc="-1" strike="noStrike">
+              <a:rPr lang="zh-TW" sz="5400" b="1" strike="noStrike" spc="-1">
                 <a:solidFill>
                   <a:srgbClr val="660033"/>
                 </a:solidFill>
@@ -5627,7 +5849,7 @@
               </a:rPr>
               <a:t>我們用鼓瑟彈琴讚美祂</a:t>
             </a:r>
-            <a:endParaRPr b="0" lang="zh-TW" sz="5400" spc="-1" strike="noStrike">
+            <a:endParaRPr lang="zh-TW" sz="5400" b="0" strike="noStrike" spc="-1">
               <a:solidFill>
                 <a:srgbClr val="000000"/>
               </a:solidFill>
@@ -5644,7 +5866,7 @@
               </a:spcBef>
             </a:pPr>
             <a:r>
-              <a:rPr b="1" lang="zh-TW" sz="5400" spc="-1" strike="noStrike">
+              <a:rPr lang="zh-TW" sz="5400" b="1" strike="noStrike" spc="-1">
                 <a:solidFill>
                   <a:srgbClr val="660033"/>
                 </a:solidFill>
@@ -5653,7 +5875,7 @@
               </a:rPr>
               <a:t>我們來擊鼓跳舞讚美祂</a:t>
             </a:r>
-            <a:endParaRPr b="0" lang="zh-TW" sz="5400" spc="-1" strike="noStrike">
+            <a:endParaRPr lang="zh-TW" sz="5400" b="0" strike="noStrike" spc="-1">
               <a:solidFill>
                 <a:srgbClr val="000000"/>
               </a:solidFill>
@@ -5670,7 +5892,7 @@
               </a:spcBef>
             </a:pPr>
             <a:r>
-              <a:rPr b="1" lang="zh-TW" sz="5400" spc="-1" strike="noStrike">
+              <a:rPr lang="zh-TW" sz="5400" b="1" strike="noStrike" spc="-1">
                 <a:solidFill>
                   <a:srgbClr val="660033"/>
                 </a:solidFill>
@@ -5679,7 +5901,7 @@
               </a:rPr>
               <a:t>我們用絲弦樂器讚美祂</a:t>
             </a:r>
-            <a:endParaRPr b="0" lang="zh-TW" sz="5400" spc="-1" strike="noStrike">
+            <a:endParaRPr lang="zh-TW" sz="5400" b="0" strike="noStrike" spc="-1">
               <a:solidFill>
                 <a:srgbClr val="000000"/>
               </a:solidFill>
@@ -5696,7 +5918,7 @@
               </a:spcBef>
             </a:pPr>
             <a:r>
-              <a:rPr b="1" lang="zh-TW" sz="5400" spc="-1" strike="noStrike">
+              <a:rPr lang="zh-TW" sz="5400" b="1" strike="noStrike" spc="-1">
                 <a:solidFill>
                   <a:srgbClr val="660033"/>
                 </a:solidFill>
@@ -5705,7 +5927,7 @@
               </a:rPr>
               <a:t>凡有氣息的都要讚美祂</a:t>
             </a:r>
-            <a:endParaRPr b="0" lang="zh-TW" sz="5400" spc="-1" strike="noStrike">
+            <a:endParaRPr lang="zh-TW" sz="5400" b="0" strike="noStrike" spc="-1">
               <a:solidFill>
                 <a:srgbClr val="000000"/>
               </a:solidFill>
@@ -5716,22 +5938,25 @@
       </p:sp>
     </p:spTree>
   </p:cSld>
+  <p:clrMapOvr>
+    <a:masterClrMapping/>
+  </p:clrMapOvr>
   <p:timing>
     <p:tnLst>
       <p:par>
-        <p:cTn id="7" dur="indefinite" restart="never" nodeType="tmRoot">
+        <p:cTn id="1" dur="indefinite" restart="never" nodeType="tmRoot">
           <p:childTnLst>
             <p:seq>
-              <p:cTn id="8" dur="indefinite" nodeType="mainSeq"/>
+              <p:cTn id="2" dur="indefinite" nodeType="mainSeq"/>
               <p:prevCondLst>
-                <p:cond delay="0" evt="onPrev">
+                <p:cond evt="onPrev" delay="0">
                   <p:tgtEl>
                     <p:sldTgt/>
                   </p:tgtEl>
                 </p:cond>
               </p:prevCondLst>
               <p:nextCondLst>
-                <p:cond delay="0" evt="onNext">
+                <p:cond evt="onNext" delay="0">
                   <p:tgtEl>
                     <p:sldTgt/>
                   </p:tgtEl>
@@ -5747,7 +5972,7 @@
 </file>
 
 <file path=ppt/slides/slide5.xml><?xml version="1.0" encoding="utf-8"?>
-<p:sld xmlns:a="http://schemas.openxmlformats.org/drawingml/2006/main" xmlns:p="http://schemas.openxmlformats.org/presentationml/2006/main" xmlns:r="http://schemas.openxmlformats.org/officeDocument/2006/relationships" xmlns:p14="http://schemas.microsoft.com/office/powerpoint/2010/main" xmlns:p15="http://schemas.microsoft.com/office/powerpoint/2012/main" xmlns:mc="http://schemas.openxmlformats.org/markup-compatibility/2006">
+<p:sld xmlns:a="http://schemas.openxmlformats.org/drawingml/2006/main" xmlns:r="http://schemas.openxmlformats.org/officeDocument/2006/relationships" xmlns:p="http://schemas.openxmlformats.org/presentationml/2006/main">
   <p:cSld>
     <p:spTree>
       <p:nvGrpSpPr>
@@ -5784,14 +6009,15 @@
         </p:spPr>
         <p:txBody>
           <a:bodyPr anchor="ctr"/>
-          <a:p>
-            <a:pPr algn="ctr">
-              <a:lnSpc>
-                <a:spcPct val="100000"/>
-              </a:lnSpc>
-            </a:pPr>
-            <a:r>
-              <a:rPr b="1" lang="zh-TW" sz="4400" spc="-1" strike="noStrike">
+          <a:lstStyle/>
+          <a:p>
+            <a:pPr algn="ctr">
+              <a:lnSpc>
+                <a:spcPct val="100000"/>
+              </a:lnSpc>
+            </a:pPr>
+            <a:r>
+              <a:rPr lang="zh-TW" sz="4400" b="1" strike="noStrike" spc="-1">
                 <a:solidFill>
                   <a:srgbClr val="002060"/>
                 </a:solidFill>
@@ -5800,7 +6026,7 @@
               </a:rPr>
               <a:t>袮是牧人</a:t>
             </a:r>
-            <a:endParaRPr b="0" lang="zh-TW" sz="4400" spc="-1" strike="noStrike">
+            <a:endParaRPr lang="zh-TW" sz="4400" b="0" strike="noStrike" spc="-1">
               <a:solidFill>
                 <a:srgbClr val="000000"/>
               </a:solidFill>
@@ -5832,17 +6058,18 @@
           <a:bodyPr>
             <a:normAutofit/>
           </a:bodyPr>
-          <a:p>
-            <a:pPr algn="ctr">
-              <a:lnSpc>
-                <a:spcPct val="100000"/>
-              </a:lnSpc>
-              <a:spcBef>
-                <a:spcPts val="1080"/>
-              </a:spcBef>
-            </a:pPr>
-            <a:r>
-              <a:rPr b="1" lang="zh-TW" sz="5400" spc="-1" strike="noStrike">
+          <a:lstStyle/>
+          <a:p>
+            <a:pPr algn="ctr">
+              <a:lnSpc>
+                <a:spcPct val="100000"/>
+              </a:lnSpc>
+              <a:spcBef>
+                <a:spcPts val="1080"/>
+              </a:spcBef>
+            </a:pPr>
+            <a:r>
+              <a:rPr lang="zh-TW" sz="5400" b="1" strike="noStrike" spc="-1">
                 <a:solidFill>
                   <a:srgbClr val="002060"/>
                 </a:solidFill>
@@ -5851,24 +6078,24 @@
               </a:rPr>
               <a:t>你是牧人極愛我</a:t>
             </a:r>
-            <a:endParaRPr b="0" lang="zh-TW" sz="5400" spc="-1" strike="noStrike">
-              <a:solidFill>
-                <a:srgbClr val="000000"/>
-              </a:solidFill>
-              <a:latin typeface="Calibri"/>
-            </a:endParaRPr>
-          </a:p>
-          <a:p>
-            <a:pPr algn="ctr">
-              <a:lnSpc>
-                <a:spcPct val="100000"/>
-              </a:lnSpc>
-              <a:spcBef>
-                <a:spcPts val="1080"/>
-              </a:spcBef>
-            </a:pPr>
-            <a:r>
-              <a:rPr b="1" lang="zh-TW" sz="5400" spc="-1" strike="noStrike">
+            <a:endParaRPr lang="zh-TW" sz="5400" b="0" strike="noStrike" spc="-1">
+              <a:solidFill>
+                <a:srgbClr val="000000"/>
+              </a:solidFill>
+              <a:latin typeface="Calibri"/>
+            </a:endParaRPr>
+          </a:p>
+          <a:p>
+            <a:pPr algn="ctr">
+              <a:lnSpc>
+                <a:spcPct val="100000"/>
+              </a:lnSpc>
+              <a:spcBef>
+                <a:spcPts val="1080"/>
+              </a:spcBef>
+            </a:pPr>
+            <a:r>
+              <a:rPr lang="zh-TW" sz="5400" b="1" strike="noStrike" spc="-1">
                 <a:solidFill>
                   <a:srgbClr val="002060"/>
                 </a:solidFill>
@@ -5877,24 +6104,24 @@
               </a:rPr>
               <a:t>媽媽叮囑不會錯</a:t>
             </a:r>
-            <a:endParaRPr b="0" lang="zh-TW" sz="5400" spc="-1" strike="noStrike">
-              <a:solidFill>
-                <a:srgbClr val="000000"/>
-              </a:solidFill>
-              <a:latin typeface="Calibri"/>
-            </a:endParaRPr>
-          </a:p>
-          <a:p>
-            <a:pPr algn="ctr">
-              <a:lnSpc>
-                <a:spcPct val="100000"/>
-              </a:lnSpc>
-              <a:spcBef>
-                <a:spcPts val="1080"/>
-              </a:spcBef>
-            </a:pPr>
-            <a:r>
-              <a:rPr b="1" lang="zh-TW" sz="5400" spc="-1" strike="noStrike">
+            <a:endParaRPr lang="zh-TW" sz="5400" b="0" strike="noStrike" spc="-1">
+              <a:solidFill>
+                <a:srgbClr val="000000"/>
+              </a:solidFill>
+              <a:latin typeface="Calibri"/>
+            </a:endParaRPr>
+          </a:p>
+          <a:p>
+            <a:pPr algn="ctr">
+              <a:lnSpc>
+                <a:spcPct val="100000"/>
+              </a:lnSpc>
+              <a:spcBef>
+                <a:spcPts val="1080"/>
+              </a:spcBef>
+            </a:pPr>
+            <a:r>
+              <a:rPr lang="zh-TW" sz="5400" b="1" strike="noStrike" spc="-1">
                 <a:solidFill>
                   <a:srgbClr val="002060"/>
                 </a:solidFill>
@@ -5903,24 +6130,24 @@
               </a:rPr>
               <a:t>你是牧人極愛我</a:t>
             </a:r>
-            <a:endParaRPr b="0" lang="zh-TW" sz="5400" spc="-1" strike="noStrike">
-              <a:solidFill>
-                <a:srgbClr val="000000"/>
-              </a:solidFill>
-              <a:latin typeface="Calibri"/>
-            </a:endParaRPr>
-          </a:p>
-          <a:p>
-            <a:pPr algn="ctr">
-              <a:lnSpc>
-                <a:spcPct val="100000"/>
-              </a:lnSpc>
-              <a:spcBef>
-                <a:spcPts val="1080"/>
-              </a:spcBef>
-            </a:pPr>
-            <a:r>
-              <a:rPr b="1" lang="zh-TW" sz="5400" spc="-1" strike="noStrike">
+            <a:endParaRPr lang="zh-TW" sz="5400" b="0" strike="noStrike" spc="-1">
+              <a:solidFill>
+                <a:srgbClr val="000000"/>
+              </a:solidFill>
+              <a:latin typeface="Calibri"/>
+            </a:endParaRPr>
+          </a:p>
+          <a:p>
+            <a:pPr algn="ctr">
+              <a:lnSpc>
+                <a:spcPct val="100000"/>
+              </a:lnSpc>
+              <a:spcBef>
+                <a:spcPts val="1080"/>
+              </a:spcBef>
+            </a:pPr>
+            <a:r>
+              <a:rPr lang="zh-TW" sz="5400" b="1" strike="noStrike" spc="-1">
                 <a:solidFill>
                   <a:srgbClr val="002060"/>
                 </a:solidFill>
@@ -5929,7 +6156,7 @@
               </a:rPr>
               <a:t>天天看顧呢一個</a:t>
             </a:r>
-            <a:endParaRPr b="0" lang="zh-TW" sz="5400" spc="-1" strike="noStrike">
+            <a:endParaRPr lang="zh-TW" sz="5400" b="0" strike="noStrike" spc="-1">
               <a:solidFill>
                 <a:srgbClr val="000000"/>
               </a:solidFill>
@@ -5940,22 +6167,25 @@
       </p:sp>
     </p:spTree>
   </p:cSld>
+  <p:clrMapOvr>
+    <a:masterClrMapping/>
+  </p:clrMapOvr>
   <p:timing>
     <p:tnLst>
       <p:par>
-        <p:cTn id="9" dur="indefinite" restart="never" nodeType="tmRoot">
+        <p:cTn id="1" dur="indefinite" restart="never" nodeType="tmRoot">
           <p:childTnLst>
             <p:seq>
-              <p:cTn id="10" dur="indefinite" nodeType="mainSeq"/>
+              <p:cTn id="2" dur="indefinite" nodeType="mainSeq"/>
               <p:prevCondLst>
-                <p:cond delay="0" evt="onPrev">
+                <p:cond evt="onPrev" delay="0">
                   <p:tgtEl>
                     <p:sldTgt/>
                   </p:tgtEl>
                 </p:cond>
               </p:prevCondLst>
               <p:nextCondLst>
-                <p:cond delay="0" evt="onNext">
+                <p:cond evt="onNext" delay="0">
                   <p:tgtEl>
                     <p:sldTgt/>
                   </p:tgtEl>
@@ -5971,7 +6201,7 @@
 </file>
 
 <file path=ppt/slides/slide6.xml><?xml version="1.0" encoding="utf-8"?>
-<p:sld xmlns:a="http://schemas.openxmlformats.org/drawingml/2006/main" xmlns:p="http://schemas.openxmlformats.org/presentationml/2006/main" xmlns:r="http://schemas.openxmlformats.org/officeDocument/2006/relationships" xmlns:p14="http://schemas.microsoft.com/office/powerpoint/2010/main" xmlns:p15="http://schemas.microsoft.com/office/powerpoint/2012/main" xmlns:mc="http://schemas.openxmlformats.org/markup-compatibility/2006">
+<p:sld xmlns:a="http://schemas.openxmlformats.org/drawingml/2006/main" xmlns:r="http://schemas.openxmlformats.org/officeDocument/2006/relationships" xmlns:p="http://schemas.openxmlformats.org/presentationml/2006/main">
   <p:cSld>
     <p:spTree>
       <p:nvGrpSpPr>
@@ -6008,14 +6238,15 @@
         </p:spPr>
         <p:txBody>
           <a:bodyPr anchor="ctr"/>
-          <a:p>
-            <a:pPr algn="ctr">
-              <a:lnSpc>
-                <a:spcPct val="100000"/>
-              </a:lnSpc>
-            </a:pPr>
-            <a:r>
-              <a:rPr b="1" lang="zh-TW" sz="4400" spc="-1" strike="noStrike">
+          <a:lstStyle/>
+          <a:p>
+            <a:pPr algn="ctr">
+              <a:lnSpc>
+                <a:spcPct val="100000"/>
+              </a:lnSpc>
+            </a:pPr>
+            <a:r>
+              <a:rPr lang="zh-TW" sz="4400" b="1" strike="noStrike" spc="-1">
                 <a:solidFill>
                   <a:srgbClr val="002060"/>
                 </a:solidFill>
@@ -6024,7 +6255,7 @@
               </a:rPr>
               <a:t>袮是牧人</a:t>
             </a:r>
-            <a:endParaRPr b="0" lang="zh-TW" sz="4400" spc="-1" strike="noStrike">
+            <a:endParaRPr lang="zh-TW" sz="4400" b="0" strike="noStrike" spc="-1">
               <a:solidFill>
                 <a:srgbClr val="000000"/>
               </a:solidFill>
@@ -6056,17 +6287,18 @@
           <a:bodyPr>
             <a:normAutofit/>
           </a:bodyPr>
-          <a:p>
-            <a:pPr algn="ctr">
-              <a:lnSpc>
-                <a:spcPct val="100000"/>
-              </a:lnSpc>
-              <a:spcBef>
-                <a:spcPts val="1080"/>
-              </a:spcBef>
-            </a:pPr>
-            <a:r>
-              <a:rPr b="1" lang="zh-TW" sz="5400" spc="-1" strike="noStrike">
+          <a:lstStyle/>
+          <a:p>
+            <a:pPr algn="ctr">
+              <a:lnSpc>
+                <a:spcPct val="100000"/>
+              </a:lnSpc>
+              <a:spcBef>
+                <a:spcPts val="1080"/>
+              </a:spcBef>
+            </a:pPr>
+            <a:r>
+              <a:rPr lang="zh-TW" sz="5400" b="1" strike="noStrike" spc="-1">
                 <a:solidFill>
                   <a:srgbClr val="002060"/>
                 </a:solidFill>
@@ -6075,24 +6307,24 @@
               </a:rPr>
               <a:t>愛我是我基督</a:t>
             </a:r>
-            <a:endParaRPr b="0" lang="zh-TW" sz="5400" spc="-1" strike="noStrike">
-              <a:solidFill>
-                <a:srgbClr val="000000"/>
-              </a:solidFill>
-              <a:latin typeface="Calibri"/>
-            </a:endParaRPr>
-          </a:p>
-          <a:p>
-            <a:pPr algn="ctr">
-              <a:lnSpc>
-                <a:spcPct val="100000"/>
-              </a:lnSpc>
-              <a:spcBef>
-                <a:spcPts val="1080"/>
-              </a:spcBef>
-            </a:pPr>
-            <a:r>
-              <a:rPr b="1" lang="zh-TW" sz="5400" spc="-1" strike="noStrike">
+            <a:endParaRPr lang="zh-TW" sz="5400" b="0" strike="noStrike" spc="-1">
+              <a:solidFill>
+                <a:srgbClr val="000000"/>
+              </a:solidFill>
+              <a:latin typeface="Calibri"/>
+            </a:endParaRPr>
+          </a:p>
+          <a:p>
+            <a:pPr algn="ctr">
+              <a:lnSpc>
+                <a:spcPct val="100000"/>
+              </a:lnSpc>
+              <a:spcBef>
+                <a:spcPts val="1080"/>
+              </a:spcBef>
+            </a:pPr>
+            <a:r>
+              <a:rPr lang="zh-TW" sz="5400" b="1" strike="noStrike" spc="-1">
                 <a:solidFill>
                   <a:srgbClr val="002060"/>
                 </a:solidFill>
@@ -6101,24 +6333,24 @@
               </a:rPr>
               <a:t>愛我親愛基督</a:t>
             </a:r>
-            <a:endParaRPr b="0" lang="zh-TW" sz="5400" spc="-1" strike="noStrike">
-              <a:solidFill>
-                <a:srgbClr val="000000"/>
-              </a:solidFill>
-              <a:latin typeface="Calibri"/>
-            </a:endParaRPr>
-          </a:p>
-          <a:p>
-            <a:pPr algn="ctr">
-              <a:lnSpc>
-                <a:spcPct val="100000"/>
-              </a:lnSpc>
-              <a:spcBef>
-                <a:spcPts val="1080"/>
-              </a:spcBef>
-            </a:pPr>
-            <a:r>
-              <a:rPr b="1" lang="zh-TW" sz="5400" spc="-1" strike="noStrike">
+            <a:endParaRPr lang="zh-TW" sz="5400" b="0" strike="noStrike" spc="-1">
+              <a:solidFill>
+                <a:srgbClr val="000000"/>
+              </a:solidFill>
+              <a:latin typeface="Calibri"/>
+            </a:endParaRPr>
+          </a:p>
+          <a:p>
+            <a:pPr algn="ctr">
+              <a:lnSpc>
+                <a:spcPct val="100000"/>
+              </a:lnSpc>
+              <a:spcBef>
+                <a:spcPts val="1080"/>
+              </a:spcBef>
+            </a:pPr>
+            <a:r>
+              <a:rPr lang="zh-TW" sz="5400" b="1" strike="noStrike" spc="-1">
                 <a:solidFill>
                   <a:srgbClr val="002060"/>
                 </a:solidFill>
@@ -6127,24 +6359,24 @@
               </a:rPr>
               <a:t>愛我是我基督</a:t>
             </a:r>
-            <a:endParaRPr b="0" lang="zh-TW" sz="5400" spc="-1" strike="noStrike">
-              <a:solidFill>
-                <a:srgbClr val="000000"/>
-              </a:solidFill>
-              <a:latin typeface="Calibri"/>
-            </a:endParaRPr>
-          </a:p>
-          <a:p>
-            <a:pPr algn="ctr">
-              <a:lnSpc>
-                <a:spcPct val="100000"/>
-              </a:lnSpc>
-              <a:spcBef>
-                <a:spcPts val="1080"/>
-              </a:spcBef>
-            </a:pPr>
-            <a:r>
-              <a:rPr b="1" lang="zh-TW" sz="5400" spc="-1" strike="noStrike">
+            <a:endParaRPr lang="zh-TW" sz="5400" b="0" strike="noStrike" spc="-1">
+              <a:solidFill>
+                <a:srgbClr val="000000"/>
+              </a:solidFill>
+              <a:latin typeface="Calibri"/>
+            </a:endParaRPr>
+          </a:p>
+          <a:p>
+            <a:pPr algn="ctr">
+              <a:lnSpc>
+                <a:spcPct val="100000"/>
+              </a:lnSpc>
+              <a:spcBef>
+                <a:spcPts val="1080"/>
+              </a:spcBef>
+            </a:pPr>
+            <a:r>
+              <a:rPr lang="zh-TW" sz="5400" b="1" strike="noStrike" spc="-1">
                 <a:solidFill>
                   <a:srgbClr val="002060"/>
                 </a:solidFill>
@@ -6153,7 +6385,7 @@
               </a:rPr>
               <a:t>一生也不枉過</a:t>
             </a:r>
-            <a:endParaRPr b="0" lang="zh-TW" sz="5400" spc="-1" strike="noStrike">
+            <a:endParaRPr lang="zh-TW" sz="5400" b="0" strike="noStrike" spc="-1">
               <a:solidFill>
                 <a:srgbClr val="000000"/>
               </a:solidFill>
@@ -6164,22 +6396,25 @@
       </p:sp>
     </p:spTree>
   </p:cSld>
+  <p:clrMapOvr>
+    <a:masterClrMapping/>
+  </p:clrMapOvr>
   <p:timing>
     <p:tnLst>
       <p:par>
-        <p:cTn id="11" dur="indefinite" restart="never" nodeType="tmRoot">
+        <p:cTn id="1" dur="indefinite" restart="never" nodeType="tmRoot">
           <p:childTnLst>
             <p:seq>
-              <p:cTn id="12" dur="indefinite" nodeType="mainSeq"/>
+              <p:cTn id="2" dur="indefinite" nodeType="mainSeq"/>
               <p:prevCondLst>
-                <p:cond delay="0" evt="onPrev">
+                <p:cond evt="onPrev" delay="0">
                   <p:tgtEl>
                     <p:sldTgt/>
                   </p:tgtEl>
                 </p:cond>
               </p:prevCondLst>
               <p:nextCondLst>
-                <p:cond delay="0" evt="onNext">
+                <p:cond evt="onNext" delay="0">
                   <p:tgtEl>
                     <p:sldTgt/>
                   </p:tgtEl>
@@ -6195,7 +6430,7 @@
 </file>
 
 <file path=ppt/slides/slide7.xml><?xml version="1.0" encoding="utf-8"?>
-<p:sld xmlns:a="http://schemas.openxmlformats.org/drawingml/2006/main" xmlns:p="http://schemas.openxmlformats.org/presentationml/2006/main" xmlns:r="http://schemas.openxmlformats.org/officeDocument/2006/relationships" xmlns:p14="http://schemas.microsoft.com/office/powerpoint/2010/main" xmlns:p15="http://schemas.microsoft.com/office/powerpoint/2012/main" xmlns:mc="http://schemas.openxmlformats.org/markup-compatibility/2006">
+<p:sld xmlns:a="http://schemas.openxmlformats.org/drawingml/2006/main" xmlns:r="http://schemas.openxmlformats.org/officeDocument/2006/relationships" xmlns:p="http://schemas.openxmlformats.org/presentationml/2006/main">
   <p:cSld>
     <p:spTree>
       <p:nvGrpSpPr>
@@ -6232,14 +6467,15 @@
         </p:spPr>
         <p:txBody>
           <a:bodyPr anchor="ctr"/>
-          <a:p>
-            <a:pPr algn="ctr">
-              <a:lnSpc>
-                <a:spcPct val="100000"/>
-              </a:lnSpc>
-            </a:pPr>
-            <a:r>
-              <a:rPr b="1" lang="zh-TW" sz="4400" spc="-1" strike="noStrike">
+          <a:lstStyle/>
+          <a:p>
+            <a:pPr algn="ctr">
+              <a:lnSpc>
+                <a:spcPct val="100000"/>
+              </a:lnSpc>
+            </a:pPr>
+            <a:r>
+              <a:rPr lang="zh-TW" sz="4400" b="1" strike="noStrike" spc="-1">
                 <a:solidFill>
                   <a:srgbClr val="000000"/>
                 </a:solidFill>
@@ -6248,7 +6484,7 @@
               </a:rPr>
               <a:t>神是愛</a:t>
             </a:r>
-            <a:endParaRPr b="0" lang="zh-TW" sz="4400" spc="-1" strike="noStrike">
+            <a:endParaRPr lang="zh-TW" sz="4400" b="0" strike="noStrike" spc="-1">
               <a:solidFill>
                 <a:srgbClr val="000000"/>
               </a:solidFill>
@@ -6278,114 +6514,105 @@
         </p:spPr>
         <p:txBody>
           <a:bodyPr/>
-          <a:p>
-            <a:pPr algn="ctr">
-              <a:lnSpc>
-                <a:spcPct val="100000"/>
-              </a:lnSpc>
-              <a:spcBef>
-                <a:spcPts val="1080"/>
-              </a:spcBef>
-            </a:pPr>
-            <a:r>
-              <a:rPr b="1" lang="zh-TW" sz="5400" spc="-1" strike="noStrike">
+          <a:lstStyle/>
+          <a:p>
+            <a:pPr algn="ctr">
+              <a:lnSpc>
+                <a:spcPct val="100000"/>
+              </a:lnSpc>
+              <a:spcBef>
+                <a:spcPts val="1080"/>
+              </a:spcBef>
+            </a:pPr>
+            <a:r>
+              <a:rPr lang="zh-TW" sz="5400" b="1" strike="noStrike" spc="-1">
                 <a:solidFill>
                   <a:srgbClr val="000000"/>
                 </a:solidFill>
                 <a:latin typeface="Microsoft JhengHei"/>
                 <a:ea typeface="Microsoft JhengHei"/>
               </a:rPr>
-              <a:t>1. </a:t>
-            </a:r>
-            <a:r>
-              <a:rPr b="1" lang="zh-TW" sz="5400" spc="-1" strike="noStrike">
+              <a:t>1. 神是愛   </a:t>
+            </a:r>
+            <a:endParaRPr lang="zh-TW" sz="5400" b="0" strike="noStrike" spc="-1">
+              <a:solidFill>
+                <a:srgbClr val="000000"/>
+              </a:solidFill>
+              <a:latin typeface="Calibri"/>
+            </a:endParaRPr>
+          </a:p>
+          <a:p>
+            <a:pPr algn="ctr">
+              <a:lnSpc>
+                <a:spcPct val="100000"/>
+              </a:lnSpc>
+              <a:spcBef>
+                <a:spcPts val="1080"/>
+              </a:spcBef>
+            </a:pPr>
+            <a:r>
+              <a:rPr lang="zh-TW" sz="5400" b="1" strike="noStrike" spc="-1">
                 <a:solidFill>
                   <a:srgbClr val="000000"/>
                 </a:solidFill>
                 <a:latin typeface="Microsoft JhengHei"/>
                 <a:ea typeface="Microsoft JhengHei"/>
               </a:rPr>
+              <a:t>打開你的心高聲揚</a:t>
+            </a:r>
+            <a:endParaRPr lang="zh-TW" sz="5400" b="0" strike="noStrike" spc="-1">
+              <a:solidFill>
+                <a:srgbClr val="000000"/>
+              </a:solidFill>
+              <a:latin typeface="Calibri"/>
+            </a:endParaRPr>
+          </a:p>
+          <a:p>
+            <a:pPr algn="ctr">
+              <a:lnSpc>
+                <a:spcPct val="100000"/>
+              </a:lnSpc>
+              <a:spcBef>
+                <a:spcPts val="1080"/>
+              </a:spcBef>
+            </a:pPr>
+            <a:r>
+              <a:rPr lang="zh-TW" sz="5400" b="1" strike="noStrike" spc="-1">
+                <a:solidFill>
+                  <a:srgbClr val="000000"/>
+                </a:solidFill>
+                <a:latin typeface="Microsoft JhengHei"/>
+                <a:ea typeface="Microsoft JhengHei"/>
+              </a:rPr>
               <a:t>神是愛   </a:t>
             </a:r>
-            <a:endParaRPr b="0" lang="zh-TW" sz="5400" spc="-1" strike="noStrike">
-              <a:solidFill>
-                <a:srgbClr val="000000"/>
-              </a:solidFill>
-              <a:latin typeface="Calibri"/>
-            </a:endParaRPr>
-          </a:p>
-          <a:p>
-            <a:pPr algn="ctr">
-              <a:lnSpc>
-                <a:spcPct val="100000"/>
-              </a:lnSpc>
-              <a:spcBef>
-                <a:spcPts val="1080"/>
-              </a:spcBef>
-            </a:pPr>
-            <a:r>
-              <a:rPr b="1" lang="zh-TW" sz="5400" spc="-1" strike="noStrike">
+            <a:endParaRPr lang="zh-TW" sz="5400" b="0" strike="noStrike" spc="-1">
+              <a:solidFill>
+                <a:srgbClr val="000000"/>
+              </a:solidFill>
+              <a:latin typeface="Calibri"/>
+            </a:endParaRPr>
+          </a:p>
+          <a:p>
+            <a:pPr algn="ctr">
+              <a:lnSpc>
+                <a:spcPct val="100000"/>
+              </a:lnSpc>
+              <a:spcBef>
+                <a:spcPts val="1080"/>
+              </a:spcBef>
+            </a:pPr>
+            <a:r>
+              <a:rPr lang="zh-TW" sz="5400" b="1" strike="noStrike" spc="-1">
                 <a:solidFill>
                   <a:srgbClr val="000000"/>
                 </a:solidFill>
                 <a:latin typeface="Microsoft JhengHei"/>
                 <a:ea typeface="Microsoft JhengHei"/>
               </a:rPr>
-              <a:t>打開你的心高聲揚</a:t>
-            </a:r>
-            <a:endParaRPr b="0" lang="zh-TW" sz="5400" spc="-1" strike="noStrike">
-              <a:solidFill>
-                <a:srgbClr val="000000"/>
-              </a:solidFill>
-              <a:latin typeface="Calibri"/>
-            </a:endParaRPr>
-          </a:p>
-          <a:p>
-            <a:pPr algn="ctr">
-              <a:lnSpc>
-                <a:spcPct val="100000"/>
-              </a:lnSpc>
-              <a:spcBef>
-                <a:spcPts val="1080"/>
-              </a:spcBef>
-            </a:pPr>
-            <a:r>
-              <a:rPr b="1" lang="zh-TW" sz="5400" spc="-1" strike="noStrike">
-                <a:solidFill>
-                  <a:srgbClr val="000000"/>
-                </a:solidFill>
-                <a:latin typeface="Microsoft JhengHei"/>
-                <a:ea typeface="Microsoft JhengHei"/>
-              </a:rPr>
-              <a:t>神是愛   </a:t>
-            </a:r>
-            <a:endParaRPr b="0" lang="zh-TW" sz="5400" spc="-1" strike="noStrike">
-              <a:solidFill>
-                <a:srgbClr val="000000"/>
-              </a:solidFill>
-              <a:latin typeface="Calibri"/>
-            </a:endParaRPr>
-          </a:p>
-          <a:p>
-            <a:pPr algn="ctr">
-              <a:lnSpc>
-                <a:spcPct val="100000"/>
-              </a:lnSpc>
-              <a:spcBef>
-                <a:spcPts val="1080"/>
-              </a:spcBef>
-            </a:pPr>
-            <a:r>
-              <a:rPr b="1" lang="zh-TW" sz="5400" spc="-1" strike="noStrike">
-                <a:solidFill>
-                  <a:srgbClr val="000000"/>
-                </a:solidFill>
-                <a:latin typeface="Microsoft JhengHei"/>
-                <a:ea typeface="Microsoft JhengHei"/>
-              </a:rPr>
               <a:t>把它告訴各地方</a:t>
             </a:r>
-            <a:endParaRPr b="0" lang="zh-TW" sz="5400" spc="-1" strike="noStrike">
+            <a:endParaRPr lang="zh-TW" sz="5400" b="0" strike="noStrike" spc="-1">
               <a:solidFill>
                 <a:srgbClr val="000000"/>
               </a:solidFill>
@@ -6396,22 +6623,25 @@
       </p:sp>
     </p:spTree>
   </p:cSld>
+  <p:clrMapOvr>
+    <a:masterClrMapping/>
+  </p:clrMapOvr>
   <p:timing>
     <p:tnLst>
       <p:par>
-        <p:cTn id="13" dur="indefinite" restart="never" nodeType="tmRoot">
+        <p:cTn id="1" dur="indefinite" restart="never" nodeType="tmRoot">
           <p:childTnLst>
             <p:seq>
-              <p:cTn id="14" dur="indefinite" nodeType="mainSeq"/>
+              <p:cTn id="2" dur="indefinite" nodeType="mainSeq"/>
               <p:prevCondLst>
-                <p:cond delay="0" evt="onPrev">
+                <p:cond evt="onPrev" delay="0">
                   <p:tgtEl>
                     <p:sldTgt/>
                   </p:tgtEl>
                 </p:cond>
               </p:prevCondLst>
               <p:nextCondLst>
-                <p:cond delay="0" evt="onNext">
+                <p:cond evt="onNext" delay="0">
                   <p:tgtEl>
                     <p:sldTgt/>
                   </p:tgtEl>
@@ -6427,7 +6657,7 @@
 </file>
 
 <file path=ppt/slides/slide8.xml><?xml version="1.0" encoding="utf-8"?>
-<p:sld xmlns:a="http://schemas.openxmlformats.org/drawingml/2006/main" xmlns:p="http://schemas.openxmlformats.org/presentationml/2006/main" xmlns:r="http://schemas.openxmlformats.org/officeDocument/2006/relationships" xmlns:p14="http://schemas.microsoft.com/office/powerpoint/2010/main" xmlns:p15="http://schemas.microsoft.com/office/powerpoint/2012/main" xmlns:mc="http://schemas.openxmlformats.org/markup-compatibility/2006">
+<p:sld xmlns:a="http://schemas.openxmlformats.org/drawingml/2006/main" xmlns:r="http://schemas.openxmlformats.org/officeDocument/2006/relationships" xmlns:p="http://schemas.openxmlformats.org/presentationml/2006/main">
   <p:cSld>
     <p:spTree>
       <p:nvGrpSpPr>
@@ -6464,14 +6694,15 @@
         </p:spPr>
         <p:txBody>
           <a:bodyPr anchor="ctr"/>
-          <a:p>
-            <a:pPr algn="ctr">
-              <a:lnSpc>
-                <a:spcPct val="100000"/>
-              </a:lnSpc>
-            </a:pPr>
-            <a:r>
-              <a:rPr b="1" lang="zh-TW" sz="4400" spc="-1" strike="noStrike">
+          <a:lstStyle/>
+          <a:p>
+            <a:pPr algn="ctr">
+              <a:lnSpc>
+                <a:spcPct val="100000"/>
+              </a:lnSpc>
+            </a:pPr>
+            <a:r>
+              <a:rPr lang="zh-TW" sz="4400" b="1" strike="noStrike" spc="-1">
                 <a:solidFill>
                   <a:srgbClr val="000000"/>
                 </a:solidFill>
@@ -6480,7 +6711,7 @@
               </a:rPr>
               <a:t>神是愛</a:t>
             </a:r>
-            <a:endParaRPr b="0" lang="zh-TW" sz="4400" spc="-1" strike="noStrike">
+            <a:endParaRPr lang="zh-TW" sz="4400" b="0" strike="noStrike" spc="-1">
               <a:solidFill>
                 <a:srgbClr val="000000"/>
               </a:solidFill>
@@ -6510,17 +6741,18 @@
         </p:spPr>
         <p:txBody>
           <a:bodyPr/>
-          <a:p>
-            <a:pPr algn="ctr">
-              <a:lnSpc>
-                <a:spcPct val="100000"/>
-              </a:lnSpc>
-              <a:spcBef>
-                <a:spcPts val="1080"/>
-              </a:spcBef>
-            </a:pPr>
-            <a:r>
-              <a:rPr b="1" lang="zh-TW" sz="5400" spc="-1" strike="noStrike">
+          <a:lstStyle/>
+          <a:p>
+            <a:pPr algn="ctr">
+              <a:lnSpc>
+                <a:spcPct val="100000"/>
+              </a:lnSpc>
+              <a:spcBef>
+                <a:spcPts val="1080"/>
+              </a:spcBef>
+            </a:pPr>
+            <a:r>
+              <a:rPr lang="zh-TW" sz="5400" b="1" strike="noStrike" spc="-1">
                 <a:solidFill>
                   <a:srgbClr val="000000"/>
                 </a:solidFill>
@@ -6529,24 +6761,24 @@
               </a:rPr>
               <a:t>祂創造天空和那深海洋</a:t>
             </a:r>
-            <a:endParaRPr b="0" lang="zh-TW" sz="5400" spc="-1" strike="noStrike">
-              <a:solidFill>
-                <a:srgbClr val="000000"/>
-              </a:solidFill>
-              <a:latin typeface="Calibri"/>
-            </a:endParaRPr>
-          </a:p>
-          <a:p>
-            <a:pPr algn="ctr">
-              <a:lnSpc>
-                <a:spcPct val="100000"/>
-              </a:lnSpc>
-              <a:spcBef>
-                <a:spcPts val="1080"/>
-              </a:spcBef>
-            </a:pPr>
-            <a:r>
-              <a:rPr b="1" lang="zh-TW" sz="5400" spc="-1" strike="noStrike">
+            <a:endParaRPr lang="zh-TW" sz="5400" b="0" strike="noStrike" spc="-1">
+              <a:solidFill>
+                <a:srgbClr val="000000"/>
+              </a:solidFill>
+              <a:latin typeface="Calibri"/>
+            </a:endParaRPr>
+          </a:p>
+          <a:p>
+            <a:pPr algn="ctr">
+              <a:lnSpc>
+                <a:spcPct val="100000"/>
+              </a:lnSpc>
+              <a:spcBef>
+                <a:spcPts val="1080"/>
+              </a:spcBef>
+            </a:pPr>
+            <a:r>
+              <a:rPr lang="zh-TW" sz="5400" b="1" strike="noStrike" spc="-1">
                 <a:solidFill>
                   <a:srgbClr val="000000"/>
                 </a:solidFill>
@@ -6555,24 +6787,24 @@
               </a:rPr>
               <a:t>祂創造飛鳥和那蜜蜂忙</a:t>
             </a:r>
-            <a:endParaRPr b="0" lang="zh-TW" sz="5400" spc="-1" strike="noStrike">
-              <a:solidFill>
-                <a:srgbClr val="000000"/>
-              </a:solidFill>
-              <a:latin typeface="Calibri"/>
-            </a:endParaRPr>
-          </a:p>
-          <a:p>
-            <a:pPr algn="ctr">
-              <a:lnSpc>
-                <a:spcPct val="100000"/>
-              </a:lnSpc>
-              <a:spcBef>
-                <a:spcPts val="1080"/>
-              </a:spcBef>
-            </a:pPr>
-            <a:r>
-              <a:rPr b="1" lang="zh-TW" sz="5400" spc="-1" strike="noStrike">
+            <a:endParaRPr lang="zh-TW" sz="5400" b="0" strike="noStrike" spc="-1">
+              <a:solidFill>
+                <a:srgbClr val="000000"/>
+              </a:solidFill>
+              <a:latin typeface="Calibri"/>
+            </a:endParaRPr>
+          </a:p>
+          <a:p>
+            <a:pPr algn="ctr">
+              <a:lnSpc>
+                <a:spcPct val="100000"/>
+              </a:lnSpc>
+              <a:spcBef>
+                <a:spcPts val="1080"/>
+              </a:spcBef>
+            </a:pPr>
+            <a:r>
+              <a:rPr lang="zh-TW" sz="5400" b="1" strike="noStrike" spc="-1">
                 <a:solidFill>
                   <a:srgbClr val="000000"/>
                 </a:solidFill>
@@ -6581,24 +6813,24 @@
               </a:rPr>
               <a:t>祂造一切為你和我</a:t>
             </a:r>
-            <a:endParaRPr b="0" lang="zh-TW" sz="5400" spc="-1" strike="noStrike">
-              <a:solidFill>
-                <a:srgbClr val="000000"/>
-              </a:solidFill>
-              <a:latin typeface="Calibri"/>
-            </a:endParaRPr>
-          </a:p>
-          <a:p>
-            <a:pPr algn="ctr">
-              <a:lnSpc>
-                <a:spcPct val="100000"/>
-              </a:lnSpc>
-              <a:spcBef>
-                <a:spcPts val="1080"/>
-              </a:spcBef>
-            </a:pPr>
-            <a:r>
-              <a:rPr b="1" lang="zh-TW" sz="5400" spc="-1" strike="noStrike">
+            <a:endParaRPr lang="zh-TW" sz="5400" b="0" strike="noStrike" spc="-1">
+              <a:solidFill>
+                <a:srgbClr val="000000"/>
+              </a:solidFill>
+              <a:latin typeface="Calibri"/>
+            </a:endParaRPr>
+          </a:p>
+          <a:p>
+            <a:pPr algn="ctr">
+              <a:lnSpc>
+                <a:spcPct val="100000"/>
+              </a:lnSpc>
+              <a:spcBef>
+                <a:spcPts val="1080"/>
+              </a:spcBef>
+            </a:pPr>
+            <a:r>
+              <a:rPr lang="zh-TW" sz="5400" b="1" strike="noStrike" spc="-1">
                 <a:solidFill>
                   <a:srgbClr val="000000"/>
                 </a:solidFill>
@@ -6607,7 +6839,7 @@
               </a:rPr>
               <a:t>因神是愛</a:t>
             </a:r>
-            <a:endParaRPr b="0" lang="zh-TW" sz="5400" spc="-1" strike="noStrike">
+            <a:endParaRPr lang="zh-TW" sz="5400" b="0" strike="noStrike" spc="-1">
               <a:solidFill>
                 <a:srgbClr val="000000"/>
               </a:solidFill>
@@ -6618,22 +6850,25 @@
       </p:sp>
     </p:spTree>
   </p:cSld>
+  <p:clrMapOvr>
+    <a:masterClrMapping/>
+  </p:clrMapOvr>
   <p:timing>
     <p:tnLst>
       <p:par>
-        <p:cTn id="15" dur="indefinite" restart="never" nodeType="tmRoot">
+        <p:cTn id="1" dur="indefinite" restart="never" nodeType="tmRoot">
           <p:childTnLst>
             <p:seq>
-              <p:cTn id="16" dur="indefinite" nodeType="mainSeq"/>
+              <p:cTn id="2" dur="indefinite" nodeType="mainSeq"/>
               <p:prevCondLst>
-                <p:cond delay="0" evt="onPrev">
+                <p:cond evt="onPrev" delay="0">
                   <p:tgtEl>
                     <p:sldTgt/>
                   </p:tgtEl>
                 </p:cond>
               </p:prevCondLst>
               <p:nextCondLst>
-                <p:cond delay="0" evt="onNext">
+                <p:cond evt="onNext" delay="0">
                   <p:tgtEl>
                     <p:sldTgt/>
                   </p:tgtEl>
@@ -6649,7 +6884,7 @@
 </file>
 
 <file path=ppt/slides/slide9.xml><?xml version="1.0" encoding="utf-8"?>
-<p:sld xmlns:a="http://schemas.openxmlformats.org/drawingml/2006/main" xmlns:p="http://schemas.openxmlformats.org/presentationml/2006/main" xmlns:r="http://schemas.openxmlformats.org/officeDocument/2006/relationships" xmlns:p14="http://schemas.microsoft.com/office/powerpoint/2010/main" xmlns:p15="http://schemas.microsoft.com/office/powerpoint/2012/main" xmlns:mc="http://schemas.openxmlformats.org/markup-compatibility/2006">
+<p:sld xmlns:a="http://schemas.openxmlformats.org/drawingml/2006/main" xmlns:r="http://schemas.openxmlformats.org/officeDocument/2006/relationships" xmlns:p="http://schemas.openxmlformats.org/presentationml/2006/main">
   <p:cSld>
     <p:spTree>
       <p:nvGrpSpPr>
@@ -6686,14 +6921,15 @@
         </p:spPr>
         <p:txBody>
           <a:bodyPr anchor="ctr"/>
-          <a:p>
-            <a:pPr algn="ctr">
-              <a:lnSpc>
-                <a:spcPct val="100000"/>
-              </a:lnSpc>
-            </a:pPr>
-            <a:r>
-              <a:rPr b="1" lang="zh-TW" sz="4400" spc="-1" strike="noStrike">
+          <a:lstStyle/>
+          <a:p>
+            <a:pPr algn="ctr">
+              <a:lnSpc>
+                <a:spcPct val="100000"/>
+              </a:lnSpc>
+            </a:pPr>
+            <a:r>
+              <a:rPr lang="zh-TW" sz="4400" b="1" strike="noStrike" spc="-1">
                 <a:solidFill>
                   <a:srgbClr val="000000"/>
                 </a:solidFill>
@@ -6702,7 +6938,7 @@
               </a:rPr>
               <a:t>神是愛</a:t>
             </a:r>
-            <a:endParaRPr b="0" lang="zh-TW" sz="4400" spc="-1" strike="noStrike">
+            <a:endParaRPr lang="zh-TW" sz="4400" b="0" strike="noStrike" spc="-1">
               <a:solidFill>
                 <a:srgbClr val="000000"/>
               </a:solidFill>
@@ -6732,17 +6968,18 @@
         </p:spPr>
         <p:txBody>
           <a:bodyPr/>
-          <a:p>
-            <a:pPr algn="ctr">
-              <a:lnSpc>
-                <a:spcPct val="100000"/>
-              </a:lnSpc>
-              <a:spcBef>
-                <a:spcPts val="1080"/>
-              </a:spcBef>
-            </a:pPr>
-            <a:r>
-              <a:rPr b="1" lang="zh-TW" sz="5400" spc="-1" strike="noStrike">
+          <a:lstStyle/>
+          <a:p>
+            <a:pPr algn="ctr">
+              <a:lnSpc>
+                <a:spcPct val="100000"/>
+              </a:lnSpc>
+              <a:spcBef>
+                <a:spcPts val="1080"/>
+              </a:spcBef>
+            </a:pPr>
+            <a:r>
+              <a:rPr lang="zh-TW" sz="5400" b="1" strike="noStrike" spc="-1">
                 <a:solidFill>
                   <a:srgbClr val="000000"/>
                 </a:solidFill>
@@ -6751,24 +6988,24 @@
               </a:rPr>
               <a:t>神是愛  空氣中我能體會</a:t>
             </a:r>
-            <a:endParaRPr b="0" lang="zh-TW" sz="5400" spc="-1" strike="noStrike">
-              <a:solidFill>
-                <a:srgbClr val="000000"/>
-              </a:solidFill>
-              <a:latin typeface="Calibri"/>
-            </a:endParaRPr>
-          </a:p>
-          <a:p>
-            <a:pPr algn="ctr">
-              <a:lnSpc>
-                <a:spcPct val="100000"/>
-              </a:lnSpc>
-              <a:spcBef>
-                <a:spcPts val="1080"/>
-              </a:spcBef>
-            </a:pPr>
-            <a:r>
-              <a:rPr b="1" lang="zh-TW" sz="5400" spc="-1" strike="noStrike">
+            <a:endParaRPr lang="zh-TW" sz="5400" b="0" strike="noStrike" spc="-1">
+              <a:solidFill>
+                <a:srgbClr val="000000"/>
+              </a:solidFill>
+              <a:latin typeface="Calibri"/>
+            </a:endParaRPr>
+          </a:p>
+          <a:p>
+            <a:pPr algn="ctr">
+              <a:lnSpc>
+                <a:spcPct val="100000"/>
+              </a:lnSpc>
+              <a:spcBef>
+                <a:spcPts val="1080"/>
+              </a:spcBef>
+            </a:pPr>
+            <a:r>
+              <a:rPr lang="zh-TW" sz="5400" b="1" strike="noStrike" spc="-1">
                 <a:solidFill>
                   <a:srgbClr val="000000"/>
                 </a:solidFill>
@@ -6777,24 +7014,24 @@
               </a:rPr>
               <a:t>恩典中我能體會</a:t>
             </a:r>
-            <a:endParaRPr b="0" lang="zh-TW" sz="5400" spc="-1" strike="noStrike">
-              <a:solidFill>
-                <a:srgbClr val="000000"/>
-              </a:solidFill>
-              <a:latin typeface="Calibri"/>
-            </a:endParaRPr>
-          </a:p>
-          <a:p>
-            <a:pPr algn="ctr">
-              <a:lnSpc>
-                <a:spcPct val="100000"/>
-              </a:lnSpc>
-              <a:spcBef>
-                <a:spcPts val="1080"/>
-              </a:spcBef>
-            </a:pPr>
-            <a:r>
-              <a:rPr b="1" lang="zh-TW" sz="5400" spc="-1" strike="noStrike">
+            <a:endParaRPr lang="zh-TW" sz="5400" b="0" strike="noStrike" spc="-1">
+              <a:solidFill>
+                <a:srgbClr val="000000"/>
+              </a:solidFill>
+              <a:latin typeface="Calibri"/>
+            </a:endParaRPr>
+          </a:p>
+          <a:p>
+            <a:pPr algn="ctr">
+              <a:lnSpc>
+                <a:spcPct val="100000"/>
+              </a:lnSpc>
+              <a:spcBef>
+                <a:spcPts val="1080"/>
+              </a:spcBef>
+            </a:pPr>
+            <a:r>
+              <a:rPr lang="zh-TW" sz="5400" b="1" strike="noStrike" spc="-1">
                 <a:solidFill>
                   <a:srgbClr val="000000"/>
                 </a:solidFill>
@@ -6803,7 +7040,7 @@
               </a:rPr>
               <a:t>隨時我都能體會</a:t>
             </a:r>
-            <a:endParaRPr b="0" lang="zh-TW" sz="5400" spc="-1" strike="noStrike">
+            <a:endParaRPr lang="zh-TW" sz="5400" b="0" strike="noStrike" spc="-1">
               <a:solidFill>
                 <a:srgbClr val="000000"/>
               </a:solidFill>
@@ -6814,22 +7051,25 @@
       </p:sp>
     </p:spTree>
   </p:cSld>
+  <p:clrMapOvr>
+    <a:masterClrMapping/>
+  </p:clrMapOvr>
   <p:timing>
     <p:tnLst>
       <p:par>
-        <p:cTn id="17" dur="indefinite" restart="never" nodeType="tmRoot">
+        <p:cTn id="1" dur="indefinite" restart="never" nodeType="tmRoot">
           <p:childTnLst>
             <p:seq>
-              <p:cTn id="18" dur="indefinite" nodeType="mainSeq"/>
+              <p:cTn id="2" dur="indefinite" nodeType="mainSeq"/>
               <p:prevCondLst>
-                <p:cond delay="0" evt="onPrev">
+                <p:cond evt="onPrev" delay="0">
                   <p:tgtEl>
                     <p:sldTgt/>
                   </p:tgtEl>
                 </p:cond>
               </p:prevCondLst>
               <p:nextCondLst>
-                <p:cond delay="0" evt="onNext">
+                <p:cond evt="onNext" delay="0">
                   <p:tgtEl>
                     <p:sldTgt/>
                   </p:tgtEl>
@@ -6855,31 +7095,31 @@
         <a:sysClr val="window" lastClr="FFFFFF"/>
       </a:lt1>
       <a:dk2>
-        <a:srgbClr val="1f497d"/>
+        <a:srgbClr val="1F497D"/>
       </a:dk2>
       <a:lt2>
-        <a:srgbClr val="eeece1"/>
+        <a:srgbClr val="EEECE1"/>
       </a:lt2>
       <a:accent1>
-        <a:srgbClr val="4f81bd"/>
+        <a:srgbClr val="4F81BD"/>
       </a:accent1>
       <a:accent2>
-        <a:srgbClr val="c0504d"/>
+        <a:srgbClr val="C0504D"/>
       </a:accent2>
       <a:accent3>
-        <a:srgbClr val="9bbb59"/>
+        <a:srgbClr val="9BBB59"/>
       </a:accent3>
       <a:accent4>
-        <a:srgbClr val="8064a2"/>
+        <a:srgbClr val="8064A2"/>
       </a:accent4>
       <a:accent5>
-        <a:srgbClr val="4bacc6"/>
+        <a:srgbClr val="4BACC6"/>
       </a:accent5>
       <a:accent6>
-        <a:srgbClr val="f79646"/>
+        <a:srgbClr val="F79646"/>
       </a:accent6>
       <a:hlink>
-        <a:srgbClr val="0000ff"/>
+        <a:srgbClr val="0000FF"/>
       </a:hlink>
       <a:folHlink>
         <a:srgbClr val="800080"/>
@@ -7064,5 +7304,7 @@
       </a:bgFillStyleLst>
     </a:fmtScheme>
   </a:themeElements>
+  <a:objectDefaults/>
+  <a:extraClrSchemeLst/>
 </a:theme>
 </file>
--- a/2019/1月.pptx
+++ b/2019/1月.pptx
@@ -3,31 +3,35 @@
 <p:presentation xmlns:a="http://schemas.openxmlformats.org/drawingml/2006/main" xmlns:r="http://schemas.openxmlformats.org/officeDocument/2006/relationships" xmlns:p="http://schemas.openxmlformats.org/presentationml/2006/main">
   <p:sldMasterIdLst>
     <p:sldMasterId id="2147483648" r:id="rId1"/>
+    <p:sldMasterId id="2147483661" r:id="rId2"/>
   </p:sldMasterIdLst>
   <p:sldIdLst>
-    <p:sldId id="256" r:id="rId2"/>
-    <p:sldId id="257" r:id="rId3"/>
-    <p:sldId id="258" r:id="rId4"/>
-    <p:sldId id="259" r:id="rId5"/>
-    <p:sldId id="260" r:id="rId6"/>
-    <p:sldId id="261" r:id="rId7"/>
-    <p:sldId id="262" r:id="rId8"/>
-    <p:sldId id="263" r:id="rId9"/>
-    <p:sldId id="264" r:id="rId10"/>
-    <p:sldId id="265" r:id="rId11"/>
-    <p:sldId id="266" r:id="rId12"/>
-    <p:sldId id="267" r:id="rId13"/>
-    <p:sldId id="268" r:id="rId14"/>
-    <p:sldId id="269" r:id="rId15"/>
-    <p:sldId id="270" r:id="rId16"/>
-    <p:sldId id="271" r:id="rId17"/>
-    <p:sldId id="272" r:id="rId18"/>
-    <p:sldId id="273" r:id="rId19"/>
-    <p:sldId id="274" r:id="rId20"/>
-    <p:sldId id="275" r:id="rId21"/>
-    <p:sldId id="276" r:id="rId22"/>
-    <p:sldId id="277" r:id="rId23"/>
-    <p:sldId id="278" r:id="rId24"/>
+    <p:sldId id="256" r:id="rId3"/>
+    <p:sldId id="257" r:id="rId4"/>
+    <p:sldId id="258" r:id="rId5"/>
+    <p:sldId id="259" r:id="rId6"/>
+    <p:sldId id="260" r:id="rId7"/>
+    <p:sldId id="261" r:id="rId8"/>
+    <p:sldId id="262" r:id="rId9"/>
+    <p:sldId id="263" r:id="rId10"/>
+    <p:sldId id="264" r:id="rId11"/>
+    <p:sldId id="265" r:id="rId12"/>
+    <p:sldId id="266" r:id="rId13"/>
+    <p:sldId id="267" r:id="rId14"/>
+    <p:sldId id="268" r:id="rId15"/>
+    <p:sldId id="269" r:id="rId16"/>
+    <p:sldId id="270" r:id="rId17"/>
+    <p:sldId id="271" r:id="rId18"/>
+    <p:sldId id="272" r:id="rId19"/>
+    <p:sldId id="273" r:id="rId20"/>
+    <p:sldId id="274" r:id="rId21"/>
+    <p:sldId id="275" r:id="rId22"/>
+    <p:sldId id="276" r:id="rId23"/>
+    <p:sldId id="277" r:id="rId24"/>
+    <p:sldId id="278" r:id="rId25"/>
+    <p:sldId id="279" r:id="rId26"/>
+    <p:sldId id="280" r:id="rId27"/>
+    <p:sldId id="281" r:id="rId28"/>
   </p:sldIdLst>
   <p:sldSz cx="9144000" cy="6858000" type="screen4x3"/>
   <p:notesSz cx="7559675" cy="10691813"/>
@@ -733,6 +737,1804 @@
 </p:sldLayout>
 </file>
 
+<file path=ppt/slideLayouts/slideLayout13.xml><?xml version="1.0" encoding="utf-8"?>
+<p:sldLayout xmlns:a="http://schemas.openxmlformats.org/drawingml/2006/main" xmlns:r="http://schemas.openxmlformats.org/officeDocument/2006/relationships" xmlns:p="http://schemas.openxmlformats.org/presentationml/2006/main" type="title" preserve="1">
+  <p:cSld name="標題投影片">
+    <p:spTree>
+      <p:nvGrpSpPr>
+        <p:cNvPr id="1" name=""/>
+        <p:cNvGrpSpPr/>
+        <p:nvPr/>
+      </p:nvGrpSpPr>
+      <p:grpSpPr>
+        <a:xfrm>
+          <a:off x="0" y="0"/>
+          <a:ext cx="0" cy="0"/>
+          <a:chOff x="0" y="0"/>
+          <a:chExt cx="0" cy="0"/>
+        </a:xfrm>
+      </p:grpSpPr>
+      <p:sp>
+        <p:nvSpPr>
+          <p:cNvPr id="2" name="標題 1"/>
+          <p:cNvSpPr>
+            <a:spLocks noGrp="1"/>
+          </p:cNvSpPr>
+          <p:nvPr>
+            <p:ph type="ctrTitle"/>
+          </p:nvPr>
+        </p:nvSpPr>
+        <p:spPr>
+          <a:xfrm>
+            <a:off x="685800" y="2130425"/>
+            <a:ext cx="7772400" cy="1470025"/>
+          </a:xfrm>
+        </p:spPr>
+        <p:txBody>
+          <a:bodyPr/>
+          <a:lstStyle/>
+          <a:p>
+            <a:r>
+              <a:rPr lang="zh-TW" altLang="en-US" smtClean="0"/>
+              <a:t>按一下以編輯母片標題樣式</a:t>
+            </a:r>
+            <a:endParaRPr lang="zh-TW" altLang="en-US"/>
+          </a:p>
+        </p:txBody>
+      </p:sp>
+      <p:sp>
+        <p:nvSpPr>
+          <p:cNvPr id="3" name="副標題 2"/>
+          <p:cNvSpPr>
+            <a:spLocks noGrp="1"/>
+          </p:cNvSpPr>
+          <p:nvPr>
+            <p:ph type="subTitle" idx="1"/>
+          </p:nvPr>
+        </p:nvSpPr>
+        <p:spPr>
+          <a:xfrm>
+            <a:off x="1371600" y="3886200"/>
+            <a:ext cx="6400800" cy="1752600"/>
+          </a:xfrm>
+        </p:spPr>
+        <p:txBody>
+          <a:bodyPr/>
+          <a:lstStyle>
+            <a:lvl1pPr marL="0" indent="0" algn="ctr">
+              <a:buNone/>
+              <a:defRPr>
+                <a:solidFill>
+                  <a:schemeClr val="tx1">
+                    <a:tint val="75000"/>
+                  </a:schemeClr>
+                </a:solidFill>
+              </a:defRPr>
+            </a:lvl1pPr>
+            <a:lvl2pPr marL="457200" indent="0" algn="ctr">
+              <a:buNone/>
+              <a:defRPr>
+                <a:solidFill>
+                  <a:schemeClr val="tx1">
+                    <a:tint val="75000"/>
+                  </a:schemeClr>
+                </a:solidFill>
+              </a:defRPr>
+            </a:lvl2pPr>
+            <a:lvl3pPr marL="914400" indent="0" algn="ctr">
+              <a:buNone/>
+              <a:defRPr>
+                <a:solidFill>
+                  <a:schemeClr val="tx1">
+                    <a:tint val="75000"/>
+                  </a:schemeClr>
+                </a:solidFill>
+              </a:defRPr>
+            </a:lvl3pPr>
+            <a:lvl4pPr marL="1371600" indent="0" algn="ctr">
+              <a:buNone/>
+              <a:defRPr>
+                <a:solidFill>
+                  <a:schemeClr val="tx1">
+                    <a:tint val="75000"/>
+                  </a:schemeClr>
+                </a:solidFill>
+              </a:defRPr>
+            </a:lvl4pPr>
+            <a:lvl5pPr marL="1828800" indent="0" algn="ctr">
+              <a:buNone/>
+              <a:defRPr>
+                <a:solidFill>
+                  <a:schemeClr val="tx1">
+                    <a:tint val="75000"/>
+                  </a:schemeClr>
+                </a:solidFill>
+              </a:defRPr>
+            </a:lvl5pPr>
+            <a:lvl6pPr marL="2286000" indent="0" algn="ctr">
+              <a:buNone/>
+              <a:defRPr>
+                <a:solidFill>
+                  <a:schemeClr val="tx1">
+                    <a:tint val="75000"/>
+                  </a:schemeClr>
+                </a:solidFill>
+              </a:defRPr>
+            </a:lvl6pPr>
+            <a:lvl7pPr marL="2743200" indent="0" algn="ctr">
+              <a:buNone/>
+              <a:defRPr>
+                <a:solidFill>
+                  <a:schemeClr val="tx1">
+                    <a:tint val="75000"/>
+                  </a:schemeClr>
+                </a:solidFill>
+              </a:defRPr>
+            </a:lvl7pPr>
+            <a:lvl8pPr marL="3200400" indent="0" algn="ctr">
+              <a:buNone/>
+              <a:defRPr>
+                <a:solidFill>
+                  <a:schemeClr val="tx1">
+                    <a:tint val="75000"/>
+                  </a:schemeClr>
+                </a:solidFill>
+              </a:defRPr>
+            </a:lvl8pPr>
+            <a:lvl9pPr marL="3657600" indent="0" algn="ctr">
+              <a:buNone/>
+              <a:defRPr>
+                <a:solidFill>
+                  <a:schemeClr val="tx1">
+                    <a:tint val="75000"/>
+                  </a:schemeClr>
+                </a:solidFill>
+              </a:defRPr>
+            </a:lvl9pPr>
+          </a:lstStyle>
+          <a:p>
+            <a:r>
+              <a:rPr lang="zh-TW" altLang="en-US" smtClean="0"/>
+              <a:t>按一下以編輯母片副標題樣式</a:t>
+            </a:r>
+            <a:endParaRPr lang="zh-TW" altLang="en-US"/>
+          </a:p>
+        </p:txBody>
+      </p:sp>
+      <p:sp>
+        <p:nvSpPr>
+          <p:cNvPr id="4" name="日期版面配置區 3"/>
+          <p:cNvSpPr>
+            <a:spLocks noGrp="1"/>
+          </p:cNvSpPr>
+          <p:nvPr>
+            <p:ph type="dt" sz="half" idx="10"/>
+          </p:nvPr>
+        </p:nvSpPr>
+        <p:spPr/>
+        <p:txBody>
+          <a:bodyPr/>
+          <a:lstStyle/>
+          <a:p>
+            <a:pPr>
+              <a:lnSpc>
+                <a:spcPct val="100000"/>
+              </a:lnSpc>
+            </a:pPr>
+            <a:fld id="{E9C06E7C-0C0B-4290-9871-02759152AC99}" type="datetime">
+              <a:rPr lang="en-US" sz="1200" b="0" strike="noStrike" spc="-1" smtClean="0">
+                <a:solidFill>
+                  <a:srgbClr val="8B8B8B"/>
+                </a:solidFill>
+                <a:latin typeface="Calibri"/>
+              </a:rPr>
+              <a:pPr>
+                <a:lnSpc>
+                  <a:spcPct val="100000"/>
+                </a:lnSpc>
+              </a:pPr>
+              <a:t>1/20/2019</a:t>
+            </a:fld>
+            <a:endParaRPr lang="en-US" sz="1200" b="0" strike="noStrike" spc="-1">
+              <a:latin typeface="Times New Roman"/>
+            </a:endParaRPr>
+          </a:p>
+        </p:txBody>
+      </p:sp>
+      <p:sp>
+        <p:nvSpPr>
+          <p:cNvPr id="5" name="頁尾版面配置區 4"/>
+          <p:cNvSpPr>
+            <a:spLocks noGrp="1"/>
+          </p:cNvSpPr>
+          <p:nvPr>
+            <p:ph type="ftr" sz="quarter" idx="11"/>
+          </p:nvPr>
+        </p:nvSpPr>
+        <p:spPr/>
+        <p:txBody>
+          <a:bodyPr/>
+          <a:lstStyle/>
+          <a:p>
+            <a:endParaRPr lang="en-US" sz="2400" b="0" strike="noStrike" spc="-1">
+              <a:latin typeface="Times New Roman"/>
+            </a:endParaRPr>
+          </a:p>
+        </p:txBody>
+      </p:sp>
+      <p:sp>
+        <p:nvSpPr>
+          <p:cNvPr id="6" name="投影片編號版面配置區 5"/>
+          <p:cNvSpPr>
+            <a:spLocks noGrp="1"/>
+          </p:cNvSpPr>
+          <p:nvPr>
+            <p:ph type="sldNum" sz="quarter" idx="12"/>
+          </p:nvPr>
+        </p:nvSpPr>
+        <p:spPr/>
+        <p:txBody>
+          <a:bodyPr/>
+          <a:lstStyle/>
+          <a:p>
+            <a:pPr algn="r">
+              <a:lnSpc>
+                <a:spcPct val="100000"/>
+              </a:lnSpc>
+            </a:pPr>
+            <a:fld id="{DFD6B7B1-33BC-4836-A157-9CE0BF958B21}" type="slidenum">
+              <a:rPr lang="en-US" sz="1200" b="0" strike="noStrike" spc="-1" smtClean="0">
+                <a:solidFill>
+                  <a:srgbClr val="8B8B8B"/>
+                </a:solidFill>
+                <a:latin typeface="Calibri"/>
+              </a:rPr>
+              <a:pPr algn="r">
+                <a:lnSpc>
+                  <a:spcPct val="100000"/>
+                </a:lnSpc>
+              </a:pPr>
+              <a:t>‹#›</a:t>
+            </a:fld>
+            <a:endParaRPr lang="en-US" sz="1200" b="0" strike="noStrike" spc="-1">
+              <a:latin typeface="Times New Roman"/>
+            </a:endParaRPr>
+          </a:p>
+        </p:txBody>
+      </p:sp>
+    </p:spTree>
+  </p:cSld>
+  <p:clrMapOvr>
+    <a:masterClrMapping/>
+  </p:clrMapOvr>
+</p:sldLayout>
+</file>
+
+<file path=ppt/slideLayouts/slideLayout14.xml><?xml version="1.0" encoding="utf-8"?>
+<p:sldLayout xmlns:a="http://schemas.openxmlformats.org/drawingml/2006/main" xmlns:r="http://schemas.openxmlformats.org/officeDocument/2006/relationships" xmlns:p="http://schemas.openxmlformats.org/presentationml/2006/main" type="obj" preserve="1">
+  <p:cSld name="標題及物件">
+    <p:spTree>
+      <p:nvGrpSpPr>
+        <p:cNvPr id="1" name=""/>
+        <p:cNvGrpSpPr/>
+        <p:nvPr/>
+      </p:nvGrpSpPr>
+      <p:grpSpPr>
+        <a:xfrm>
+          <a:off x="0" y="0"/>
+          <a:ext cx="0" cy="0"/>
+          <a:chOff x="0" y="0"/>
+          <a:chExt cx="0" cy="0"/>
+        </a:xfrm>
+      </p:grpSpPr>
+      <p:sp>
+        <p:nvSpPr>
+          <p:cNvPr id="2" name="標題 1"/>
+          <p:cNvSpPr>
+            <a:spLocks noGrp="1"/>
+          </p:cNvSpPr>
+          <p:nvPr>
+            <p:ph type="title"/>
+          </p:nvPr>
+        </p:nvSpPr>
+        <p:spPr/>
+        <p:txBody>
+          <a:bodyPr/>
+          <a:lstStyle/>
+          <a:p>
+            <a:r>
+              <a:rPr lang="zh-TW" altLang="en-US" smtClean="0"/>
+              <a:t>按一下以編輯母片標題樣式</a:t>
+            </a:r>
+            <a:endParaRPr lang="zh-TW" altLang="en-US"/>
+          </a:p>
+        </p:txBody>
+      </p:sp>
+      <p:sp>
+        <p:nvSpPr>
+          <p:cNvPr id="3" name="內容版面配置區 2"/>
+          <p:cNvSpPr>
+            <a:spLocks noGrp="1"/>
+          </p:cNvSpPr>
+          <p:nvPr>
+            <p:ph idx="1"/>
+          </p:nvPr>
+        </p:nvSpPr>
+        <p:spPr/>
+        <p:txBody>
+          <a:bodyPr/>
+          <a:lstStyle/>
+          <a:p>
+            <a:pPr lvl="0"/>
+            <a:r>
+              <a:rPr lang="zh-TW" altLang="en-US" smtClean="0"/>
+              <a:t>按一下以編輯母片文字樣式</a:t>
+            </a:r>
+          </a:p>
+          <a:p>
+            <a:pPr lvl="1"/>
+            <a:r>
+              <a:rPr lang="zh-TW" altLang="en-US" smtClean="0"/>
+              <a:t>第二層</a:t>
+            </a:r>
+          </a:p>
+          <a:p>
+            <a:pPr lvl="2"/>
+            <a:r>
+              <a:rPr lang="zh-TW" altLang="en-US" smtClean="0"/>
+              <a:t>第三層</a:t>
+            </a:r>
+          </a:p>
+          <a:p>
+            <a:pPr lvl="3"/>
+            <a:r>
+              <a:rPr lang="zh-TW" altLang="en-US" smtClean="0"/>
+              <a:t>第四層</a:t>
+            </a:r>
+          </a:p>
+          <a:p>
+            <a:pPr lvl="4"/>
+            <a:r>
+              <a:rPr lang="zh-TW" altLang="en-US" smtClean="0"/>
+              <a:t>第五層</a:t>
+            </a:r>
+            <a:endParaRPr lang="zh-TW" altLang="en-US"/>
+          </a:p>
+        </p:txBody>
+      </p:sp>
+      <p:sp>
+        <p:nvSpPr>
+          <p:cNvPr id="4" name="日期版面配置區 3"/>
+          <p:cNvSpPr>
+            <a:spLocks noGrp="1"/>
+          </p:cNvSpPr>
+          <p:nvPr>
+            <p:ph type="dt" sz="half" idx="10"/>
+          </p:nvPr>
+        </p:nvSpPr>
+        <p:spPr/>
+        <p:txBody>
+          <a:bodyPr/>
+          <a:lstStyle/>
+          <a:p>
+            <a:pPr>
+              <a:lnSpc>
+                <a:spcPct val="100000"/>
+              </a:lnSpc>
+            </a:pPr>
+            <a:fld id="{E9C06E7C-0C0B-4290-9871-02759152AC99}" type="datetime">
+              <a:rPr lang="en-US" sz="1200" b="0" strike="noStrike" spc="-1" smtClean="0">
+                <a:solidFill>
+                  <a:srgbClr val="8B8B8B"/>
+                </a:solidFill>
+                <a:latin typeface="Calibri"/>
+              </a:rPr>
+              <a:pPr>
+                <a:lnSpc>
+                  <a:spcPct val="100000"/>
+                </a:lnSpc>
+              </a:pPr>
+              <a:t>1/20/2019</a:t>
+            </a:fld>
+            <a:endParaRPr lang="en-US" sz="1200" b="0" strike="noStrike" spc="-1">
+              <a:latin typeface="Times New Roman"/>
+            </a:endParaRPr>
+          </a:p>
+        </p:txBody>
+      </p:sp>
+      <p:sp>
+        <p:nvSpPr>
+          <p:cNvPr id="5" name="頁尾版面配置區 4"/>
+          <p:cNvSpPr>
+            <a:spLocks noGrp="1"/>
+          </p:cNvSpPr>
+          <p:nvPr>
+            <p:ph type="ftr" sz="quarter" idx="11"/>
+          </p:nvPr>
+        </p:nvSpPr>
+        <p:spPr/>
+        <p:txBody>
+          <a:bodyPr/>
+          <a:lstStyle/>
+          <a:p>
+            <a:endParaRPr lang="en-US" sz="2400" b="0" strike="noStrike" spc="-1">
+              <a:latin typeface="Times New Roman"/>
+            </a:endParaRPr>
+          </a:p>
+        </p:txBody>
+      </p:sp>
+      <p:sp>
+        <p:nvSpPr>
+          <p:cNvPr id="6" name="投影片編號版面配置區 5"/>
+          <p:cNvSpPr>
+            <a:spLocks noGrp="1"/>
+          </p:cNvSpPr>
+          <p:nvPr>
+            <p:ph type="sldNum" sz="quarter" idx="12"/>
+          </p:nvPr>
+        </p:nvSpPr>
+        <p:spPr/>
+        <p:txBody>
+          <a:bodyPr/>
+          <a:lstStyle/>
+          <a:p>
+            <a:pPr algn="r">
+              <a:lnSpc>
+                <a:spcPct val="100000"/>
+              </a:lnSpc>
+            </a:pPr>
+            <a:fld id="{DFD6B7B1-33BC-4836-A157-9CE0BF958B21}" type="slidenum">
+              <a:rPr lang="en-US" sz="1200" b="0" strike="noStrike" spc="-1" smtClean="0">
+                <a:solidFill>
+                  <a:srgbClr val="8B8B8B"/>
+                </a:solidFill>
+                <a:latin typeface="Calibri"/>
+              </a:rPr>
+              <a:pPr algn="r">
+                <a:lnSpc>
+                  <a:spcPct val="100000"/>
+                </a:lnSpc>
+              </a:pPr>
+              <a:t>‹#›</a:t>
+            </a:fld>
+            <a:endParaRPr lang="en-US" sz="1200" b="0" strike="noStrike" spc="-1">
+              <a:latin typeface="Times New Roman"/>
+            </a:endParaRPr>
+          </a:p>
+        </p:txBody>
+      </p:sp>
+    </p:spTree>
+  </p:cSld>
+  <p:clrMapOvr>
+    <a:masterClrMapping/>
+  </p:clrMapOvr>
+</p:sldLayout>
+</file>
+
+<file path=ppt/slideLayouts/slideLayout15.xml><?xml version="1.0" encoding="utf-8"?>
+<p:sldLayout xmlns:a="http://schemas.openxmlformats.org/drawingml/2006/main" xmlns:r="http://schemas.openxmlformats.org/officeDocument/2006/relationships" xmlns:p="http://schemas.openxmlformats.org/presentationml/2006/main" type="secHead" preserve="1">
+  <p:cSld name="區段標題">
+    <p:spTree>
+      <p:nvGrpSpPr>
+        <p:cNvPr id="1" name=""/>
+        <p:cNvGrpSpPr/>
+        <p:nvPr/>
+      </p:nvGrpSpPr>
+      <p:grpSpPr>
+        <a:xfrm>
+          <a:off x="0" y="0"/>
+          <a:ext cx="0" cy="0"/>
+          <a:chOff x="0" y="0"/>
+          <a:chExt cx="0" cy="0"/>
+        </a:xfrm>
+      </p:grpSpPr>
+      <p:sp>
+        <p:nvSpPr>
+          <p:cNvPr id="2" name="標題 1"/>
+          <p:cNvSpPr>
+            <a:spLocks noGrp="1"/>
+          </p:cNvSpPr>
+          <p:nvPr>
+            <p:ph type="title"/>
+          </p:nvPr>
+        </p:nvSpPr>
+        <p:spPr>
+          <a:xfrm>
+            <a:off x="722313" y="4406900"/>
+            <a:ext cx="7772400" cy="1362075"/>
+          </a:xfrm>
+        </p:spPr>
+        <p:txBody>
+          <a:bodyPr anchor="t"/>
+          <a:lstStyle>
+            <a:lvl1pPr algn="l">
+              <a:defRPr sz="4000" b="1" cap="all"/>
+            </a:lvl1pPr>
+          </a:lstStyle>
+          <a:p>
+            <a:r>
+              <a:rPr lang="zh-TW" altLang="en-US" smtClean="0"/>
+              <a:t>按一下以編輯母片標題樣式</a:t>
+            </a:r>
+            <a:endParaRPr lang="zh-TW" altLang="en-US"/>
+          </a:p>
+        </p:txBody>
+      </p:sp>
+      <p:sp>
+        <p:nvSpPr>
+          <p:cNvPr id="3" name="文字版面配置區 2"/>
+          <p:cNvSpPr>
+            <a:spLocks noGrp="1"/>
+          </p:cNvSpPr>
+          <p:nvPr>
+            <p:ph type="body" idx="1"/>
+          </p:nvPr>
+        </p:nvSpPr>
+        <p:spPr>
+          <a:xfrm>
+            <a:off x="722313" y="2906713"/>
+            <a:ext cx="7772400" cy="1500187"/>
+          </a:xfrm>
+        </p:spPr>
+        <p:txBody>
+          <a:bodyPr anchor="b"/>
+          <a:lstStyle>
+            <a:lvl1pPr marL="0" indent="0">
+              <a:buNone/>
+              <a:defRPr sz="2000">
+                <a:solidFill>
+                  <a:schemeClr val="tx1">
+                    <a:tint val="75000"/>
+                  </a:schemeClr>
+                </a:solidFill>
+              </a:defRPr>
+            </a:lvl1pPr>
+            <a:lvl2pPr marL="457200" indent="0">
+              <a:buNone/>
+              <a:defRPr sz="1800">
+                <a:solidFill>
+                  <a:schemeClr val="tx1">
+                    <a:tint val="75000"/>
+                  </a:schemeClr>
+                </a:solidFill>
+              </a:defRPr>
+            </a:lvl2pPr>
+            <a:lvl3pPr marL="914400" indent="0">
+              <a:buNone/>
+              <a:defRPr sz="1600">
+                <a:solidFill>
+                  <a:schemeClr val="tx1">
+                    <a:tint val="75000"/>
+                  </a:schemeClr>
+                </a:solidFill>
+              </a:defRPr>
+            </a:lvl3pPr>
+            <a:lvl4pPr marL="1371600" indent="0">
+              <a:buNone/>
+              <a:defRPr sz="1400">
+                <a:solidFill>
+                  <a:schemeClr val="tx1">
+                    <a:tint val="75000"/>
+                  </a:schemeClr>
+                </a:solidFill>
+              </a:defRPr>
+            </a:lvl4pPr>
+            <a:lvl5pPr marL="1828800" indent="0">
+              <a:buNone/>
+              <a:defRPr sz="1400">
+                <a:solidFill>
+                  <a:schemeClr val="tx1">
+                    <a:tint val="75000"/>
+                  </a:schemeClr>
+                </a:solidFill>
+              </a:defRPr>
+            </a:lvl5pPr>
+            <a:lvl6pPr marL="2286000" indent="0">
+              <a:buNone/>
+              <a:defRPr sz="1400">
+                <a:solidFill>
+                  <a:schemeClr val="tx1">
+                    <a:tint val="75000"/>
+                  </a:schemeClr>
+                </a:solidFill>
+              </a:defRPr>
+            </a:lvl6pPr>
+            <a:lvl7pPr marL="2743200" indent="0">
+              <a:buNone/>
+              <a:defRPr sz="1400">
+                <a:solidFill>
+                  <a:schemeClr val="tx1">
+                    <a:tint val="75000"/>
+                  </a:schemeClr>
+                </a:solidFill>
+              </a:defRPr>
+            </a:lvl7pPr>
+            <a:lvl8pPr marL="3200400" indent="0">
+              <a:buNone/>
+              <a:defRPr sz="1400">
+                <a:solidFill>
+                  <a:schemeClr val="tx1">
+                    <a:tint val="75000"/>
+                  </a:schemeClr>
+                </a:solidFill>
+              </a:defRPr>
+            </a:lvl8pPr>
+            <a:lvl9pPr marL="3657600" indent="0">
+              <a:buNone/>
+              <a:defRPr sz="1400">
+                <a:solidFill>
+                  <a:schemeClr val="tx1">
+                    <a:tint val="75000"/>
+                  </a:schemeClr>
+                </a:solidFill>
+              </a:defRPr>
+            </a:lvl9pPr>
+          </a:lstStyle>
+          <a:p>
+            <a:pPr lvl="0"/>
+            <a:r>
+              <a:rPr lang="zh-TW" altLang="en-US" smtClean="0"/>
+              <a:t>按一下以編輯母片文字樣式</a:t>
+            </a:r>
+          </a:p>
+        </p:txBody>
+      </p:sp>
+      <p:sp>
+        <p:nvSpPr>
+          <p:cNvPr id="4" name="日期版面配置區 3"/>
+          <p:cNvSpPr>
+            <a:spLocks noGrp="1"/>
+          </p:cNvSpPr>
+          <p:nvPr>
+            <p:ph type="dt" sz="half" idx="10"/>
+          </p:nvPr>
+        </p:nvSpPr>
+        <p:spPr/>
+        <p:txBody>
+          <a:bodyPr/>
+          <a:lstStyle/>
+          <a:p>
+            <a:pPr>
+              <a:lnSpc>
+                <a:spcPct val="100000"/>
+              </a:lnSpc>
+            </a:pPr>
+            <a:fld id="{E9C06E7C-0C0B-4290-9871-02759152AC99}" type="datetime">
+              <a:rPr lang="en-US" sz="1200" b="0" strike="noStrike" spc="-1" smtClean="0">
+                <a:solidFill>
+                  <a:srgbClr val="8B8B8B"/>
+                </a:solidFill>
+                <a:latin typeface="Calibri"/>
+              </a:rPr>
+              <a:pPr>
+                <a:lnSpc>
+                  <a:spcPct val="100000"/>
+                </a:lnSpc>
+              </a:pPr>
+              <a:t>1/20/2019</a:t>
+            </a:fld>
+            <a:endParaRPr lang="en-US" sz="1200" b="0" strike="noStrike" spc="-1">
+              <a:latin typeface="Times New Roman"/>
+            </a:endParaRPr>
+          </a:p>
+        </p:txBody>
+      </p:sp>
+      <p:sp>
+        <p:nvSpPr>
+          <p:cNvPr id="5" name="頁尾版面配置區 4"/>
+          <p:cNvSpPr>
+            <a:spLocks noGrp="1"/>
+          </p:cNvSpPr>
+          <p:nvPr>
+            <p:ph type="ftr" sz="quarter" idx="11"/>
+          </p:nvPr>
+        </p:nvSpPr>
+        <p:spPr/>
+        <p:txBody>
+          <a:bodyPr/>
+          <a:lstStyle/>
+          <a:p>
+            <a:endParaRPr lang="en-US" sz="2400" b="0" strike="noStrike" spc="-1">
+              <a:latin typeface="Times New Roman"/>
+            </a:endParaRPr>
+          </a:p>
+        </p:txBody>
+      </p:sp>
+      <p:sp>
+        <p:nvSpPr>
+          <p:cNvPr id="6" name="投影片編號版面配置區 5"/>
+          <p:cNvSpPr>
+            <a:spLocks noGrp="1"/>
+          </p:cNvSpPr>
+          <p:nvPr>
+            <p:ph type="sldNum" sz="quarter" idx="12"/>
+          </p:nvPr>
+        </p:nvSpPr>
+        <p:spPr/>
+        <p:txBody>
+          <a:bodyPr/>
+          <a:lstStyle/>
+          <a:p>
+            <a:pPr algn="r">
+              <a:lnSpc>
+                <a:spcPct val="100000"/>
+              </a:lnSpc>
+            </a:pPr>
+            <a:fld id="{DFD6B7B1-33BC-4836-A157-9CE0BF958B21}" type="slidenum">
+              <a:rPr lang="en-US" sz="1200" b="0" strike="noStrike" spc="-1" smtClean="0">
+                <a:solidFill>
+                  <a:srgbClr val="8B8B8B"/>
+                </a:solidFill>
+                <a:latin typeface="Calibri"/>
+              </a:rPr>
+              <a:pPr algn="r">
+                <a:lnSpc>
+                  <a:spcPct val="100000"/>
+                </a:lnSpc>
+              </a:pPr>
+              <a:t>‹#›</a:t>
+            </a:fld>
+            <a:endParaRPr lang="en-US" sz="1200" b="0" strike="noStrike" spc="-1">
+              <a:latin typeface="Times New Roman"/>
+            </a:endParaRPr>
+          </a:p>
+        </p:txBody>
+      </p:sp>
+    </p:spTree>
+  </p:cSld>
+  <p:clrMapOvr>
+    <a:masterClrMapping/>
+  </p:clrMapOvr>
+</p:sldLayout>
+</file>
+
+<file path=ppt/slideLayouts/slideLayout16.xml><?xml version="1.0" encoding="utf-8"?>
+<p:sldLayout xmlns:a="http://schemas.openxmlformats.org/drawingml/2006/main" xmlns:r="http://schemas.openxmlformats.org/officeDocument/2006/relationships" xmlns:p="http://schemas.openxmlformats.org/presentationml/2006/main" type="twoObj" preserve="1">
+  <p:cSld name="兩項物件">
+    <p:spTree>
+      <p:nvGrpSpPr>
+        <p:cNvPr id="1" name=""/>
+        <p:cNvGrpSpPr/>
+        <p:nvPr/>
+      </p:nvGrpSpPr>
+      <p:grpSpPr>
+        <a:xfrm>
+          <a:off x="0" y="0"/>
+          <a:ext cx="0" cy="0"/>
+          <a:chOff x="0" y="0"/>
+          <a:chExt cx="0" cy="0"/>
+        </a:xfrm>
+      </p:grpSpPr>
+      <p:sp>
+        <p:nvSpPr>
+          <p:cNvPr id="2" name="標題 1"/>
+          <p:cNvSpPr>
+            <a:spLocks noGrp="1"/>
+          </p:cNvSpPr>
+          <p:nvPr>
+            <p:ph type="title"/>
+          </p:nvPr>
+        </p:nvSpPr>
+        <p:spPr/>
+        <p:txBody>
+          <a:bodyPr/>
+          <a:lstStyle/>
+          <a:p>
+            <a:r>
+              <a:rPr lang="zh-TW" altLang="en-US" smtClean="0"/>
+              <a:t>按一下以編輯母片標題樣式</a:t>
+            </a:r>
+            <a:endParaRPr lang="zh-TW" altLang="en-US"/>
+          </a:p>
+        </p:txBody>
+      </p:sp>
+      <p:sp>
+        <p:nvSpPr>
+          <p:cNvPr id="3" name="內容版面配置區 2"/>
+          <p:cNvSpPr>
+            <a:spLocks noGrp="1"/>
+          </p:cNvSpPr>
+          <p:nvPr>
+            <p:ph sz="half" idx="1"/>
+          </p:nvPr>
+        </p:nvSpPr>
+        <p:spPr>
+          <a:xfrm>
+            <a:off x="457200" y="1600200"/>
+            <a:ext cx="4038600" cy="4525963"/>
+          </a:xfrm>
+        </p:spPr>
+        <p:txBody>
+          <a:bodyPr/>
+          <a:lstStyle>
+            <a:lvl1pPr>
+              <a:defRPr sz="2800"/>
+            </a:lvl1pPr>
+            <a:lvl2pPr>
+              <a:defRPr sz="2400"/>
+            </a:lvl2pPr>
+            <a:lvl3pPr>
+              <a:defRPr sz="2000"/>
+            </a:lvl3pPr>
+            <a:lvl4pPr>
+              <a:defRPr sz="1800"/>
+            </a:lvl4pPr>
+            <a:lvl5pPr>
+              <a:defRPr sz="1800"/>
+            </a:lvl5pPr>
+            <a:lvl6pPr>
+              <a:defRPr sz="1800"/>
+            </a:lvl6pPr>
+            <a:lvl7pPr>
+              <a:defRPr sz="1800"/>
+            </a:lvl7pPr>
+            <a:lvl8pPr>
+              <a:defRPr sz="1800"/>
+            </a:lvl8pPr>
+            <a:lvl9pPr>
+              <a:defRPr sz="1800"/>
+            </a:lvl9pPr>
+          </a:lstStyle>
+          <a:p>
+            <a:pPr lvl="0"/>
+            <a:r>
+              <a:rPr lang="zh-TW" altLang="en-US" smtClean="0"/>
+              <a:t>按一下以編輯母片文字樣式</a:t>
+            </a:r>
+          </a:p>
+          <a:p>
+            <a:pPr lvl="1"/>
+            <a:r>
+              <a:rPr lang="zh-TW" altLang="en-US" smtClean="0"/>
+              <a:t>第二層</a:t>
+            </a:r>
+          </a:p>
+          <a:p>
+            <a:pPr lvl="2"/>
+            <a:r>
+              <a:rPr lang="zh-TW" altLang="en-US" smtClean="0"/>
+              <a:t>第三層</a:t>
+            </a:r>
+          </a:p>
+          <a:p>
+            <a:pPr lvl="3"/>
+            <a:r>
+              <a:rPr lang="zh-TW" altLang="en-US" smtClean="0"/>
+              <a:t>第四層</a:t>
+            </a:r>
+          </a:p>
+          <a:p>
+            <a:pPr lvl="4"/>
+            <a:r>
+              <a:rPr lang="zh-TW" altLang="en-US" smtClean="0"/>
+              <a:t>第五層</a:t>
+            </a:r>
+            <a:endParaRPr lang="zh-TW" altLang="en-US"/>
+          </a:p>
+        </p:txBody>
+      </p:sp>
+      <p:sp>
+        <p:nvSpPr>
+          <p:cNvPr id="4" name="內容版面配置區 3"/>
+          <p:cNvSpPr>
+            <a:spLocks noGrp="1"/>
+          </p:cNvSpPr>
+          <p:nvPr>
+            <p:ph sz="half" idx="2"/>
+          </p:nvPr>
+        </p:nvSpPr>
+        <p:spPr>
+          <a:xfrm>
+            <a:off x="4648200" y="1600200"/>
+            <a:ext cx="4038600" cy="4525963"/>
+          </a:xfrm>
+        </p:spPr>
+        <p:txBody>
+          <a:bodyPr/>
+          <a:lstStyle>
+            <a:lvl1pPr>
+              <a:defRPr sz="2800"/>
+            </a:lvl1pPr>
+            <a:lvl2pPr>
+              <a:defRPr sz="2400"/>
+            </a:lvl2pPr>
+            <a:lvl3pPr>
+              <a:defRPr sz="2000"/>
+            </a:lvl3pPr>
+            <a:lvl4pPr>
+              <a:defRPr sz="1800"/>
+            </a:lvl4pPr>
+            <a:lvl5pPr>
+              <a:defRPr sz="1800"/>
+            </a:lvl5pPr>
+            <a:lvl6pPr>
+              <a:defRPr sz="1800"/>
+            </a:lvl6pPr>
+            <a:lvl7pPr>
+              <a:defRPr sz="1800"/>
+            </a:lvl7pPr>
+            <a:lvl8pPr>
+              <a:defRPr sz="1800"/>
+            </a:lvl8pPr>
+            <a:lvl9pPr>
+              <a:defRPr sz="1800"/>
+            </a:lvl9pPr>
+          </a:lstStyle>
+          <a:p>
+            <a:pPr lvl="0"/>
+            <a:r>
+              <a:rPr lang="zh-TW" altLang="en-US" smtClean="0"/>
+              <a:t>按一下以編輯母片文字樣式</a:t>
+            </a:r>
+          </a:p>
+          <a:p>
+            <a:pPr lvl="1"/>
+            <a:r>
+              <a:rPr lang="zh-TW" altLang="en-US" smtClean="0"/>
+              <a:t>第二層</a:t>
+            </a:r>
+          </a:p>
+          <a:p>
+            <a:pPr lvl="2"/>
+            <a:r>
+              <a:rPr lang="zh-TW" altLang="en-US" smtClean="0"/>
+              <a:t>第三層</a:t>
+            </a:r>
+          </a:p>
+          <a:p>
+            <a:pPr lvl="3"/>
+            <a:r>
+              <a:rPr lang="zh-TW" altLang="en-US" smtClean="0"/>
+              <a:t>第四層</a:t>
+            </a:r>
+          </a:p>
+          <a:p>
+            <a:pPr lvl="4"/>
+            <a:r>
+              <a:rPr lang="zh-TW" altLang="en-US" smtClean="0"/>
+              <a:t>第五層</a:t>
+            </a:r>
+            <a:endParaRPr lang="zh-TW" altLang="en-US"/>
+          </a:p>
+        </p:txBody>
+      </p:sp>
+      <p:sp>
+        <p:nvSpPr>
+          <p:cNvPr id="5" name="日期版面配置區 4"/>
+          <p:cNvSpPr>
+            <a:spLocks noGrp="1"/>
+          </p:cNvSpPr>
+          <p:nvPr>
+            <p:ph type="dt" sz="half" idx="10"/>
+          </p:nvPr>
+        </p:nvSpPr>
+        <p:spPr/>
+        <p:txBody>
+          <a:bodyPr/>
+          <a:lstStyle/>
+          <a:p>
+            <a:pPr>
+              <a:lnSpc>
+                <a:spcPct val="100000"/>
+              </a:lnSpc>
+            </a:pPr>
+            <a:fld id="{E9C06E7C-0C0B-4290-9871-02759152AC99}" type="datetime">
+              <a:rPr lang="en-US" sz="1200" b="0" strike="noStrike" spc="-1" smtClean="0">
+                <a:solidFill>
+                  <a:srgbClr val="8B8B8B"/>
+                </a:solidFill>
+                <a:latin typeface="Calibri"/>
+              </a:rPr>
+              <a:pPr>
+                <a:lnSpc>
+                  <a:spcPct val="100000"/>
+                </a:lnSpc>
+              </a:pPr>
+              <a:t>1/20/2019</a:t>
+            </a:fld>
+            <a:endParaRPr lang="en-US" sz="1200" b="0" strike="noStrike" spc="-1">
+              <a:latin typeface="Times New Roman"/>
+            </a:endParaRPr>
+          </a:p>
+        </p:txBody>
+      </p:sp>
+      <p:sp>
+        <p:nvSpPr>
+          <p:cNvPr id="6" name="頁尾版面配置區 5"/>
+          <p:cNvSpPr>
+            <a:spLocks noGrp="1"/>
+          </p:cNvSpPr>
+          <p:nvPr>
+            <p:ph type="ftr" sz="quarter" idx="11"/>
+          </p:nvPr>
+        </p:nvSpPr>
+        <p:spPr/>
+        <p:txBody>
+          <a:bodyPr/>
+          <a:lstStyle/>
+          <a:p>
+            <a:endParaRPr lang="en-US" sz="2400" b="0" strike="noStrike" spc="-1">
+              <a:latin typeface="Times New Roman"/>
+            </a:endParaRPr>
+          </a:p>
+        </p:txBody>
+      </p:sp>
+      <p:sp>
+        <p:nvSpPr>
+          <p:cNvPr id="7" name="投影片編號版面配置區 6"/>
+          <p:cNvSpPr>
+            <a:spLocks noGrp="1"/>
+          </p:cNvSpPr>
+          <p:nvPr>
+            <p:ph type="sldNum" sz="quarter" idx="12"/>
+          </p:nvPr>
+        </p:nvSpPr>
+        <p:spPr/>
+        <p:txBody>
+          <a:bodyPr/>
+          <a:lstStyle/>
+          <a:p>
+            <a:pPr algn="r">
+              <a:lnSpc>
+                <a:spcPct val="100000"/>
+              </a:lnSpc>
+            </a:pPr>
+            <a:fld id="{DFD6B7B1-33BC-4836-A157-9CE0BF958B21}" type="slidenum">
+              <a:rPr lang="en-US" sz="1200" b="0" strike="noStrike" spc="-1" smtClean="0">
+                <a:solidFill>
+                  <a:srgbClr val="8B8B8B"/>
+                </a:solidFill>
+                <a:latin typeface="Calibri"/>
+              </a:rPr>
+              <a:pPr algn="r">
+                <a:lnSpc>
+                  <a:spcPct val="100000"/>
+                </a:lnSpc>
+              </a:pPr>
+              <a:t>‹#›</a:t>
+            </a:fld>
+            <a:endParaRPr lang="en-US" sz="1200" b="0" strike="noStrike" spc="-1">
+              <a:latin typeface="Times New Roman"/>
+            </a:endParaRPr>
+          </a:p>
+        </p:txBody>
+      </p:sp>
+    </p:spTree>
+  </p:cSld>
+  <p:clrMapOvr>
+    <a:masterClrMapping/>
+  </p:clrMapOvr>
+</p:sldLayout>
+</file>
+
+<file path=ppt/slideLayouts/slideLayout17.xml><?xml version="1.0" encoding="utf-8"?>
+<p:sldLayout xmlns:a="http://schemas.openxmlformats.org/drawingml/2006/main" xmlns:r="http://schemas.openxmlformats.org/officeDocument/2006/relationships" xmlns:p="http://schemas.openxmlformats.org/presentationml/2006/main" type="twoTxTwoObj" preserve="1">
+  <p:cSld name="比對">
+    <p:spTree>
+      <p:nvGrpSpPr>
+        <p:cNvPr id="1" name=""/>
+        <p:cNvGrpSpPr/>
+        <p:nvPr/>
+      </p:nvGrpSpPr>
+      <p:grpSpPr>
+        <a:xfrm>
+          <a:off x="0" y="0"/>
+          <a:ext cx="0" cy="0"/>
+          <a:chOff x="0" y="0"/>
+          <a:chExt cx="0" cy="0"/>
+        </a:xfrm>
+      </p:grpSpPr>
+      <p:sp>
+        <p:nvSpPr>
+          <p:cNvPr id="2" name="標題 1"/>
+          <p:cNvSpPr>
+            <a:spLocks noGrp="1"/>
+          </p:cNvSpPr>
+          <p:nvPr>
+            <p:ph type="title"/>
+          </p:nvPr>
+        </p:nvSpPr>
+        <p:spPr/>
+        <p:txBody>
+          <a:bodyPr/>
+          <a:lstStyle>
+            <a:lvl1pPr>
+              <a:defRPr/>
+            </a:lvl1pPr>
+          </a:lstStyle>
+          <a:p>
+            <a:r>
+              <a:rPr lang="zh-TW" altLang="en-US" smtClean="0"/>
+              <a:t>按一下以編輯母片標題樣式</a:t>
+            </a:r>
+            <a:endParaRPr lang="zh-TW" altLang="en-US"/>
+          </a:p>
+        </p:txBody>
+      </p:sp>
+      <p:sp>
+        <p:nvSpPr>
+          <p:cNvPr id="3" name="文字版面配置區 2"/>
+          <p:cNvSpPr>
+            <a:spLocks noGrp="1"/>
+          </p:cNvSpPr>
+          <p:nvPr>
+            <p:ph type="body" idx="1"/>
+          </p:nvPr>
+        </p:nvSpPr>
+        <p:spPr>
+          <a:xfrm>
+            <a:off x="457200" y="1535113"/>
+            <a:ext cx="4040188" cy="639762"/>
+          </a:xfrm>
+        </p:spPr>
+        <p:txBody>
+          <a:bodyPr anchor="b"/>
+          <a:lstStyle>
+            <a:lvl1pPr marL="0" indent="0">
+              <a:buNone/>
+              <a:defRPr sz="2400" b="1"/>
+            </a:lvl1pPr>
+            <a:lvl2pPr marL="457200" indent="0">
+              <a:buNone/>
+              <a:defRPr sz="2000" b="1"/>
+            </a:lvl2pPr>
+            <a:lvl3pPr marL="914400" indent="0">
+              <a:buNone/>
+              <a:defRPr sz="1800" b="1"/>
+            </a:lvl3pPr>
+            <a:lvl4pPr marL="1371600" indent="0">
+              <a:buNone/>
+              <a:defRPr sz="1600" b="1"/>
+            </a:lvl4pPr>
+            <a:lvl5pPr marL="1828800" indent="0">
+              <a:buNone/>
+              <a:defRPr sz="1600" b="1"/>
+            </a:lvl5pPr>
+            <a:lvl6pPr marL="2286000" indent="0">
+              <a:buNone/>
+              <a:defRPr sz="1600" b="1"/>
+            </a:lvl6pPr>
+            <a:lvl7pPr marL="2743200" indent="0">
+              <a:buNone/>
+              <a:defRPr sz="1600" b="1"/>
+            </a:lvl7pPr>
+            <a:lvl8pPr marL="3200400" indent="0">
+              <a:buNone/>
+              <a:defRPr sz="1600" b="1"/>
+            </a:lvl8pPr>
+            <a:lvl9pPr marL="3657600" indent="0">
+              <a:buNone/>
+              <a:defRPr sz="1600" b="1"/>
+            </a:lvl9pPr>
+          </a:lstStyle>
+          <a:p>
+            <a:pPr lvl="0"/>
+            <a:r>
+              <a:rPr lang="zh-TW" altLang="en-US" smtClean="0"/>
+              <a:t>按一下以編輯母片文字樣式</a:t>
+            </a:r>
+          </a:p>
+        </p:txBody>
+      </p:sp>
+      <p:sp>
+        <p:nvSpPr>
+          <p:cNvPr id="4" name="內容版面配置區 3"/>
+          <p:cNvSpPr>
+            <a:spLocks noGrp="1"/>
+          </p:cNvSpPr>
+          <p:nvPr>
+            <p:ph sz="half" idx="2"/>
+          </p:nvPr>
+        </p:nvSpPr>
+        <p:spPr>
+          <a:xfrm>
+            <a:off x="457200" y="2174875"/>
+            <a:ext cx="4040188" cy="3951288"/>
+          </a:xfrm>
+        </p:spPr>
+        <p:txBody>
+          <a:bodyPr/>
+          <a:lstStyle>
+            <a:lvl1pPr>
+              <a:defRPr sz="2400"/>
+            </a:lvl1pPr>
+            <a:lvl2pPr>
+              <a:defRPr sz="2000"/>
+            </a:lvl2pPr>
+            <a:lvl3pPr>
+              <a:defRPr sz="1800"/>
+            </a:lvl3pPr>
+            <a:lvl4pPr>
+              <a:defRPr sz="1600"/>
+            </a:lvl4pPr>
+            <a:lvl5pPr>
+              <a:defRPr sz="1600"/>
+            </a:lvl5pPr>
+            <a:lvl6pPr>
+              <a:defRPr sz="1600"/>
+            </a:lvl6pPr>
+            <a:lvl7pPr>
+              <a:defRPr sz="1600"/>
+            </a:lvl7pPr>
+            <a:lvl8pPr>
+              <a:defRPr sz="1600"/>
+            </a:lvl8pPr>
+            <a:lvl9pPr>
+              <a:defRPr sz="1600"/>
+            </a:lvl9pPr>
+          </a:lstStyle>
+          <a:p>
+            <a:pPr lvl="0"/>
+            <a:r>
+              <a:rPr lang="zh-TW" altLang="en-US" smtClean="0"/>
+              <a:t>按一下以編輯母片文字樣式</a:t>
+            </a:r>
+          </a:p>
+          <a:p>
+            <a:pPr lvl="1"/>
+            <a:r>
+              <a:rPr lang="zh-TW" altLang="en-US" smtClean="0"/>
+              <a:t>第二層</a:t>
+            </a:r>
+          </a:p>
+          <a:p>
+            <a:pPr lvl="2"/>
+            <a:r>
+              <a:rPr lang="zh-TW" altLang="en-US" smtClean="0"/>
+              <a:t>第三層</a:t>
+            </a:r>
+          </a:p>
+          <a:p>
+            <a:pPr lvl="3"/>
+            <a:r>
+              <a:rPr lang="zh-TW" altLang="en-US" smtClean="0"/>
+              <a:t>第四層</a:t>
+            </a:r>
+          </a:p>
+          <a:p>
+            <a:pPr lvl="4"/>
+            <a:r>
+              <a:rPr lang="zh-TW" altLang="en-US" smtClean="0"/>
+              <a:t>第五層</a:t>
+            </a:r>
+            <a:endParaRPr lang="zh-TW" altLang="en-US"/>
+          </a:p>
+        </p:txBody>
+      </p:sp>
+      <p:sp>
+        <p:nvSpPr>
+          <p:cNvPr id="5" name="文字版面配置區 4"/>
+          <p:cNvSpPr>
+            <a:spLocks noGrp="1"/>
+          </p:cNvSpPr>
+          <p:nvPr>
+            <p:ph type="body" sz="quarter" idx="3"/>
+          </p:nvPr>
+        </p:nvSpPr>
+        <p:spPr>
+          <a:xfrm>
+            <a:off x="4645025" y="1535113"/>
+            <a:ext cx="4041775" cy="639762"/>
+          </a:xfrm>
+        </p:spPr>
+        <p:txBody>
+          <a:bodyPr anchor="b"/>
+          <a:lstStyle>
+            <a:lvl1pPr marL="0" indent="0">
+              <a:buNone/>
+              <a:defRPr sz="2400" b="1"/>
+            </a:lvl1pPr>
+            <a:lvl2pPr marL="457200" indent="0">
+              <a:buNone/>
+              <a:defRPr sz="2000" b="1"/>
+            </a:lvl2pPr>
+            <a:lvl3pPr marL="914400" indent="0">
+              <a:buNone/>
+              <a:defRPr sz="1800" b="1"/>
+            </a:lvl3pPr>
+            <a:lvl4pPr marL="1371600" indent="0">
+              <a:buNone/>
+              <a:defRPr sz="1600" b="1"/>
+            </a:lvl4pPr>
+            <a:lvl5pPr marL="1828800" indent="0">
+              <a:buNone/>
+              <a:defRPr sz="1600" b="1"/>
+            </a:lvl5pPr>
+            <a:lvl6pPr marL="2286000" indent="0">
+              <a:buNone/>
+              <a:defRPr sz="1600" b="1"/>
+            </a:lvl6pPr>
+            <a:lvl7pPr marL="2743200" indent="0">
+              <a:buNone/>
+              <a:defRPr sz="1600" b="1"/>
+            </a:lvl7pPr>
+            <a:lvl8pPr marL="3200400" indent="0">
+              <a:buNone/>
+              <a:defRPr sz="1600" b="1"/>
+            </a:lvl8pPr>
+            <a:lvl9pPr marL="3657600" indent="0">
+              <a:buNone/>
+              <a:defRPr sz="1600" b="1"/>
+            </a:lvl9pPr>
+          </a:lstStyle>
+          <a:p>
+            <a:pPr lvl="0"/>
+            <a:r>
+              <a:rPr lang="zh-TW" altLang="en-US" smtClean="0"/>
+              <a:t>按一下以編輯母片文字樣式</a:t>
+            </a:r>
+          </a:p>
+        </p:txBody>
+      </p:sp>
+      <p:sp>
+        <p:nvSpPr>
+          <p:cNvPr id="6" name="內容版面配置區 5"/>
+          <p:cNvSpPr>
+            <a:spLocks noGrp="1"/>
+          </p:cNvSpPr>
+          <p:nvPr>
+            <p:ph sz="quarter" idx="4"/>
+          </p:nvPr>
+        </p:nvSpPr>
+        <p:spPr>
+          <a:xfrm>
+            <a:off x="4645025" y="2174875"/>
+            <a:ext cx="4041775" cy="3951288"/>
+          </a:xfrm>
+        </p:spPr>
+        <p:txBody>
+          <a:bodyPr/>
+          <a:lstStyle>
+            <a:lvl1pPr>
+              <a:defRPr sz="2400"/>
+            </a:lvl1pPr>
+            <a:lvl2pPr>
+              <a:defRPr sz="2000"/>
+            </a:lvl2pPr>
+            <a:lvl3pPr>
+              <a:defRPr sz="1800"/>
+            </a:lvl3pPr>
+            <a:lvl4pPr>
+              <a:defRPr sz="1600"/>
+            </a:lvl4pPr>
+            <a:lvl5pPr>
+              <a:defRPr sz="1600"/>
+            </a:lvl5pPr>
+            <a:lvl6pPr>
+              <a:defRPr sz="1600"/>
+            </a:lvl6pPr>
+            <a:lvl7pPr>
+              <a:defRPr sz="1600"/>
+            </a:lvl7pPr>
+            <a:lvl8pPr>
+              <a:defRPr sz="1600"/>
+            </a:lvl8pPr>
+            <a:lvl9pPr>
+              <a:defRPr sz="1600"/>
+            </a:lvl9pPr>
+          </a:lstStyle>
+          <a:p>
+            <a:pPr lvl="0"/>
+            <a:r>
+              <a:rPr lang="zh-TW" altLang="en-US" smtClean="0"/>
+              <a:t>按一下以編輯母片文字樣式</a:t>
+            </a:r>
+          </a:p>
+          <a:p>
+            <a:pPr lvl="1"/>
+            <a:r>
+              <a:rPr lang="zh-TW" altLang="en-US" smtClean="0"/>
+              <a:t>第二層</a:t>
+            </a:r>
+          </a:p>
+          <a:p>
+            <a:pPr lvl="2"/>
+            <a:r>
+              <a:rPr lang="zh-TW" altLang="en-US" smtClean="0"/>
+              <a:t>第三層</a:t>
+            </a:r>
+          </a:p>
+          <a:p>
+            <a:pPr lvl="3"/>
+            <a:r>
+              <a:rPr lang="zh-TW" altLang="en-US" smtClean="0"/>
+              <a:t>第四層</a:t>
+            </a:r>
+          </a:p>
+          <a:p>
+            <a:pPr lvl="4"/>
+            <a:r>
+              <a:rPr lang="zh-TW" altLang="en-US" smtClean="0"/>
+              <a:t>第五層</a:t>
+            </a:r>
+            <a:endParaRPr lang="zh-TW" altLang="en-US"/>
+          </a:p>
+        </p:txBody>
+      </p:sp>
+      <p:sp>
+        <p:nvSpPr>
+          <p:cNvPr id="7" name="日期版面配置區 6"/>
+          <p:cNvSpPr>
+            <a:spLocks noGrp="1"/>
+          </p:cNvSpPr>
+          <p:nvPr>
+            <p:ph type="dt" sz="half" idx="10"/>
+          </p:nvPr>
+        </p:nvSpPr>
+        <p:spPr/>
+        <p:txBody>
+          <a:bodyPr/>
+          <a:lstStyle/>
+          <a:p>
+            <a:pPr>
+              <a:lnSpc>
+                <a:spcPct val="100000"/>
+              </a:lnSpc>
+            </a:pPr>
+            <a:fld id="{E9C06E7C-0C0B-4290-9871-02759152AC99}" type="datetime">
+              <a:rPr lang="en-US" sz="1200" b="0" strike="noStrike" spc="-1" smtClean="0">
+                <a:solidFill>
+                  <a:srgbClr val="8B8B8B"/>
+                </a:solidFill>
+                <a:latin typeface="Calibri"/>
+              </a:rPr>
+              <a:pPr>
+                <a:lnSpc>
+                  <a:spcPct val="100000"/>
+                </a:lnSpc>
+              </a:pPr>
+              <a:t>1/20/2019</a:t>
+            </a:fld>
+            <a:endParaRPr lang="en-US" sz="1200" b="0" strike="noStrike" spc="-1">
+              <a:latin typeface="Times New Roman"/>
+            </a:endParaRPr>
+          </a:p>
+        </p:txBody>
+      </p:sp>
+      <p:sp>
+        <p:nvSpPr>
+          <p:cNvPr id="8" name="頁尾版面配置區 7"/>
+          <p:cNvSpPr>
+            <a:spLocks noGrp="1"/>
+          </p:cNvSpPr>
+          <p:nvPr>
+            <p:ph type="ftr" sz="quarter" idx="11"/>
+          </p:nvPr>
+        </p:nvSpPr>
+        <p:spPr/>
+        <p:txBody>
+          <a:bodyPr/>
+          <a:lstStyle/>
+          <a:p>
+            <a:endParaRPr lang="en-US" sz="2400" b="0" strike="noStrike" spc="-1">
+              <a:latin typeface="Times New Roman"/>
+            </a:endParaRPr>
+          </a:p>
+        </p:txBody>
+      </p:sp>
+      <p:sp>
+        <p:nvSpPr>
+          <p:cNvPr id="9" name="投影片編號版面配置區 8"/>
+          <p:cNvSpPr>
+            <a:spLocks noGrp="1"/>
+          </p:cNvSpPr>
+          <p:nvPr>
+            <p:ph type="sldNum" sz="quarter" idx="12"/>
+          </p:nvPr>
+        </p:nvSpPr>
+        <p:spPr/>
+        <p:txBody>
+          <a:bodyPr/>
+          <a:lstStyle/>
+          <a:p>
+            <a:pPr algn="r">
+              <a:lnSpc>
+                <a:spcPct val="100000"/>
+              </a:lnSpc>
+            </a:pPr>
+            <a:fld id="{DFD6B7B1-33BC-4836-A157-9CE0BF958B21}" type="slidenum">
+              <a:rPr lang="en-US" sz="1200" b="0" strike="noStrike" spc="-1" smtClean="0">
+                <a:solidFill>
+                  <a:srgbClr val="8B8B8B"/>
+                </a:solidFill>
+                <a:latin typeface="Calibri"/>
+              </a:rPr>
+              <a:pPr algn="r">
+                <a:lnSpc>
+                  <a:spcPct val="100000"/>
+                </a:lnSpc>
+              </a:pPr>
+              <a:t>‹#›</a:t>
+            </a:fld>
+            <a:endParaRPr lang="en-US" sz="1200" b="0" strike="noStrike" spc="-1">
+              <a:latin typeface="Times New Roman"/>
+            </a:endParaRPr>
+          </a:p>
+        </p:txBody>
+      </p:sp>
+    </p:spTree>
+  </p:cSld>
+  <p:clrMapOvr>
+    <a:masterClrMapping/>
+  </p:clrMapOvr>
+</p:sldLayout>
+</file>
+
+<file path=ppt/slideLayouts/slideLayout18.xml><?xml version="1.0" encoding="utf-8"?>
+<p:sldLayout xmlns:a="http://schemas.openxmlformats.org/drawingml/2006/main" xmlns:r="http://schemas.openxmlformats.org/officeDocument/2006/relationships" xmlns:p="http://schemas.openxmlformats.org/presentationml/2006/main" type="titleOnly" preserve="1">
+  <p:cSld name="只有標題">
+    <p:spTree>
+      <p:nvGrpSpPr>
+        <p:cNvPr id="1" name=""/>
+        <p:cNvGrpSpPr/>
+        <p:nvPr/>
+      </p:nvGrpSpPr>
+      <p:grpSpPr>
+        <a:xfrm>
+          <a:off x="0" y="0"/>
+          <a:ext cx="0" cy="0"/>
+          <a:chOff x="0" y="0"/>
+          <a:chExt cx="0" cy="0"/>
+        </a:xfrm>
+      </p:grpSpPr>
+      <p:sp>
+        <p:nvSpPr>
+          <p:cNvPr id="2" name="標題 1"/>
+          <p:cNvSpPr>
+            <a:spLocks noGrp="1"/>
+          </p:cNvSpPr>
+          <p:nvPr>
+            <p:ph type="title"/>
+          </p:nvPr>
+        </p:nvSpPr>
+        <p:spPr/>
+        <p:txBody>
+          <a:bodyPr/>
+          <a:lstStyle/>
+          <a:p>
+            <a:r>
+              <a:rPr lang="zh-TW" altLang="en-US" smtClean="0"/>
+              <a:t>按一下以編輯母片標題樣式</a:t>
+            </a:r>
+            <a:endParaRPr lang="zh-TW" altLang="en-US"/>
+          </a:p>
+        </p:txBody>
+      </p:sp>
+      <p:sp>
+        <p:nvSpPr>
+          <p:cNvPr id="3" name="日期版面配置區 2"/>
+          <p:cNvSpPr>
+            <a:spLocks noGrp="1"/>
+          </p:cNvSpPr>
+          <p:nvPr>
+            <p:ph type="dt" sz="half" idx="10"/>
+          </p:nvPr>
+        </p:nvSpPr>
+        <p:spPr/>
+        <p:txBody>
+          <a:bodyPr/>
+          <a:lstStyle/>
+          <a:p>
+            <a:pPr>
+              <a:lnSpc>
+                <a:spcPct val="100000"/>
+              </a:lnSpc>
+            </a:pPr>
+            <a:fld id="{E9C06E7C-0C0B-4290-9871-02759152AC99}" type="datetime">
+              <a:rPr lang="en-US" sz="1200" b="0" strike="noStrike" spc="-1" smtClean="0">
+                <a:solidFill>
+                  <a:srgbClr val="8B8B8B"/>
+                </a:solidFill>
+                <a:latin typeface="Calibri"/>
+              </a:rPr>
+              <a:pPr>
+                <a:lnSpc>
+                  <a:spcPct val="100000"/>
+                </a:lnSpc>
+              </a:pPr>
+              <a:t>1/20/2019</a:t>
+            </a:fld>
+            <a:endParaRPr lang="en-US" sz="1200" b="0" strike="noStrike" spc="-1">
+              <a:latin typeface="Times New Roman"/>
+            </a:endParaRPr>
+          </a:p>
+        </p:txBody>
+      </p:sp>
+      <p:sp>
+        <p:nvSpPr>
+          <p:cNvPr id="4" name="頁尾版面配置區 3"/>
+          <p:cNvSpPr>
+            <a:spLocks noGrp="1"/>
+          </p:cNvSpPr>
+          <p:nvPr>
+            <p:ph type="ftr" sz="quarter" idx="11"/>
+          </p:nvPr>
+        </p:nvSpPr>
+        <p:spPr/>
+        <p:txBody>
+          <a:bodyPr/>
+          <a:lstStyle/>
+          <a:p>
+            <a:endParaRPr lang="en-US" sz="2400" b="0" strike="noStrike" spc="-1">
+              <a:latin typeface="Times New Roman"/>
+            </a:endParaRPr>
+          </a:p>
+        </p:txBody>
+      </p:sp>
+      <p:sp>
+        <p:nvSpPr>
+          <p:cNvPr id="5" name="投影片編號版面配置區 4"/>
+          <p:cNvSpPr>
+            <a:spLocks noGrp="1"/>
+          </p:cNvSpPr>
+          <p:nvPr>
+            <p:ph type="sldNum" sz="quarter" idx="12"/>
+          </p:nvPr>
+        </p:nvSpPr>
+        <p:spPr/>
+        <p:txBody>
+          <a:bodyPr/>
+          <a:lstStyle/>
+          <a:p>
+            <a:pPr algn="r">
+              <a:lnSpc>
+                <a:spcPct val="100000"/>
+              </a:lnSpc>
+            </a:pPr>
+            <a:fld id="{DFD6B7B1-33BC-4836-A157-9CE0BF958B21}" type="slidenum">
+              <a:rPr lang="en-US" sz="1200" b="0" strike="noStrike" spc="-1" smtClean="0">
+                <a:solidFill>
+                  <a:srgbClr val="8B8B8B"/>
+                </a:solidFill>
+                <a:latin typeface="Calibri"/>
+              </a:rPr>
+              <a:pPr algn="r">
+                <a:lnSpc>
+                  <a:spcPct val="100000"/>
+                </a:lnSpc>
+              </a:pPr>
+              <a:t>‹#›</a:t>
+            </a:fld>
+            <a:endParaRPr lang="en-US" sz="1200" b="0" strike="noStrike" spc="-1">
+              <a:latin typeface="Times New Roman"/>
+            </a:endParaRPr>
+          </a:p>
+        </p:txBody>
+      </p:sp>
+    </p:spTree>
+  </p:cSld>
+  <p:clrMapOvr>
+    <a:masterClrMapping/>
+  </p:clrMapOvr>
+</p:sldLayout>
+</file>
+
+<file path=ppt/slideLayouts/slideLayout19.xml><?xml version="1.0" encoding="utf-8"?>
+<p:sldLayout xmlns:a="http://schemas.openxmlformats.org/drawingml/2006/main" xmlns:r="http://schemas.openxmlformats.org/officeDocument/2006/relationships" xmlns:p="http://schemas.openxmlformats.org/presentationml/2006/main" type="blank" preserve="1">
+  <p:cSld name="空白">
+    <p:spTree>
+      <p:nvGrpSpPr>
+        <p:cNvPr id="1" name=""/>
+        <p:cNvGrpSpPr/>
+        <p:nvPr/>
+      </p:nvGrpSpPr>
+      <p:grpSpPr>
+        <a:xfrm>
+          <a:off x="0" y="0"/>
+          <a:ext cx="0" cy="0"/>
+          <a:chOff x="0" y="0"/>
+          <a:chExt cx="0" cy="0"/>
+        </a:xfrm>
+      </p:grpSpPr>
+      <p:sp>
+        <p:nvSpPr>
+          <p:cNvPr id="2" name="日期版面配置區 1"/>
+          <p:cNvSpPr>
+            <a:spLocks noGrp="1"/>
+          </p:cNvSpPr>
+          <p:nvPr>
+            <p:ph type="dt" sz="half" idx="10"/>
+          </p:nvPr>
+        </p:nvSpPr>
+        <p:spPr/>
+        <p:txBody>
+          <a:bodyPr/>
+          <a:lstStyle/>
+          <a:p>
+            <a:pPr>
+              <a:lnSpc>
+                <a:spcPct val="100000"/>
+              </a:lnSpc>
+            </a:pPr>
+            <a:fld id="{E9C06E7C-0C0B-4290-9871-02759152AC99}" type="datetime">
+              <a:rPr lang="en-US" sz="1200" b="0" strike="noStrike" spc="-1" smtClean="0">
+                <a:solidFill>
+                  <a:srgbClr val="8B8B8B"/>
+                </a:solidFill>
+                <a:latin typeface="Calibri"/>
+              </a:rPr>
+              <a:pPr>
+                <a:lnSpc>
+                  <a:spcPct val="100000"/>
+                </a:lnSpc>
+              </a:pPr>
+              <a:t>1/20/2019</a:t>
+            </a:fld>
+            <a:endParaRPr lang="en-US" sz="1200" b="0" strike="noStrike" spc="-1">
+              <a:latin typeface="Times New Roman"/>
+            </a:endParaRPr>
+          </a:p>
+        </p:txBody>
+      </p:sp>
+      <p:sp>
+        <p:nvSpPr>
+          <p:cNvPr id="3" name="頁尾版面配置區 2"/>
+          <p:cNvSpPr>
+            <a:spLocks noGrp="1"/>
+          </p:cNvSpPr>
+          <p:nvPr>
+            <p:ph type="ftr" sz="quarter" idx="11"/>
+          </p:nvPr>
+        </p:nvSpPr>
+        <p:spPr/>
+        <p:txBody>
+          <a:bodyPr/>
+          <a:lstStyle/>
+          <a:p>
+            <a:endParaRPr lang="en-US" sz="2400" b="0" strike="noStrike" spc="-1">
+              <a:latin typeface="Times New Roman"/>
+            </a:endParaRPr>
+          </a:p>
+        </p:txBody>
+      </p:sp>
+      <p:sp>
+        <p:nvSpPr>
+          <p:cNvPr id="4" name="投影片編號版面配置區 3"/>
+          <p:cNvSpPr>
+            <a:spLocks noGrp="1"/>
+          </p:cNvSpPr>
+          <p:nvPr>
+            <p:ph type="sldNum" sz="quarter" idx="12"/>
+          </p:nvPr>
+        </p:nvSpPr>
+        <p:spPr/>
+        <p:txBody>
+          <a:bodyPr/>
+          <a:lstStyle/>
+          <a:p>
+            <a:pPr algn="r">
+              <a:lnSpc>
+                <a:spcPct val="100000"/>
+              </a:lnSpc>
+            </a:pPr>
+            <a:fld id="{DFD6B7B1-33BC-4836-A157-9CE0BF958B21}" type="slidenum">
+              <a:rPr lang="en-US" sz="1200" b="0" strike="noStrike" spc="-1" smtClean="0">
+                <a:solidFill>
+                  <a:srgbClr val="8B8B8B"/>
+                </a:solidFill>
+                <a:latin typeface="Calibri"/>
+              </a:rPr>
+              <a:pPr algn="r">
+                <a:lnSpc>
+                  <a:spcPct val="100000"/>
+                </a:lnSpc>
+              </a:pPr>
+              <a:t>‹#›</a:t>
+            </a:fld>
+            <a:endParaRPr lang="en-US" sz="1200" b="0" strike="noStrike" spc="-1">
+              <a:latin typeface="Times New Roman"/>
+            </a:endParaRPr>
+          </a:p>
+        </p:txBody>
+      </p:sp>
+    </p:spTree>
+  </p:cSld>
+  <p:clrMapOvr>
+    <a:masterClrMapping/>
+  </p:clrMapOvr>
+</p:sldLayout>
+</file>
+
 <file path=ppt/slideLayouts/slideLayout2.xml><?xml version="1.0" encoding="utf-8"?>
 <p:sldLayout xmlns:a="http://schemas.openxmlformats.org/drawingml/2006/main" xmlns:r="http://schemas.openxmlformats.org/officeDocument/2006/relationships" xmlns:p="http://schemas.openxmlformats.org/presentationml/2006/main" type="tx" preserve="1">
   <p:cSld name="Title Slide">
@@ -808,6 +2610,1014 @@
             <a:pPr algn="ctr"/>
             <a:endParaRPr lang="en-US" sz="3200" b="0" strike="noStrike" spc="-1">
               <a:latin typeface="Arial"/>
+            </a:endParaRPr>
+          </a:p>
+        </p:txBody>
+      </p:sp>
+    </p:spTree>
+  </p:cSld>
+  <p:clrMapOvr>
+    <a:masterClrMapping/>
+  </p:clrMapOvr>
+</p:sldLayout>
+</file>
+
+<file path=ppt/slideLayouts/slideLayout20.xml><?xml version="1.0" encoding="utf-8"?>
+<p:sldLayout xmlns:a="http://schemas.openxmlformats.org/drawingml/2006/main" xmlns:r="http://schemas.openxmlformats.org/officeDocument/2006/relationships" xmlns:p="http://schemas.openxmlformats.org/presentationml/2006/main" type="objTx" preserve="1">
+  <p:cSld name="含標題的內容">
+    <p:spTree>
+      <p:nvGrpSpPr>
+        <p:cNvPr id="1" name=""/>
+        <p:cNvGrpSpPr/>
+        <p:nvPr/>
+      </p:nvGrpSpPr>
+      <p:grpSpPr>
+        <a:xfrm>
+          <a:off x="0" y="0"/>
+          <a:ext cx="0" cy="0"/>
+          <a:chOff x="0" y="0"/>
+          <a:chExt cx="0" cy="0"/>
+        </a:xfrm>
+      </p:grpSpPr>
+      <p:sp>
+        <p:nvSpPr>
+          <p:cNvPr id="2" name="標題 1"/>
+          <p:cNvSpPr>
+            <a:spLocks noGrp="1"/>
+          </p:cNvSpPr>
+          <p:nvPr>
+            <p:ph type="title"/>
+          </p:nvPr>
+        </p:nvSpPr>
+        <p:spPr>
+          <a:xfrm>
+            <a:off x="457200" y="273050"/>
+            <a:ext cx="3008313" cy="1162050"/>
+          </a:xfrm>
+        </p:spPr>
+        <p:txBody>
+          <a:bodyPr anchor="b"/>
+          <a:lstStyle>
+            <a:lvl1pPr algn="l">
+              <a:defRPr sz="2000" b="1"/>
+            </a:lvl1pPr>
+          </a:lstStyle>
+          <a:p>
+            <a:r>
+              <a:rPr lang="zh-TW" altLang="en-US" smtClean="0"/>
+              <a:t>按一下以編輯母片標題樣式</a:t>
+            </a:r>
+            <a:endParaRPr lang="zh-TW" altLang="en-US"/>
+          </a:p>
+        </p:txBody>
+      </p:sp>
+      <p:sp>
+        <p:nvSpPr>
+          <p:cNvPr id="3" name="內容版面配置區 2"/>
+          <p:cNvSpPr>
+            <a:spLocks noGrp="1"/>
+          </p:cNvSpPr>
+          <p:nvPr>
+            <p:ph idx="1"/>
+          </p:nvPr>
+        </p:nvSpPr>
+        <p:spPr>
+          <a:xfrm>
+            <a:off x="3575050" y="273050"/>
+            <a:ext cx="5111750" cy="5853113"/>
+          </a:xfrm>
+        </p:spPr>
+        <p:txBody>
+          <a:bodyPr/>
+          <a:lstStyle>
+            <a:lvl1pPr>
+              <a:defRPr sz="3200"/>
+            </a:lvl1pPr>
+            <a:lvl2pPr>
+              <a:defRPr sz="2800"/>
+            </a:lvl2pPr>
+            <a:lvl3pPr>
+              <a:defRPr sz="2400"/>
+            </a:lvl3pPr>
+            <a:lvl4pPr>
+              <a:defRPr sz="2000"/>
+            </a:lvl4pPr>
+            <a:lvl5pPr>
+              <a:defRPr sz="2000"/>
+            </a:lvl5pPr>
+            <a:lvl6pPr>
+              <a:defRPr sz="2000"/>
+            </a:lvl6pPr>
+            <a:lvl7pPr>
+              <a:defRPr sz="2000"/>
+            </a:lvl7pPr>
+            <a:lvl8pPr>
+              <a:defRPr sz="2000"/>
+            </a:lvl8pPr>
+            <a:lvl9pPr>
+              <a:defRPr sz="2000"/>
+            </a:lvl9pPr>
+          </a:lstStyle>
+          <a:p>
+            <a:pPr lvl="0"/>
+            <a:r>
+              <a:rPr lang="zh-TW" altLang="en-US" smtClean="0"/>
+              <a:t>按一下以編輯母片文字樣式</a:t>
+            </a:r>
+          </a:p>
+          <a:p>
+            <a:pPr lvl="1"/>
+            <a:r>
+              <a:rPr lang="zh-TW" altLang="en-US" smtClean="0"/>
+              <a:t>第二層</a:t>
+            </a:r>
+          </a:p>
+          <a:p>
+            <a:pPr lvl="2"/>
+            <a:r>
+              <a:rPr lang="zh-TW" altLang="en-US" smtClean="0"/>
+              <a:t>第三層</a:t>
+            </a:r>
+          </a:p>
+          <a:p>
+            <a:pPr lvl="3"/>
+            <a:r>
+              <a:rPr lang="zh-TW" altLang="en-US" smtClean="0"/>
+              <a:t>第四層</a:t>
+            </a:r>
+          </a:p>
+          <a:p>
+            <a:pPr lvl="4"/>
+            <a:r>
+              <a:rPr lang="zh-TW" altLang="en-US" smtClean="0"/>
+              <a:t>第五層</a:t>
+            </a:r>
+            <a:endParaRPr lang="zh-TW" altLang="en-US"/>
+          </a:p>
+        </p:txBody>
+      </p:sp>
+      <p:sp>
+        <p:nvSpPr>
+          <p:cNvPr id="4" name="文字版面配置區 3"/>
+          <p:cNvSpPr>
+            <a:spLocks noGrp="1"/>
+          </p:cNvSpPr>
+          <p:nvPr>
+            <p:ph type="body" sz="half" idx="2"/>
+          </p:nvPr>
+        </p:nvSpPr>
+        <p:spPr>
+          <a:xfrm>
+            <a:off x="457200" y="1435100"/>
+            <a:ext cx="3008313" cy="4691063"/>
+          </a:xfrm>
+        </p:spPr>
+        <p:txBody>
+          <a:bodyPr/>
+          <a:lstStyle>
+            <a:lvl1pPr marL="0" indent="0">
+              <a:buNone/>
+              <a:defRPr sz="1400"/>
+            </a:lvl1pPr>
+            <a:lvl2pPr marL="457200" indent="0">
+              <a:buNone/>
+              <a:defRPr sz="1200"/>
+            </a:lvl2pPr>
+            <a:lvl3pPr marL="914400" indent="0">
+              <a:buNone/>
+              <a:defRPr sz="1000"/>
+            </a:lvl3pPr>
+            <a:lvl4pPr marL="1371600" indent="0">
+              <a:buNone/>
+              <a:defRPr sz="900"/>
+            </a:lvl4pPr>
+            <a:lvl5pPr marL="1828800" indent="0">
+              <a:buNone/>
+              <a:defRPr sz="900"/>
+            </a:lvl5pPr>
+            <a:lvl6pPr marL="2286000" indent="0">
+              <a:buNone/>
+              <a:defRPr sz="900"/>
+            </a:lvl6pPr>
+            <a:lvl7pPr marL="2743200" indent="0">
+              <a:buNone/>
+              <a:defRPr sz="900"/>
+            </a:lvl7pPr>
+            <a:lvl8pPr marL="3200400" indent="0">
+              <a:buNone/>
+              <a:defRPr sz="900"/>
+            </a:lvl8pPr>
+            <a:lvl9pPr marL="3657600" indent="0">
+              <a:buNone/>
+              <a:defRPr sz="900"/>
+            </a:lvl9pPr>
+          </a:lstStyle>
+          <a:p>
+            <a:pPr lvl="0"/>
+            <a:r>
+              <a:rPr lang="zh-TW" altLang="en-US" smtClean="0"/>
+              <a:t>按一下以編輯母片文字樣式</a:t>
+            </a:r>
+          </a:p>
+        </p:txBody>
+      </p:sp>
+      <p:sp>
+        <p:nvSpPr>
+          <p:cNvPr id="5" name="日期版面配置區 4"/>
+          <p:cNvSpPr>
+            <a:spLocks noGrp="1"/>
+          </p:cNvSpPr>
+          <p:nvPr>
+            <p:ph type="dt" sz="half" idx="10"/>
+          </p:nvPr>
+        </p:nvSpPr>
+        <p:spPr/>
+        <p:txBody>
+          <a:bodyPr/>
+          <a:lstStyle/>
+          <a:p>
+            <a:pPr>
+              <a:lnSpc>
+                <a:spcPct val="100000"/>
+              </a:lnSpc>
+            </a:pPr>
+            <a:fld id="{E9C06E7C-0C0B-4290-9871-02759152AC99}" type="datetime">
+              <a:rPr lang="en-US" sz="1200" b="0" strike="noStrike" spc="-1" smtClean="0">
+                <a:solidFill>
+                  <a:srgbClr val="8B8B8B"/>
+                </a:solidFill>
+                <a:latin typeface="Calibri"/>
+              </a:rPr>
+              <a:pPr>
+                <a:lnSpc>
+                  <a:spcPct val="100000"/>
+                </a:lnSpc>
+              </a:pPr>
+              <a:t>1/20/2019</a:t>
+            </a:fld>
+            <a:endParaRPr lang="en-US" sz="1200" b="0" strike="noStrike" spc="-1">
+              <a:latin typeface="Times New Roman"/>
+            </a:endParaRPr>
+          </a:p>
+        </p:txBody>
+      </p:sp>
+      <p:sp>
+        <p:nvSpPr>
+          <p:cNvPr id="6" name="頁尾版面配置區 5"/>
+          <p:cNvSpPr>
+            <a:spLocks noGrp="1"/>
+          </p:cNvSpPr>
+          <p:nvPr>
+            <p:ph type="ftr" sz="quarter" idx="11"/>
+          </p:nvPr>
+        </p:nvSpPr>
+        <p:spPr/>
+        <p:txBody>
+          <a:bodyPr/>
+          <a:lstStyle/>
+          <a:p>
+            <a:endParaRPr lang="en-US" sz="2400" b="0" strike="noStrike" spc="-1">
+              <a:latin typeface="Times New Roman"/>
+            </a:endParaRPr>
+          </a:p>
+        </p:txBody>
+      </p:sp>
+      <p:sp>
+        <p:nvSpPr>
+          <p:cNvPr id="7" name="投影片編號版面配置區 6"/>
+          <p:cNvSpPr>
+            <a:spLocks noGrp="1"/>
+          </p:cNvSpPr>
+          <p:nvPr>
+            <p:ph type="sldNum" sz="quarter" idx="12"/>
+          </p:nvPr>
+        </p:nvSpPr>
+        <p:spPr/>
+        <p:txBody>
+          <a:bodyPr/>
+          <a:lstStyle/>
+          <a:p>
+            <a:pPr algn="r">
+              <a:lnSpc>
+                <a:spcPct val="100000"/>
+              </a:lnSpc>
+            </a:pPr>
+            <a:fld id="{DFD6B7B1-33BC-4836-A157-9CE0BF958B21}" type="slidenum">
+              <a:rPr lang="en-US" sz="1200" b="0" strike="noStrike" spc="-1" smtClean="0">
+                <a:solidFill>
+                  <a:srgbClr val="8B8B8B"/>
+                </a:solidFill>
+                <a:latin typeface="Calibri"/>
+              </a:rPr>
+              <a:pPr algn="r">
+                <a:lnSpc>
+                  <a:spcPct val="100000"/>
+                </a:lnSpc>
+              </a:pPr>
+              <a:t>‹#›</a:t>
+            </a:fld>
+            <a:endParaRPr lang="en-US" sz="1200" b="0" strike="noStrike" spc="-1">
+              <a:latin typeface="Times New Roman"/>
+            </a:endParaRPr>
+          </a:p>
+        </p:txBody>
+      </p:sp>
+    </p:spTree>
+  </p:cSld>
+  <p:clrMapOvr>
+    <a:masterClrMapping/>
+  </p:clrMapOvr>
+</p:sldLayout>
+</file>
+
+<file path=ppt/slideLayouts/slideLayout21.xml><?xml version="1.0" encoding="utf-8"?>
+<p:sldLayout xmlns:a="http://schemas.openxmlformats.org/drawingml/2006/main" xmlns:r="http://schemas.openxmlformats.org/officeDocument/2006/relationships" xmlns:p="http://schemas.openxmlformats.org/presentationml/2006/main" type="picTx" preserve="1">
+  <p:cSld name="含標題的圖片">
+    <p:spTree>
+      <p:nvGrpSpPr>
+        <p:cNvPr id="1" name=""/>
+        <p:cNvGrpSpPr/>
+        <p:nvPr/>
+      </p:nvGrpSpPr>
+      <p:grpSpPr>
+        <a:xfrm>
+          <a:off x="0" y="0"/>
+          <a:ext cx="0" cy="0"/>
+          <a:chOff x="0" y="0"/>
+          <a:chExt cx="0" cy="0"/>
+        </a:xfrm>
+      </p:grpSpPr>
+      <p:sp>
+        <p:nvSpPr>
+          <p:cNvPr id="2" name="標題 1"/>
+          <p:cNvSpPr>
+            <a:spLocks noGrp="1"/>
+          </p:cNvSpPr>
+          <p:nvPr>
+            <p:ph type="title"/>
+          </p:nvPr>
+        </p:nvSpPr>
+        <p:spPr>
+          <a:xfrm>
+            <a:off x="1792288" y="4800600"/>
+            <a:ext cx="5486400" cy="566738"/>
+          </a:xfrm>
+        </p:spPr>
+        <p:txBody>
+          <a:bodyPr anchor="b"/>
+          <a:lstStyle>
+            <a:lvl1pPr algn="l">
+              <a:defRPr sz="2000" b="1"/>
+            </a:lvl1pPr>
+          </a:lstStyle>
+          <a:p>
+            <a:r>
+              <a:rPr lang="zh-TW" altLang="en-US" smtClean="0"/>
+              <a:t>按一下以編輯母片標題樣式</a:t>
+            </a:r>
+            <a:endParaRPr lang="zh-TW" altLang="en-US"/>
+          </a:p>
+        </p:txBody>
+      </p:sp>
+      <p:sp>
+        <p:nvSpPr>
+          <p:cNvPr id="3" name="圖片版面配置區 2"/>
+          <p:cNvSpPr>
+            <a:spLocks noGrp="1"/>
+          </p:cNvSpPr>
+          <p:nvPr>
+            <p:ph type="pic" idx="1"/>
+          </p:nvPr>
+        </p:nvSpPr>
+        <p:spPr>
+          <a:xfrm>
+            <a:off x="1792288" y="612775"/>
+            <a:ext cx="5486400" cy="4114800"/>
+          </a:xfrm>
+        </p:spPr>
+        <p:txBody>
+          <a:bodyPr/>
+          <a:lstStyle>
+            <a:lvl1pPr marL="0" indent="0">
+              <a:buNone/>
+              <a:defRPr sz="3200"/>
+            </a:lvl1pPr>
+            <a:lvl2pPr marL="457200" indent="0">
+              <a:buNone/>
+              <a:defRPr sz="2800"/>
+            </a:lvl2pPr>
+            <a:lvl3pPr marL="914400" indent="0">
+              <a:buNone/>
+              <a:defRPr sz="2400"/>
+            </a:lvl3pPr>
+            <a:lvl4pPr marL="1371600" indent="0">
+              <a:buNone/>
+              <a:defRPr sz="2000"/>
+            </a:lvl4pPr>
+            <a:lvl5pPr marL="1828800" indent="0">
+              <a:buNone/>
+              <a:defRPr sz="2000"/>
+            </a:lvl5pPr>
+            <a:lvl6pPr marL="2286000" indent="0">
+              <a:buNone/>
+              <a:defRPr sz="2000"/>
+            </a:lvl6pPr>
+            <a:lvl7pPr marL="2743200" indent="0">
+              <a:buNone/>
+              <a:defRPr sz="2000"/>
+            </a:lvl7pPr>
+            <a:lvl8pPr marL="3200400" indent="0">
+              <a:buNone/>
+              <a:defRPr sz="2000"/>
+            </a:lvl8pPr>
+            <a:lvl9pPr marL="3657600" indent="0">
+              <a:buNone/>
+              <a:defRPr sz="2000"/>
+            </a:lvl9pPr>
+          </a:lstStyle>
+          <a:p>
+            <a:r>
+              <a:rPr lang="zh-TW" altLang="en-US" smtClean="0"/>
+              <a:t>按一下圖示以新增圖片</a:t>
+            </a:r>
+            <a:endParaRPr lang="zh-TW" altLang="en-US"/>
+          </a:p>
+        </p:txBody>
+      </p:sp>
+      <p:sp>
+        <p:nvSpPr>
+          <p:cNvPr id="4" name="文字版面配置區 3"/>
+          <p:cNvSpPr>
+            <a:spLocks noGrp="1"/>
+          </p:cNvSpPr>
+          <p:nvPr>
+            <p:ph type="body" sz="half" idx="2"/>
+          </p:nvPr>
+        </p:nvSpPr>
+        <p:spPr>
+          <a:xfrm>
+            <a:off x="1792288" y="5367338"/>
+            <a:ext cx="5486400" cy="804862"/>
+          </a:xfrm>
+        </p:spPr>
+        <p:txBody>
+          <a:bodyPr/>
+          <a:lstStyle>
+            <a:lvl1pPr marL="0" indent="0">
+              <a:buNone/>
+              <a:defRPr sz="1400"/>
+            </a:lvl1pPr>
+            <a:lvl2pPr marL="457200" indent="0">
+              <a:buNone/>
+              <a:defRPr sz="1200"/>
+            </a:lvl2pPr>
+            <a:lvl3pPr marL="914400" indent="0">
+              <a:buNone/>
+              <a:defRPr sz="1000"/>
+            </a:lvl3pPr>
+            <a:lvl4pPr marL="1371600" indent="0">
+              <a:buNone/>
+              <a:defRPr sz="900"/>
+            </a:lvl4pPr>
+            <a:lvl5pPr marL="1828800" indent="0">
+              <a:buNone/>
+              <a:defRPr sz="900"/>
+            </a:lvl5pPr>
+            <a:lvl6pPr marL="2286000" indent="0">
+              <a:buNone/>
+              <a:defRPr sz="900"/>
+            </a:lvl6pPr>
+            <a:lvl7pPr marL="2743200" indent="0">
+              <a:buNone/>
+              <a:defRPr sz="900"/>
+            </a:lvl7pPr>
+            <a:lvl8pPr marL="3200400" indent="0">
+              <a:buNone/>
+              <a:defRPr sz="900"/>
+            </a:lvl8pPr>
+            <a:lvl9pPr marL="3657600" indent="0">
+              <a:buNone/>
+              <a:defRPr sz="900"/>
+            </a:lvl9pPr>
+          </a:lstStyle>
+          <a:p>
+            <a:pPr lvl="0"/>
+            <a:r>
+              <a:rPr lang="zh-TW" altLang="en-US" smtClean="0"/>
+              <a:t>按一下以編輯母片文字樣式</a:t>
+            </a:r>
+          </a:p>
+        </p:txBody>
+      </p:sp>
+      <p:sp>
+        <p:nvSpPr>
+          <p:cNvPr id="5" name="日期版面配置區 4"/>
+          <p:cNvSpPr>
+            <a:spLocks noGrp="1"/>
+          </p:cNvSpPr>
+          <p:nvPr>
+            <p:ph type="dt" sz="half" idx="10"/>
+          </p:nvPr>
+        </p:nvSpPr>
+        <p:spPr/>
+        <p:txBody>
+          <a:bodyPr/>
+          <a:lstStyle/>
+          <a:p>
+            <a:pPr>
+              <a:lnSpc>
+                <a:spcPct val="100000"/>
+              </a:lnSpc>
+            </a:pPr>
+            <a:fld id="{E9C06E7C-0C0B-4290-9871-02759152AC99}" type="datetime">
+              <a:rPr lang="en-US" sz="1200" b="0" strike="noStrike" spc="-1" smtClean="0">
+                <a:solidFill>
+                  <a:srgbClr val="8B8B8B"/>
+                </a:solidFill>
+                <a:latin typeface="Calibri"/>
+              </a:rPr>
+              <a:pPr>
+                <a:lnSpc>
+                  <a:spcPct val="100000"/>
+                </a:lnSpc>
+              </a:pPr>
+              <a:t>1/20/2019</a:t>
+            </a:fld>
+            <a:endParaRPr lang="en-US" sz="1200" b="0" strike="noStrike" spc="-1">
+              <a:latin typeface="Times New Roman"/>
+            </a:endParaRPr>
+          </a:p>
+        </p:txBody>
+      </p:sp>
+      <p:sp>
+        <p:nvSpPr>
+          <p:cNvPr id="6" name="頁尾版面配置區 5"/>
+          <p:cNvSpPr>
+            <a:spLocks noGrp="1"/>
+          </p:cNvSpPr>
+          <p:nvPr>
+            <p:ph type="ftr" sz="quarter" idx="11"/>
+          </p:nvPr>
+        </p:nvSpPr>
+        <p:spPr/>
+        <p:txBody>
+          <a:bodyPr/>
+          <a:lstStyle/>
+          <a:p>
+            <a:endParaRPr lang="en-US" sz="2400" b="0" strike="noStrike" spc="-1">
+              <a:latin typeface="Times New Roman"/>
+            </a:endParaRPr>
+          </a:p>
+        </p:txBody>
+      </p:sp>
+      <p:sp>
+        <p:nvSpPr>
+          <p:cNvPr id="7" name="投影片編號版面配置區 6"/>
+          <p:cNvSpPr>
+            <a:spLocks noGrp="1"/>
+          </p:cNvSpPr>
+          <p:nvPr>
+            <p:ph type="sldNum" sz="quarter" idx="12"/>
+          </p:nvPr>
+        </p:nvSpPr>
+        <p:spPr/>
+        <p:txBody>
+          <a:bodyPr/>
+          <a:lstStyle/>
+          <a:p>
+            <a:pPr algn="r">
+              <a:lnSpc>
+                <a:spcPct val="100000"/>
+              </a:lnSpc>
+            </a:pPr>
+            <a:fld id="{DFD6B7B1-33BC-4836-A157-9CE0BF958B21}" type="slidenum">
+              <a:rPr lang="en-US" sz="1200" b="0" strike="noStrike" spc="-1" smtClean="0">
+                <a:solidFill>
+                  <a:srgbClr val="8B8B8B"/>
+                </a:solidFill>
+                <a:latin typeface="Calibri"/>
+              </a:rPr>
+              <a:pPr algn="r">
+                <a:lnSpc>
+                  <a:spcPct val="100000"/>
+                </a:lnSpc>
+              </a:pPr>
+              <a:t>‹#›</a:t>
+            </a:fld>
+            <a:endParaRPr lang="en-US" sz="1200" b="0" strike="noStrike" spc="-1">
+              <a:latin typeface="Times New Roman"/>
+            </a:endParaRPr>
+          </a:p>
+        </p:txBody>
+      </p:sp>
+    </p:spTree>
+  </p:cSld>
+  <p:clrMapOvr>
+    <a:masterClrMapping/>
+  </p:clrMapOvr>
+</p:sldLayout>
+</file>
+
+<file path=ppt/slideLayouts/slideLayout22.xml><?xml version="1.0" encoding="utf-8"?>
+<p:sldLayout xmlns:a="http://schemas.openxmlformats.org/drawingml/2006/main" xmlns:r="http://schemas.openxmlformats.org/officeDocument/2006/relationships" xmlns:p="http://schemas.openxmlformats.org/presentationml/2006/main" type="vertTx" preserve="1">
+  <p:cSld name="標題及直排文字">
+    <p:spTree>
+      <p:nvGrpSpPr>
+        <p:cNvPr id="1" name=""/>
+        <p:cNvGrpSpPr/>
+        <p:nvPr/>
+      </p:nvGrpSpPr>
+      <p:grpSpPr>
+        <a:xfrm>
+          <a:off x="0" y="0"/>
+          <a:ext cx="0" cy="0"/>
+          <a:chOff x="0" y="0"/>
+          <a:chExt cx="0" cy="0"/>
+        </a:xfrm>
+      </p:grpSpPr>
+      <p:sp>
+        <p:nvSpPr>
+          <p:cNvPr id="2" name="標題 1"/>
+          <p:cNvSpPr>
+            <a:spLocks noGrp="1"/>
+          </p:cNvSpPr>
+          <p:nvPr>
+            <p:ph type="title"/>
+          </p:nvPr>
+        </p:nvSpPr>
+        <p:spPr/>
+        <p:txBody>
+          <a:bodyPr/>
+          <a:lstStyle/>
+          <a:p>
+            <a:r>
+              <a:rPr lang="zh-TW" altLang="en-US" smtClean="0"/>
+              <a:t>按一下以編輯母片標題樣式</a:t>
+            </a:r>
+            <a:endParaRPr lang="zh-TW" altLang="en-US"/>
+          </a:p>
+        </p:txBody>
+      </p:sp>
+      <p:sp>
+        <p:nvSpPr>
+          <p:cNvPr id="3" name="直排文字版面配置區 2"/>
+          <p:cNvSpPr>
+            <a:spLocks noGrp="1"/>
+          </p:cNvSpPr>
+          <p:nvPr>
+            <p:ph type="body" orient="vert" idx="1"/>
+          </p:nvPr>
+        </p:nvSpPr>
+        <p:spPr/>
+        <p:txBody>
+          <a:bodyPr vert="eaVert"/>
+          <a:lstStyle/>
+          <a:p>
+            <a:pPr lvl="0"/>
+            <a:r>
+              <a:rPr lang="zh-TW" altLang="en-US" smtClean="0"/>
+              <a:t>按一下以編輯母片文字樣式</a:t>
+            </a:r>
+          </a:p>
+          <a:p>
+            <a:pPr lvl="1"/>
+            <a:r>
+              <a:rPr lang="zh-TW" altLang="en-US" smtClean="0"/>
+              <a:t>第二層</a:t>
+            </a:r>
+          </a:p>
+          <a:p>
+            <a:pPr lvl="2"/>
+            <a:r>
+              <a:rPr lang="zh-TW" altLang="en-US" smtClean="0"/>
+              <a:t>第三層</a:t>
+            </a:r>
+          </a:p>
+          <a:p>
+            <a:pPr lvl="3"/>
+            <a:r>
+              <a:rPr lang="zh-TW" altLang="en-US" smtClean="0"/>
+              <a:t>第四層</a:t>
+            </a:r>
+          </a:p>
+          <a:p>
+            <a:pPr lvl="4"/>
+            <a:r>
+              <a:rPr lang="zh-TW" altLang="en-US" smtClean="0"/>
+              <a:t>第五層</a:t>
+            </a:r>
+            <a:endParaRPr lang="zh-TW" altLang="en-US"/>
+          </a:p>
+        </p:txBody>
+      </p:sp>
+      <p:sp>
+        <p:nvSpPr>
+          <p:cNvPr id="4" name="日期版面配置區 3"/>
+          <p:cNvSpPr>
+            <a:spLocks noGrp="1"/>
+          </p:cNvSpPr>
+          <p:nvPr>
+            <p:ph type="dt" sz="half" idx="10"/>
+          </p:nvPr>
+        </p:nvSpPr>
+        <p:spPr/>
+        <p:txBody>
+          <a:bodyPr/>
+          <a:lstStyle/>
+          <a:p>
+            <a:pPr>
+              <a:lnSpc>
+                <a:spcPct val="100000"/>
+              </a:lnSpc>
+            </a:pPr>
+            <a:fld id="{E9C06E7C-0C0B-4290-9871-02759152AC99}" type="datetime">
+              <a:rPr lang="en-US" sz="1200" b="0" strike="noStrike" spc="-1" smtClean="0">
+                <a:solidFill>
+                  <a:srgbClr val="8B8B8B"/>
+                </a:solidFill>
+                <a:latin typeface="Calibri"/>
+              </a:rPr>
+              <a:pPr>
+                <a:lnSpc>
+                  <a:spcPct val="100000"/>
+                </a:lnSpc>
+              </a:pPr>
+              <a:t>1/20/2019</a:t>
+            </a:fld>
+            <a:endParaRPr lang="en-US" sz="1200" b="0" strike="noStrike" spc="-1">
+              <a:latin typeface="Times New Roman"/>
+            </a:endParaRPr>
+          </a:p>
+        </p:txBody>
+      </p:sp>
+      <p:sp>
+        <p:nvSpPr>
+          <p:cNvPr id="5" name="頁尾版面配置區 4"/>
+          <p:cNvSpPr>
+            <a:spLocks noGrp="1"/>
+          </p:cNvSpPr>
+          <p:nvPr>
+            <p:ph type="ftr" sz="quarter" idx="11"/>
+          </p:nvPr>
+        </p:nvSpPr>
+        <p:spPr/>
+        <p:txBody>
+          <a:bodyPr/>
+          <a:lstStyle/>
+          <a:p>
+            <a:endParaRPr lang="en-US" sz="2400" b="0" strike="noStrike" spc="-1">
+              <a:latin typeface="Times New Roman"/>
+            </a:endParaRPr>
+          </a:p>
+        </p:txBody>
+      </p:sp>
+      <p:sp>
+        <p:nvSpPr>
+          <p:cNvPr id="6" name="投影片編號版面配置區 5"/>
+          <p:cNvSpPr>
+            <a:spLocks noGrp="1"/>
+          </p:cNvSpPr>
+          <p:nvPr>
+            <p:ph type="sldNum" sz="quarter" idx="12"/>
+          </p:nvPr>
+        </p:nvSpPr>
+        <p:spPr/>
+        <p:txBody>
+          <a:bodyPr/>
+          <a:lstStyle/>
+          <a:p>
+            <a:pPr algn="r">
+              <a:lnSpc>
+                <a:spcPct val="100000"/>
+              </a:lnSpc>
+            </a:pPr>
+            <a:fld id="{DFD6B7B1-33BC-4836-A157-9CE0BF958B21}" type="slidenum">
+              <a:rPr lang="en-US" sz="1200" b="0" strike="noStrike" spc="-1" smtClean="0">
+                <a:solidFill>
+                  <a:srgbClr val="8B8B8B"/>
+                </a:solidFill>
+                <a:latin typeface="Calibri"/>
+              </a:rPr>
+              <a:pPr algn="r">
+                <a:lnSpc>
+                  <a:spcPct val="100000"/>
+                </a:lnSpc>
+              </a:pPr>
+              <a:t>‹#›</a:t>
+            </a:fld>
+            <a:endParaRPr lang="en-US" sz="1200" b="0" strike="noStrike" spc="-1">
+              <a:latin typeface="Times New Roman"/>
+            </a:endParaRPr>
+          </a:p>
+        </p:txBody>
+      </p:sp>
+    </p:spTree>
+  </p:cSld>
+  <p:clrMapOvr>
+    <a:masterClrMapping/>
+  </p:clrMapOvr>
+</p:sldLayout>
+</file>
+
+<file path=ppt/slideLayouts/slideLayout23.xml><?xml version="1.0" encoding="utf-8"?>
+<p:sldLayout xmlns:a="http://schemas.openxmlformats.org/drawingml/2006/main" xmlns:r="http://schemas.openxmlformats.org/officeDocument/2006/relationships" xmlns:p="http://schemas.openxmlformats.org/presentationml/2006/main" type="vertTitleAndTx" preserve="1">
+  <p:cSld name="直排標題及文字">
+    <p:spTree>
+      <p:nvGrpSpPr>
+        <p:cNvPr id="1" name=""/>
+        <p:cNvGrpSpPr/>
+        <p:nvPr/>
+      </p:nvGrpSpPr>
+      <p:grpSpPr>
+        <a:xfrm>
+          <a:off x="0" y="0"/>
+          <a:ext cx="0" cy="0"/>
+          <a:chOff x="0" y="0"/>
+          <a:chExt cx="0" cy="0"/>
+        </a:xfrm>
+      </p:grpSpPr>
+      <p:sp>
+        <p:nvSpPr>
+          <p:cNvPr id="2" name="直排標題 1"/>
+          <p:cNvSpPr>
+            <a:spLocks noGrp="1"/>
+          </p:cNvSpPr>
+          <p:nvPr>
+            <p:ph type="title" orient="vert"/>
+          </p:nvPr>
+        </p:nvSpPr>
+        <p:spPr>
+          <a:xfrm>
+            <a:off x="6629400" y="274638"/>
+            <a:ext cx="2057400" cy="5851525"/>
+          </a:xfrm>
+        </p:spPr>
+        <p:txBody>
+          <a:bodyPr vert="eaVert"/>
+          <a:lstStyle/>
+          <a:p>
+            <a:r>
+              <a:rPr lang="zh-TW" altLang="en-US" smtClean="0"/>
+              <a:t>按一下以編輯母片標題樣式</a:t>
+            </a:r>
+            <a:endParaRPr lang="zh-TW" altLang="en-US"/>
+          </a:p>
+        </p:txBody>
+      </p:sp>
+      <p:sp>
+        <p:nvSpPr>
+          <p:cNvPr id="3" name="直排文字版面配置區 2"/>
+          <p:cNvSpPr>
+            <a:spLocks noGrp="1"/>
+          </p:cNvSpPr>
+          <p:nvPr>
+            <p:ph type="body" orient="vert" idx="1"/>
+          </p:nvPr>
+        </p:nvSpPr>
+        <p:spPr>
+          <a:xfrm>
+            <a:off x="457200" y="274638"/>
+            <a:ext cx="6019800" cy="5851525"/>
+          </a:xfrm>
+        </p:spPr>
+        <p:txBody>
+          <a:bodyPr vert="eaVert"/>
+          <a:lstStyle/>
+          <a:p>
+            <a:pPr lvl="0"/>
+            <a:r>
+              <a:rPr lang="zh-TW" altLang="en-US" smtClean="0"/>
+              <a:t>按一下以編輯母片文字樣式</a:t>
+            </a:r>
+          </a:p>
+          <a:p>
+            <a:pPr lvl="1"/>
+            <a:r>
+              <a:rPr lang="zh-TW" altLang="en-US" smtClean="0"/>
+              <a:t>第二層</a:t>
+            </a:r>
+          </a:p>
+          <a:p>
+            <a:pPr lvl="2"/>
+            <a:r>
+              <a:rPr lang="zh-TW" altLang="en-US" smtClean="0"/>
+              <a:t>第三層</a:t>
+            </a:r>
+          </a:p>
+          <a:p>
+            <a:pPr lvl="3"/>
+            <a:r>
+              <a:rPr lang="zh-TW" altLang="en-US" smtClean="0"/>
+              <a:t>第四層</a:t>
+            </a:r>
+          </a:p>
+          <a:p>
+            <a:pPr lvl="4"/>
+            <a:r>
+              <a:rPr lang="zh-TW" altLang="en-US" smtClean="0"/>
+              <a:t>第五層</a:t>
+            </a:r>
+            <a:endParaRPr lang="zh-TW" altLang="en-US"/>
+          </a:p>
+        </p:txBody>
+      </p:sp>
+      <p:sp>
+        <p:nvSpPr>
+          <p:cNvPr id="4" name="日期版面配置區 3"/>
+          <p:cNvSpPr>
+            <a:spLocks noGrp="1"/>
+          </p:cNvSpPr>
+          <p:nvPr>
+            <p:ph type="dt" sz="half" idx="10"/>
+          </p:nvPr>
+        </p:nvSpPr>
+        <p:spPr/>
+        <p:txBody>
+          <a:bodyPr/>
+          <a:lstStyle/>
+          <a:p>
+            <a:pPr>
+              <a:lnSpc>
+                <a:spcPct val="100000"/>
+              </a:lnSpc>
+            </a:pPr>
+            <a:fld id="{E9C06E7C-0C0B-4290-9871-02759152AC99}" type="datetime">
+              <a:rPr lang="en-US" sz="1200" b="0" strike="noStrike" spc="-1" smtClean="0">
+                <a:solidFill>
+                  <a:srgbClr val="8B8B8B"/>
+                </a:solidFill>
+                <a:latin typeface="Calibri"/>
+              </a:rPr>
+              <a:pPr>
+                <a:lnSpc>
+                  <a:spcPct val="100000"/>
+                </a:lnSpc>
+              </a:pPr>
+              <a:t>1/20/2019</a:t>
+            </a:fld>
+            <a:endParaRPr lang="en-US" sz="1200" b="0" strike="noStrike" spc="-1">
+              <a:latin typeface="Times New Roman"/>
+            </a:endParaRPr>
+          </a:p>
+        </p:txBody>
+      </p:sp>
+      <p:sp>
+        <p:nvSpPr>
+          <p:cNvPr id="5" name="頁尾版面配置區 4"/>
+          <p:cNvSpPr>
+            <a:spLocks noGrp="1"/>
+          </p:cNvSpPr>
+          <p:nvPr>
+            <p:ph type="ftr" sz="quarter" idx="11"/>
+          </p:nvPr>
+        </p:nvSpPr>
+        <p:spPr/>
+        <p:txBody>
+          <a:bodyPr/>
+          <a:lstStyle/>
+          <a:p>
+            <a:endParaRPr lang="en-US" sz="2400" b="0" strike="noStrike" spc="-1">
+              <a:latin typeface="Times New Roman"/>
+            </a:endParaRPr>
+          </a:p>
+        </p:txBody>
+      </p:sp>
+      <p:sp>
+        <p:nvSpPr>
+          <p:cNvPr id="6" name="投影片編號版面配置區 5"/>
+          <p:cNvSpPr>
+            <a:spLocks noGrp="1"/>
+          </p:cNvSpPr>
+          <p:nvPr>
+            <p:ph type="sldNum" sz="quarter" idx="12"/>
+          </p:nvPr>
+        </p:nvSpPr>
+        <p:spPr/>
+        <p:txBody>
+          <a:bodyPr/>
+          <a:lstStyle/>
+          <a:p>
+            <a:pPr algn="r">
+              <a:lnSpc>
+                <a:spcPct val="100000"/>
+              </a:lnSpc>
+            </a:pPr>
+            <a:fld id="{DFD6B7B1-33BC-4836-A157-9CE0BF958B21}" type="slidenum">
+              <a:rPr lang="en-US" sz="1200" b="0" strike="noStrike" spc="-1" smtClean="0">
+                <a:solidFill>
+                  <a:srgbClr val="8B8B8B"/>
+                </a:solidFill>
+                <a:latin typeface="Calibri"/>
+              </a:rPr>
+              <a:pPr algn="r">
+                <a:lnSpc>
+                  <a:spcPct val="100000"/>
+                </a:lnSpc>
+              </a:pPr>
+              <a:t>‹#›</a:t>
+            </a:fld>
+            <a:endParaRPr lang="en-US" sz="1200" b="0" strike="noStrike" spc="-1">
+              <a:latin typeface="Times New Roman"/>
             </a:endParaRPr>
           </a:p>
         </p:txBody>
@@ -1875,7 +4685,7 @@
                   <a:spcPct val="100000"/>
                 </a:lnSpc>
               </a:pPr>
-              <a:t>1/13/2019</a:t>
+              <a:t>1/20/2019</a:t>
             </a:fld>
             <a:endParaRPr lang="en-US" sz="1200" b="0" strike="noStrike" spc="-1">
               <a:latin typeface="Times New Roman"/>
@@ -1981,6 +4791,552 @@
     <p:titleStyle/>
     <p:bodyStyle/>
     <p:otherStyle/>
+  </p:txStyles>
+</p:sldMaster>
+</file>
+
+<file path=ppt/slideMasters/slideMaster2.xml><?xml version="1.0" encoding="utf-8"?>
+<p:sldMaster xmlns:a="http://schemas.openxmlformats.org/drawingml/2006/main" xmlns:r="http://schemas.openxmlformats.org/officeDocument/2006/relationships" xmlns:p="http://schemas.openxmlformats.org/presentationml/2006/main">
+  <p:cSld>
+    <p:bg>
+      <p:bgPr>
+        <a:blipFill dpi="0" rotWithShape="1">
+          <a:blip r:embed="rId13"/>
+          <a:srcRect/>
+          <a:tile tx="0" ty="0" sx="100000" sy="100000" flip="none" algn="tl"/>
+        </a:blipFill>
+        <a:effectLst/>
+      </p:bgPr>
+    </p:bg>
+    <p:spTree>
+      <p:nvGrpSpPr>
+        <p:cNvPr id="1" name=""/>
+        <p:cNvGrpSpPr/>
+        <p:nvPr/>
+      </p:nvGrpSpPr>
+      <p:grpSpPr>
+        <a:xfrm>
+          <a:off x="0" y="0"/>
+          <a:ext cx="0" cy="0"/>
+          <a:chOff x="0" y="0"/>
+          <a:chExt cx="0" cy="0"/>
+        </a:xfrm>
+      </p:grpSpPr>
+      <p:sp>
+        <p:nvSpPr>
+          <p:cNvPr id="2" name="標題版面配置區 1"/>
+          <p:cNvSpPr>
+            <a:spLocks noGrp="1"/>
+          </p:cNvSpPr>
+          <p:nvPr>
+            <p:ph type="title"/>
+          </p:nvPr>
+        </p:nvSpPr>
+        <p:spPr>
+          <a:xfrm>
+            <a:off x="457200" y="274638"/>
+            <a:ext cx="8229600" cy="1143000"/>
+          </a:xfrm>
+          <a:prstGeom prst="rect">
+            <a:avLst/>
+          </a:prstGeom>
+        </p:spPr>
+        <p:txBody>
+          <a:bodyPr vert="horz" lIns="91440" tIns="45720" rIns="91440" bIns="45720" rtlCol="0" anchor="ctr">
+            <a:normAutofit/>
+          </a:bodyPr>
+          <a:lstStyle/>
+          <a:p>
+            <a:r>
+              <a:rPr lang="zh-TW" altLang="en-US" smtClean="0"/>
+              <a:t>按一下以編輯母片標題樣式</a:t>
+            </a:r>
+            <a:endParaRPr lang="zh-TW" altLang="en-US"/>
+          </a:p>
+        </p:txBody>
+      </p:sp>
+      <p:sp>
+        <p:nvSpPr>
+          <p:cNvPr id="3" name="文字版面配置區 2"/>
+          <p:cNvSpPr>
+            <a:spLocks noGrp="1"/>
+          </p:cNvSpPr>
+          <p:nvPr>
+            <p:ph type="body" idx="1"/>
+          </p:nvPr>
+        </p:nvSpPr>
+        <p:spPr>
+          <a:xfrm>
+            <a:off x="457200" y="1600200"/>
+            <a:ext cx="8229600" cy="4525963"/>
+          </a:xfrm>
+          <a:prstGeom prst="rect">
+            <a:avLst/>
+          </a:prstGeom>
+        </p:spPr>
+        <p:txBody>
+          <a:bodyPr vert="horz" lIns="91440" tIns="45720" rIns="91440" bIns="45720" rtlCol="0">
+            <a:normAutofit/>
+          </a:bodyPr>
+          <a:lstStyle/>
+          <a:p>
+            <a:pPr lvl="0"/>
+            <a:r>
+              <a:rPr lang="zh-TW" altLang="en-US" smtClean="0"/>
+              <a:t>按一下以編輯母片文字樣式</a:t>
+            </a:r>
+          </a:p>
+          <a:p>
+            <a:pPr lvl="1"/>
+            <a:r>
+              <a:rPr lang="zh-TW" altLang="en-US" smtClean="0"/>
+              <a:t>第二層</a:t>
+            </a:r>
+          </a:p>
+          <a:p>
+            <a:pPr lvl="2"/>
+            <a:r>
+              <a:rPr lang="zh-TW" altLang="en-US" smtClean="0"/>
+              <a:t>第三層</a:t>
+            </a:r>
+          </a:p>
+          <a:p>
+            <a:pPr lvl="3"/>
+            <a:r>
+              <a:rPr lang="zh-TW" altLang="en-US" smtClean="0"/>
+              <a:t>第四層</a:t>
+            </a:r>
+          </a:p>
+          <a:p>
+            <a:pPr lvl="4"/>
+            <a:r>
+              <a:rPr lang="zh-TW" altLang="en-US" smtClean="0"/>
+              <a:t>第五層</a:t>
+            </a:r>
+            <a:endParaRPr lang="zh-TW" altLang="en-US"/>
+          </a:p>
+        </p:txBody>
+      </p:sp>
+      <p:sp>
+        <p:nvSpPr>
+          <p:cNvPr id="4" name="日期版面配置區 3"/>
+          <p:cNvSpPr>
+            <a:spLocks noGrp="1"/>
+          </p:cNvSpPr>
+          <p:nvPr>
+            <p:ph type="dt" sz="half" idx="2"/>
+          </p:nvPr>
+        </p:nvSpPr>
+        <p:spPr>
+          <a:xfrm>
+            <a:off x="457200" y="6356350"/>
+            <a:ext cx="2133600" cy="365125"/>
+          </a:xfrm>
+          <a:prstGeom prst="rect">
+            <a:avLst/>
+          </a:prstGeom>
+        </p:spPr>
+        <p:txBody>
+          <a:bodyPr vert="horz" lIns="91440" tIns="45720" rIns="91440" bIns="45720" rtlCol="0" anchor="ctr"/>
+          <a:lstStyle>
+            <a:lvl1pPr algn="l">
+              <a:defRPr sz="1200">
+                <a:solidFill>
+                  <a:schemeClr val="tx1">
+                    <a:tint val="75000"/>
+                  </a:schemeClr>
+                </a:solidFill>
+              </a:defRPr>
+            </a:lvl1pPr>
+          </a:lstStyle>
+          <a:p>
+            <a:pPr>
+              <a:lnSpc>
+                <a:spcPct val="100000"/>
+              </a:lnSpc>
+            </a:pPr>
+            <a:fld id="{E9C06E7C-0C0B-4290-9871-02759152AC99}" type="datetime">
+              <a:rPr lang="en-US" sz="1200" b="0" strike="noStrike" spc="-1" smtClean="0">
+                <a:solidFill>
+                  <a:srgbClr val="8B8B8B"/>
+                </a:solidFill>
+                <a:latin typeface="Calibri"/>
+              </a:rPr>
+              <a:pPr>
+                <a:lnSpc>
+                  <a:spcPct val="100000"/>
+                </a:lnSpc>
+              </a:pPr>
+              <a:t>1/20/2019</a:t>
+            </a:fld>
+            <a:endParaRPr lang="en-US" sz="1200" b="0" strike="noStrike" spc="-1">
+              <a:latin typeface="Times New Roman"/>
+            </a:endParaRPr>
+          </a:p>
+        </p:txBody>
+      </p:sp>
+      <p:sp>
+        <p:nvSpPr>
+          <p:cNvPr id="5" name="頁尾版面配置區 4"/>
+          <p:cNvSpPr>
+            <a:spLocks noGrp="1"/>
+          </p:cNvSpPr>
+          <p:nvPr>
+            <p:ph type="ftr" sz="quarter" idx="3"/>
+          </p:nvPr>
+        </p:nvSpPr>
+        <p:spPr>
+          <a:xfrm>
+            <a:off x="3124200" y="6356350"/>
+            <a:ext cx="2895600" cy="365125"/>
+          </a:xfrm>
+          <a:prstGeom prst="rect">
+            <a:avLst/>
+          </a:prstGeom>
+        </p:spPr>
+        <p:txBody>
+          <a:bodyPr vert="horz" lIns="91440" tIns="45720" rIns="91440" bIns="45720" rtlCol="0" anchor="ctr"/>
+          <a:lstStyle>
+            <a:lvl1pPr algn="ctr">
+              <a:defRPr sz="1200">
+                <a:solidFill>
+                  <a:schemeClr val="tx1">
+                    <a:tint val="75000"/>
+                  </a:schemeClr>
+                </a:solidFill>
+              </a:defRPr>
+            </a:lvl1pPr>
+          </a:lstStyle>
+          <a:p>
+            <a:endParaRPr lang="en-US" sz="2400" b="0" strike="noStrike" spc="-1">
+              <a:latin typeface="Times New Roman"/>
+            </a:endParaRPr>
+          </a:p>
+        </p:txBody>
+      </p:sp>
+      <p:sp>
+        <p:nvSpPr>
+          <p:cNvPr id="6" name="投影片編號版面配置區 5"/>
+          <p:cNvSpPr>
+            <a:spLocks noGrp="1"/>
+          </p:cNvSpPr>
+          <p:nvPr>
+            <p:ph type="sldNum" sz="quarter" idx="4"/>
+          </p:nvPr>
+        </p:nvSpPr>
+        <p:spPr>
+          <a:xfrm>
+            <a:off x="6553200" y="6356350"/>
+            <a:ext cx="2133600" cy="365125"/>
+          </a:xfrm>
+          <a:prstGeom prst="rect">
+            <a:avLst/>
+          </a:prstGeom>
+        </p:spPr>
+        <p:txBody>
+          <a:bodyPr vert="horz" lIns="91440" tIns="45720" rIns="91440" bIns="45720" rtlCol="0" anchor="ctr"/>
+          <a:lstStyle>
+            <a:lvl1pPr algn="r">
+              <a:defRPr sz="1200">
+                <a:solidFill>
+                  <a:schemeClr val="tx1">
+                    <a:tint val="75000"/>
+                  </a:schemeClr>
+                </a:solidFill>
+              </a:defRPr>
+            </a:lvl1pPr>
+          </a:lstStyle>
+          <a:p>
+            <a:pPr algn="r">
+              <a:lnSpc>
+                <a:spcPct val="100000"/>
+              </a:lnSpc>
+            </a:pPr>
+            <a:fld id="{DFD6B7B1-33BC-4836-A157-9CE0BF958B21}" type="slidenum">
+              <a:rPr lang="en-US" sz="1200" b="0" strike="noStrike" spc="-1" smtClean="0">
+                <a:solidFill>
+                  <a:srgbClr val="8B8B8B"/>
+                </a:solidFill>
+                <a:latin typeface="Calibri"/>
+              </a:rPr>
+              <a:pPr algn="r">
+                <a:lnSpc>
+                  <a:spcPct val="100000"/>
+                </a:lnSpc>
+              </a:pPr>
+              <a:t>‹#›</a:t>
+            </a:fld>
+            <a:endParaRPr lang="en-US" sz="1200" b="0" strike="noStrike" spc="-1">
+              <a:latin typeface="Times New Roman"/>
+            </a:endParaRPr>
+          </a:p>
+        </p:txBody>
+      </p:sp>
+    </p:spTree>
+  </p:cSld>
+  <p:clrMap bg1="lt1" tx1="dk1" bg2="lt2" tx2="dk2" accent1="accent1" accent2="accent2" accent3="accent3" accent4="accent4" accent5="accent5" accent6="accent6" hlink="hlink" folHlink="folHlink"/>
+  <p:sldLayoutIdLst>
+    <p:sldLayoutId id="2147483662" r:id="rId1"/>
+    <p:sldLayoutId id="2147483663" r:id="rId2"/>
+    <p:sldLayoutId id="2147483664" r:id="rId3"/>
+    <p:sldLayoutId id="2147483665" r:id="rId4"/>
+    <p:sldLayoutId id="2147483666" r:id="rId5"/>
+    <p:sldLayoutId id="2147483667" r:id="rId6"/>
+    <p:sldLayoutId id="2147483668" r:id="rId7"/>
+    <p:sldLayoutId id="2147483669" r:id="rId8"/>
+    <p:sldLayoutId id="2147483670" r:id="rId9"/>
+    <p:sldLayoutId id="2147483671" r:id="rId10"/>
+    <p:sldLayoutId id="2147483672" r:id="rId11"/>
+  </p:sldLayoutIdLst>
+  <p:txStyles>
+    <p:titleStyle>
+      <a:lvl1pPr algn="ctr" defTabSz="914400" rtl="0" eaLnBrk="1" latinLnBrk="0" hangingPunct="1">
+        <a:spcBef>
+          <a:spcPct val="0"/>
+        </a:spcBef>
+        <a:buNone/>
+        <a:defRPr sz="4400" kern="1200">
+          <a:solidFill>
+            <a:schemeClr val="tx1"/>
+          </a:solidFill>
+          <a:latin typeface="+mj-lt"/>
+          <a:ea typeface="+mj-ea"/>
+          <a:cs typeface="+mj-cs"/>
+        </a:defRPr>
+      </a:lvl1pPr>
+    </p:titleStyle>
+    <p:bodyStyle>
+      <a:lvl1pPr marL="342900" indent="-342900" algn="l" defTabSz="914400" rtl="0" eaLnBrk="1" latinLnBrk="0" hangingPunct="1">
+        <a:spcBef>
+          <a:spcPct val="20000"/>
+        </a:spcBef>
+        <a:buFont typeface="Arial" pitchFamily="34" charset="0"/>
+        <a:buChar char="•"/>
+        <a:defRPr sz="3200" kern="1200">
+          <a:solidFill>
+            <a:schemeClr val="tx1"/>
+          </a:solidFill>
+          <a:latin typeface="+mn-lt"/>
+          <a:ea typeface="+mn-ea"/>
+          <a:cs typeface="+mn-cs"/>
+        </a:defRPr>
+      </a:lvl1pPr>
+      <a:lvl2pPr marL="742950" indent="-285750" algn="l" defTabSz="914400" rtl="0" eaLnBrk="1" latinLnBrk="0" hangingPunct="1">
+        <a:spcBef>
+          <a:spcPct val="20000"/>
+        </a:spcBef>
+        <a:buFont typeface="Arial" pitchFamily="34" charset="0"/>
+        <a:buChar char="–"/>
+        <a:defRPr sz="2800" kern="1200">
+          <a:solidFill>
+            <a:schemeClr val="tx1"/>
+          </a:solidFill>
+          <a:latin typeface="+mn-lt"/>
+          <a:ea typeface="+mn-ea"/>
+          <a:cs typeface="+mn-cs"/>
+        </a:defRPr>
+      </a:lvl2pPr>
+      <a:lvl3pPr marL="1143000" indent="-228600" algn="l" defTabSz="914400" rtl="0" eaLnBrk="1" latinLnBrk="0" hangingPunct="1">
+        <a:spcBef>
+          <a:spcPct val="20000"/>
+        </a:spcBef>
+        <a:buFont typeface="Arial" pitchFamily="34" charset="0"/>
+        <a:buChar char="•"/>
+        <a:defRPr sz="2400" kern="1200">
+          <a:solidFill>
+            <a:schemeClr val="tx1"/>
+          </a:solidFill>
+          <a:latin typeface="+mn-lt"/>
+          <a:ea typeface="+mn-ea"/>
+          <a:cs typeface="+mn-cs"/>
+        </a:defRPr>
+      </a:lvl3pPr>
+      <a:lvl4pPr marL="1600200" indent="-228600" algn="l" defTabSz="914400" rtl="0" eaLnBrk="1" latinLnBrk="0" hangingPunct="1">
+        <a:spcBef>
+          <a:spcPct val="20000"/>
+        </a:spcBef>
+        <a:buFont typeface="Arial" pitchFamily="34" charset="0"/>
+        <a:buChar char="–"/>
+        <a:defRPr sz="2000" kern="1200">
+          <a:solidFill>
+            <a:schemeClr val="tx1"/>
+          </a:solidFill>
+          <a:latin typeface="+mn-lt"/>
+          <a:ea typeface="+mn-ea"/>
+          <a:cs typeface="+mn-cs"/>
+        </a:defRPr>
+      </a:lvl4pPr>
+      <a:lvl5pPr marL="2057400" indent="-228600" algn="l" defTabSz="914400" rtl="0" eaLnBrk="1" latinLnBrk="0" hangingPunct="1">
+        <a:spcBef>
+          <a:spcPct val="20000"/>
+        </a:spcBef>
+        <a:buFont typeface="Arial" pitchFamily="34" charset="0"/>
+        <a:buChar char="»"/>
+        <a:defRPr sz="2000" kern="1200">
+          <a:solidFill>
+            <a:schemeClr val="tx1"/>
+          </a:solidFill>
+          <a:latin typeface="+mn-lt"/>
+          <a:ea typeface="+mn-ea"/>
+          <a:cs typeface="+mn-cs"/>
+        </a:defRPr>
+      </a:lvl5pPr>
+      <a:lvl6pPr marL="2514600" indent="-228600" algn="l" defTabSz="914400" rtl="0" eaLnBrk="1" latinLnBrk="0" hangingPunct="1">
+        <a:spcBef>
+          <a:spcPct val="20000"/>
+        </a:spcBef>
+        <a:buFont typeface="Arial" pitchFamily="34" charset="0"/>
+        <a:buChar char="•"/>
+        <a:defRPr sz="2000" kern="1200">
+          <a:solidFill>
+            <a:schemeClr val="tx1"/>
+          </a:solidFill>
+          <a:latin typeface="+mn-lt"/>
+          <a:ea typeface="+mn-ea"/>
+          <a:cs typeface="+mn-cs"/>
+        </a:defRPr>
+      </a:lvl6pPr>
+      <a:lvl7pPr marL="2971800" indent="-228600" algn="l" defTabSz="914400" rtl="0" eaLnBrk="1" latinLnBrk="0" hangingPunct="1">
+        <a:spcBef>
+          <a:spcPct val="20000"/>
+        </a:spcBef>
+        <a:buFont typeface="Arial" pitchFamily="34" charset="0"/>
+        <a:buChar char="•"/>
+        <a:defRPr sz="2000" kern="1200">
+          <a:solidFill>
+            <a:schemeClr val="tx1"/>
+          </a:solidFill>
+          <a:latin typeface="+mn-lt"/>
+          <a:ea typeface="+mn-ea"/>
+          <a:cs typeface="+mn-cs"/>
+        </a:defRPr>
+      </a:lvl7pPr>
+      <a:lvl8pPr marL="3429000" indent="-228600" algn="l" defTabSz="914400" rtl="0" eaLnBrk="1" latinLnBrk="0" hangingPunct="1">
+        <a:spcBef>
+          <a:spcPct val="20000"/>
+        </a:spcBef>
+        <a:buFont typeface="Arial" pitchFamily="34" charset="0"/>
+        <a:buChar char="•"/>
+        <a:defRPr sz="2000" kern="1200">
+          <a:solidFill>
+            <a:schemeClr val="tx1"/>
+          </a:solidFill>
+          <a:latin typeface="+mn-lt"/>
+          <a:ea typeface="+mn-ea"/>
+          <a:cs typeface="+mn-cs"/>
+        </a:defRPr>
+      </a:lvl8pPr>
+      <a:lvl9pPr marL="3886200" indent="-228600" algn="l" defTabSz="914400" rtl="0" eaLnBrk="1" latinLnBrk="0" hangingPunct="1">
+        <a:spcBef>
+          <a:spcPct val="20000"/>
+        </a:spcBef>
+        <a:buFont typeface="Arial" pitchFamily="34" charset="0"/>
+        <a:buChar char="•"/>
+        <a:defRPr sz="2000" kern="1200">
+          <a:solidFill>
+            <a:schemeClr val="tx1"/>
+          </a:solidFill>
+          <a:latin typeface="+mn-lt"/>
+          <a:ea typeface="+mn-ea"/>
+          <a:cs typeface="+mn-cs"/>
+        </a:defRPr>
+      </a:lvl9pPr>
+    </p:bodyStyle>
+    <p:otherStyle>
+      <a:defPPr>
+        <a:defRPr lang="zh-TW"/>
+      </a:defPPr>
+      <a:lvl1pPr marL="0" algn="l" defTabSz="914400" rtl="0" eaLnBrk="1" latinLnBrk="0" hangingPunct="1">
+        <a:defRPr sz="1800" kern="1200">
+          <a:solidFill>
+            <a:schemeClr val="tx1"/>
+          </a:solidFill>
+          <a:latin typeface="+mn-lt"/>
+          <a:ea typeface="+mn-ea"/>
+          <a:cs typeface="+mn-cs"/>
+        </a:defRPr>
+      </a:lvl1pPr>
+      <a:lvl2pPr marL="457200" algn="l" defTabSz="914400" rtl="0" eaLnBrk="1" latinLnBrk="0" hangingPunct="1">
+        <a:defRPr sz="1800" kern="1200">
+          <a:solidFill>
+            <a:schemeClr val="tx1"/>
+          </a:solidFill>
+          <a:latin typeface="+mn-lt"/>
+          <a:ea typeface="+mn-ea"/>
+          <a:cs typeface="+mn-cs"/>
+        </a:defRPr>
+      </a:lvl2pPr>
+      <a:lvl3pPr marL="914400" algn="l" defTabSz="914400" rtl="0" eaLnBrk="1" latinLnBrk="0" hangingPunct="1">
+        <a:defRPr sz="1800" kern="1200">
+          <a:solidFill>
+            <a:schemeClr val="tx1"/>
+          </a:solidFill>
+          <a:latin typeface="+mn-lt"/>
+          <a:ea typeface="+mn-ea"/>
+          <a:cs typeface="+mn-cs"/>
+        </a:defRPr>
+      </a:lvl3pPr>
+      <a:lvl4pPr marL="1371600" algn="l" defTabSz="914400" rtl="0" eaLnBrk="1" latinLnBrk="0" hangingPunct="1">
+        <a:defRPr sz="1800" kern="1200">
+          <a:solidFill>
+            <a:schemeClr val="tx1"/>
+          </a:solidFill>
+          <a:latin typeface="+mn-lt"/>
+          <a:ea typeface="+mn-ea"/>
+          <a:cs typeface="+mn-cs"/>
+        </a:defRPr>
+      </a:lvl4pPr>
+      <a:lvl5pPr marL="1828800" algn="l" defTabSz="914400" rtl="0" eaLnBrk="1" latinLnBrk="0" hangingPunct="1">
+        <a:defRPr sz="1800" kern="1200">
+          <a:solidFill>
+            <a:schemeClr val="tx1"/>
+          </a:solidFill>
+          <a:latin typeface="+mn-lt"/>
+          <a:ea typeface="+mn-ea"/>
+          <a:cs typeface="+mn-cs"/>
+        </a:defRPr>
+      </a:lvl5pPr>
+      <a:lvl6pPr marL="2286000" algn="l" defTabSz="914400" rtl="0" eaLnBrk="1" latinLnBrk="0" hangingPunct="1">
+        <a:defRPr sz="1800" kern="1200">
+          <a:solidFill>
+            <a:schemeClr val="tx1"/>
+          </a:solidFill>
+          <a:latin typeface="+mn-lt"/>
+          <a:ea typeface="+mn-ea"/>
+          <a:cs typeface="+mn-cs"/>
+        </a:defRPr>
+      </a:lvl6pPr>
+      <a:lvl7pPr marL="2743200" algn="l" defTabSz="914400" rtl="0" eaLnBrk="1" latinLnBrk="0" hangingPunct="1">
+        <a:defRPr sz="1800" kern="1200">
+          <a:solidFill>
+            <a:schemeClr val="tx1"/>
+          </a:solidFill>
+          <a:latin typeface="+mn-lt"/>
+          <a:ea typeface="+mn-ea"/>
+          <a:cs typeface="+mn-cs"/>
+        </a:defRPr>
+      </a:lvl7pPr>
+      <a:lvl8pPr marL="3200400" algn="l" defTabSz="914400" rtl="0" eaLnBrk="1" latinLnBrk="0" hangingPunct="1">
+        <a:defRPr sz="1800" kern="1200">
+          <a:solidFill>
+            <a:schemeClr val="tx1"/>
+          </a:solidFill>
+          <a:latin typeface="+mn-lt"/>
+          <a:ea typeface="+mn-ea"/>
+          <a:cs typeface="+mn-cs"/>
+        </a:defRPr>
+      </a:lvl8pPr>
+      <a:lvl9pPr marL="3657600" algn="l" defTabSz="914400" rtl="0" eaLnBrk="1" latinLnBrk="0" hangingPunct="1">
+        <a:defRPr sz="1800" kern="1200">
+          <a:solidFill>
+            <a:schemeClr val="tx1"/>
+          </a:solidFill>
+          <a:latin typeface="+mn-lt"/>
+          <a:ea typeface="+mn-ea"/>
+          <a:cs typeface="+mn-cs"/>
+        </a:defRPr>
+      </a:lvl9pPr>
+    </p:otherStyle>
   </p:txStyles>
 </p:sldMaster>
 </file>
@@ -5097,18 +8453,22 @@
               </a:lnSpc>
             </a:pPr>
             <a:r>
-              <a:rPr lang="zh-TW" sz="4400" b="1" strike="noStrike" spc="-1">
-                <a:solidFill>
-                  <a:srgbClr val="002060"/>
+              <a:rPr lang="zh-TW" sz="4400" b="1" strike="noStrike" spc="-1" dirty="0">
+                <a:solidFill>
+                  <a:schemeClr val="bg2">
+                    <a:lumMod val="10000"/>
+                  </a:schemeClr>
                 </a:solidFill>
                 <a:latin typeface="Microsoft JhengHei"/>
                 <a:ea typeface="Microsoft JhengHei"/>
               </a:rPr>
               <a:t>靠著耶穌聖名</a:t>
             </a:r>
-            <a:endParaRPr lang="zh-TW" sz="4400" b="0" strike="noStrike" spc="-1">
-              <a:solidFill>
-                <a:srgbClr val="000000"/>
+            <a:endParaRPr lang="zh-TW" sz="4400" b="0" strike="noStrike" spc="-1" dirty="0">
+              <a:solidFill>
+                <a:schemeClr val="bg2">
+                  <a:lumMod val="10000"/>
+                </a:schemeClr>
               </a:solidFill>
               <a:latin typeface="Calibri"/>
             </a:endParaRPr>
@@ -5151,7 +8511,9 @@
             <a:r>
               <a:rPr lang="zh-TW" sz="5400" b="1" strike="noStrike" spc="-1">
                 <a:solidFill>
-                  <a:srgbClr val="002060"/>
+                  <a:schemeClr val="bg2">
+                    <a:lumMod val="10000"/>
+                  </a:schemeClr>
                 </a:solidFill>
                 <a:latin typeface="Microsoft JhengHei"/>
                 <a:ea typeface="Microsoft JhengHei"/>
@@ -5160,7 +8522,9 @@
             </a:r>
             <a:endParaRPr lang="zh-TW" sz="5400" b="0" strike="noStrike" spc="-1">
               <a:solidFill>
-                <a:srgbClr val="000000"/>
+                <a:schemeClr val="bg2">
+                  <a:lumMod val="10000"/>
+                </a:schemeClr>
               </a:solidFill>
               <a:latin typeface="Calibri"/>
             </a:endParaRPr>
@@ -5177,7 +8541,9 @@
             <a:r>
               <a:rPr lang="zh-TW" sz="5400" b="1" strike="noStrike" spc="-1">
                 <a:solidFill>
-                  <a:srgbClr val="002060"/>
+                  <a:schemeClr val="bg2">
+                    <a:lumMod val="10000"/>
+                  </a:schemeClr>
                 </a:solidFill>
                 <a:latin typeface="Microsoft JhengHei"/>
                 <a:ea typeface="Microsoft JhengHei"/>
@@ -5186,7 +8552,9 @@
             </a:r>
             <a:endParaRPr lang="zh-TW" sz="5400" b="0" strike="noStrike" spc="-1">
               <a:solidFill>
-                <a:srgbClr val="000000"/>
+                <a:schemeClr val="bg2">
+                  <a:lumMod val="10000"/>
+                </a:schemeClr>
               </a:solidFill>
               <a:latin typeface="Calibri"/>
             </a:endParaRPr>
@@ -5203,7 +8571,9 @@
             <a:r>
               <a:rPr lang="zh-TW" sz="5400" b="1" strike="noStrike" spc="-1">
                 <a:solidFill>
-                  <a:srgbClr val="002060"/>
+                  <a:schemeClr val="bg2">
+                    <a:lumMod val="10000"/>
+                  </a:schemeClr>
                 </a:solidFill>
                 <a:latin typeface="Microsoft JhengHei"/>
                 <a:ea typeface="Microsoft JhengHei"/>
@@ -5212,7 +8582,9 @@
             </a:r>
             <a:endParaRPr lang="zh-TW" sz="5400" b="0" strike="noStrike" spc="-1">
               <a:solidFill>
-                <a:srgbClr val="000000"/>
+                <a:schemeClr val="bg2">
+                  <a:lumMod val="10000"/>
+                </a:schemeClr>
               </a:solidFill>
               <a:latin typeface="Calibri"/>
             </a:endParaRPr>
@@ -5229,7 +8601,9 @@
             <a:r>
               <a:rPr lang="zh-TW" sz="5400" b="1" strike="noStrike" spc="-1">
                 <a:solidFill>
-                  <a:srgbClr val="002060"/>
+                  <a:schemeClr val="bg2">
+                    <a:lumMod val="10000"/>
+                  </a:schemeClr>
                 </a:solidFill>
                 <a:latin typeface="Microsoft JhengHei"/>
                 <a:ea typeface="Microsoft JhengHei"/>
@@ -5238,7 +8612,9 @@
             </a:r>
             <a:endParaRPr lang="zh-TW" sz="5400" b="0" strike="noStrike" spc="-1">
               <a:solidFill>
-                <a:srgbClr val="000000"/>
+                <a:schemeClr val="bg2">
+                  <a:lumMod val="10000"/>
+                </a:schemeClr>
               </a:solidFill>
               <a:latin typeface="Calibri"/>
             </a:endParaRPr>
@@ -5326,18 +8702,22 @@
               </a:lnSpc>
             </a:pPr>
             <a:r>
-              <a:rPr lang="zh-TW" sz="4400" b="1" strike="noStrike" spc="-1">
-                <a:solidFill>
-                  <a:srgbClr val="002060"/>
+              <a:rPr lang="zh-TW" sz="4400" b="1" strike="noStrike" spc="-1" dirty="0">
+                <a:solidFill>
+                  <a:schemeClr val="bg2">
+                    <a:lumMod val="10000"/>
+                  </a:schemeClr>
                 </a:solidFill>
                 <a:latin typeface="Microsoft JhengHei"/>
                 <a:ea typeface="Microsoft JhengHei"/>
               </a:rPr>
               <a:t>靠著耶穌聖名</a:t>
             </a:r>
-            <a:endParaRPr lang="zh-TW" sz="4400" b="0" strike="noStrike" spc="-1">
-              <a:solidFill>
-                <a:srgbClr val="000000"/>
+            <a:endParaRPr lang="zh-TW" sz="4400" b="0" strike="noStrike" spc="-1" dirty="0">
+              <a:solidFill>
+                <a:schemeClr val="bg2">
+                  <a:lumMod val="10000"/>
+                </a:schemeClr>
               </a:solidFill>
               <a:latin typeface="Calibri"/>
             </a:endParaRPr>
@@ -5380,7 +8760,9 @@
             <a:r>
               <a:rPr lang="zh-TW" sz="5400" b="1" strike="noStrike" spc="-1">
                 <a:solidFill>
-                  <a:srgbClr val="002060"/>
+                  <a:schemeClr val="bg2">
+                    <a:lumMod val="10000"/>
+                  </a:schemeClr>
                 </a:solidFill>
                 <a:latin typeface="Microsoft JhengHei"/>
                 <a:ea typeface="Microsoft JhengHei"/>
@@ -5389,7 +8771,9 @@
             </a:r>
             <a:endParaRPr lang="zh-TW" sz="5400" b="0" strike="noStrike" spc="-1">
               <a:solidFill>
-                <a:srgbClr val="000000"/>
+                <a:schemeClr val="bg2">
+                  <a:lumMod val="10000"/>
+                </a:schemeClr>
               </a:solidFill>
               <a:latin typeface="Calibri"/>
             </a:endParaRPr>
@@ -5406,7 +8790,9 @@
             <a:r>
               <a:rPr lang="zh-TW" sz="5400" b="1" strike="noStrike" spc="-1">
                 <a:solidFill>
-                  <a:srgbClr val="002060"/>
+                  <a:schemeClr val="bg2">
+                    <a:lumMod val="10000"/>
+                  </a:schemeClr>
                 </a:solidFill>
                 <a:latin typeface="Microsoft JhengHei"/>
                 <a:ea typeface="Microsoft JhengHei"/>
@@ -5415,7 +8801,9 @@
             </a:r>
             <a:endParaRPr lang="zh-TW" sz="5400" b="0" strike="noStrike" spc="-1">
               <a:solidFill>
-                <a:srgbClr val="000000"/>
+                <a:schemeClr val="bg2">
+                  <a:lumMod val="10000"/>
+                </a:schemeClr>
               </a:solidFill>
               <a:latin typeface="Calibri"/>
             </a:endParaRPr>
@@ -5432,7 +8820,9 @@
             <a:r>
               <a:rPr lang="zh-TW" sz="5400" b="1" strike="noStrike" spc="-1">
                 <a:solidFill>
-                  <a:srgbClr val="002060"/>
+                  <a:schemeClr val="bg2">
+                    <a:lumMod val="10000"/>
+                  </a:schemeClr>
                 </a:solidFill>
                 <a:latin typeface="Microsoft JhengHei"/>
                 <a:ea typeface="Microsoft JhengHei"/>
@@ -5441,7 +8831,9 @@
             </a:r>
             <a:endParaRPr lang="zh-TW" sz="5400" b="0" strike="noStrike" spc="-1">
               <a:solidFill>
-                <a:srgbClr val="000000"/>
+                <a:schemeClr val="bg2">
+                  <a:lumMod val="10000"/>
+                </a:schemeClr>
               </a:solidFill>
               <a:latin typeface="Calibri"/>
             </a:endParaRPr>
@@ -5458,7 +8850,9 @@
             <a:r>
               <a:rPr lang="zh-TW" sz="5400" b="1" strike="noStrike" spc="-1">
                 <a:solidFill>
-                  <a:srgbClr val="002060"/>
+                  <a:schemeClr val="bg2">
+                    <a:lumMod val="10000"/>
+                  </a:schemeClr>
                 </a:solidFill>
                 <a:latin typeface="Microsoft JhengHei"/>
                 <a:ea typeface="Microsoft JhengHei"/>
@@ -5467,7 +8861,9 @@
             </a:r>
             <a:endParaRPr lang="zh-TW" sz="5400" b="0" strike="noStrike" spc="-1">
               <a:solidFill>
-                <a:srgbClr val="000000"/>
+                <a:schemeClr val="bg2">
+                  <a:lumMod val="10000"/>
+                </a:schemeClr>
               </a:solidFill>
               <a:latin typeface="Calibri"/>
             </a:endParaRPr>
@@ -5503,6 +8899,740 @@
             </p:seq>
           </p:childTnLst>
         </p:cTn>
+      </p:par>
+    </p:tnLst>
+  </p:timing>
+</p:sld>
+</file>
+
+<file path=ppt/slides/slide24.xml><?xml version="1.0" encoding="utf-8"?>
+<p:sld xmlns:a="http://schemas.openxmlformats.org/drawingml/2006/main" xmlns:r="http://schemas.openxmlformats.org/officeDocument/2006/relationships" xmlns:p="http://schemas.openxmlformats.org/presentationml/2006/main">
+  <p:cSld>
+    <p:spTree>
+      <p:nvGrpSpPr>
+        <p:cNvPr id="1" name=""/>
+        <p:cNvGrpSpPr/>
+        <p:nvPr/>
+      </p:nvGrpSpPr>
+      <p:grpSpPr>
+        <a:xfrm>
+          <a:off x="0" y="0"/>
+          <a:ext cx="0" cy="0"/>
+          <a:chOff x="0" y="0"/>
+          <a:chExt cx="0" cy="0"/>
+        </a:xfrm>
+      </p:grpSpPr>
+      <p:sp>
+        <p:nvSpPr>
+          <p:cNvPr id="4" name="Title 3"/>
+          <p:cNvSpPr>
+            <a:spLocks noGrp="1"/>
+          </p:cNvSpPr>
+          <p:nvPr>
+            <p:ph type="title"/>
+          </p:nvPr>
+        </p:nvSpPr>
+        <p:spPr/>
+        <p:txBody>
+          <a:bodyPr/>
+          <a:lstStyle/>
+          <a:p>
+            <a:r>
+              <a:rPr lang="zh-TW" altLang="en-US" b="1" dirty="0" smtClean="0">
+                <a:solidFill>
+                  <a:srgbClr val="000066"/>
+                </a:solidFill>
+                <a:latin typeface="微軟正黑體" pitchFamily="34" charset="-120"/>
+                <a:ea typeface="微軟正黑體" pitchFamily="34" charset="-120"/>
+              </a:rPr>
+              <a:t>歡欣</a:t>
+            </a:r>
+            <a:endParaRPr lang="en-US" b="1" dirty="0">
+              <a:solidFill>
+                <a:srgbClr val="000066"/>
+              </a:solidFill>
+              <a:latin typeface="微軟正黑體" pitchFamily="34" charset="-120"/>
+              <a:ea typeface="微軟正黑體" pitchFamily="34" charset="-120"/>
+            </a:endParaRPr>
+          </a:p>
+        </p:txBody>
+      </p:sp>
+      <p:sp>
+        <p:nvSpPr>
+          <p:cNvPr id="5" name="Content Placeholder 4"/>
+          <p:cNvSpPr>
+            <a:spLocks noGrp="1"/>
+          </p:cNvSpPr>
+          <p:nvPr>
+            <p:ph idx="1"/>
+          </p:nvPr>
+        </p:nvSpPr>
+        <p:spPr>
+          <a:xfrm>
+            <a:off x="457200" y="1600200"/>
+            <a:ext cx="8229600" cy="4525963"/>
+          </a:xfrm>
+          <a:prstGeom prst="rect">
+            <a:avLst/>
+          </a:prstGeom>
+        </p:spPr>
+        <p:txBody>
+          <a:bodyPr>
+            <a:normAutofit/>
+          </a:bodyPr>
+          <a:lstStyle/>
+          <a:p>
+            <a:pPr algn="ctr">
+              <a:buNone/>
+            </a:pPr>
+            <a:r>
+              <a:rPr lang="zh-TW" altLang="en-US" sz="5400" b="1" dirty="0">
+                <a:solidFill>
+                  <a:srgbClr val="000066"/>
+                </a:solidFill>
+                <a:latin typeface="微軟正黑體" pitchFamily="34" charset="-120"/>
+                <a:ea typeface="微軟正黑體" pitchFamily="34" charset="-120"/>
+              </a:rPr>
+              <a:t>歡</a:t>
+            </a:r>
+            <a:r>
+              <a:rPr lang="zh-TW" altLang="en-US" sz="5400" b="1" dirty="0" smtClean="0">
+                <a:solidFill>
+                  <a:srgbClr val="000066"/>
+                </a:solidFill>
+                <a:latin typeface="微軟正黑體" pitchFamily="34" charset="-120"/>
+                <a:ea typeface="微軟正黑體" pitchFamily="34" charset="-120"/>
+              </a:rPr>
+              <a:t>欣 心</a:t>
+            </a:r>
+            <a:r>
+              <a:rPr lang="zh-TW" altLang="en-US" sz="5400" b="1" dirty="0">
+                <a:solidFill>
+                  <a:srgbClr val="000066"/>
+                </a:solidFill>
+                <a:latin typeface="微軟正黑體" pitchFamily="34" charset="-120"/>
+                <a:ea typeface="微軟正黑體" pitchFamily="34" charset="-120"/>
+              </a:rPr>
+              <a:t>裡感謝</a:t>
+            </a:r>
+            <a:r>
+              <a:rPr lang="zh-TW" altLang="en-US" sz="5400" b="1" dirty="0" smtClean="0">
+                <a:solidFill>
+                  <a:srgbClr val="000066"/>
+                </a:solidFill>
+                <a:latin typeface="微軟正黑體" pitchFamily="34" charset="-120"/>
+                <a:ea typeface="微軟正黑體" pitchFamily="34" charset="-120"/>
+              </a:rPr>
+              <a:t>神</a:t>
+            </a:r>
+            <a:endParaRPr lang="zh-TW" altLang="en-US" sz="5400" b="1" dirty="0">
+              <a:solidFill>
+                <a:srgbClr val="000066"/>
+              </a:solidFill>
+              <a:latin typeface="微軟正黑體" pitchFamily="34" charset="-120"/>
+              <a:ea typeface="微軟正黑體" pitchFamily="34" charset="-120"/>
+            </a:endParaRPr>
+          </a:p>
+          <a:p>
+            <a:pPr algn="ctr">
+              <a:buNone/>
+            </a:pPr>
+            <a:r>
+              <a:rPr lang="zh-TW" altLang="en-US" sz="5400" b="1" dirty="0">
+                <a:solidFill>
+                  <a:srgbClr val="000066"/>
+                </a:solidFill>
+                <a:latin typeface="微軟正黑體" pitchFamily="34" charset="-120"/>
+                <a:ea typeface="微軟正黑體" pitchFamily="34" charset="-120"/>
+              </a:rPr>
+              <a:t>歌唱歸於聖</a:t>
+            </a:r>
+            <a:r>
+              <a:rPr lang="zh-TW" altLang="en-US" sz="5400" b="1" dirty="0" smtClean="0">
+                <a:solidFill>
+                  <a:srgbClr val="000066"/>
+                </a:solidFill>
+                <a:latin typeface="微軟正黑體" pitchFamily="34" charset="-120"/>
+                <a:ea typeface="微軟正黑體" pitchFamily="34" charset="-120"/>
+              </a:rPr>
+              <a:t>父</a:t>
+            </a:r>
+            <a:endParaRPr lang="zh-TW" altLang="en-US" sz="5400" b="1" dirty="0">
+              <a:solidFill>
+                <a:srgbClr val="000066"/>
+              </a:solidFill>
+              <a:latin typeface="微軟正黑體" pitchFamily="34" charset="-120"/>
+              <a:ea typeface="微軟正黑體" pitchFamily="34" charset="-120"/>
+            </a:endParaRPr>
+          </a:p>
+          <a:p>
+            <a:pPr algn="ctr">
+              <a:buNone/>
+            </a:pPr>
+            <a:r>
+              <a:rPr lang="zh-TW" altLang="en-US" sz="5400" b="1" dirty="0">
+                <a:solidFill>
+                  <a:srgbClr val="000066"/>
+                </a:solidFill>
+                <a:latin typeface="微軟正黑體" pitchFamily="34" charset="-120"/>
+                <a:ea typeface="微軟正黑體" pitchFamily="34" charset="-120"/>
+              </a:rPr>
+              <a:t>讚頌你賜下慈</a:t>
+            </a:r>
+            <a:r>
+              <a:rPr lang="zh-TW" altLang="en-US" sz="5400" b="1" dirty="0" smtClean="0">
+                <a:solidFill>
+                  <a:srgbClr val="000066"/>
+                </a:solidFill>
+                <a:latin typeface="微軟正黑體" pitchFamily="34" charset="-120"/>
+                <a:ea typeface="微軟正黑體" pitchFamily="34" charset="-120"/>
+              </a:rPr>
+              <a:t>愛</a:t>
+            </a:r>
+            <a:endParaRPr lang="en-US" altLang="zh-TW" sz="5400" b="1" dirty="0" smtClean="0">
+              <a:solidFill>
+                <a:srgbClr val="000066"/>
+              </a:solidFill>
+              <a:latin typeface="微軟正黑體" pitchFamily="34" charset="-120"/>
+              <a:ea typeface="微軟正黑體" pitchFamily="34" charset="-120"/>
+            </a:endParaRPr>
+          </a:p>
+          <a:p>
+            <a:pPr algn="ctr">
+              <a:buNone/>
+            </a:pPr>
+            <a:r>
+              <a:rPr lang="zh-TW" altLang="en-US" sz="5400" b="1" dirty="0" smtClean="0">
+                <a:solidFill>
+                  <a:srgbClr val="000066"/>
+                </a:solidFill>
+                <a:latin typeface="微軟正黑體" pitchFamily="34" charset="-120"/>
+                <a:ea typeface="微軟正黑體" pitchFamily="34" charset="-120"/>
+              </a:rPr>
+              <a:t>獨</a:t>
+            </a:r>
+            <a:r>
+              <a:rPr lang="zh-TW" altLang="en-US" sz="5400" b="1" dirty="0">
+                <a:solidFill>
+                  <a:srgbClr val="000066"/>
+                </a:solidFill>
+                <a:latin typeface="微軟正黑體" pitchFamily="34" charset="-120"/>
+                <a:ea typeface="微軟正黑體" pitchFamily="34" charset="-120"/>
+              </a:rPr>
+              <a:t>生的</a:t>
+            </a:r>
+            <a:r>
+              <a:rPr lang="zh-TW" altLang="en-US" sz="5400" b="1" dirty="0" smtClean="0">
+                <a:solidFill>
+                  <a:srgbClr val="000066"/>
+                </a:solidFill>
+                <a:latin typeface="微軟正黑體" pitchFamily="34" charset="-120"/>
+                <a:ea typeface="微軟正黑體" pitchFamily="34" charset="-120"/>
+              </a:rPr>
+              <a:t>愛子</a:t>
+            </a:r>
+            <a:endParaRPr lang="zh-TW" altLang="en-US" sz="5400" b="1" dirty="0">
+              <a:solidFill>
+                <a:srgbClr val="000066"/>
+              </a:solidFill>
+              <a:latin typeface="微軟正黑體" pitchFamily="34" charset="-120"/>
+              <a:ea typeface="微軟正黑體" pitchFamily="34" charset="-120"/>
+            </a:endParaRPr>
+          </a:p>
+        </p:txBody>
+      </p:sp>
+    </p:spTree>
+  </p:cSld>
+  <p:clrMapOvr>
+    <a:masterClrMapping/>
+  </p:clrMapOvr>
+  <p:timing>
+    <p:tnLst>
+      <p:par>
+        <p:cTn id="1" dur="indefinite" restart="never" nodeType="tmRoot"/>
+      </p:par>
+    </p:tnLst>
+  </p:timing>
+</p:sld>
+</file>
+
+<file path=ppt/slides/slide25.xml><?xml version="1.0" encoding="utf-8"?>
+<p:sld xmlns:a="http://schemas.openxmlformats.org/drawingml/2006/main" xmlns:r="http://schemas.openxmlformats.org/officeDocument/2006/relationships" xmlns:p="http://schemas.openxmlformats.org/presentationml/2006/main">
+  <p:cSld>
+    <p:spTree>
+      <p:nvGrpSpPr>
+        <p:cNvPr id="1" name=""/>
+        <p:cNvGrpSpPr/>
+        <p:nvPr/>
+      </p:nvGrpSpPr>
+      <p:grpSpPr>
+        <a:xfrm>
+          <a:off x="0" y="0"/>
+          <a:ext cx="0" cy="0"/>
+          <a:chOff x="0" y="0"/>
+          <a:chExt cx="0" cy="0"/>
+        </a:xfrm>
+      </p:grpSpPr>
+      <p:sp>
+        <p:nvSpPr>
+          <p:cNvPr id="4" name="Title 3"/>
+          <p:cNvSpPr>
+            <a:spLocks noGrp="1"/>
+          </p:cNvSpPr>
+          <p:nvPr>
+            <p:ph type="title"/>
+          </p:nvPr>
+        </p:nvSpPr>
+        <p:spPr/>
+        <p:txBody>
+          <a:bodyPr/>
+          <a:lstStyle/>
+          <a:p>
+            <a:r>
+              <a:rPr lang="zh-TW" altLang="en-US" b="1" dirty="0" smtClean="0">
+                <a:solidFill>
+                  <a:srgbClr val="000066"/>
+                </a:solidFill>
+                <a:latin typeface="微軟正黑體" pitchFamily="34" charset="-120"/>
+                <a:ea typeface="微軟正黑體" pitchFamily="34" charset="-120"/>
+              </a:rPr>
+              <a:t>歡欣</a:t>
+            </a:r>
+            <a:endParaRPr lang="en-US" b="1" dirty="0">
+              <a:solidFill>
+                <a:srgbClr val="000066"/>
+              </a:solidFill>
+              <a:latin typeface="微軟正黑體" pitchFamily="34" charset="-120"/>
+              <a:ea typeface="微軟正黑體" pitchFamily="34" charset="-120"/>
+            </a:endParaRPr>
+          </a:p>
+        </p:txBody>
+      </p:sp>
+      <p:sp>
+        <p:nvSpPr>
+          <p:cNvPr id="5" name="Content Placeholder 4"/>
+          <p:cNvSpPr>
+            <a:spLocks noGrp="1"/>
+          </p:cNvSpPr>
+          <p:nvPr>
+            <p:ph idx="1"/>
+          </p:nvPr>
+        </p:nvSpPr>
+        <p:spPr>
+          <a:xfrm>
+            <a:off x="457200" y="1600200"/>
+            <a:ext cx="8229600" cy="4525963"/>
+          </a:xfrm>
+          <a:prstGeom prst="rect">
+            <a:avLst/>
+          </a:prstGeom>
+        </p:spPr>
+        <p:txBody>
+          <a:bodyPr>
+            <a:normAutofit/>
+          </a:bodyPr>
+          <a:lstStyle/>
+          <a:p>
+            <a:pPr algn="ctr">
+              <a:buNone/>
+            </a:pPr>
+            <a:r>
+              <a:rPr lang="zh-TW" altLang="en-US" sz="5400" b="1" dirty="0">
+                <a:solidFill>
+                  <a:srgbClr val="000066"/>
+                </a:solidFill>
+                <a:latin typeface="微軟正黑體" pitchFamily="34" charset="-120"/>
+                <a:ea typeface="微軟正黑體" pitchFamily="34" charset="-120"/>
+              </a:rPr>
+              <a:t>今</a:t>
+            </a:r>
+            <a:r>
+              <a:rPr lang="zh-TW" altLang="en-US" sz="5400" b="1" dirty="0" smtClean="0">
+                <a:solidFill>
+                  <a:srgbClr val="000066"/>
+                </a:solidFill>
+                <a:latin typeface="微軟正黑體" pitchFamily="34" charset="-120"/>
+                <a:ea typeface="微軟正黑體" pitchFamily="34" charset="-120"/>
+              </a:rPr>
+              <a:t>天心</a:t>
+            </a:r>
+            <a:r>
+              <a:rPr lang="zh-TW" altLang="en-US" sz="5400" b="1" dirty="0">
+                <a:solidFill>
+                  <a:srgbClr val="000066"/>
+                </a:solidFill>
+                <a:latin typeface="微軟正黑體" pitchFamily="34" charset="-120"/>
+                <a:ea typeface="微軟正黑體" pitchFamily="34" charset="-120"/>
+              </a:rPr>
+              <a:t>中剛強無懼</a:t>
+            </a:r>
+            <a:r>
+              <a:rPr lang="zh-TW" altLang="en-US" sz="5400" b="1" dirty="0" smtClean="0">
+                <a:solidFill>
+                  <a:srgbClr val="000066"/>
+                </a:solidFill>
+                <a:latin typeface="微軟正黑體" pitchFamily="34" charset="-120"/>
+                <a:ea typeface="微軟正黑體" pitchFamily="34" charset="-120"/>
+              </a:rPr>
+              <a:t>怕</a:t>
+            </a:r>
+            <a:endParaRPr lang="en-US" altLang="zh-TW" sz="5400" b="1" dirty="0">
+              <a:solidFill>
+                <a:srgbClr val="000066"/>
+              </a:solidFill>
+              <a:latin typeface="微軟正黑體" pitchFamily="34" charset="-120"/>
+              <a:ea typeface="微軟正黑體" pitchFamily="34" charset="-120"/>
+            </a:endParaRPr>
+          </a:p>
+          <a:p>
+            <a:pPr algn="ctr">
+              <a:buNone/>
+            </a:pPr>
+            <a:r>
+              <a:rPr lang="zh-TW" altLang="en-US" sz="5400" b="1" dirty="0" smtClean="0">
+                <a:solidFill>
+                  <a:srgbClr val="000066"/>
+                </a:solidFill>
+                <a:latin typeface="微軟正黑體" pitchFamily="34" charset="-120"/>
+                <a:ea typeface="微軟正黑體" pitchFamily="34" charset="-120"/>
+              </a:rPr>
+              <a:t>主</a:t>
+            </a:r>
+            <a:r>
+              <a:rPr lang="zh-TW" altLang="en-US" sz="5400" b="1" dirty="0">
+                <a:solidFill>
+                  <a:srgbClr val="000066"/>
+                </a:solidFill>
+                <a:latin typeface="微軟正黑體" pitchFamily="34" charset="-120"/>
+                <a:ea typeface="微軟正黑體" pitchFamily="34" charset="-120"/>
+              </a:rPr>
+              <a:t>的豐盛滿一</a:t>
+            </a:r>
+            <a:r>
+              <a:rPr lang="zh-TW" altLang="en-US" sz="5400" b="1" dirty="0" smtClean="0">
+                <a:solidFill>
+                  <a:srgbClr val="000066"/>
+                </a:solidFill>
+                <a:latin typeface="微軟正黑體" pitchFamily="34" charset="-120"/>
+                <a:ea typeface="微軟正黑體" pitchFamily="34" charset="-120"/>
+              </a:rPr>
+              <a:t>生</a:t>
+            </a:r>
+            <a:endParaRPr lang="en-US" altLang="zh-TW" sz="5400" b="1" dirty="0">
+              <a:solidFill>
+                <a:srgbClr val="000066"/>
+              </a:solidFill>
+              <a:latin typeface="微軟正黑體" pitchFamily="34" charset="-120"/>
+              <a:ea typeface="微軟正黑體" pitchFamily="34" charset="-120"/>
+            </a:endParaRPr>
+          </a:p>
+          <a:p>
+            <a:pPr algn="ctr">
+              <a:buNone/>
+            </a:pPr>
+            <a:r>
+              <a:rPr lang="zh-TW" altLang="en-US" sz="5400" b="1" dirty="0" smtClean="0">
+                <a:solidFill>
+                  <a:srgbClr val="000066"/>
+                </a:solidFill>
+                <a:latin typeface="微軟正黑體" pitchFamily="34" charset="-120"/>
+                <a:ea typeface="微軟正黑體" pitchFamily="34" charset="-120"/>
+              </a:rPr>
+              <a:t>皆</a:t>
+            </a:r>
+            <a:r>
+              <a:rPr lang="zh-TW" altLang="en-US" sz="5400" b="1" dirty="0">
+                <a:solidFill>
+                  <a:srgbClr val="000066"/>
+                </a:solidFill>
+                <a:latin typeface="微軟正黑體" pitchFamily="34" charset="-120"/>
+                <a:ea typeface="微軟正黑體" pitchFamily="34" charset="-120"/>
+              </a:rPr>
+              <a:t>因主手曾為我顯深</a:t>
+            </a:r>
+            <a:r>
+              <a:rPr lang="zh-TW" altLang="en-US" sz="5400" b="1" dirty="0" smtClean="0">
+                <a:solidFill>
+                  <a:srgbClr val="000066"/>
+                </a:solidFill>
+                <a:latin typeface="微軟正黑體" pitchFamily="34" charset="-120"/>
+                <a:ea typeface="微軟正黑體" pitchFamily="34" charset="-120"/>
+              </a:rPr>
+              <a:t>恩</a:t>
+            </a:r>
+            <a:endParaRPr lang="en-US" altLang="zh-TW" sz="5400" b="1" dirty="0" smtClean="0">
+              <a:solidFill>
+                <a:srgbClr val="000066"/>
+              </a:solidFill>
+              <a:latin typeface="微軟正黑體" pitchFamily="34" charset="-120"/>
+              <a:ea typeface="微軟正黑體" pitchFamily="34" charset="-120"/>
+            </a:endParaRPr>
+          </a:p>
+        </p:txBody>
+      </p:sp>
+    </p:spTree>
+  </p:cSld>
+  <p:clrMapOvr>
+    <a:masterClrMapping/>
+  </p:clrMapOvr>
+  <p:timing>
+    <p:tnLst>
+      <p:par>
+        <p:cTn id="1" dur="indefinite" restart="never" nodeType="tmRoot"/>
+      </p:par>
+    </p:tnLst>
+  </p:timing>
+</p:sld>
+</file>
+
+<file path=ppt/slides/slide26.xml><?xml version="1.0" encoding="utf-8"?>
+<p:sld xmlns:a="http://schemas.openxmlformats.org/drawingml/2006/main" xmlns:r="http://schemas.openxmlformats.org/officeDocument/2006/relationships" xmlns:p="http://schemas.openxmlformats.org/presentationml/2006/main">
+  <p:cSld>
+    <p:spTree>
+      <p:nvGrpSpPr>
+        <p:cNvPr id="1" name=""/>
+        <p:cNvGrpSpPr/>
+        <p:nvPr/>
+      </p:nvGrpSpPr>
+      <p:grpSpPr>
+        <a:xfrm>
+          <a:off x="0" y="0"/>
+          <a:ext cx="0" cy="0"/>
+          <a:chOff x="0" y="0"/>
+          <a:chExt cx="0" cy="0"/>
+        </a:xfrm>
+      </p:grpSpPr>
+      <p:sp>
+        <p:nvSpPr>
+          <p:cNvPr id="4" name="Title 3"/>
+          <p:cNvSpPr>
+            <a:spLocks noGrp="1"/>
+          </p:cNvSpPr>
+          <p:nvPr>
+            <p:ph type="title"/>
+          </p:nvPr>
+        </p:nvSpPr>
+        <p:spPr/>
+        <p:txBody>
+          <a:bodyPr/>
+          <a:lstStyle/>
+          <a:p>
+            <a:r>
+              <a:rPr lang="zh-TW" altLang="en-US" b="1" dirty="0" smtClean="0">
+                <a:solidFill>
+                  <a:srgbClr val="000066"/>
+                </a:solidFill>
+                <a:latin typeface="微軟正黑體" pitchFamily="34" charset="-120"/>
+                <a:ea typeface="微軟正黑體" pitchFamily="34" charset="-120"/>
+              </a:rPr>
+              <a:t>歡欣</a:t>
+            </a:r>
+            <a:endParaRPr lang="en-US" b="1" dirty="0">
+              <a:solidFill>
+                <a:srgbClr val="000066"/>
+              </a:solidFill>
+              <a:latin typeface="微軟正黑體" pitchFamily="34" charset="-120"/>
+              <a:ea typeface="微軟正黑體" pitchFamily="34" charset="-120"/>
+            </a:endParaRPr>
+          </a:p>
+        </p:txBody>
+      </p:sp>
+      <p:sp>
+        <p:nvSpPr>
+          <p:cNvPr id="5" name="Content Placeholder 4"/>
+          <p:cNvSpPr>
+            <a:spLocks noGrp="1"/>
+          </p:cNvSpPr>
+          <p:nvPr>
+            <p:ph idx="1"/>
+          </p:nvPr>
+        </p:nvSpPr>
+        <p:spPr>
+          <a:xfrm>
+            <a:off x="457200" y="1600200"/>
+            <a:ext cx="8229600" cy="4525963"/>
+          </a:xfrm>
+          <a:prstGeom prst="rect">
+            <a:avLst/>
+          </a:prstGeom>
+        </p:spPr>
+        <p:txBody>
+          <a:bodyPr>
+            <a:normAutofit/>
+          </a:bodyPr>
+          <a:lstStyle/>
+          <a:p>
+            <a:pPr algn="ctr">
+              <a:buNone/>
+            </a:pPr>
+            <a:r>
+              <a:rPr lang="zh-TW" altLang="en-US" sz="5400" b="1" dirty="0">
+                <a:solidFill>
+                  <a:srgbClr val="000066"/>
+                </a:solidFill>
+                <a:latin typeface="微軟正黑體" pitchFamily="34" charset="-120"/>
+                <a:ea typeface="微軟正黑體" pitchFamily="34" charset="-120"/>
+              </a:rPr>
+              <a:t>今</a:t>
+            </a:r>
+            <a:r>
+              <a:rPr lang="zh-TW" altLang="en-US" sz="5400" b="1" dirty="0" smtClean="0">
+                <a:solidFill>
+                  <a:srgbClr val="000066"/>
+                </a:solidFill>
+                <a:latin typeface="微軟正黑體" pitchFamily="34" charset="-120"/>
+                <a:ea typeface="微軟正黑體" pitchFamily="34" charset="-120"/>
+              </a:rPr>
+              <a:t>天心</a:t>
+            </a:r>
+            <a:r>
+              <a:rPr lang="zh-TW" altLang="en-US" sz="5400" b="1" dirty="0">
+                <a:solidFill>
+                  <a:srgbClr val="000066"/>
+                </a:solidFill>
+                <a:latin typeface="微軟正黑體" pitchFamily="34" charset="-120"/>
+                <a:ea typeface="微軟正黑體" pitchFamily="34" charset="-120"/>
+              </a:rPr>
+              <a:t>中剛強無懼</a:t>
+            </a:r>
+            <a:r>
+              <a:rPr lang="zh-TW" altLang="en-US" sz="5400" b="1" dirty="0" smtClean="0">
+                <a:solidFill>
+                  <a:srgbClr val="000066"/>
+                </a:solidFill>
+                <a:latin typeface="微軟正黑體" pitchFamily="34" charset="-120"/>
+                <a:ea typeface="微軟正黑體" pitchFamily="34" charset="-120"/>
+              </a:rPr>
+              <a:t>怕</a:t>
+            </a:r>
+            <a:endParaRPr lang="en-US" altLang="zh-TW" sz="5400" b="1" dirty="0">
+              <a:solidFill>
+                <a:srgbClr val="000066"/>
+              </a:solidFill>
+              <a:latin typeface="微軟正黑體" pitchFamily="34" charset="-120"/>
+              <a:ea typeface="微軟正黑體" pitchFamily="34" charset="-120"/>
+            </a:endParaRPr>
+          </a:p>
+          <a:p>
+            <a:pPr algn="ctr">
+              <a:buNone/>
+            </a:pPr>
+            <a:r>
+              <a:rPr lang="zh-TW" altLang="en-US" sz="5400" b="1" dirty="0" smtClean="0">
+                <a:solidFill>
+                  <a:srgbClr val="000066"/>
+                </a:solidFill>
+                <a:latin typeface="微軟正黑體" pitchFamily="34" charset="-120"/>
+                <a:ea typeface="微軟正黑體" pitchFamily="34" charset="-120"/>
+              </a:rPr>
+              <a:t>主</a:t>
+            </a:r>
+            <a:r>
+              <a:rPr lang="zh-TW" altLang="en-US" sz="5400" b="1" dirty="0">
+                <a:solidFill>
+                  <a:srgbClr val="000066"/>
+                </a:solidFill>
+                <a:latin typeface="微軟正黑體" pitchFamily="34" charset="-120"/>
+                <a:ea typeface="微軟正黑體" pitchFamily="34" charset="-120"/>
+              </a:rPr>
+              <a:t>的豐盛滿一</a:t>
+            </a:r>
+            <a:r>
+              <a:rPr lang="zh-TW" altLang="en-US" sz="5400" b="1" dirty="0" smtClean="0">
+                <a:solidFill>
+                  <a:srgbClr val="000066"/>
+                </a:solidFill>
+                <a:latin typeface="微軟正黑體" pitchFamily="34" charset="-120"/>
+                <a:ea typeface="微軟正黑體" pitchFamily="34" charset="-120"/>
+              </a:rPr>
+              <a:t>生</a:t>
+            </a:r>
+            <a:endParaRPr lang="en-US" altLang="zh-TW" sz="5400" b="1" dirty="0">
+              <a:solidFill>
+                <a:srgbClr val="000066"/>
+              </a:solidFill>
+              <a:latin typeface="微軟正黑體" pitchFamily="34" charset="-120"/>
+              <a:ea typeface="微軟正黑體" pitchFamily="34" charset="-120"/>
+            </a:endParaRPr>
+          </a:p>
+          <a:p>
+            <a:pPr algn="ctr">
+              <a:buNone/>
+            </a:pPr>
+            <a:r>
+              <a:rPr lang="zh-TW" altLang="en-US" sz="5400" b="1" dirty="0" smtClean="0">
+                <a:solidFill>
+                  <a:srgbClr val="000066"/>
+                </a:solidFill>
+                <a:latin typeface="微軟正黑體" pitchFamily="34" charset="-120"/>
+                <a:ea typeface="微軟正黑體" pitchFamily="34" charset="-120"/>
+              </a:rPr>
+              <a:t>皆</a:t>
+            </a:r>
+            <a:r>
+              <a:rPr lang="zh-TW" altLang="en-US" sz="5400" b="1" dirty="0">
+                <a:solidFill>
+                  <a:srgbClr val="000066"/>
+                </a:solidFill>
+                <a:latin typeface="微軟正黑體" pitchFamily="34" charset="-120"/>
+                <a:ea typeface="微軟正黑體" pitchFamily="34" charset="-120"/>
+              </a:rPr>
+              <a:t>因主手曾為我顯</a:t>
+            </a:r>
+            <a:r>
+              <a:rPr lang="zh-TW" altLang="en-US" sz="5400" b="1">
+                <a:solidFill>
+                  <a:srgbClr val="000066"/>
+                </a:solidFill>
+                <a:latin typeface="微軟正黑體" pitchFamily="34" charset="-120"/>
+                <a:ea typeface="微軟正黑體" pitchFamily="34" charset="-120"/>
+              </a:rPr>
+              <a:t>深</a:t>
+            </a:r>
+            <a:r>
+              <a:rPr lang="zh-TW" altLang="en-US" sz="5400" b="1" smtClean="0">
+                <a:solidFill>
+                  <a:srgbClr val="000066"/>
+                </a:solidFill>
+                <a:latin typeface="微軟正黑體" pitchFamily="34" charset="-120"/>
+                <a:ea typeface="微軟正黑體" pitchFamily="34" charset="-120"/>
+              </a:rPr>
+              <a:t>恩</a:t>
+            </a:r>
+            <a:endParaRPr lang="en-US" altLang="zh-TW" sz="5400" b="1" dirty="0" smtClean="0">
+              <a:solidFill>
+                <a:srgbClr val="000066"/>
+              </a:solidFill>
+              <a:latin typeface="微軟正黑體" pitchFamily="34" charset="-120"/>
+              <a:ea typeface="微軟正黑體" pitchFamily="34" charset="-120"/>
+            </a:endParaRPr>
+          </a:p>
+          <a:p>
+            <a:pPr algn="ctr">
+              <a:buNone/>
+            </a:pPr>
+            <a:r>
+              <a:rPr lang="zh-TW" altLang="en-US" sz="5400" b="1" dirty="0">
+                <a:solidFill>
+                  <a:srgbClr val="000066"/>
+                </a:solidFill>
+                <a:latin typeface="微軟正黑體" pitchFamily="34" charset="-120"/>
+                <a:ea typeface="微軟正黑體" pitchFamily="34" charset="-120"/>
+              </a:rPr>
+              <a:t>讚美</a:t>
+            </a:r>
+          </a:p>
+        </p:txBody>
+      </p:sp>
+    </p:spTree>
+  </p:cSld>
+  <p:clrMapOvr>
+    <a:masterClrMapping/>
+  </p:clrMapOvr>
+  <p:timing>
+    <p:tnLst>
+      <p:par>
+        <p:cTn id="1" dur="indefinite" restart="never" nodeType="tmRoot"/>
       </p:par>
     </p:tnLst>
   </p:timing>
@@ -7307,4 +11437,287 @@
   <a:objectDefaults/>
   <a:extraClrSchemeLst/>
 </a:theme>
+</file>
+
+<file path=ppt/theme/theme2.xml><?xml version="1.0" encoding="utf-8"?>
+<a:theme xmlns:a="http://schemas.openxmlformats.org/drawingml/2006/main" name="佈景主題1">
+  <a:themeElements>
+    <a:clrScheme name="Office">
+      <a:dk1>
+        <a:sysClr val="windowText" lastClr="000000"/>
+      </a:dk1>
+      <a:lt1>
+        <a:sysClr val="window" lastClr="FFFFFF"/>
+      </a:lt1>
+      <a:dk2>
+        <a:srgbClr val="1F497D"/>
+      </a:dk2>
+      <a:lt2>
+        <a:srgbClr val="EEECE1"/>
+      </a:lt2>
+      <a:accent1>
+        <a:srgbClr val="4F81BD"/>
+      </a:accent1>
+      <a:accent2>
+        <a:srgbClr val="C0504D"/>
+      </a:accent2>
+      <a:accent3>
+        <a:srgbClr val="9BBB59"/>
+      </a:accent3>
+      <a:accent4>
+        <a:srgbClr val="8064A2"/>
+      </a:accent4>
+      <a:accent5>
+        <a:srgbClr val="4BACC6"/>
+      </a:accent5>
+      <a:accent6>
+        <a:srgbClr val="F79646"/>
+      </a:accent6>
+      <a:hlink>
+        <a:srgbClr val="0000FF"/>
+      </a:hlink>
+      <a:folHlink>
+        <a:srgbClr val="800080"/>
+      </a:folHlink>
+    </a:clrScheme>
+    <a:fontScheme name="Office">
+      <a:majorFont>
+        <a:latin typeface="Calibri"/>
+        <a:ea typeface=""/>
+        <a:cs typeface=""/>
+        <a:font script="Jpan" typeface="ＭＳ Ｐゴシック"/>
+        <a:font script="Hang" typeface="맑은 고딕"/>
+        <a:font script="Hans" typeface="宋体"/>
+        <a:font script="Hant" typeface="新細明體"/>
+        <a:font script="Arab" typeface="Times New Roman"/>
+        <a:font script="Hebr" typeface="Times New Roman"/>
+        <a:font script="Thai" typeface="Angsana New"/>
+        <a:font script="Ethi" typeface="Nyala"/>
+        <a:font script="Beng" typeface="Vrinda"/>
+        <a:font script="Gujr" typeface="Shruti"/>
+        <a:font script="Khmr" typeface="MoolBoran"/>
+        <a:font script="Knda" typeface="Tunga"/>
+        <a:font script="Guru" typeface="Raavi"/>
+        <a:font script="Cans" typeface="Euphemia"/>
+        <a:font script="Cher" typeface="Plantagenet Cherokee"/>
+        <a:font script="Yiii" typeface="Microsoft Yi Baiti"/>
+        <a:font script="Tibt" typeface="Microsoft Himalaya"/>
+        <a:font script="Thaa" typeface="MV Boli"/>
+        <a:font script="Deva" typeface="Mangal"/>
+        <a:font script="Telu" typeface="Gautami"/>
+        <a:font script="Taml" typeface="Latha"/>
+        <a:font script="Syrc" typeface="Estrangelo Edessa"/>
+        <a:font script="Orya" typeface="Kalinga"/>
+        <a:font script="Mlym" typeface="Kartika"/>
+        <a:font script="Laoo" typeface="DokChampa"/>
+        <a:font script="Sinh" typeface="Iskoola Pota"/>
+        <a:font script="Mong" typeface="Mongolian Baiti"/>
+        <a:font script="Viet" typeface="Times New Roman"/>
+        <a:font script="Uigh" typeface="Microsoft Uighur"/>
+      </a:majorFont>
+      <a:minorFont>
+        <a:latin typeface="Calibri"/>
+        <a:ea typeface=""/>
+        <a:cs typeface=""/>
+        <a:font script="Jpan" typeface="ＭＳ Ｐゴシック"/>
+        <a:font script="Hang" typeface="맑은 고딕"/>
+        <a:font script="Hans" typeface="宋体"/>
+        <a:font script="Hant" typeface="新細明體"/>
+        <a:font script="Arab" typeface="Arial"/>
+        <a:font script="Hebr" typeface="Arial"/>
+        <a:font script="Thai" typeface="Cordia New"/>
+        <a:font script="Ethi" typeface="Nyala"/>
+        <a:font script="Beng" typeface="Vrinda"/>
+        <a:font script="Gujr" typeface="Shruti"/>
+        <a:font script="Khmr" typeface="DaunPenh"/>
+        <a:font script="Knda" typeface="Tunga"/>
+        <a:font script="Guru" typeface="Raavi"/>
+        <a:font script="Cans" typeface="Euphemia"/>
+        <a:font script="Cher" typeface="Plantagenet Cherokee"/>
+        <a:font script="Yiii" typeface="Microsoft Yi Baiti"/>
+        <a:font script="Tibt" typeface="Microsoft Himalaya"/>
+        <a:font script="Thaa" typeface="MV Boli"/>
+        <a:font script="Deva" typeface="Mangal"/>
+        <a:font script="Telu" typeface="Gautami"/>
+        <a:font script="Taml" typeface="Latha"/>
+        <a:font script="Syrc" typeface="Estrangelo Edessa"/>
+        <a:font script="Orya" typeface="Kalinga"/>
+        <a:font script="Mlym" typeface="Kartika"/>
+        <a:font script="Laoo" typeface="DokChampa"/>
+        <a:font script="Sinh" typeface="Iskoola Pota"/>
+        <a:font script="Mong" typeface="Mongolian Baiti"/>
+        <a:font script="Viet" typeface="Arial"/>
+        <a:font script="Uigh" typeface="Microsoft Uighur"/>
+      </a:minorFont>
+    </a:fontScheme>
+    <a:fmtScheme name="Office">
+      <a:fillStyleLst>
+        <a:solidFill>
+          <a:schemeClr val="phClr"/>
+        </a:solidFill>
+        <a:gradFill rotWithShape="1">
+          <a:gsLst>
+            <a:gs pos="0">
+              <a:schemeClr val="phClr">
+                <a:tint val="50000"/>
+                <a:satMod val="300000"/>
+              </a:schemeClr>
+            </a:gs>
+            <a:gs pos="35000">
+              <a:schemeClr val="phClr">
+                <a:tint val="37000"/>
+                <a:satMod val="300000"/>
+              </a:schemeClr>
+            </a:gs>
+            <a:gs pos="100000">
+              <a:schemeClr val="phClr">
+                <a:tint val="15000"/>
+                <a:satMod val="350000"/>
+              </a:schemeClr>
+            </a:gs>
+          </a:gsLst>
+          <a:lin ang="16200000" scaled="1"/>
+        </a:gradFill>
+        <a:gradFill rotWithShape="1">
+          <a:gsLst>
+            <a:gs pos="0">
+              <a:schemeClr val="phClr">
+                <a:shade val="51000"/>
+                <a:satMod val="130000"/>
+              </a:schemeClr>
+            </a:gs>
+            <a:gs pos="80000">
+              <a:schemeClr val="phClr">
+                <a:shade val="93000"/>
+                <a:satMod val="130000"/>
+              </a:schemeClr>
+            </a:gs>
+            <a:gs pos="100000">
+              <a:schemeClr val="phClr">
+                <a:shade val="94000"/>
+                <a:satMod val="135000"/>
+              </a:schemeClr>
+            </a:gs>
+          </a:gsLst>
+          <a:lin ang="16200000" scaled="0"/>
+        </a:gradFill>
+      </a:fillStyleLst>
+      <a:lnStyleLst>
+        <a:ln w="9525" cap="flat" cmpd="sng" algn="ctr">
+          <a:solidFill>
+            <a:schemeClr val="phClr">
+              <a:shade val="95000"/>
+              <a:satMod val="105000"/>
+            </a:schemeClr>
+          </a:solidFill>
+          <a:prstDash val="solid"/>
+        </a:ln>
+        <a:ln w="25400" cap="flat" cmpd="sng" algn="ctr">
+          <a:solidFill>
+            <a:schemeClr val="phClr"/>
+          </a:solidFill>
+          <a:prstDash val="solid"/>
+        </a:ln>
+        <a:ln w="38100" cap="flat" cmpd="sng" algn="ctr">
+          <a:solidFill>
+            <a:schemeClr val="phClr"/>
+          </a:solidFill>
+          <a:prstDash val="solid"/>
+        </a:ln>
+      </a:lnStyleLst>
+      <a:effectStyleLst>
+        <a:effectStyle>
+          <a:effectLst>
+            <a:outerShdw blurRad="40000" dist="20000" dir="5400000" rotWithShape="0">
+              <a:srgbClr val="000000">
+                <a:alpha val="38000"/>
+              </a:srgbClr>
+            </a:outerShdw>
+          </a:effectLst>
+        </a:effectStyle>
+        <a:effectStyle>
+          <a:effectLst>
+            <a:outerShdw blurRad="40000" dist="23000" dir="5400000" rotWithShape="0">
+              <a:srgbClr val="000000">
+                <a:alpha val="35000"/>
+              </a:srgbClr>
+            </a:outerShdw>
+          </a:effectLst>
+        </a:effectStyle>
+        <a:effectStyle>
+          <a:effectLst>
+            <a:outerShdw blurRad="40000" dist="23000" dir="5400000" rotWithShape="0">
+              <a:srgbClr val="000000">
+                <a:alpha val="35000"/>
+              </a:srgbClr>
+            </a:outerShdw>
+          </a:effectLst>
+          <a:scene3d>
+            <a:camera prst="orthographicFront">
+              <a:rot lat="0" lon="0" rev="0"/>
+            </a:camera>
+            <a:lightRig rig="threePt" dir="t">
+              <a:rot lat="0" lon="0" rev="1200000"/>
+            </a:lightRig>
+          </a:scene3d>
+          <a:sp3d>
+            <a:bevelT w="63500" h="25400"/>
+          </a:sp3d>
+        </a:effectStyle>
+      </a:effectStyleLst>
+      <a:bgFillStyleLst>
+        <a:solidFill>
+          <a:schemeClr val="phClr"/>
+        </a:solidFill>
+        <a:gradFill rotWithShape="1">
+          <a:gsLst>
+            <a:gs pos="0">
+              <a:schemeClr val="phClr">
+                <a:tint val="40000"/>
+                <a:satMod val="350000"/>
+              </a:schemeClr>
+            </a:gs>
+            <a:gs pos="40000">
+              <a:schemeClr val="phClr">
+                <a:tint val="45000"/>
+                <a:shade val="99000"/>
+                <a:satMod val="350000"/>
+              </a:schemeClr>
+            </a:gs>
+            <a:gs pos="100000">
+              <a:schemeClr val="phClr">
+                <a:shade val="20000"/>
+                <a:satMod val="255000"/>
+              </a:schemeClr>
+            </a:gs>
+          </a:gsLst>
+          <a:path path="circle">
+            <a:fillToRect l="50000" t="-80000" r="50000" b="180000"/>
+          </a:path>
+        </a:gradFill>
+        <a:gradFill rotWithShape="1">
+          <a:gsLst>
+            <a:gs pos="0">
+              <a:schemeClr val="phClr">
+                <a:tint val="80000"/>
+                <a:satMod val="300000"/>
+              </a:schemeClr>
+            </a:gs>
+            <a:gs pos="100000">
+              <a:schemeClr val="phClr">
+                <a:shade val="30000"/>
+                <a:satMod val="200000"/>
+              </a:schemeClr>
+            </a:gs>
+          </a:gsLst>
+          <a:path path="circle">
+            <a:fillToRect l="50000" t="50000" r="50000" b="50000"/>
+          </a:path>
+        </a:gradFill>
+      </a:bgFillStyleLst>
+    </a:fmtScheme>
+  </a:themeElements>
+  <a:objectDefaults/>
+  <a:extraClrSchemeLst/>
+</a:theme>
 </file>
--- a/2019/1月.pptx
+++ b/2019/1月.pptx
@@ -32,6 +32,10 @@
     <p:sldId id="279" r:id="rId26"/>
     <p:sldId id="280" r:id="rId27"/>
     <p:sldId id="281" r:id="rId28"/>
+    <p:sldId id="282" r:id="rId29"/>
+    <p:sldId id="283" r:id="rId30"/>
+    <p:sldId id="284" r:id="rId31"/>
+    <p:sldId id="285" r:id="rId32"/>
   </p:sldIdLst>
   <p:sldSz cx="9144000" cy="6858000" type="screen4x3"/>
   <p:notesSz cx="7559675" cy="10691813"/>
@@ -933,7 +937,7 @@
                   <a:spcPct val="100000"/>
                 </a:lnSpc>
               </a:pPr>
-              <a:t>1/20/2019</a:t>
+              <a:t>1/27/2019</a:t>
             </a:fld>
             <a:endParaRPr lang="en-US" sz="1200" b="0" strike="noStrike" spc="-1">
               <a:latin typeface="Times New Roman"/>
@@ -1134,7 +1138,7 @@
                   <a:spcPct val="100000"/>
                 </a:lnSpc>
               </a:pPr>
-              <a:t>1/20/2019</a:t>
+              <a:t>1/27/2019</a:t>
             </a:fld>
             <a:endParaRPr lang="en-US" sz="1200" b="0" strike="noStrike" spc="-1">
               <a:latin typeface="Times New Roman"/>
@@ -1411,7 +1415,7 @@
                   <a:spcPct val="100000"/>
                 </a:lnSpc>
               </a:pPr>
-              <a:t>1/20/2019</a:t>
+              <a:t>1/27/2019</a:t>
             </a:fld>
             <a:endParaRPr lang="en-US" sz="1200" b="0" strike="noStrike" spc="-1">
               <a:latin typeface="Times New Roman"/>
@@ -1730,7 +1734,7 @@
                   <a:spcPct val="100000"/>
                 </a:lnSpc>
               </a:pPr>
-              <a:t>1/20/2019</a:t>
+              <a:t>1/27/2019</a:t>
             </a:fld>
             <a:endParaRPr lang="en-US" sz="1200" b="0" strike="noStrike" spc="-1">
               <a:latin typeface="Times New Roman"/>
@@ -2183,7 +2187,7 @@
                   <a:spcPct val="100000"/>
                 </a:lnSpc>
               </a:pPr>
-              <a:t>1/20/2019</a:t>
+              <a:t>1/27/2019</a:t>
             </a:fld>
             <a:endParaRPr lang="en-US" sz="1200" b="0" strike="noStrike" spc="-1">
               <a:latin typeface="Times New Roman"/>
@@ -2332,7 +2336,7 @@
                   <a:spcPct val="100000"/>
                 </a:lnSpc>
               </a:pPr>
-              <a:t>1/20/2019</a:t>
+              <a:t>1/27/2019</a:t>
             </a:fld>
             <a:endParaRPr lang="en-US" sz="1200" b="0" strike="noStrike" spc="-1">
               <a:latin typeface="Times New Roman"/>
@@ -2458,7 +2462,7 @@
                   <a:spcPct val="100000"/>
                 </a:lnSpc>
               </a:pPr>
-              <a:t>1/20/2019</a:t>
+              <a:t>1/27/2019</a:t>
             </a:fld>
             <a:endParaRPr lang="en-US" sz="1200" b="0" strike="noStrike" spc="-1">
               <a:latin typeface="Times New Roman"/>
@@ -2853,7 +2857,7 @@
                   <a:spcPct val="100000"/>
                 </a:lnSpc>
               </a:pPr>
-              <a:t>1/20/2019</a:t>
+              <a:t>1/27/2019</a:t>
             </a:fld>
             <a:endParaRPr lang="en-US" sz="1200" b="0" strike="noStrike" spc="-1">
               <a:latin typeface="Times New Roman"/>
@@ -3141,7 +3145,7 @@
                   <a:spcPct val="100000"/>
                 </a:lnSpc>
               </a:pPr>
-              <a:t>1/20/2019</a:t>
+              <a:t>1/27/2019</a:t>
             </a:fld>
             <a:endParaRPr lang="en-US" sz="1200" b="0" strike="noStrike" spc="-1">
               <a:latin typeface="Times New Roman"/>
@@ -3342,7 +3346,7 @@
                   <a:spcPct val="100000"/>
                 </a:lnSpc>
               </a:pPr>
-              <a:t>1/20/2019</a:t>
+              <a:t>1/27/2019</a:t>
             </a:fld>
             <a:endParaRPr lang="en-US" sz="1200" b="0" strike="noStrike" spc="-1">
               <a:latin typeface="Times New Roman"/>
@@ -3553,7 +3557,7 @@
                   <a:spcPct val="100000"/>
                 </a:lnSpc>
               </a:pPr>
-              <a:t>1/20/2019</a:t>
+              <a:t>1/27/2019</a:t>
             </a:fld>
             <a:endParaRPr lang="en-US" sz="1200" b="0" strike="noStrike" spc="-1">
               <a:latin typeface="Times New Roman"/>
@@ -4685,7 +4689,7 @@
                   <a:spcPct val="100000"/>
                 </a:lnSpc>
               </a:pPr>
-              <a:t>1/20/2019</a:t>
+              <a:t>1/27/2019</a:t>
             </a:fld>
             <a:endParaRPr lang="en-US" sz="1200" b="0" strike="noStrike" spc="-1">
               <a:latin typeface="Times New Roman"/>
@@ -4967,7 +4971,7 @@
                   <a:spcPct val="100000"/>
                 </a:lnSpc>
               </a:pPr>
-              <a:t>1/20/2019</a:t>
+              <a:t>1/27/2019</a:t>
             </a:fld>
             <a:endParaRPr lang="en-US" sz="1200" b="0" strike="noStrike" spc="-1">
               <a:latin typeface="Times New Roman"/>
@@ -9639,6 +9643,604 @@
 </p:sld>
 </file>
 
+<file path=ppt/slides/slide27.xml><?xml version="1.0" encoding="utf-8"?>
+<p:sld xmlns:a="http://schemas.openxmlformats.org/drawingml/2006/main" xmlns:r="http://schemas.openxmlformats.org/officeDocument/2006/relationships" xmlns:p="http://schemas.openxmlformats.org/presentationml/2006/main">
+  <p:cSld>
+    <p:spTree>
+      <p:nvGrpSpPr>
+        <p:cNvPr id="1" name=""/>
+        <p:cNvGrpSpPr/>
+        <p:nvPr/>
+      </p:nvGrpSpPr>
+      <p:grpSpPr>
+        <a:xfrm>
+          <a:off x="0" y="0"/>
+          <a:ext cx="0" cy="0"/>
+          <a:chOff x="0" y="0"/>
+          <a:chExt cx="0" cy="0"/>
+        </a:xfrm>
+      </p:grpSpPr>
+      <p:sp>
+        <p:nvSpPr>
+          <p:cNvPr id="4" name="標題 3"/>
+          <p:cNvSpPr>
+            <a:spLocks noGrp="1"/>
+          </p:cNvSpPr>
+          <p:nvPr>
+            <p:ph type="title"/>
+          </p:nvPr>
+        </p:nvSpPr>
+        <p:spPr>
+          <a:xfrm>
+            <a:off x="0" y="0"/>
+            <a:ext cx="9144000" cy="1524000"/>
+          </a:xfrm>
+        </p:spPr>
+        <p:txBody>
+          <a:bodyPr/>
+          <a:lstStyle/>
+          <a:p>
+            <a:r>
+              <a:rPr lang="zh-CN" altLang="en-US" b="1" dirty="0" smtClean="0">
+                <a:solidFill>
+                  <a:srgbClr val="FF0000"/>
+                </a:solidFill>
+                <a:latin typeface="微軟正黑體" pitchFamily="34" charset="-120"/>
+                <a:ea typeface="微軟正黑體" pitchFamily="34" charset="-120"/>
+              </a:rPr>
+              <a:t>活出愛</a:t>
+            </a:r>
+            <a:endParaRPr lang="zh-TW" altLang="en-US" b="1" dirty="0">
+              <a:solidFill>
+                <a:srgbClr val="FF0000"/>
+              </a:solidFill>
+              <a:latin typeface="微軟正黑體" pitchFamily="34" charset="-120"/>
+              <a:ea typeface="微軟正黑體" pitchFamily="34" charset="-120"/>
+            </a:endParaRPr>
+          </a:p>
+        </p:txBody>
+      </p:sp>
+      <p:sp>
+        <p:nvSpPr>
+          <p:cNvPr id="5" name="內容版面配置區 4"/>
+          <p:cNvSpPr>
+            <a:spLocks noGrp="1"/>
+          </p:cNvSpPr>
+          <p:nvPr>
+            <p:ph idx="1"/>
+          </p:nvPr>
+        </p:nvSpPr>
+        <p:spPr>
+          <a:xfrm>
+            <a:off x="0" y="1600200"/>
+            <a:ext cx="9144000" cy="5257800"/>
+          </a:xfrm>
+        </p:spPr>
+        <p:txBody>
+          <a:bodyPr>
+            <a:noAutofit/>
+          </a:bodyPr>
+          <a:lstStyle/>
+          <a:p>
+            <a:pPr algn="ctr">
+              <a:buNone/>
+            </a:pPr>
+            <a:r>
+              <a:rPr lang="zh-TW" altLang="en-US" sz="5400" b="1" dirty="0">
+                <a:solidFill>
+                  <a:srgbClr val="FF0000"/>
+                </a:solidFill>
+                <a:latin typeface="微軟正黑體" pitchFamily="34" charset="-120"/>
+                <a:ea typeface="微軟正黑體" pitchFamily="34" charset="-120"/>
+              </a:rPr>
+              <a:t>有一份</a:t>
+            </a:r>
+            <a:r>
+              <a:rPr lang="zh-TW" altLang="en-US" sz="5400" b="1" dirty="0" smtClean="0">
+                <a:solidFill>
+                  <a:srgbClr val="FF0000"/>
+                </a:solidFill>
+                <a:latin typeface="微軟正黑體" pitchFamily="34" charset="-120"/>
+                <a:ea typeface="微軟正黑體" pitchFamily="34" charset="-120"/>
+              </a:rPr>
+              <a:t>愛從</a:t>
+            </a:r>
+            <a:r>
+              <a:rPr lang="zh-TW" altLang="en-US" sz="5400" b="1" dirty="0">
+                <a:solidFill>
+                  <a:srgbClr val="FF0000"/>
+                </a:solidFill>
+                <a:latin typeface="微軟正黑體" pitchFamily="34" charset="-120"/>
+                <a:ea typeface="微軟正黑體" pitchFamily="34" charset="-120"/>
+              </a:rPr>
+              <a:t>天而</a:t>
+            </a:r>
+            <a:r>
+              <a:rPr lang="zh-TW" altLang="en-US" sz="5400" b="1" dirty="0" smtClean="0">
+                <a:solidFill>
+                  <a:srgbClr val="FF0000"/>
+                </a:solidFill>
+                <a:latin typeface="微軟正黑體" pitchFamily="34" charset="-120"/>
+                <a:ea typeface="微軟正黑體" pitchFamily="34" charset="-120"/>
+              </a:rPr>
+              <a:t>來</a:t>
+            </a:r>
+            <a:endParaRPr lang="en-US" altLang="zh-TW" sz="5400" b="1" dirty="0" smtClean="0">
+              <a:solidFill>
+                <a:srgbClr val="FF0000"/>
+              </a:solidFill>
+              <a:latin typeface="微軟正黑體" pitchFamily="34" charset="-120"/>
+              <a:ea typeface="微軟正黑體" pitchFamily="34" charset="-120"/>
+            </a:endParaRPr>
+          </a:p>
+          <a:p>
+            <a:pPr algn="ctr">
+              <a:buNone/>
+            </a:pPr>
+            <a:r>
+              <a:rPr lang="zh-TW" altLang="en-US" sz="5400" b="1" dirty="0" smtClean="0">
+                <a:solidFill>
+                  <a:srgbClr val="FF0000"/>
+                </a:solidFill>
+                <a:latin typeface="微軟正黑體" pitchFamily="34" charset="-120"/>
+                <a:ea typeface="微軟正黑體" pitchFamily="34" charset="-120"/>
+              </a:rPr>
+              <a:t>比</a:t>
+            </a:r>
+            <a:r>
+              <a:rPr lang="zh-TW" altLang="en-US" sz="5400" b="1" dirty="0">
+                <a:solidFill>
+                  <a:srgbClr val="FF0000"/>
+                </a:solidFill>
+                <a:latin typeface="微軟正黑體" pitchFamily="34" charset="-120"/>
+                <a:ea typeface="微軟正黑體" pitchFamily="34" charset="-120"/>
+              </a:rPr>
+              <a:t>山高 比海</a:t>
+            </a:r>
+            <a:r>
+              <a:rPr lang="zh-TW" altLang="en-US" sz="5400" b="1" dirty="0" smtClean="0">
+                <a:solidFill>
+                  <a:srgbClr val="FF0000"/>
+                </a:solidFill>
+                <a:latin typeface="微軟正黑體" pitchFamily="34" charset="-120"/>
+                <a:ea typeface="微軟正黑體" pitchFamily="34" charset="-120"/>
+              </a:rPr>
+              <a:t>深</a:t>
+            </a:r>
+            <a:endParaRPr lang="en-US" altLang="zh-TW" sz="5400" b="1" dirty="0">
+              <a:solidFill>
+                <a:srgbClr val="FF0000"/>
+              </a:solidFill>
+              <a:latin typeface="微軟正黑體" pitchFamily="34" charset="-120"/>
+              <a:ea typeface="微軟正黑體" pitchFamily="34" charset="-120"/>
+            </a:endParaRPr>
+          </a:p>
+          <a:p>
+            <a:pPr algn="ctr">
+              <a:buNone/>
+            </a:pPr>
+            <a:r>
+              <a:rPr lang="zh-TW" altLang="en-US" sz="5400" b="1" dirty="0" smtClean="0">
+                <a:solidFill>
+                  <a:srgbClr val="FF0000"/>
+                </a:solidFill>
+                <a:latin typeface="微軟正黑體" pitchFamily="34" charset="-120"/>
+                <a:ea typeface="微軟正黑體" pitchFamily="34" charset="-120"/>
+              </a:rPr>
+              <a:t>測</a:t>
+            </a:r>
+            <a:r>
+              <a:rPr lang="zh-TW" altLang="en-US" sz="5400" b="1" dirty="0">
+                <a:solidFill>
+                  <a:srgbClr val="FF0000"/>
+                </a:solidFill>
+                <a:latin typeface="微軟正黑體" pitchFamily="34" charset="-120"/>
+                <a:ea typeface="微軟正黑體" pitchFamily="34" charset="-120"/>
+              </a:rPr>
+              <a:t>不</a:t>
+            </a:r>
+            <a:r>
+              <a:rPr lang="zh-TW" altLang="en-US" sz="5400" b="1" dirty="0" smtClean="0">
+                <a:solidFill>
+                  <a:srgbClr val="FF0000"/>
+                </a:solidFill>
+                <a:latin typeface="微軟正黑體" pitchFamily="34" charset="-120"/>
+                <a:ea typeface="微軟正黑體" pitchFamily="34" charset="-120"/>
+              </a:rPr>
+              <a:t>透  摸</a:t>
+            </a:r>
+            <a:r>
+              <a:rPr lang="zh-TW" altLang="en-US" sz="5400" b="1" dirty="0">
+                <a:solidFill>
+                  <a:srgbClr val="FF0000"/>
+                </a:solidFill>
+                <a:latin typeface="微軟正黑體" pitchFamily="34" charset="-120"/>
+                <a:ea typeface="微軟正黑體" pitchFamily="34" charset="-120"/>
+              </a:rPr>
+              <a:t>不著 卻</a:t>
+            </a:r>
+            <a:r>
+              <a:rPr lang="zh-TW" altLang="en-US" sz="5400" b="1" dirty="0" smtClean="0">
+                <a:solidFill>
+                  <a:srgbClr val="FF0000"/>
+                </a:solidFill>
+                <a:latin typeface="微軟正黑體" pitchFamily="34" charset="-120"/>
+                <a:ea typeface="微軟正黑體" pitchFamily="34" charset="-120"/>
+              </a:rPr>
+              <a:t>看得見</a:t>
+            </a:r>
+          </a:p>
+        </p:txBody>
+      </p:sp>
+    </p:spTree>
+  </p:cSld>
+  <p:clrMapOvr>
+    <a:masterClrMapping/>
+  </p:clrMapOvr>
+</p:sld>
+</file>
+
+<file path=ppt/slides/slide28.xml><?xml version="1.0" encoding="utf-8"?>
+<p:sld xmlns:a="http://schemas.openxmlformats.org/drawingml/2006/main" xmlns:r="http://schemas.openxmlformats.org/officeDocument/2006/relationships" xmlns:p="http://schemas.openxmlformats.org/presentationml/2006/main">
+  <p:cSld>
+    <p:spTree>
+      <p:nvGrpSpPr>
+        <p:cNvPr id="1" name=""/>
+        <p:cNvGrpSpPr/>
+        <p:nvPr/>
+      </p:nvGrpSpPr>
+      <p:grpSpPr>
+        <a:xfrm>
+          <a:off x="0" y="0"/>
+          <a:ext cx="0" cy="0"/>
+          <a:chOff x="0" y="0"/>
+          <a:chExt cx="0" cy="0"/>
+        </a:xfrm>
+      </p:grpSpPr>
+      <p:sp>
+        <p:nvSpPr>
+          <p:cNvPr id="4" name="標題 3"/>
+          <p:cNvSpPr>
+            <a:spLocks noGrp="1"/>
+          </p:cNvSpPr>
+          <p:nvPr>
+            <p:ph type="title"/>
+          </p:nvPr>
+        </p:nvSpPr>
+        <p:spPr>
+          <a:xfrm>
+            <a:off x="0" y="0"/>
+            <a:ext cx="9144000" cy="1524000"/>
+          </a:xfrm>
+        </p:spPr>
+        <p:txBody>
+          <a:bodyPr/>
+          <a:lstStyle/>
+          <a:p>
+            <a:r>
+              <a:rPr lang="zh-CN" altLang="en-US" b="1" dirty="0" smtClean="0">
+                <a:solidFill>
+                  <a:srgbClr val="FF0000"/>
+                </a:solidFill>
+                <a:latin typeface="微軟正黑體" pitchFamily="34" charset="-120"/>
+                <a:ea typeface="微軟正黑體" pitchFamily="34" charset="-120"/>
+              </a:rPr>
+              <a:t>活出愛</a:t>
+            </a:r>
+            <a:endParaRPr lang="zh-TW" altLang="en-US" b="1" dirty="0">
+              <a:solidFill>
+                <a:srgbClr val="FF0000"/>
+              </a:solidFill>
+              <a:latin typeface="微軟正黑體" pitchFamily="34" charset="-120"/>
+              <a:ea typeface="微軟正黑體" pitchFamily="34" charset="-120"/>
+            </a:endParaRPr>
+          </a:p>
+        </p:txBody>
+      </p:sp>
+      <p:sp>
+        <p:nvSpPr>
+          <p:cNvPr id="5" name="內容版面配置區 4"/>
+          <p:cNvSpPr>
+            <a:spLocks noGrp="1"/>
+          </p:cNvSpPr>
+          <p:nvPr>
+            <p:ph idx="1"/>
+          </p:nvPr>
+        </p:nvSpPr>
+        <p:spPr>
+          <a:xfrm>
+            <a:off x="0" y="1600200"/>
+            <a:ext cx="9144000" cy="5257800"/>
+          </a:xfrm>
+        </p:spPr>
+        <p:txBody>
+          <a:bodyPr>
+            <a:noAutofit/>
+          </a:bodyPr>
+          <a:lstStyle/>
+          <a:p>
+            <a:pPr algn="ctr">
+              <a:buNone/>
+            </a:pPr>
+            <a:r>
+              <a:rPr lang="zh-TW" altLang="en-US" sz="5400" b="1" dirty="0">
+                <a:solidFill>
+                  <a:srgbClr val="FF0000"/>
+                </a:solidFill>
+                <a:latin typeface="微軟正黑體" pitchFamily="34" charset="-120"/>
+                <a:ea typeface="微軟正黑體" pitchFamily="34" charset="-120"/>
+              </a:rPr>
+              <a:t>因為有你 因為</a:t>
+            </a:r>
+            <a:r>
+              <a:rPr lang="zh-TW" altLang="en-US" sz="5400" b="1" dirty="0" smtClean="0">
+                <a:solidFill>
+                  <a:srgbClr val="FF0000"/>
+                </a:solidFill>
+                <a:latin typeface="微軟正黑體" pitchFamily="34" charset="-120"/>
+                <a:ea typeface="微軟正黑體" pitchFamily="34" charset="-120"/>
+              </a:rPr>
+              <a:t>有我</a:t>
+            </a:r>
+            <a:endParaRPr lang="en-US" altLang="zh-TW" sz="5400" b="1" dirty="0" smtClean="0">
+              <a:solidFill>
+                <a:srgbClr val="FF0000"/>
+              </a:solidFill>
+              <a:latin typeface="微軟正黑體" pitchFamily="34" charset="-120"/>
+              <a:ea typeface="微軟正黑體" pitchFamily="34" charset="-120"/>
+            </a:endParaRPr>
+          </a:p>
+          <a:p>
+            <a:pPr algn="ctr">
+              <a:buNone/>
+            </a:pPr>
+            <a:r>
+              <a:rPr lang="zh-TW" altLang="en-US" sz="5400" b="1" dirty="0" smtClean="0">
+                <a:solidFill>
+                  <a:srgbClr val="FF0000"/>
+                </a:solidFill>
+                <a:latin typeface="微軟正黑體" pitchFamily="34" charset="-120"/>
+                <a:ea typeface="微軟正黑體" pitchFamily="34" charset="-120"/>
+              </a:rPr>
+              <a:t>甘心給 用心愛</a:t>
+            </a:r>
+            <a:endParaRPr lang="en-US" altLang="zh-TW" sz="5400" b="1" dirty="0" smtClean="0">
+              <a:solidFill>
+                <a:srgbClr val="FF0000"/>
+              </a:solidFill>
+              <a:latin typeface="微軟正黑體" pitchFamily="34" charset="-120"/>
+              <a:ea typeface="微軟正黑體" pitchFamily="34" charset="-120"/>
+            </a:endParaRPr>
+          </a:p>
+          <a:p>
+            <a:pPr algn="ctr">
+              <a:buNone/>
+            </a:pPr>
+            <a:r>
+              <a:rPr lang="zh-TW" altLang="en-US" sz="5400" b="1" dirty="0" smtClean="0">
+                <a:solidFill>
+                  <a:srgbClr val="FF0000"/>
+                </a:solidFill>
+                <a:latin typeface="微軟正黑體" pitchFamily="34" charset="-120"/>
+                <a:ea typeface="微軟正黑體" pitchFamily="34" charset="-120"/>
+              </a:rPr>
+              <a:t>把心中這一份愛 活出來</a:t>
+            </a:r>
+          </a:p>
+        </p:txBody>
+      </p:sp>
+    </p:spTree>
+  </p:cSld>
+  <p:clrMapOvr>
+    <a:masterClrMapping/>
+  </p:clrMapOvr>
+</p:sld>
+</file>
+
+<file path=ppt/slides/slide29.xml><?xml version="1.0" encoding="utf-8"?>
+<p:sld xmlns:a="http://schemas.openxmlformats.org/drawingml/2006/main" xmlns:r="http://schemas.openxmlformats.org/officeDocument/2006/relationships" xmlns:p="http://schemas.openxmlformats.org/presentationml/2006/main">
+  <p:cSld>
+    <p:spTree>
+      <p:nvGrpSpPr>
+        <p:cNvPr id="1" name=""/>
+        <p:cNvGrpSpPr/>
+        <p:nvPr/>
+      </p:nvGrpSpPr>
+      <p:grpSpPr>
+        <a:xfrm>
+          <a:off x="0" y="0"/>
+          <a:ext cx="0" cy="0"/>
+          <a:chOff x="0" y="0"/>
+          <a:chExt cx="0" cy="0"/>
+        </a:xfrm>
+      </p:grpSpPr>
+      <p:sp>
+        <p:nvSpPr>
+          <p:cNvPr id="4" name="標題 3"/>
+          <p:cNvSpPr>
+            <a:spLocks noGrp="1"/>
+          </p:cNvSpPr>
+          <p:nvPr>
+            <p:ph type="title"/>
+          </p:nvPr>
+        </p:nvSpPr>
+        <p:spPr>
+          <a:xfrm>
+            <a:off x="0" y="0"/>
+            <a:ext cx="9144000" cy="1524000"/>
+          </a:xfrm>
+        </p:spPr>
+        <p:txBody>
+          <a:bodyPr/>
+          <a:lstStyle/>
+          <a:p>
+            <a:r>
+              <a:rPr lang="zh-CN" altLang="en-US" b="1" dirty="0" smtClean="0">
+                <a:solidFill>
+                  <a:srgbClr val="FF0000"/>
+                </a:solidFill>
+                <a:latin typeface="微軟正黑體" pitchFamily="34" charset="-120"/>
+                <a:ea typeface="微軟正黑體" pitchFamily="34" charset="-120"/>
+              </a:rPr>
+              <a:t>活出愛</a:t>
+            </a:r>
+            <a:endParaRPr lang="zh-TW" altLang="en-US" b="1" dirty="0">
+              <a:solidFill>
+                <a:srgbClr val="FF0000"/>
+              </a:solidFill>
+              <a:latin typeface="微軟正黑體" pitchFamily="34" charset="-120"/>
+              <a:ea typeface="微軟正黑體" pitchFamily="34" charset="-120"/>
+            </a:endParaRPr>
+          </a:p>
+        </p:txBody>
+      </p:sp>
+      <p:sp>
+        <p:nvSpPr>
+          <p:cNvPr id="5" name="內容版面配置區 4"/>
+          <p:cNvSpPr>
+            <a:spLocks noGrp="1"/>
+          </p:cNvSpPr>
+          <p:nvPr>
+            <p:ph idx="1"/>
+          </p:nvPr>
+        </p:nvSpPr>
+        <p:spPr>
+          <a:xfrm>
+            <a:off x="0" y="1600200"/>
+            <a:ext cx="9144000" cy="5257800"/>
+          </a:xfrm>
+        </p:spPr>
+        <p:txBody>
+          <a:bodyPr>
+            <a:noAutofit/>
+          </a:bodyPr>
+          <a:lstStyle/>
+          <a:p>
+            <a:pPr algn="ctr">
+              <a:buNone/>
+            </a:pPr>
+            <a:r>
+              <a:rPr lang="zh-TW" altLang="en-US" sz="5400" b="1" dirty="0">
+                <a:solidFill>
+                  <a:srgbClr val="FF0000"/>
+                </a:solidFill>
+                <a:latin typeface="微軟正黑體" pitchFamily="34" charset="-120"/>
+                <a:ea typeface="微軟正黑體" pitchFamily="34" charset="-120"/>
+              </a:rPr>
+              <a:t>耶穌的愛激勵</a:t>
+            </a:r>
+            <a:r>
+              <a:rPr lang="zh-TW" altLang="en-US" sz="5400" b="1" dirty="0" smtClean="0">
+                <a:solidFill>
+                  <a:srgbClr val="FF0000"/>
+                </a:solidFill>
+                <a:latin typeface="微軟正黑體" pitchFamily="34" charset="-120"/>
+                <a:ea typeface="微軟正黑體" pitchFamily="34" charset="-120"/>
+              </a:rPr>
+              <a:t>我</a:t>
+            </a:r>
+            <a:endParaRPr lang="en-US" altLang="zh-TW" sz="5400" b="1" dirty="0" smtClean="0">
+              <a:solidFill>
+                <a:srgbClr val="FF0000"/>
+              </a:solidFill>
+              <a:latin typeface="微軟正黑體" pitchFamily="34" charset="-120"/>
+              <a:ea typeface="微軟正黑體" pitchFamily="34" charset="-120"/>
+            </a:endParaRPr>
+          </a:p>
+          <a:p>
+            <a:pPr algn="ctr">
+              <a:buNone/>
+            </a:pPr>
+            <a:r>
+              <a:rPr lang="zh-CN" altLang="en-US" sz="5400" b="1" smtClean="0">
+                <a:solidFill>
+                  <a:srgbClr val="FF0000"/>
+                </a:solidFill>
+                <a:latin typeface="微軟正黑體" pitchFamily="34" charset="-120"/>
+                <a:ea typeface="微軟正黑體" pitchFamily="34" charset="-120"/>
+              </a:rPr>
+              <a:t>敞開</a:t>
+            </a:r>
+            <a:r>
+              <a:rPr lang="zh-TW" altLang="en-US" sz="5400" b="1" smtClean="0">
+                <a:solidFill>
+                  <a:srgbClr val="FF0000"/>
+                </a:solidFill>
+                <a:latin typeface="微軟正黑體" pitchFamily="34" charset="-120"/>
+                <a:ea typeface="微軟正黑體" pitchFamily="34" charset="-120"/>
+              </a:rPr>
+              <a:t>我</a:t>
+            </a:r>
+            <a:r>
+              <a:rPr lang="zh-TW" altLang="en-US" sz="5400" b="1" dirty="0">
+                <a:solidFill>
+                  <a:srgbClr val="FF0000"/>
+                </a:solidFill>
+                <a:latin typeface="微軟正黑體" pitchFamily="34" charset="-120"/>
+                <a:ea typeface="微軟正黑體" pitchFamily="34" charset="-120"/>
+              </a:rPr>
+              <a:t>的</a:t>
+            </a:r>
+            <a:r>
+              <a:rPr lang="zh-TW" altLang="en-US" sz="5400" b="1" dirty="0" smtClean="0">
+                <a:solidFill>
+                  <a:srgbClr val="FF0000"/>
+                </a:solidFill>
+                <a:latin typeface="微軟正黑體" pitchFamily="34" charset="-120"/>
+                <a:ea typeface="微軟正黑體" pitchFamily="34" charset="-120"/>
+              </a:rPr>
+              <a:t>生命</a:t>
+            </a:r>
+            <a:endParaRPr lang="en-US" altLang="zh-TW" sz="5400" b="1" dirty="0">
+              <a:solidFill>
+                <a:srgbClr val="FF0000"/>
+              </a:solidFill>
+              <a:latin typeface="微軟正黑體" pitchFamily="34" charset="-120"/>
+              <a:ea typeface="微軟正黑體" pitchFamily="34" charset="-120"/>
+            </a:endParaRPr>
+          </a:p>
+          <a:p>
+            <a:pPr algn="ctr">
+              <a:buNone/>
+            </a:pPr>
+            <a:r>
+              <a:rPr lang="zh-TW" altLang="en-US" sz="5400" b="1" dirty="0" smtClean="0">
+                <a:solidFill>
+                  <a:srgbClr val="FF0000"/>
+                </a:solidFill>
+                <a:latin typeface="微軟正黑體" pitchFamily="34" charset="-120"/>
+                <a:ea typeface="微軟正黑體" pitchFamily="34" charset="-120"/>
+              </a:rPr>
+              <a:t>讓</a:t>
+            </a:r>
+            <a:r>
+              <a:rPr lang="zh-TW" altLang="en-US" sz="5400" b="1" dirty="0">
+                <a:solidFill>
+                  <a:srgbClr val="FF0000"/>
+                </a:solidFill>
+                <a:latin typeface="微軟正黑體" pitchFamily="34" charset="-120"/>
+                <a:ea typeface="微軟正黑體" pitchFamily="34" charset="-120"/>
+              </a:rPr>
+              <a:t>自己成為別人祝福</a:t>
+            </a:r>
+            <a:endParaRPr lang="zh-TW" altLang="en-US" sz="5400" b="1" dirty="0" smtClean="0">
+              <a:solidFill>
+                <a:srgbClr val="FF0000"/>
+              </a:solidFill>
+              <a:latin typeface="微軟正黑體" pitchFamily="34" charset="-120"/>
+              <a:ea typeface="微軟正黑體" pitchFamily="34" charset="-120"/>
+            </a:endParaRPr>
+          </a:p>
+        </p:txBody>
+      </p:sp>
+    </p:spTree>
+  </p:cSld>
+  <p:clrMapOvr>
+    <a:masterClrMapping/>
+  </p:clrMapOvr>
+</p:sld>
+</file>
+
 <file path=ppt/slides/slide3.xml><?xml version="1.0" encoding="utf-8"?>
 <p:sld xmlns:a="http://schemas.openxmlformats.org/drawingml/2006/main" xmlns:r="http://schemas.openxmlformats.org/officeDocument/2006/relationships" xmlns:p="http://schemas.openxmlformats.org/presentationml/2006/main">
   <p:cSld>
@@ -9867,6 +10469,200 @@
       </p:par>
     </p:tnLst>
   </p:timing>
+</p:sld>
+</file>
+
+<file path=ppt/slides/slide30.xml><?xml version="1.0" encoding="utf-8"?>
+<p:sld xmlns:a="http://schemas.openxmlformats.org/drawingml/2006/main" xmlns:r="http://schemas.openxmlformats.org/officeDocument/2006/relationships" xmlns:p="http://schemas.openxmlformats.org/presentationml/2006/main">
+  <p:cSld>
+    <p:spTree>
+      <p:nvGrpSpPr>
+        <p:cNvPr id="1" name=""/>
+        <p:cNvGrpSpPr/>
+        <p:nvPr/>
+      </p:nvGrpSpPr>
+      <p:grpSpPr>
+        <a:xfrm>
+          <a:off x="0" y="0"/>
+          <a:ext cx="0" cy="0"/>
+          <a:chOff x="0" y="0"/>
+          <a:chExt cx="0" cy="0"/>
+        </a:xfrm>
+      </p:grpSpPr>
+      <p:sp>
+        <p:nvSpPr>
+          <p:cNvPr id="4" name="標題 3"/>
+          <p:cNvSpPr>
+            <a:spLocks noGrp="1"/>
+          </p:cNvSpPr>
+          <p:nvPr>
+            <p:ph type="title"/>
+          </p:nvPr>
+        </p:nvSpPr>
+        <p:spPr>
+          <a:xfrm>
+            <a:off x="0" y="0"/>
+            <a:ext cx="9144000" cy="1524000"/>
+          </a:xfrm>
+        </p:spPr>
+        <p:txBody>
+          <a:bodyPr/>
+          <a:lstStyle/>
+          <a:p>
+            <a:r>
+              <a:rPr lang="zh-CN" altLang="en-US" b="1" dirty="0" smtClean="0">
+                <a:solidFill>
+                  <a:srgbClr val="FF0000"/>
+                </a:solidFill>
+                <a:latin typeface="微軟正黑體" pitchFamily="34" charset="-120"/>
+                <a:ea typeface="微軟正黑體" pitchFamily="34" charset="-120"/>
+              </a:rPr>
+              <a:t>活出愛</a:t>
+            </a:r>
+            <a:endParaRPr lang="zh-TW" altLang="en-US" b="1" dirty="0">
+              <a:solidFill>
+                <a:srgbClr val="FF0000"/>
+              </a:solidFill>
+              <a:latin typeface="微軟正黑體" pitchFamily="34" charset="-120"/>
+              <a:ea typeface="微軟正黑體" pitchFamily="34" charset="-120"/>
+            </a:endParaRPr>
+          </a:p>
+        </p:txBody>
+      </p:sp>
+      <p:sp>
+        <p:nvSpPr>
+          <p:cNvPr id="5" name="內容版面配置區 4"/>
+          <p:cNvSpPr>
+            <a:spLocks noGrp="1"/>
+          </p:cNvSpPr>
+          <p:nvPr>
+            <p:ph idx="1"/>
+          </p:nvPr>
+        </p:nvSpPr>
+        <p:spPr>
+          <a:xfrm>
+            <a:off x="0" y="1600200"/>
+            <a:ext cx="9144000" cy="5257800"/>
+          </a:xfrm>
+        </p:spPr>
+        <p:txBody>
+          <a:bodyPr>
+            <a:noAutofit/>
+          </a:bodyPr>
+          <a:lstStyle/>
+          <a:p>
+            <a:pPr algn="ctr">
+              <a:buNone/>
+            </a:pPr>
+            <a:r>
+              <a:rPr lang="zh-TW" altLang="en-US" sz="5400" b="1" dirty="0">
+                <a:solidFill>
+                  <a:srgbClr val="FF0000"/>
+                </a:solidFill>
+                <a:latin typeface="微軟正黑體" pitchFamily="34" charset="-120"/>
+                <a:ea typeface="微軟正黑體" pitchFamily="34" charset="-120"/>
+              </a:rPr>
+              <a:t>耶穌的愛點燃</a:t>
+            </a:r>
+            <a:r>
+              <a:rPr lang="zh-TW" altLang="en-US" sz="5400" b="1" dirty="0" smtClean="0">
+                <a:solidFill>
+                  <a:srgbClr val="FF0000"/>
+                </a:solidFill>
+                <a:latin typeface="微軟正黑體" pitchFamily="34" charset="-120"/>
+                <a:ea typeface="微軟正黑體" pitchFamily="34" charset="-120"/>
+              </a:rPr>
+              <a:t>我</a:t>
+            </a:r>
+            <a:endParaRPr lang="en-US" altLang="zh-TW" sz="5400" b="1" dirty="0" smtClean="0">
+              <a:solidFill>
+                <a:srgbClr val="FF0000"/>
+              </a:solidFill>
+              <a:latin typeface="微軟正黑體" pitchFamily="34" charset="-120"/>
+              <a:ea typeface="微軟正黑體" pitchFamily="34" charset="-120"/>
+            </a:endParaRPr>
+          </a:p>
+          <a:p>
+            <a:pPr algn="ctr">
+              <a:buNone/>
+            </a:pPr>
+            <a:r>
+              <a:rPr lang="zh-TW" altLang="en-US" sz="5400" b="1" dirty="0" smtClean="0">
+                <a:solidFill>
+                  <a:srgbClr val="FF0000"/>
+                </a:solidFill>
+                <a:latin typeface="微軟正黑體" pitchFamily="34" charset="-120"/>
+                <a:ea typeface="微軟正黑體" pitchFamily="34" charset="-120"/>
+              </a:rPr>
+              <a:t>心中</a:t>
+            </a:r>
+            <a:r>
+              <a:rPr lang="zh-TW" altLang="en-US" sz="5400" b="1" dirty="0">
+                <a:solidFill>
+                  <a:srgbClr val="FF0000"/>
+                </a:solidFill>
+                <a:latin typeface="微軟正黑體" pitchFamily="34" charset="-120"/>
+                <a:ea typeface="微軟正黑體" pitchFamily="34" charset="-120"/>
+              </a:rPr>
+              <a:t>熊</a:t>
+            </a:r>
+            <a:r>
+              <a:rPr lang="zh-TW" altLang="en-US" sz="5400" b="1" dirty="0" smtClean="0">
+                <a:solidFill>
+                  <a:srgbClr val="FF0000"/>
+                </a:solidFill>
+                <a:latin typeface="微軟正黑體" pitchFamily="34" charset="-120"/>
+                <a:ea typeface="微軟正黑體" pitchFamily="34" charset="-120"/>
+              </a:rPr>
+              <a:t>熊愛火</a:t>
+            </a:r>
+            <a:endParaRPr lang="en-US" altLang="zh-TW" sz="5400" b="1" dirty="0">
+              <a:solidFill>
+                <a:srgbClr val="FF0000"/>
+              </a:solidFill>
+              <a:latin typeface="微軟正黑體" pitchFamily="34" charset="-120"/>
+              <a:ea typeface="微軟正黑體" pitchFamily="34" charset="-120"/>
+            </a:endParaRPr>
+          </a:p>
+          <a:p>
+            <a:pPr algn="ctr">
+              <a:buNone/>
+            </a:pPr>
+            <a:r>
+              <a:rPr lang="zh-TW" altLang="en-US" sz="5400" b="1" dirty="0" smtClean="0">
+                <a:solidFill>
+                  <a:srgbClr val="FF0000"/>
+                </a:solidFill>
+                <a:latin typeface="微軟正黑體" pitchFamily="34" charset="-120"/>
+                <a:ea typeface="微軟正黑體" pitchFamily="34" charset="-120"/>
+              </a:rPr>
+              <a:t>我們</a:t>
+            </a:r>
+            <a:r>
+              <a:rPr lang="zh-TW" altLang="en-US" sz="5400" b="1" dirty="0">
+                <a:solidFill>
+                  <a:srgbClr val="FF0000"/>
+                </a:solidFill>
+                <a:latin typeface="微軟正黑體" pitchFamily="34" charset="-120"/>
+                <a:ea typeface="微軟正黑體" pitchFamily="34" charset="-120"/>
+              </a:rPr>
+              <a:t>一起 向世界 活出愛</a:t>
+            </a:r>
+            <a:endParaRPr lang="zh-TW" altLang="en-US" sz="5400" b="1" dirty="0" smtClean="0">
+              <a:solidFill>
+                <a:srgbClr val="FF0000"/>
+              </a:solidFill>
+              <a:latin typeface="微軟正黑體" pitchFamily="34" charset="-120"/>
+              <a:ea typeface="微軟正黑體" pitchFamily="34" charset="-120"/>
+            </a:endParaRPr>
+          </a:p>
+        </p:txBody>
+      </p:sp>
+    </p:spTree>
+  </p:cSld>
+  <p:clrMapOvr>
+    <a:masterClrMapping/>
+  </p:clrMapOvr>
 </p:sld>
 </file>
 
